--- a/Do An Tot Nghiep.pptx
+++ b/Do An Tot Nghiep.pptx
@@ -5605,47 +5605,27 @@
                   </a:schemeClr>
                 </a:solidFill>
               </a:rPr>
-              <a:t>19</a:t>
-            </a:r>
-            <a:r>
-              <a:rPr lang="en-US" sz="1700" dirty="0" smtClean="0">
+              <a:t>19 </a:t>
+            </a:r>
+            <a:r>
+              <a:rPr lang="en-US" sz="1700" dirty="0" err="1" smtClean="0">
                 <a:solidFill>
                   <a:schemeClr val="accent6">
                     <a:lumMod val="25000"/>
                   </a:schemeClr>
                 </a:solidFill>
               </a:rPr>
-              <a:t> </a:t>
-            </a:r>
-            <a:r>
-              <a:rPr lang="en-US" sz="1700" dirty="0" err="1" smtClean="0">
+              <a:t>Tháng</a:t>
+            </a:r>
+            <a:r>
+              <a:rPr lang="en-US" sz="1700" dirty="0" smtClean="0">
                 <a:solidFill>
                   <a:schemeClr val="accent6">
                     <a:lumMod val="25000"/>
                   </a:schemeClr>
                 </a:solidFill>
               </a:rPr>
-              <a:t>Tháng</a:t>
-            </a:r>
-            <a:r>
-              <a:rPr lang="en-US" sz="1700" dirty="0" smtClean="0">
-                <a:solidFill>
-                  <a:schemeClr val="accent6">
-                    <a:lumMod val="25000"/>
-                  </a:schemeClr>
-                </a:solidFill>
-              </a:rPr>
-              <a:t> </a:t>
-            </a:r>
-            <a:r>
-              <a:rPr lang="en-US" sz="1700" dirty="0" smtClean="0">
-                <a:solidFill>
-                  <a:schemeClr val="accent6">
-                    <a:lumMod val="25000"/>
-                  </a:schemeClr>
-                </a:solidFill>
-              </a:rPr>
-              <a:t>11 </a:t>
+              <a:t> 11 </a:t>
             </a:r>
             <a:r>
               <a:rPr lang="en-US" sz="1700" dirty="0" err="1" smtClean="0">
@@ -14012,7 +13992,7 @@
         </p:nvSpPr>
         <p:spPr>
           <a:xfrm>
-            <a:off x="786149" y="1760781"/>
+            <a:off x="786149" y="1685143"/>
             <a:ext cx="8233159" cy="502509"/>
           </a:xfrm>
           <a:prstGeom prst="rect">
@@ -20358,6 +20338,28 @@
           </a:p>
         </p:txBody>
       </p:sp>
+      <p:pic>
+        <p:nvPicPr>
+          <p:cNvPr id="8" name="Picture 7"/>
+          <p:cNvPicPr/>
+          <p:nvPr/>
+        </p:nvPicPr>
+        <p:blipFill>
+          <a:blip r:embed="rId3"/>
+          <a:stretch>
+            <a:fillRect/>
+          </a:stretch>
+        </p:blipFill>
+        <p:spPr>
+          <a:xfrm>
+            <a:off x="4821383" y="849696"/>
+            <a:ext cx="3311236" cy="4057116"/>
+          </a:xfrm>
+          <a:prstGeom prst="rect">
+            <a:avLst/>
+          </a:prstGeom>
+        </p:spPr>
+      </p:pic>
     </p:spTree>
     <p:extLst>
       <p:ext uri="{BB962C8B-B14F-4D97-AF65-F5344CB8AC3E}">
@@ -20588,6 +20590,59 @@
                       </p:childTnLst>
                     </p:cTn>
                   </p:par>
+                  <p:par>
+                    <p:cTn id="23" fill="hold">
+                      <p:stCondLst>
+                        <p:cond delay="indefinite"/>
+                      </p:stCondLst>
+                      <p:childTnLst>
+                        <p:par>
+                          <p:cTn id="24" fill="hold">
+                            <p:stCondLst>
+                              <p:cond delay="0"/>
+                            </p:stCondLst>
+                            <p:childTnLst>
+                              <p:par>
+                                <p:cTn id="25" presetID="14" presetClass="entr" presetSubtype="10" fill="hold" nodeType="clickEffect">
+                                  <p:stCondLst>
+                                    <p:cond delay="0"/>
+                                  </p:stCondLst>
+                                  <p:childTnLst>
+                                    <p:set>
+                                      <p:cBhvr>
+                                        <p:cTn id="26" dur="1" fill="hold">
+                                          <p:stCondLst>
+                                            <p:cond delay="0"/>
+                                          </p:stCondLst>
+                                        </p:cTn>
+                                        <p:tgtEl>
+                                          <p:spTgt spid="8"/>
+                                        </p:tgtEl>
+                                        <p:attrNameLst>
+                                          <p:attrName>style.visibility</p:attrName>
+                                        </p:attrNameLst>
+                                      </p:cBhvr>
+                                      <p:to>
+                                        <p:strVal val="visible"/>
+                                      </p:to>
+                                    </p:set>
+                                    <p:animEffect transition="in" filter="randombar(horizontal)">
+                                      <p:cBhvr>
+                                        <p:cTn id="27" dur="500"/>
+                                        <p:tgtEl>
+                                          <p:spTgt spid="8"/>
+                                        </p:tgtEl>
+                                      </p:cBhvr>
+                                    </p:animEffect>
+                                  </p:childTnLst>
+                                </p:cTn>
+                              </p:par>
+                            </p:childTnLst>
+                          </p:cTn>
+                        </p:par>
+                      </p:childTnLst>
+                    </p:cTn>
+                  </p:par>
                 </p:childTnLst>
               </p:cTn>
               <p:prevCondLst>
@@ -20921,6 +20976,30 @@
           </a:p>
         </p:txBody>
       </p:sp>
+      <p:pic>
+        <p:nvPicPr>
+          <p:cNvPr id="6" name="Picture 5"/>
+          <p:cNvPicPr>
+            <a:picLocks noChangeAspect="1"/>
+          </p:cNvPicPr>
+          <p:nvPr/>
+        </p:nvPicPr>
+        <p:blipFill>
+          <a:blip r:embed="rId2"/>
+          <a:stretch>
+            <a:fillRect/>
+          </a:stretch>
+        </p:blipFill>
+        <p:spPr>
+          <a:xfrm>
+            <a:off x="796545" y="1288542"/>
+            <a:ext cx="7058983" cy="3234904"/>
+          </a:xfrm>
+          <a:prstGeom prst="rect">
+            <a:avLst/>
+          </a:prstGeom>
+        </p:spPr>
+      </p:pic>
     </p:spTree>
     <p:extLst>
       <p:ext uri="{BB962C8B-B14F-4D97-AF65-F5344CB8AC3E}">
@@ -21086,6 +21165,59 @@
                                         <p:cTn id="17" dur="500"/>
                                         <p:tgtEl>
                                           <p:spTgt spid="2"/>
+                                        </p:tgtEl>
+                                      </p:cBhvr>
+                                    </p:animEffect>
+                                  </p:childTnLst>
+                                </p:cTn>
+                              </p:par>
+                            </p:childTnLst>
+                          </p:cTn>
+                        </p:par>
+                      </p:childTnLst>
+                    </p:cTn>
+                  </p:par>
+                  <p:par>
+                    <p:cTn id="18" fill="hold">
+                      <p:stCondLst>
+                        <p:cond delay="indefinite"/>
+                      </p:stCondLst>
+                      <p:childTnLst>
+                        <p:par>
+                          <p:cTn id="19" fill="hold">
+                            <p:stCondLst>
+                              <p:cond delay="0"/>
+                            </p:stCondLst>
+                            <p:childTnLst>
+                              <p:par>
+                                <p:cTn id="20" presetID="14" presetClass="entr" presetSubtype="10" fill="hold" nodeType="clickEffect">
+                                  <p:stCondLst>
+                                    <p:cond delay="0"/>
+                                  </p:stCondLst>
+                                  <p:childTnLst>
+                                    <p:set>
+                                      <p:cBhvr>
+                                        <p:cTn id="21" dur="1" fill="hold">
+                                          <p:stCondLst>
+                                            <p:cond delay="0"/>
+                                          </p:stCondLst>
+                                        </p:cTn>
+                                        <p:tgtEl>
+                                          <p:spTgt spid="6"/>
+                                        </p:tgtEl>
+                                        <p:attrNameLst>
+                                          <p:attrName>style.visibility</p:attrName>
+                                        </p:attrNameLst>
+                                      </p:cBhvr>
+                                      <p:to>
+                                        <p:strVal val="visible"/>
+                                      </p:to>
+                                    </p:set>
+                                    <p:animEffect transition="in" filter="randombar(horizontal)">
+                                      <p:cBhvr>
+                                        <p:cTn id="22" dur="500"/>
+                                        <p:tgtEl>
+                                          <p:spTgt spid="6"/>
                                         </p:tgtEl>
                                       </p:cBhvr>
                                     </p:animEffect>
@@ -23907,7 +24039,7 @@
         <p:spPr>
           <a:xfrm>
             <a:off x="817418" y="1066478"/>
-            <a:ext cx="8118764" cy="1169551"/>
+            <a:ext cx="8118764" cy="954107"/>
           </a:xfrm>
           <a:prstGeom prst="rect">
             <a:avLst/>
@@ -24417,98 +24549,6 @@
             <a:r>
               <a:rPr lang="en-US" dirty="0" err="1" smtClean="0"/>
               <a:t>ngành</a:t>
-            </a:r>
-            <a:r>
-              <a:rPr lang="en-US" dirty="0" smtClean="0"/>
-              <a:t> IT </a:t>
-            </a:r>
-            <a:r>
-              <a:rPr lang="en-US" dirty="0" err="1" smtClean="0"/>
-              <a:t>cũng</a:t>
-            </a:r>
-            <a:r>
-              <a:rPr lang="en-US" dirty="0" smtClean="0"/>
-              <a:t> </a:t>
-            </a:r>
-            <a:r>
-              <a:rPr lang="en-US" dirty="0" err="1" smtClean="0"/>
-              <a:t>như</a:t>
-            </a:r>
-            <a:r>
-              <a:rPr lang="en-US" dirty="0" smtClean="0"/>
-              <a:t> </a:t>
-            </a:r>
-            <a:r>
-              <a:rPr lang="en-US" dirty="0" err="1" smtClean="0"/>
-              <a:t>có</a:t>
-            </a:r>
-            <a:r>
-              <a:rPr lang="en-US" dirty="0" smtClean="0"/>
-              <a:t> </a:t>
-            </a:r>
-            <a:r>
-              <a:rPr lang="en-US" dirty="0" err="1" smtClean="0"/>
-              <a:t>thể</a:t>
-            </a:r>
-            <a:r>
-              <a:rPr lang="en-US" dirty="0" smtClean="0"/>
-              <a:t> </a:t>
-            </a:r>
-            <a:r>
-              <a:rPr lang="en-US" dirty="0" err="1" smtClean="0"/>
-              <a:t>làm</a:t>
-            </a:r>
-            <a:r>
-              <a:rPr lang="en-US" dirty="0" smtClean="0"/>
-              <a:t> </a:t>
-            </a:r>
-            <a:r>
-              <a:rPr lang="en-US" dirty="0" err="1" smtClean="0"/>
-              <a:t>việc</a:t>
-            </a:r>
-            <a:r>
-              <a:rPr lang="en-US" dirty="0" smtClean="0"/>
-              <a:t> </a:t>
-            </a:r>
-            <a:r>
-              <a:rPr lang="en-US" dirty="0" err="1" smtClean="0"/>
-              <a:t>được</a:t>
-            </a:r>
-            <a:r>
-              <a:rPr lang="en-US" dirty="0" smtClean="0"/>
-              <a:t> ở </a:t>
-            </a:r>
-            <a:r>
-              <a:rPr lang="en-US" dirty="0" err="1" smtClean="0"/>
-              <a:t>môi</a:t>
-            </a:r>
-            <a:r>
-              <a:rPr lang="en-US" dirty="0" smtClean="0"/>
-              <a:t> </a:t>
-            </a:r>
-            <a:r>
-              <a:rPr lang="en-US" dirty="0" err="1" smtClean="0"/>
-              <a:t>trường</a:t>
-            </a:r>
-            <a:r>
-              <a:rPr lang="en-US" dirty="0" smtClean="0"/>
-              <a:t> </a:t>
-            </a:r>
-            <a:r>
-              <a:rPr lang="en-US" dirty="0" err="1" smtClean="0"/>
-              <a:t>doanh</a:t>
-            </a:r>
-            <a:r>
-              <a:rPr lang="en-US" dirty="0" smtClean="0"/>
-              <a:t> </a:t>
-            </a:r>
-            <a:r>
-              <a:rPr lang="en-US" dirty="0" err="1" smtClean="0"/>
-              <a:t>nghiệp</a:t>
-            </a:r>
-            <a:r>
-              <a:rPr lang="en-US" dirty="0" smtClean="0"/>
-              <a:t>.</a:t>
             </a:r>
             <a:endParaRPr lang="en-US" dirty="0"/>
           </a:p>
@@ -24962,7 +25002,6 @@
               <a:rPr lang="en-US" dirty="0" smtClean="0"/>
               <a:t>.</a:t>
             </a:r>
-            <a:endParaRPr lang="en-US" dirty="0" smtClean="0"/>
           </a:p>
           <a:p>
             <a:pPr marL="285750" indent="-285750">
@@ -27559,10 +27598,6 @@
               </a:rPr>
               <a:t> .</a:t>
             </a:r>
-            <a:endParaRPr lang="en-US" dirty="0" smtClean="0">
-              <a:latin typeface="+mj-lt"/>
-              <a:ea typeface="Times New Roman" panose="02020603050405020304" pitchFamily="18" charset="0"/>
-            </a:endParaRPr>
           </a:p>
         </p:txBody>
       </p:sp>
@@ -30410,6 +30445,46 @@
             </a:r>
           </a:p>
           <a:p>
+            <a:r>
+              <a:rPr lang="en-US" dirty="0" smtClean="0"/>
+              <a:t>+ </a:t>
+            </a:r>
+            <a:r>
+              <a:rPr lang="en-US" dirty="0" err="1" smtClean="0"/>
+              <a:t>Viết</a:t>
+            </a:r>
+            <a:r>
+              <a:rPr lang="en-US" dirty="0" smtClean="0"/>
+              <a:t> , </a:t>
+            </a:r>
+            <a:r>
+              <a:rPr lang="en-US" dirty="0" err="1" smtClean="0"/>
+              <a:t>chỉnh</a:t>
+            </a:r>
+            <a:r>
+              <a:rPr lang="en-US" dirty="0" smtClean="0"/>
+              <a:t> </a:t>
+            </a:r>
+            <a:r>
+              <a:rPr lang="en-US" dirty="0" err="1" smtClean="0"/>
+              <a:t>sửa</a:t>
+            </a:r>
+            <a:r>
+              <a:rPr lang="en-US" dirty="0" smtClean="0"/>
+              <a:t> </a:t>
+            </a:r>
+            <a:r>
+              <a:rPr lang="en-US" dirty="0" err="1" smtClean="0"/>
+              <a:t>báo</a:t>
+            </a:r>
+            <a:r>
+              <a:rPr lang="en-US" dirty="0" smtClean="0"/>
+              <a:t> </a:t>
+            </a:r>
+            <a:r>
+              <a:rPr lang="en-US" dirty="0" err="1" smtClean="0"/>
+              <a:t>cáo</a:t>
+            </a:r>
             <a:endParaRPr lang="en-US" dirty="0"/>
           </a:p>
           <a:p>
@@ -30426,7 +30501,7 @@
         <p:spPr>
           <a:xfrm>
             <a:off x="1600201" y="2284024"/>
-            <a:ext cx="5728853" cy="1600438"/>
+            <a:ext cx="5728853" cy="1846659"/>
           </a:xfrm>
           <a:prstGeom prst="rect">
             <a:avLst/>
@@ -30574,11 +30649,7 @@
             </a:r>
             <a:r>
               <a:rPr lang="en-US" sz="1600" dirty="0" err="1" smtClean="0"/>
-              <a:t>B</a:t>
-            </a:r>
-            <a:r>
-              <a:rPr lang="en-US" sz="1600" dirty="0" err="1" smtClean="0"/>
-              <a:t>ackEnd</a:t>
+              <a:t>BackEnd</a:t>
             </a:r>
             <a:r>
               <a:rPr lang="en-US" sz="1600" dirty="0" smtClean="0"/>
@@ -30773,6 +30844,64 @@
             <a:r>
               <a:rPr lang="en-US" sz="1600" dirty="0" smtClean="0"/>
               <a:t>)</a:t>
+            </a:r>
+          </a:p>
+          <a:p>
+            <a:r>
+              <a:rPr lang="en-US" sz="1600" dirty="0" smtClean="0"/>
+              <a:t>+ </a:t>
+            </a:r>
+            <a:r>
+              <a:rPr lang="en-US" sz="1600" dirty="0" err="1" smtClean="0"/>
+              <a:t>Làm</a:t>
+            </a:r>
+            <a:r>
+              <a:rPr lang="en-US" sz="1600" dirty="0" smtClean="0"/>
+              <a:t> </a:t>
+            </a:r>
+            <a:r>
+              <a:rPr lang="en-US" sz="1600" dirty="0" err="1" smtClean="0"/>
+              <a:t>silde</a:t>
+            </a:r>
+            <a:r>
+              <a:rPr lang="en-US" sz="1600" dirty="0" smtClean="0"/>
+              <a:t>, </a:t>
+            </a:r>
+            <a:r>
+              <a:rPr lang="en-US" sz="1600" dirty="0" err="1" smtClean="0"/>
+              <a:t>viết</a:t>
+            </a:r>
+            <a:r>
+              <a:rPr lang="en-US" sz="1600" dirty="0" smtClean="0"/>
+              <a:t>, </a:t>
+            </a:r>
+            <a:r>
+              <a:rPr lang="en-US" sz="1600" dirty="0" err="1" smtClean="0"/>
+              <a:t>chỉnh</a:t>
+            </a:r>
+            <a:r>
+              <a:rPr lang="en-US" sz="1600" dirty="0" smtClean="0"/>
+              <a:t> </a:t>
+            </a:r>
+            <a:r>
+              <a:rPr lang="en-US" sz="1600" dirty="0" err="1" smtClean="0"/>
+              <a:t>sửa</a:t>
+            </a:r>
+            <a:r>
+              <a:rPr lang="en-US" sz="1600" dirty="0" smtClean="0"/>
+              <a:t> </a:t>
+            </a:r>
+            <a:r>
+              <a:rPr lang="en-US" sz="1600" dirty="0" err="1" smtClean="0"/>
+              <a:t>báo</a:t>
+            </a:r>
+            <a:r>
+              <a:rPr lang="en-US" sz="1600" dirty="0" smtClean="0"/>
+              <a:t> </a:t>
+            </a:r>
+            <a:r>
+              <a:rPr lang="en-US" sz="1600" dirty="0" err="1" smtClean="0"/>
+              <a:t>cáo</a:t>
             </a:r>
             <a:endParaRPr lang="en-US" sz="1600" dirty="0"/>
           </a:p>
@@ -31395,6 +31524,49 @@
                                   </p:childTnLst>
                                 </p:cTn>
                               </p:par>
+                              <p:par>
+                                <p:cTn id="27" presetID="22" presetClass="entr" presetSubtype="4" fill="hold" nodeType="withEffect">
+                                  <p:stCondLst>
+                                    <p:cond delay="0"/>
+                                  </p:stCondLst>
+                                  <p:childTnLst>
+                                    <p:set>
+                                      <p:cBhvr>
+                                        <p:cTn id="28" dur="1" fill="hold">
+                                          <p:stCondLst>
+                                            <p:cond delay="0"/>
+                                          </p:stCondLst>
+                                        </p:cTn>
+                                        <p:tgtEl>
+                                          <p:spTgt spid="4">
+                                            <p:txEl>
+                                              <p:pRg st="5" end="5"/>
+                                            </p:txEl>
+                                          </p:spTgt>
+                                        </p:tgtEl>
+                                        <p:attrNameLst>
+                                          <p:attrName>style.visibility</p:attrName>
+                                        </p:attrNameLst>
+                                      </p:cBhvr>
+                                      <p:to>
+                                        <p:strVal val="visible"/>
+                                      </p:to>
+                                    </p:set>
+                                    <p:animEffect transition="in" filter="wipe(down)">
+                                      <p:cBhvr>
+                                        <p:cTn id="29" dur="500"/>
+                                        <p:tgtEl>
+                                          <p:spTgt spid="4">
+                                            <p:txEl>
+                                              <p:pRg st="5" end="5"/>
+                                            </p:txEl>
+                                          </p:spTgt>
+                                        </p:tgtEl>
+                                      </p:cBhvr>
+                                    </p:animEffect>
+                                  </p:childTnLst>
+                                </p:cTn>
+                              </p:par>
                             </p:childTnLst>
                           </p:cTn>
                         </p:par>
@@ -31402,26 +31574,26 @@
                     </p:cTn>
                   </p:par>
                   <p:par>
-                    <p:cTn id="27" fill="hold">
+                    <p:cTn id="30" fill="hold">
                       <p:stCondLst>
                         <p:cond delay="indefinite"/>
                       </p:stCondLst>
                       <p:childTnLst>
                         <p:par>
-                          <p:cTn id="28" fill="hold">
+                          <p:cTn id="31" fill="hold">
                             <p:stCondLst>
                               <p:cond delay="0"/>
                             </p:stCondLst>
                             <p:childTnLst>
                               <p:par>
-                                <p:cTn id="29" presetID="14" presetClass="entr" presetSubtype="10" fill="hold" nodeType="clickEffect">
+                                <p:cTn id="32" presetID="14" presetClass="entr" presetSubtype="10" fill="hold" nodeType="clickEffect">
                                   <p:stCondLst>
                                     <p:cond delay="0"/>
                                   </p:stCondLst>
                                   <p:childTnLst>
                                     <p:set>
                                       <p:cBhvr>
-                                        <p:cTn id="30" dur="1" fill="hold">
+                                        <p:cTn id="33" dur="1" fill="hold">
                                           <p:stCondLst>
                                             <p:cond delay="0"/>
                                           </p:stCondLst>
@@ -31443,7 +31615,7 @@
                                     </p:set>
                                     <p:animEffect transition="in" filter="randombar(horizontal)">
                                       <p:cBhvr>
-                                        <p:cTn id="31" dur="500"/>
+                                        <p:cTn id="34" dur="500"/>
                                         <p:tgtEl>
                                           <p:spTgt spid="5">
                                             <p:txEl>
@@ -31463,26 +31635,26 @@
                     </p:cTn>
                   </p:par>
                   <p:par>
-                    <p:cTn id="32" fill="hold">
+                    <p:cTn id="35" fill="hold">
                       <p:stCondLst>
                         <p:cond delay="indefinite"/>
                       </p:stCondLst>
                       <p:childTnLst>
                         <p:par>
-                          <p:cTn id="33" fill="hold">
+                          <p:cTn id="36" fill="hold">
                             <p:stCondLst>
                               <p:cond delay="0"/>
                             </p:stCondLst>
                             <p:childTnLst>
                               <p:par>
-                                <p:cTn id="34" presetID="14" presetClass="entr" presetSubtype="10" fill="hold" nodeType="clickEffect">
+                                <p:cTn id="37" presetID="14" presetClass="entr" presetSubtype="10" fill="hold" nodeType="clickEffect">
                                   <p:stCondLst>
                                     <p:cond delay="0"/>
                                   </p:stCondLst>
                                   <p:childTnLst>
                                     <p:set>
                                       <p:cBhvr>
-                                        <p:cTn id="35" dur="1" fill="hold">
+                                        <p:cTn id="38" dur="1" fill="hold">
                                           <p:stCondLst>
                                             <p:cond delay="0"/>
                                           </p:stCondLst>
@@ -31504,54 +31676,11 @@
                                     </p:set>
                                     <p:animEffect transition="in" filter="randombar(horizontal)">
                                       <p:cBhvr>
-                                        <p:cTn id="36" dur="500"/>
+                                        <p:cTn id="39" dur="500"/>
                                         <p:tgtEl>
                                           <p:spTgt spid="5">
                                             <p:txEl>
                                               <p:pRg st="1" end="1"/>
-                                            </p:txEl>
-                                          </p:spTgt>
-                                        </p:tgtEl>
-                                      </p:cBhvr>
-                                    </p:animEffect>
-                                  </p:childTnLst>
-                                </p:cTn>
-                              </p:par>
-                              <p:par>
-                                <p:cTn id="37" presetID="14" presetClass="entr" presetSubtype="10" fill="hold" nodeType="withEffect">
-                                  <p:stCondLst>
-                                    <p:cond delay="0"/>
-                                  </p:stCondLst>
-                                  <p:childTnLst>
-                                    <p:set>
-                                      <p:cBhvr>
-                                        <p:cTn id="38" dur="1" fill="hold">
-                                          <p:stCondLst>
-                                            <p:cond delay="0"/>
-                                          </p:stCondLst>
-                                        </p:cTn>
-                                        <p:tgtEl>
-                                          <p:spTgt spid="5">
-                                            <p:txEl>
-                                              <p:pRg st="2" end="2"/>
-                                            </p:txEl>
-                                          </p:spTgt>
-                                        </p:tgtEl>
-                                        <p:attrNameLst>
-                                          <p:attrName>style.visibility</p:attrName>
-                                        </p:attrNameLst>
-                                      </p:cBhvr>
-                                      <p:to>
-                                        <p:strVal val="visible"/>
-                                      </p:to>
-                                    </p:set>
-                                    <p:animEffect transition="in" filter="randombar(horizontal)">
-                                      <p:cBhvr>
-                                        <p:cTn id="39" dur="500"/>
-                                        <p:tgtEl>
-                                          <p:spTgt spid="5">
-                                            <p:txEl>
-                                              <p:pRg st="2" end="2"/>
                                             </p:txEl>
                                           </p:spTgt>
                                         </p:tgtEl>
@@ -31576,7 +31705,7 @@
                                         <p:tgtEl>
                                           <p:spTgt spid="5">
                                             <p:txEl>
-                                              <p:pRg st="3" end="3"/>
+                                              <p:pRg st="2" end="2"/>
                                             </p:txEl>
                                           </p:spTgt>
                                         </p:tgtEl>
@@ -31594,7 +31723,93 @@
                                         <p:tgtEl>
                                           <p:spTgt spid="5">
                                             <p:txEl>
+                                              <p:pRg st="2" end="2"/>
+                                            </p:txEl>
+                                          </p:spTgt>
+                                        </p:tgtEl>
+                                      </p:cBhvr>
+                                    </p:animEffect>
+                                  </p:childTnLst>
+                                </p:cTn>
+                              </p:par>
+                              <p:par>
+                                <p:cTn id="43" presetID="14" presetClass="entr" presetSubtype="10" fill="hold" nodeType="withEffect">
+                                  <p:stCondLst>
+                                    <p:cond delay="0"/>
+                                  </p:stCondLst>
+                                  <p:childTnLst>
+                                    <p:set>
+                                      <p:cBhvr>
+                                        <p:cTn id="44" dur="1" fill="hold">
+                                          <p:stCondLst>
+                                            <p:cond delay="0"/>
+                                          </p:stCondLst>
+                                        </p:cTn>
+                                        <p:tgtEl>
+                                          <p:spTgt spid="5">
+                                            <p:txEl>
                                               <p:pRg st="3" end="3"/>
+                                            </p:txEl>
+                                          </p:spTgt>
+                                        </p:tgtEl>
+                                        <p:attrNameLst>
+                                          <p:attrName>style.visibility</p:attrName>
+                                        </p:attrNameLst>
+                                      </p:cBhvr>
+                                      <p:to>
+                                        <p:strVal val="visible"/>
+                                      </p:to>
+                                    </p:set>
+                                    <p:animEffect transition="in" filter="randombar(horizontal)">
+                                      <p:cBhvr>
+                                        <p:cTn id="45" dur="500"/>
+                                        <p:tgtEl>
+                                          <p:spTgt spid="5">
+                                            <p:txEl>
+                                              <p:pRg st="3" end="3"/>
+                                            </p:txEl>
+                                          </p:spTgt>
+                                        </p:tgtEl>
+                                      </p:cBhvr>
+                                    </p:animEffect>
+                                  </p:childTnLst>
+                                </p:cTn>
+                              </p:par>
+                              <p:par>
+                                <p:cTn id="46" presetID="14" presetClass="entr" presetSubtype="10" fill="hold" nodeType="withEffect">
+                                  <p:stCondLst>
+                                    <p:cond delay="0"/>
+                                  </p:stCondLst>
+                                  <p:childTnLst>
+                                    <p:set>
+                                      <p:cBhvr>
+                                        <p:cTn id="47" dur="1" fill="hold">
+                                          <p:stCondLst>
+                                            <p:cond delay="0"/>
+                                          </p:stCondLst>
+                                        </p:cTn>
+                                        <p:tgtEl>
+                                          <p:spTgt spid="5">
+                                            <p:txEl>
+                                              <p:pRg st="4" end="4"/>
+                                            </p:txEl>
+                                          </p:spTgt>
+                                        </p:tgtEl>
+                                        <p:attrNameLst>
+                                          <p:attrName>style.visibility</p:attrName>
+                                        </p:attrNameLst>
+                                      </p:cBhvr>
+                                      <p:to>
+                                        <p:strVal val="visible"/>
+                                      </p:to>
+                                    </p:set>
+                                    <p:animEffect transition="in" filter="randombar(horizontal)">
+                                      <p:cBhvr>
+                                        <p:cTn id="48" dur="500"/>
+                                        <p:tgtEl>
+                                          <p:spTgt spid="5">
+                                            <p:txEl>
+                                              <p:pRg st="4" end="4"/>
                                             </p:txEl>
                                           </p:spTgt>
                                         </p:tgtEl>
@@ -32361,7 +32576,7 @@
         <p:spPr>
           <a:xfrm>
             <a:off x="471053" y="1108784"/>
-            <a:ext cx="7405255" cy="2246769"/>
+            <a:ext cx="7405255" cy="2462213"/>
           </a:xfrm>
           <a:prstGeom prst="rect">
             <a:avLst/>
@@ -32379,7 +32594,51 @@
             </a:pPr>
             <a:r>
               <a:rPr lang="en-US" dirty="0" err="1" smtClean="0"/>
-              <a:t>Đăng</a:t>
+              <a:t>Giao</a:t>
+            </a:r>
+            <a:r>
+              <a:rPr lang="en-US" dirty="0" smtClean="0"/>
+              <a:t> </a:t>
+            </a:r>
+            <a:r>
+              <a:rPr lang="en-US" dirty="0" err="1" smtClean="0"/>
+              <a:t>diện</a:t>
+            </a:r>
+            <a:r>
+              <a:rPr lang="en-US" dirty="0" smtClean="0"/>
+              <a:t> </a:t>
+            </a:r>
+            <a:r>
+              <a:rPr lang="en-US" dirty="0" err="1"/>
+              <a:t>t</a:t>
+            </a:r>
+            <a:r>
+              <a:rPr lang="en-US" dirty="0" err="1" smtClean="0"/>
+              <a:t>rang</a:t>
+            </a:r>
+            <a:r>
+              <a:rPr lang="en-US" dirty="0" smtClean="0"/>
+              <a:t> </a:t>
+            </a:r>
+            <a:r>
+              <a:rPr lang="en-US" dirty="0" err="1" smtClean="0"/>
+              <a:t>chủ</a:t>
+            </a:r>
+            <a:r>
+              <a:rPr lang="en-US" dirty="0" smtClean="0"/>
+              <a:t>, </a:t>
+            </a:r>
+            <a:r>
+              <a:rPr lang="en-US" dirty="0" err="1" smtClean="0"/>
+              <a:t>trang</a:t>
+            </a:r>
+            <a:r>
+              <a:rPr lang="en-US" dirty="0" smtClean="0"/>
+              <a:t> </a:t>
+            </a:r>
+            <a:r>
+              <a:rPr lang="en-US" dirty="0" err="1" smtClean="0"/>
+              <a:t>đăng</a:t>
             </a:r>
             <a:r>
               <a:rPr lang="en-US" dirty="0" smtClean="0"/>
@@ -32404,6 +32663,38 @@
             <a:r>
               <a:rPr lang="en-US" dirty="0" err="1" smtClean="0"/>
               <a:t>kí</a:t>
+            </a:r>
+            <a:r>
+              <a:rPr lang="en-US" dirty="0" smtClean="0"/>
+              <a:t>, </a:t>
+            </a:r>
+            <a:r>
+              <a:rPr lang="en-US" dirty="0" err="1" smtClean="0"/>
+              <a:t>sau</a:t>
+            </a:r>
+            <a:r>
+              <a:rPr lang="en-US" dirty="0" smtClean="0"/>
+              <a:t> </a:t>
+            </a:r>
+            <a:r>
+              <a:rPr lang="en-US" dirty="0" err="1" smtClean="0"/>
+              <a:t>khi</a:t>
+            </a:r>
+            <a:r>
+              <a:rPr lang="en-US" dirty="0" smtClean="0"/>
+              <a:t> </a:t>
+            </a:r>
+            <a:r>
+              <a:rPr lang="en-US" dirty="0" err="1" smtClean="0"/>
+              <a:t>đăng</a:t>
+            </a:r>
+            <a:r>
+              <a:rPr lang="en-US" dirty="0" smtClean="0"/>
+              <a:t> </a:t>
+            </a:r>
+            <a:r>
+              <a:rPr lang="en-US" dirty="0" err="1" smtClean="0"/>
+              <a:t>nhập</a:t>
             </a:r>
             <a:endParaRPr lang="en-US" dirty="0"/>
           </a:p>
@@ -32421,7 +32712,15 @@
             </a:r>
             <a:r>
               <a:rPr lang="en-US" dirty="0" err="1" smtClean="0"/>
-              <a:t>tất</a:t>
+              <a:t>danh</a:t>
+            </a:r>
+            <a:r>
+              <a:rPr lang="en-US" dirty="0" smtClean="0"/>
+              <a:t> </a:t>
+            </a:r>
+            <a:r>
+              <a:rPr lang="en-US" dirty="0" err="1" smtClean="0"/>
+              <a:t>sách</a:t>
             </a:r>
             <a:r>
               <a:rPr lang="en-US" dirty="0" smtClean="0"/>
@@ -32439,16 +32738,29 @@
               <a:rPr lang="en-US" dirty="0" err="1" smtClean="0"/>
               <a:t>phẩm</a:t>
             </a:r>
-            <a:endParaRPr lang="en-US" dirty="0" smtClean="0"/>
-          </a:p>
-          <a:p>
-            <a:pPr marL="342900" indent="-342900">
-              <a:buFont typeface="Arial"/>
-              <a:buAutoNum type="arabicPeriod"/>
-            </a:pPr>
-            <a:r>
-              <a:rPr lang="en-US" dirty="0" err="1" smtClean="0"/>
-              <a:t>Lọc</a:t>
+            <a:r>
+              <a:rPr lang="en-US" dirty="0" smtClean="0"/>
+              <a:t> </a:t>
+            </a:r>
+            <a:r>
+              <a:rPr lang="en-US" dirty="0" err="1" smtClean="0"/>
+              <a:t>mới</a:t>
+            </a:r>
+            <a:r>
+              <a:rPr lang="en-US" dirty="0" smtClean="0"/>
+              <a:t>, </a:t>
+            </a:r>
+            <a:r>
+              <a:rPr lang="en-US" dirty="0" err="1" smtClean="0"/>
+              <a:t>toàn</a:t>
+            </a:r>
+            <a:r>
+              <a:rPr lang="en-US" dirty="0" smtClean="0"/>
+              <a:t> </a:t>
+            </a:r>
+            <a:r>
+              <a:rPr lang="en-US" dirty="0" err="1" smtClean="0"/>
+              <a:t>bộ</a:t>
             </a:r>
             <a:r>
               <a:rPr lang="en-US" dirty="0" smtClean="0"/>
@@ -32465,38 +32777,6 @@
             <a:r>
               <a:rPr lang="en-US" dirty="0" err="1" smtClean="0"/>
               <a:t>phẩm</a:t>
-            </a:r>
-            <a:r>
-              <a:rPr lang="en-US" dirty="0" smtClean="0"/>
-              <a:t> </a:t>
-            </a:r>
-            <a:r>
-              <a:rPr lang="en-US" dirty="0" err="1" smtClean="0"/>
-              <a:t>theo</a:t>
-            </a:r>
-            <a:r>
-              <a:rPr lang="en-US" dirty="0" smtClean="0"/>
-              <a:t> </a:t>
-            </a:r>
-            <a:r>
-              <a:rPr lang="en-US" dirty="0" err="1" smtClean="0"/>
-              <a:t>loại</a:t>
-            </a:r>
-            <a:r>
-              <a:rPr lang="en-US" dirty="0" smtClean="0"/>
-              <a:t>, </a:t>
-            </a:r>
-            <a:r>
-              <a:rPr lang="en-US" dirty="0" err="1" smtClean="0"/>
-              <a:t>nhãn</a:t>
-            </a:r>
-            <a:r>
-              <a:rPr lang="en-US" dirty="0" smtClean="0"/>
-              <a:t> </a:t>
-            </a:r>
-            <a:r>
-              <a:rPr lang="en-US" dirty="0" err="1" smtClean="0"/>
-              <a:t>hiệu</a:t>
             </a:r>
             <a:endParaRPr lang="en-US" dirty="0"/>
           </a:p>
@@ -32506,7 +32786,23 @@
             </a:pPr>
             <a:r>
               <a:rPr lang="en-US" dirty="0" err="1" smtClean="0"/>
-              <a:t>Tìm</a:t>
+              <a:t>Bộ</a:t>
+            </a:r>
+            <a:r>
+              <a:rPr lang="en-US" dirty="0" smtClean="0"/>
+              <a:t> </a:t>
+            </a:r>
+            <a:r>
+              <a:rPr lang="en-US" dirty="0" err="1" smtClean="0"/>
+              <a:t>lọc</a:t>
+            </a:r>
+            <a:r>
+              <a:rPr lang="en-US" dirty="0" smtClean="0"/>
+              <a:t> </a:t>
+            </a:r>
+            <a:r>
+              <a:rPr lang="en-US" dirty="0" err="1" smtClean="0"/>
+              <a:t>tìm</a:t>
             </a:r>
             <a:r>
               <a:rPr lang="en-US" dirty="0" smtClean="0"/>
@@ -32515,22 +32811,6 @@
             <a:r>
               <a:rPr lang="en-US" dirty="0" err="1" smtClean="0"/>
               <a:t>kiếm</a:t>
-            </a:r>
-            <a:r>
-              <a:rPr lang="en-US" dirty="0" smtClean="0"/>
-              <a:t> </a:t>
-            </a:r>
-            <a:r>
-              <a:rPr lang="en-US" dirty="0" err="1" smtClean="0"/>
-              <a:t>nâng</a:t>
-            </a:r>
-            <a:r>
-              <a:rPr lang="en-US" dirty="0" smtClean="0"/>
-              <a:t> </a:t>
-            </a:r>
-            <a:r>
-              <a:rPr lang="en-US" dirty="0" err="1" smtClean="0"/>
-              <a:t>cao</a:t>
             </a:r>
             <a:r>
               <a:rPr lang="en-US" dirty="0" smtClean="0"/>
@@ -32555,16 +32835,20 @@
               <a:buAutoNum type="arabicPeriod"/>
             </a:pPr>
             <a:r>
-              <a:rPr lang="en-US" dirty="0" err="1" smtClean="0"/>
-              <a:t>Xem</a:t>
-            </a:r>
-            <a:r>
-              <a:rPr lang="en-US" dirty="0" smtClean="0"/>
-              <a:t> chi </a:t>
-            </a:r>
-            <a:r>
-              <a:rPr lang="en-US" dirty="0" err="1" smtClean="0"/>
-              <a:t>tiết</a:t>
+              <a:rPr lang="en-US" dirty="0" smtClean="0"/>
+              <a:t>Ô </a:t>
+            </a:r>
+            <a:r>
+              <a:rPr lang="en-US" dirty="0" err="1" smtClean="0"/>
+              <a:t>tìm</a:t>
+            </a:r>
+            <a:r>
+              <a:rPr lang="en-US" dirty="0" smtClean="0"/>
+              <a:t> </a:t>
+            </a:r>
+            <a:r>
+              <a:rPr lang="en-US" dirty="0" err="1" smtClean="0"/>
+              <a:t>kiếm</a:t>
             </a:r>
             <a:r>
               <a:rPr lang="en-US" dirty="0" smtClean="0"/>
@@ -32590,47 +32874,47 @@
             </a:pPr>
             <a:r>
               <a:rPr lang="en-US" dirty="0" err="1" smtClean="0"/>
-              <a:t>Thêm</a:t>
-            </a:r>
-            <a:r>
-              <a:rPr lang="en-US" dirty="0" smtClean="0"/>
-              <a:t> </a:t>
-            </a:r>
-            <a:r>
-              <a:rPr lang="en-US" dirty="0" err="1" smtClean="0"/>
-              <a:t>sản</a:t>
-            </a:r>
-            <a:r>
-              <a:rPr lang="en-US" dirty="0" smtClean="0"/>
-              <a:t> </a:t>
-            </a:r>
-            <a:r>
-              <a:rPr lang="en-US" dirty="0" err="1" smtClean="0"/>
-              <a:t>phẩm</a:t>
-            </a:r>
-            <a:r>
-              <a:rPr lang="en-US" dirty="0" smtClean="0"/>
-              <a:t> </a:t>
-            </a:r>
-            <a:r>
-              <a:rPr lang="en-US" dirty="0" err="1" smtClean="0"/>
-              <a:t>vào</a:t>
-            </a:r>
-            <a:r>
-              <a:rPr lang="en-US" dirty="0" smtClean="0"/>
-              <a:t> </a:t>
-            </a:r>
-            <a:r>
-              <a:rPr lang="en-US" dirty="0" err="1" smtClean="0"/>
-              <a:t>giỏ</a:t>
-            </a:r>
-            <a:r>
-              <a:rPr lang="en-US" dirty="0" smtClean="0"/>
-              <a:t> </a:t>
-            </a:r>
-            <a:r>
-              <a:rPr lang="en-US" dirty="0" err="1" smtClean="0"/>
-              <a:t>hàng</a:t>
+              <a:t>Chọn</a:t>
+            </a:r>
+            <a:r>
+              <a:rPr lang="en-US" dirty="0" smtClean="0"/>
+              <a:t> </a:t>
+            </a:r>
+            <a:r>
+              <a:rPr lang="en-US" dirty="0" err="1" smtClean="0"/>
+              <a:t>màu</a:t>
+            </a:r>
+            <a:r>
+              <a:rPr lang="en-US" dirty="0" smtClean="0"/>
+              <a:t>, size, </a:t>
+            </a:r>
+            <a:r>
+              <a:rPr lang="en-US" dirty="0" err="1" smtClean="0"/>
+              <a:t>màu</a:t>
+            </a:r>
+            <a:r>
+              <a:rPr lang="en-US" dirty="0" smtClean="0"/>
+              <a:t> </a:t>
+            </a:r>
+            <a:r>
+              <a:rPr lang="en-US" dirty="0" err="1" smtClean="0"/>
+              <a:t>sắc</a:t>
+            </a:r>
+            <a:r>
+              <a:rPr lang="en-US" dirty="0" smtClean="0"/>
+              <a:t>, </a:t>
+            </a:r>
+            <a:r>
+              <a:rPr lang="en-US" dirty="0" err="1" smtClean="0"/>
+              <a:t>số</a:t>
+            </a:r>
+            <a:r>
+              <a:rPr lang="en-US" dirty="0" smtClean="0"/>
+              <a:t> </a:t>
+            </a:r>
+            <a:r>
+              <a:rPr lang="en-US" dirty="0" err="1" smtClean="0"/>
+              <a:t>lượng</a:t>
             </a:r>
             <a:endParaRPr lang="en-US" dirty="0" smtClean="0"/>
           </a:p>
@@ -32639,12 +32923,8 @@
               <a:buAutoNum type="arabicPeriod"/>
             </a:pPr>
             <a:r>
-              <a:rPr lang="en-US" dirty="0" smtClean="0"/>
-              <a:t>Comment, </a:t>
-            </a:r>
-            <a:r>
-              <a:rPr lang="en-US" dirty="0" err="1" smtClean="0"/>
-              <a:t>thích</a:t>
+              <a:rPr lang="en-US" dirty="0" err="1" smtClean="0"/>
+              <a:t>Thêm</a:t>
             </a:r>
             <a:r>
               <a:rPr lang="en-US" dirty="0" smtClean="0"/>
@@ -32661,6 +32941,112 @@
             <a:r>
               <a:rPr lang="en-US" dirty="0" err="1" smtClean="0"/>
               <a:t>phẩm</a:t>
+            </a:r>
+            <a:r>
+              <a:rPr lang="en-US" dirty="0" smtClean="0"/>
+              <a:t> </a:t>
+            </a:r>
+            <a:r>
+              <a:rPr lang="en-US" dirty="0" err="1" smtClean="0"/>
+              <a:t>vào</a:t>
+            </a:r>
+            <a:r>
+              <a:rPr lang="en-US" dirty="0" smtClean="0"/>
+              <a:t> </a:t>
+            </a:r>
+            <a:r>
+              <a:rPr lang="en-US" dirty="0" err="1" smtClean="0"/>
+              <a:t>giỏ</a:t>
+            </a:r>
+            <a:r>
+              <a:rPr lang="en-US" dirty="0" smtClean="0"/>
+              <a:t> </a:t>
+            </a:r>
+            <a:r>
+              <a:rPr lang="en-US" dirty="0" err="1" smtClean="0"/>
+              <a:t>hàng</a:t>
+            </a:r>
+            <a:r>
+              <a:rPr lang="en-US" dirty="0" smtClean="0"/>
+              <a:t>, </a:t>
+            </a:r>
+            <a:r>
+              <a:rPr lang="en-US" dirty="0" err="1" smtClean="0"/>
+              <a:t>thông</a:t>
+            </a:r>
+            <a:r>
+              <a:rPr lang="en-US" dirty="0" smtClean="0"/>
+              <a:t> </a:t>
+            </a:r>
+            <a:r>
+              <a:rPr lang="en-US" dirty="0" err="1" smtClean="0"/>
+              <a:t>báo</a:t>
+            </a:r>
+            <a:r>
+              <a:rPr lang="en-US" dirty="0" smtClean="0"/>
+              <a:t> them </a:t>
+            </a:r>
+            <a:r>
+              <a:rPr lang="en-US" dirty="0" err="1" smtClean="0"/>
+              <a:t>sản</a:t>
+            </a:r>
+            <a:r>
+              <a:rPr lang="en-US" dirty="0" smtClean="0"/>
+              <a:t> </a:t>
+            </a:r>
+            <a:r>
+              <a:rPr lang="en-US" dirty="0" err="1" smtClean="0"/>
+              <a:t>phẩm</a:t>
+            </a:r>
+            <a:r>
+              <a:rPr lang="en-US" dirty="0" smtClean="0"/>
+              <a:t> </a:t>
+            </a:r>
+            <a:r>
+              <a:rPr lang="en-US" dirty="0" err="1" smtClean="0"/>
+              <a:t>vào</a:t>
+            </a:r>
+            <a:r>
+              <a:rPr lang="en-US" dirty="0" smtClean="0"/>
+              <a:t> </a:t>
+            </a:r>
+            <a:r>
+              <a:rPr lang="en-US" dirty="0" err="1" smtClean="0"/>
+              <a:t>giỏ</a:t>
+            </a:r>
+            <a:r>
+              <a:rPr lang="en-US" dirty="0" smtClean="0"/>
+              <a:t> </a:t>
+            </a:r>
+            <a:r>
+              <a:rPr lang="en-US" dirty="0" err="1" smtClean="0"/>
+              <a:t>hàng</a:t>
+            </a:r>
+            <a:endParaRPr lang="en-US" dirty="0"/>
+          </a:p>
+          <a:p>
+            <a:pPr marL="342900" indent="-342900">
+              <a:buAutoNum type="arabicPeriod"/>
+            </a:pPr>
+            <a:r>
+              <a:rPr lang="en-US" dirty="0" err="1" smtClean="0"/>
+              <a:t>Trang</a:t>
+            </a:r>
+            <a:r>
+              <a:rPr lang="en-US" dirty="0" smtClean="0"/>
+              <a:t> </a:t>
+            </a:r>
+            <a:r>
+              <a:rPr lang="en-US" dirty="0" err="1" smtClean="0"/>
+              <a:t>giỏ</a:t>
+            </a:r>
+            <a:r>
+              <a:rPr lang="en-US" dirty="0" smtClean="0"/>
+              <a:t> </a:t>
+            </a:r>
+            <a:r>
+              <a:rPr lang="en-US" dirty="0" err="1" smtClean="0"/>
+              <a:t>hàng</a:t>
             </a:r>
             <a:endParaRPr lang="en-US" dirty="0" smtClean="0"/>
           </a:p>
@@ -32670,15 +33056,23 @@
             </a:pPr>
             <a:r>
               <a:rPr lang="en-US" dirty="0" err="1" smtClean="0"/>
-              <a:t>Thanh</a:t>
-            </a:r>
-            <a:r>
-              <a:rPr lang="en-US" dirty="0" smtClean="0"/>
-              <a:t> </a:t>
-            </a:r>
-            <a:r>
-              <a:rPr lang="en-US" dirty="0" err="1" smtClean="0"/>
-              <a:t>toán</a:t>
+              <a:t>Nhập</a:t>
+            </a:r>
+            <a:r>
+              <a:rPr lang="en-US" dirty="0" smtClean="0"/>
+              <a:t> </a:t>
+            </a:r>
+            <a:r>
+              <a:rPr lang="en-US" dirty="0" err="1" smtClean="0"/>
+              <a:t>mã</a:t>
+            </a:r>
+            <a:r>
+              <a:rPr lang="en-US" dirty="0" smtClean="0"/>
+              <a:t> </a:t>
+            </a:r>
+            <a:r>
+              <a:rPr lang="en-US" dirty="0" err="1" smtClean="0"/>
+              <a:t>giảm</a:t>
             </a:r>
             <a:endParaRPr lang="en-US" dirty="0" smtClean="0"/>
           </a:p>
@@ -32688,15 +33082,15 @@
             </a:pPr>
             <a:r>
               <a:rPr lang="en-US" dirty="0" err="1" smtClean="0"/>
-              <a:t>Chỉnh</a:t>
-            </a:r>
-            <a:r>
-              <a:rPr lang="en-US" dirty="0" smtClean="0"/>
-              <a:t> </a:t>
-            </a:r>
-            <a:r>
-              <a:rPr lang="en-US" dirty="0" err="1" smtClean="0"/>
-              <a:t>sửa</a:t>
+              <a:t>Xem</a:t>
+            </a:r>
+            <a:r>
+              <a:rPr lang="en-US" dirty="0" smtClean="0"/>
+              <a:t> </a:t>
+            </a:r>
+            <a:r>
+              <a:rPr lang="en-US" dirty="0" err="1" smtClean="0"/>
+              <a:t>các</a:t>
             </a:r>
             <a:r>
               <a:rPr lang="en-US" dirty="0" smtClean="0"/>
@@ -32712,23 +33106,7 @@
             </a:r>
             <a:r>
               <a:rPr lang="en-US" dirty="0" err="1" smtClean="0"/>
-              <a:t>tài</a:t>
-            </a:r>
-            <a:r>
-              <a:rPr lang="en-US" dirty="0" smtClean="0"/>
-              <a:t> </a:t>
-            </a:r>
-            <a:r>
-              <a:rPr lang="en-US" dirty="0" err="1" smtClean="0"/>
-              <a:t>khoản</a:t>
-            </a:r>
-            <a:r>
-              <a:rPr lang="en-US" dirty="0" smtClean="0"/>
-              <a:t> </a:t>
-            </a:r>
-            <a:r>
-              <a:rPr lang="en-US" dirty="0" err="1" smtClean="0"/>
-              <a:t>khách</a:t>
+              <a:t>mua</a:t>
             </a:r>
             <a:r>
               <a:rPr lang="en-US" dirty="0" smtClean="0"/>
@@ -32744,6 +33122,84 @@
             <a:pPr marL="342900" indent="-342900">
               <a:buAutoNum type="arabicPeriod"/>
             </a:pPr>
+            <a:r>
+              <a:rPr lang="en-US" dirty="0" err="1" smtClean="0"/>
+              <a:t>Lịch</a:t>
+            </a:r>
+            <a:r>
+              <a:rPr lang="en-US" dirty="0" smtClean="0"/>
+              <a:t> </a:t>
+            </a:r>
+            <a:r>
+              <a:rPr lang="en-US" dirty="0" err="1" smtClean="0"/>
+              <a:t>sử</a:t>
+            </a:r>
+            <a:r>
+              <a:rPr lang="en-US" dirty="0" smtClean="0"/>
+              <a:t> </a:t>
+            </a:r>
+            <a:r>
+              <a:rPr lang="en-US" dirty="0" err="1" smtClean="0"/>
+              <a:t>mua</a:t>
+            </a:r>
+            <a:r>
+              <a:rPr lang="en-US" dirty="0" smtClean="0"/>
+              <a:t> </a:t>
+            </a:r>
+            <a:r>
+              <a:rPr lang="en-US" dirty="0" err="1" smtClean="0"/>
+              <a:t>hàng</a:t>
+            </a:r>
+            <a:endParaRPr lang="en-US" dirty="0" smtClean="0"/>
+          </a:p>
+          <a:p>
+            <a:pPr marL="342900" indent="-342900">
+              <a:buAutoNum type="arabicPeriod"/>
+            </a:pPr>
+            <a:r>
+              <a:rPr lang="en-US" dirty="0" err="1" smtClean="0"/>
+              <a:t>Xem</a:t>
+            </a:r>
+            <a:r>
+              <a:rPr lang="en-US" dirty="0" smtClean="0"/>
+              <a:t> chi </a:t>
+            </a:r>
+            <a:r>
+              <a:rPr lang="en-US" dirty="0" err="1" smtClean="0"/>
+              <a:t>tiết</a:t>
+            </a:r>
+            <a:r>
+              <a:rPr lang="en-US" dirty="0" smtClean="0"/>
+              <a:t> </a:t>
+            </a:r>
+            <a:r>
+              <a:rPr lang="en-US" dirty="0" err="1" smtClean="0"/>
+              <a:t>đơn</a:t>
+            </a:r>
+            <a:r>
+              <a:rPr lang="en-US" dirty="0" smtClean="0"/>
+              <a:t> </a:t>
+            </a:r>
+            <a:r>
+              <a:rPr lang="en-US" dirty="0" err="1" smtClean="0"/>
+              <a:t>hàng</a:t>
+            </a:r>
+            <a:r>
+              <a:rPr lang="en-US" dirty="0" smtClean="0"/>
+              <a:t> </a:t>
+            </a:r>
+            <a:r>
+              <a:rPr lang="en-US" dirty="0" err="1" smtClean="0"/>
+              <a:t>đã</a:t>
+            </a:r>
+            <a:r>
+              <a:rPr lang="en-US" dirty="0" smtClean="0"/>
+              <a:t> </a:t>
+            </a:r>
+            <a:r>
+              <a:rPr lang="en-US" dirty="0" err="1" smtClean="0"/>
+              <a:t>đặt</a:t>
+            </a:r>
             <a:endParaRPr lang="en-US" dirty="0" smtClean="0"/>
           </a:p>
         </p:txBody>
@@ -33421,6 +33877,128 @@
                       </p:childTnLst>
                     </p:cTn>
                   </p:par>
+                  <p:par>
+                    <p:cTn id="58" fill="hold">
+                      <p:stCondLst>
+                        <p:cond delay="indefinite"/>
+                      </p:stCondLst>
+                      <p:childTnLst>
+                        <p:par>
+                          <p:cTn id="59" fill="hold">
+                            <p:stCondLst>
+                              <p:cond delay="0"/>
+                            </p:stCondLst>
+                            <p:childTnLst>
+                              <p:par>
+                                <p:cTn id="60" presetID="14" presetClass="entr" presetSubtype="10" fill="hold" nodeType="clickEffect">
+                                  <p:stCondLst>
+                                    <p:cond delay="0"/>
+                                  </p:stCondLst>
+                                  <p:childTnLst>
+                                    <p:set>
+                                      <p:cBhvr>
+                                        <p:cTn id="61" dur="1" fill="hold">
+                                          <p:stCondLst>
+                                            <p:cond delay="0"/>
+                                          </p:stCondLst>
+                                        </p:cTn>
+                                        <p:tgtEl>
+                                          <p:spTgt spid="8">
+                                            <p:txEl>
+                                              <p:pRg st="9" end="9"/>
+                                            </p:txEl>
+                                          </p:spTgt>
+                                        </p:tgtEl>
+                                        <p:attrNameLst>
+                                          <p:attrName>style.visibility</p:attrName>
+                                        </p:attrNameLst>
+                                      </p:cBhvr>
+                                      <p:to>
+                                        <p:strVal val="visible"/>
+                                      </p:to>
+                                    </p:set>
+                                    <p:animEffect transition="in" filter="randombar(horizontal)">
+                                      <p:cBhvr>
+                                        <p:cTn id="62" dur="500"/>
+                                        <p:tgtEl>
+                                          <p:spTgt spid="8">
+                                            <p:txEl>
+                                              <p:pRg st="9" end="9"/>
+                                            </p:txEl>
+                                          </p:spTgt>
+                                        </p:tgtEl>
+                                      </p:cBhvr>
+                                    </p:animEffect>
+                                  </p:childTnLst>
+                                </p:cTn>
+                              </p:par>
+                            </p:childTnLst>
+                          </p:cTn>
+                        </p:par>
+                      </p:childTnLst>
+                    </p:cTn>
+                  </p:par>
+                  <p:par>
+                    <p:cTn id="63" fill="hold">
+                      <p:stCondLst>
+                        <p:cond delay="indefinite"/>
+                      </p:stCondLst>
+                      <p:childTnLst>
+                        <p:par>
+                          <p:cTn id="64" fill="hold">
+                            <p:stCondLst>
+                              <p:cond delay="0"/>
+                            </p:stCondLst>
+                            <p:childTnLst>
+                              <p:par>
+                                <p:cTn id="65" presetID="14" presetClass="entr" presetSubtype="10" fill="hold" nodeType="clickEffect">
+                                  <p:stCondLst>
+                                    <p:cond delay="0"/>
+                                  </p:stCondLst>
+                                  <p:childTnLst>
+                                    <p:set>
+                                      <p:cBhvr>
+                                        <p:cTn id="66" dur="1" fill="hold">
+                                          <p:stCondLst>
+                                            <p:cond delay="0"/>
+                                          </p:stCondLst>
+                                        </p:cTn>
+                                        <p:tgtEl>
+                                          <p:spTgt spid="8">
+                                            <p:txEl>
+                                              <p:pRg st="10" end="10"/>
+                                            </p:txEl>
+                                          </p:spTgt>
+                                        </p:tgtEl>
+                                        <p:attrNameLst>
+                                          <p:attrName>style.visibility</p:attrName>
+                                        </p:attrNameLst>
+                                      </p:cBhvr>
+                                      <p:to>
+                                        <p:strVal val="visible"/>
+                                      </p:to>
+                                    </p:set>
+                                    <p:animEffect transition="in" filter="randombar(horizontal)">
+                                      <p:cBhvr>
+                                        <p:cTn id="67" dur="500"/>
+                                        <p:tgtEl>
+                                          <p:spTgt spid="8">
+                                            <p:txEl>
+                                              <p:pRg st="10" end="10"/>
+                                            </p:txEl>
+                                          </p:spTgt>
+                                        </p:tgtEl>
+                                      </p:cBhvr>
+                                    </p:animEffect>
+                                  </p:childTnLst>
+                                </p:cTn>
+                              </p:par>
+                            </p:childTnLst>
+                          </p:cTn>
+                        </p:par>
+                      </p:childTnLst>
+                    </p:cTn>
+                  </p:par>
                 </p:childTnLst>
               </p:cTn>
               <p:prevCondLst>
@@ -33809,7 +34387,7 @@
         <p:spPr>
           <a:xfrm>
             <a:off x="457200" y="900965"/>
-            <a:ext cx="7405255" cy="2031325"/>
+            <a:ext cx="7405255" cy="2246769"/>
           </a:xfrm>
           <a:prstGeom prst="rect">
             <a:avLst/>
@@ -33885,7 +34463,111 @@
             </a:pPr>
             <a:r>
               <a:rPr lang="en-US" dirty="0" smtClean="0"/>
-              <a:t>CRUD </a:t>
+              <a:t>CRUD, </a:t>
+            </a:r>
+            <a:r>
+              <a:rPr lang="en-US" dirty="0" err="1" smtClean="0"/>
+              <a:t>tìm</a:t>
+            </a:r>
+            <a:r>
+              <a:rPr lang="en-US" dirty="0" smtClean="0"/>
+              <a:t> </a:t>
+            </a:r>
+            <a:r>
+              <a:rPr lang="en-US" dirty="0" err="1" smtClean="0"/>
+              <a:t>kiếm</a:t>
+            </a:r>
+            <a:r>
+              <a:rPr lang="en-US" dirty="0" smtClean="0"/>
+              <a:t>, </a:t>
+            </a:r>
+            <a:r>
+              <a:rPr lang="en-US" dirty="0" err="1" smtClean="0"/>
+              <a:t>phân</a:t>
+            </a:r>
+            <a:r>
+              <a:rPr lang="en-US" dirty="0" smtClean="0"/>
+              <a:t> </a:t>
+            </a:r>
+            <a:r>
+              <a:rPr lang="en-US" dirty="0" err="1" smtClean="0"/>
+              <a:t>trang</a:t>
+            </a:r>
+            <a:r>
+              <a:rPr lang="en-US" dirty="0" smtClean="0"/>
+              <a:t>, </a:t>
+            </a:r>
+            <a:r>
+              <a:rPr lang="en-US" dirty="0" err="1" smtClean="0"/>
+              <a:t>chọn</a:t>
+            </a:r>
+            <a:r>
+              <a:rPr lang="en-US" dirty="0" smtClean="0"/>
+              <a:t> </a:t>
+            </a:r>
+            <a:r>
+              <a:rPr lang="en-US" dirty="0" err="1" smtClean="0"/>
+              <a:t>số</a:t>
+            </a:r>
+            <a:r>
+              <a:rPr lang="en-US" dirty="0" smtClean="0"/>
+              <a:t> </a:t>
+            </a:r>
+            <a:r>
+              <a:rPr lang="en-US" dirty="0" err="1" smtClean="0"/>
+              <a:t>lượng</a:t>
+            </a:r>
+            <a:r>
+              <a:rPr lang="en-US" dirty="0" smtClean="0"/>
+              <a:t> </a:t>
+            </a:r>
+            <a:r>
+              <a:rPr lang="en-US" dirty="0" err="1" smtClean="0"/>
+              <a:t>dòng</a:t>
+            </a:r>
+            <a:r>
+              <a:rPr lang="en-US" dirty="0" smtClean="0"/>
+              <a:t> </a:t>
+            </a:r>
+            <a:r>
+              <a:rPr lang="en-US" dirty="0" err="1" smtClean="0"/>
+              <a:t>hiển</a:t>
+            </a:r>
+            <a:r>
+              <a:rPr lang="en-US" dirty="0" smtClean="0"/>
+              <a:t> </a:t>
+            </a:r>
+            <a:r>
+              <a:rPr lang="en-US" dirty="0" err="1" smtClean="0"/>
+              <a:t>thị</a:t>
+            </a:r>
+            <a:r>
+              <a:rPr lang="en-US" dirty="0" smtClean="0"/>
+              <a:t> </a:t>
+            </a:r>
+            <a:r>
+              <a:rPr lang="en-US" dirty="0" err="1" smtClean="0"/>
+              <a:t>trong</a:t>
+            </a:r>
+            <a:r>
+              <a:rPr lang="en-US" dirty="0" smtClean="0"/>
+              <a:t> </a:t>
+            </a:r>
+            <a:r>
+              <a:rPr lang="en-US" dirty="0" err="1" smtClean="0"/>
+              <a:t>một</a:t>
+            </a:r>
+            <a:r>
+              <a:rPr lang="en-US" dirty="0" smtClean="0"/>
+              <a:t> </a:t>
+            </a:r>
+            <a:r>
+              <a:rPr lang="en-US" dirty="0" err="1" smtClean="0"/>
+              <a:t>trang</a:t>
+            </a:r>
+            <a:r>
+              <a:rPr lang="en-US" dirty="0" smtClean="0"/>
+              <a:t> </a:t>
             </a:r>
             <a:r>
               <a:rPr lang="en-US" dirty="0" err="1" smtClean="0"/>
@@ -34043,8 +34725,12 @@
               <a:buAutoNum type="arabicPeriod"/>
             </a:pPr>
             <a:r>
-              <a:rPr lang="en-US" dirty="0" smtClean="0"/>
-              <a:t>Export </a:t>
+              <a:rPr lang="en-US" dirty="0" err="1" smtClean="0"/>
+              <a:t>Xuất</a:t>
+            </a:r>
+            <a:r>
+              <a:rPr lang="en-US" dirty="0" smtClean="0"/>
+              <a:t> </a:t>
             </a:r>
             <a:r>
               <a:rPr lang="en-US" dirty="0" err="1" smtClean="0"/>
@@ -34088,8 +34774,13 @@
             </a:r>
             <a:r>
               <a:rPr lang="en-US" dirty="0" smtClean="0"/>
-              <a:t>file pdf </a:t>
-            </a:r>
+              <a:t>file </a:t>
+            </a:r>
+            <a:r>
+              <a:rPr lang="en-US" dirty="0" smtClean="0"/>
+              <a:t>“PDF”</a:t>
+            </a:r>
+            <a:endParaRPr lang="en-US" dirty="0" smtClean="0"/>
           </a:p>
           <a:p>
             <a:pPr marL="342900" indent="-342900">

--- a/Do An Tot Nghiep.pptx
+++ b/Do An Tot Nghiep.pptx
@@ -5,7 +5,7 @@
     <p:sldMasterId id="2147483658" r:id="rId1"/>
   </p:sldMasterIdLst>
   <p:notesMasterIdLst>
-    <p:notesMasterId r:id="rId34"/>
+    <p:notesMasterId r:id="rId36"/>
   </p:notesMasterIdLst>
   <p:sldIdLst>
     <p:sldId id="296" r:id="rId2"/>
@@ -13,48 +13,50 @@
     <p:sldId id="276" r:id="rId4"/>
     <p:sldId id="326" r:id="rId5"/>
     <p:sldId id="325" r:id="rId6"/>
-    <p:sldId id="297" r:id="rId7"/>
-    <p:sldId id="314" r:id="rId8"/>
-    <p:sldId id="298" r:id="rId9"/>
-    <p:sldId id="302" r:id="rId10"/>
-    <p:sldId id="303" r:id="rId11"/>
-    <p:sldId id="299" r:id="rId12"/>
-    <p:sldId id="328" r:id="rId13"/>
-    <p:sldId id="300" r:id="rId14"/>
-    <p:sldId id="301" r:id="rId15"/>
-    <p:sldId id="322" r:id="rId16"/>
-    <p:sldId id="323" r:id="rId17"/>
-    <p:sldId id="317" r:id="rId18"/>
-    <p:sldId id="319" r:id="rId19"/>
-    <p:sldId id="320" r:id="rId20"/>
-    <p:sldId id="324" r:id="rId21"/>
-    <p:sldId id="304" r:id="rId22"/>
-    <p:sldId id="316" r:id="rId23"/>
-    <p:sldId id="329" r:id="rId24"/>
-    <p:sldId id="330" r:id="rId25"/>
-    <p:sldId id="315" r:id="rId26"/>
-    <p:sldId id="309" r:id="rId27"/>
-    <p:sldId id="308" r:id="rId28"/>
-    <p:sldId id="310" r:id="rId29"/>
-    <p:sldId id="313" r:id="rId30"/>
-    <p:sldId id="311" r:id="rId31"/>
-    <p:sldId id="312" r:id="rId32"/>
-    <p:sldId id="331" r:id="rId33"/>
+    <p:sldId id="332" r:id="rId7"/>
+    <p:sldId id="333" r:id="rId8"/>
+    <p:sldId id="297" r:id="rId9"/>
+    <p:sldId id="314" r:id="rId10"/>
+    <p:sldId id="298" r:id="rId11"/>
+    <p:sldId id="302" r:id="rId12"/>
+    <p:sldId id="303" r:id="rId13"/>
+    <p:sldId id="299" r:id="rId14"/>
+    <p:sldId id="328" r:id="rId15"/>
+    <p:sldId id="300" r:id="rId16"/>
+    <p:sldId id="301" r:id="rId17"/>
+    <p:sldId id="322" r:id="rId18"/>
+    <p:sldId id="323" r:id="rId19"/>
+    <p:sldId id="317" r:id="rId20"/>
+    <p:sldId id="319" r:id="rId21"/>
+    <p:sldId id="320" r:id="rId22"/>
+    <p:sldId id="324" r:id="rId23"/>
+    <p:sldId id="304" r:id="rId24"/>
+    <p:sldId id="316" r:id="rId25"/>
+    <p:sldId id="329" r:id="rId26"/>
+    <p:sldId id="330" r:id="rId27"/>
+    <p:sldId id="315" r:id="rId28"/>
+    <p:sldId id="309" r:id="rId29"/>
+    <p:sldId id="308" r:id="rId30"/>
+    <p:sldId id="310" r:id="rId31"/>
+    <p:sldId id="313" r:id="rId32"/>
+    <p:sldId id="311" r:id="rId33"/>
+    <p:sldId id="312" r:id="rId34"/>
+    <p:sldId id="331" r:id="rId35"/>
   </p:sldIdLst>
   <p:sldSz cx="9144000" cy="5143500" type="screen16x9"/>
   <p:notesSz cx="6858000" cy="9144000"/>
   <p:embeddedFontLst>
     <p:embeddedFont>
       <p:font typeface="Roboto Slab" panose="020B0604020202020204" charset="0"/>
-      <p:regular r:id="rId35"/>
-      <p:bold r:id="rId36"/>
+      <p:regular r:id="rId37"/>
+      <p:bold r:id="rId38"/>
     </p:embeddedFont>
     <p:embeddedFont>
       <p:font typeface="Source Sans Pro" panose="020B0604020202020204" charset="0"/>
-      <p:regular r:id="rId37"/>
-      <p:bold r:id="rId38"/>
-      <p:italic r:id="rId39"/>
-      <p:boldItalic r:id="rId40"/>
+      <p:regular r:id="rId39"/>
+      <p:bold r:id="rId40"/>
+      <p:italic r:id="rId41"/>
+      <p:boldItalic r:id="rId42"/>
     </p:embeddedFont>
   </p:embeddedFontLst>
   <p:defaultTextStyle>
@@ -6083,6 +6085,1044 @@
       </p:sp>
       <p:sp>
         <p:nvSpPr>
+          <p:cNvPr id="6" name="TextBox 5"/>
+          <p:cNvSpPr txBox="1"/>
+          <p:nvPr/>
+        </p:nvSpPr>
+        <p:spPr>
+          <a:xfrm>
+            <a:off x="1032164" y="840741"/>
+            <a:ext cx="8285018" cy="400110"/>
+          </a:xfrm>
+          <a:prstGeom prst="rect">
+            <a:avLst/>
+          </a:prstGeom>
+          <a:noFill/>
+        </p:spPr>
+        <p:txBody>
+          <a:bodyPr wrap="square" rtlCol="0">
+            <a:spAutoFit/>
+          </a:bodyPr>
+          <a:lstStyle/>
+          <a:p>
+            <a:r>
+              <a:rPr lang="en-US" sz="2000" b="1" dirty="0" smtClean="0">
+                <a:solidFill>
+                  <a:schemeClr val="accent1">
+                    <a:lumMod val="75000"/>
+                  </a:schemeClr>
+                </a:solidFill>
+                <a:latin typeface="Roboto Slab" panose="020B0604020202020204" charset="0"/>
+                <a:ea typeface="Roboto Slab" panose="020B0604020202020204" charset="0"/>
+              </a:rPr>
+              <a:t>2.1. </a:t>
+            </a:r>
+            <a:r>
+              <a:rPr lang="en-US" sz="2000" b="1" dirty="0" err="1" smtClean="0">
+                <a:solidFill>
+                  <a:schemeClr val="accent1">
+                    <a:lumMod val="75000"/>
+                  </a:schemeClr>
+                </a:solidFill>
+                <a:latin typeface="Roboto Slab" panose="020B0604020202020204" charset="0"/>
+                <a:ea typeface="Roboto Slab" panose="020B0604020202020204" charset="0"/>
+              </a:rPr>
+              <a:t>Phân</a:t>
+            </a:r>
+            <a:r>
+              <a:rPr lang="en-US" sz="2000" b="1" dirty="0" smtClean="0">
+                <a:solidFill>
+                  <a:schemeClr val="accent1">
+                    <a:lumMod val="75000"/>
+                  </a:schemeClr>
+                </a:solidFill>
+                <a:latin typeface="Roboto Slab" panose="020B0604020202020204" charset="0"/>
+                <a:ea typeface="Roboto Slab" panose="020B0604020202020204" charset="0"/>
+              </a:rPr>
+              <a:t> </a:t>
+            </a:r>
+            <a:r>
+              <a:rPr lang="en-US" sz="2000" b="1" dirty="0" err="1" smtClean="0">
+                <a:solidFill>
+                  <a:schemeClr val="accent1">
+                    <a:lumMod val="75000"/>
+                  </a:schemeClr>
+                </a:solidFill>
+                <a:latin typeface="Roboto Slab" panose="020B0604020202020204" charset="0"/>
+                <a:ea typeface="Roboto Slab" panose="020B0604020202020204" charset="0"/>
+              </a:rPr>
+              <a:t>tích</a:t>
+            </a:r>
+            <a:r>
+              <a:rPr lang="en-US" sz="2000" b="1" dirty="0" smtClean="0">
+                <a:solidFill>
+                  <a:schemeClr val="accent1">
+                    <a:lumMod val="75000"/>
+                  </a:schemeClr>
+                </a:solidFill>
+                <a:latin typeface="Roboto Slab" panose="020B0604020202020204" charset="0"/>
+                <a:ea typeface="Roboto Slab" panose="020B0604020202020204" charset="0"/>
+              </a:rPr>
+              <a:t> </a:t>
+            </a:r>
+            <a:r>
+              <a:rPr lang="en-US" sz="2000" b="1" dirty="0" err="1" smtClean="0">
+                <a:solidFill>
+                  <a:schemeClr val="accent1">
+                    <a:lumMod val="75000"/>
+                  </a:schemeClr>
+                </a:solidFill>
+                <a:latin typeface="Roboto Slab" panose="020B0604020202020204" charset="0"/>
+                <a:ea typeface="Roboto Slab" panose="020B0604020202020204" charset="0"/>
+              </a:rPr>
+              <a:t>thiết</a:t>
+            </a:r>
+            <a:r>
+              <a:rPr lang="en-US" sz="2000" b="1" dirty="0" smtClean="0">
+                <a:solidFill>
+                  <a:schemeClr val="accent1">
+                    <a:lumMod val="75000"/>
+                  </a:schemeClr>
+                </a:solidFill>
+                <a:latin typeface="Roboto Slab" panose="020B0604020202020204" charset="0"/>
+                <a:ea typeface="Roboto Slab" panose="020B0604020202020204" charset="0"/>
+              </a:rPr>
+              <a:t> </a:t>
+            </a:r>
+            <a:r>
+              <a:rPr lang="en-US" sz="2000" b="1" dirty="0" err="1" smtClean="0">
+                <a:solidFill>
+                  <a:schemeClr val="accent1">
+                    <a:lumMod val="75000"/>
+                  </a:schemeClr>
+                </a:solidFill>
+                <a:latin typeface="Roboto Slab" panose="020B0604020202020204" charset="0"/>
+                <a:ea typeface="Roboto Slab" panose="020B0604020202020204" charset="0"/>
+              </a:rPr>
+              <a:t>kế</a:t>
+            </a:r>
+            <a:r>
+              <a:rPr lang="en-US" sz="2000" b="1" dirty="0" smtClean="0">
+                <a:solidFill>
+                  <a:schemeClr val="accent1">
+                    <a:lumMod val="75000"/>
+                  </a:schemeClr>
+                </a:solidFill>
+                <a:latin typeface="Roboto Slab" panose="020B0604020202020204" charset="0"/>
+                <a:ea typeface="Roboto Slab" panose="020B0604020202020204" charset="0"/>
+              </a:rPr>
+              <a:t> </a:t>
+            </a:r>
+            <a:r>
+              <a:rPr lang="en-US" sz="2000" b="1" dirty="0" err="1" smtClean="0">
+                <a:solidFill>
+                  <a:schemeClr val="accent1">
+                    <a:lumMod val="75000"/>
+                  </a:schemeClr>
+                </a:solidFill>
+                <a:latin typeface="Roboto Slab" panose="020B0604020202020204" charset="0"/>
+                <a:ea typeface="Roboto Slab" panose="020B0604020202020204" charset="0"/>
+              </a:rPr>
+              <a:t>hệ</a:t>
+            </a:r>
+            <a:r>
+              <a:rPr lang="en-US" sz="2000" b="1" dirty="0" smtClean="0">
+                <a:solidFill>
+                  <a:schemeClr val="accent1">
+                    <a:lumMod val="75000"/>
+                  </a:schemeClr>
+                </a:solidFill>
+                <a:latin typeface="Roboto Slab" panose="020B0604020202020204" charset="0"/>
+                <a:ea typeface="Roboto Slab" panose="020B0604020202020204" charset="0"/>
+              </a:rPr>
+              <a:t> </a:t>
+            </a:r>
+            <a:r>
+              <a:rPr lang="en-US" sz="2000" b="1" dirty="0" err="1" smtClean="0">
+                <a:solidFill>
+                  <a:schemeClr val="accent1">
+                    <a:lumMod val="75000"/>
+                  </a:schemeClr>
+                </a:solidFill>
+                <a:latin typeface="Roboto Slab" panose="020B0604020202020204" charset="0"/>
+                <a:ea typeface="Roboto Slab" panose="020B0604020202020204" charset="0"/>
+              </a:rPr>
+              <a:t>thống</a:t>
+            </a:r>
+            <a:endParaRPr lang="en-US" sz="2000" b="1" dirty="0">
+              <a:solidFill>
+                <a:schemeClr val="accent1">
+                  <a:lumMod val="75000"/>
+                </a:schemeClr>
+              </a:solidFill>
+              <a:latin typeface="Roboto Slab" panose="020B0604020202020204" charset="0"/>
+              <a:ea typeface="Roboto Slab" panose="020B0604020202020204" charset="0"/>
+            </a:endParaRPr>
+          </a:p>
+        </p:txBody>
+      </p:sp>
+      <p:sp>
+        <p:nvSpPr>
+          <p:cNvPr id="7" name="TextBox 6"/>
+          <p:cNvSpPr txBox="1"/>
+          <p:nvPr/>
+        </p:nvSpPr>
+        <p:spPr>
+          <a:xfrm>
+            <a:off x="561109" y="422564"/>
+            <a:ext cx="8285018" cy="400110"/>
+          </a:xfrm>
+          <a:prstGeom prst="rect">
+            <a:avLst/>
+          </a:prstGeom>
+          <a:noFill/>
+        </p:spPr>
+        <p:txBody>
+          <a:bodyPr wrap="square" rtlCol="0">
+            <a:spAutoFit/>
+          </a:bodyPr>
+          <a:lstStyle/>
+          <a:p>
+            <a:r>
+              <a:rPr lang="en-US" sz="2000" b="1" dirty="0" smtClean="0">
+                <a:solidFill>
+                  <a:schemeClr val="accent1">
+                    <a:lumMod val="75000"/>
+                  </a:schemeClr>
+                </a:solidFill>
+                <a:latin typeface="Roboto Slab" panose="020B0604020202020204" charset="0"/>
+                <a:ea typeface="Roboto Slab" panose="020B0604020202020204" charset="0"/>
+              </a:rPr>
+              <a:t>2. PHÂN TÍCH THIẾT KẾ HỆ THỐNG VÀ THIẾT KẾ CƠ SỞ DỮ LIỆU</a:t>
+            </a:r>
+            <a:endParaRPr lang="en-US" sz="2000" b="1" dirty="0">
+              <a:solidFill>
+                <a:schemeClr val="accent1">
+                  <a:lumMod val="75000"/>
+                </a:schemeClr>
+              </a:solidFill>
+              <a:latin typeface="Roboto Slab" panose="020B0604020202020204" charset="0"/>
+              <a:ea typeface="Roboto Slab" panose="020B0604020202020204" charset="0"/>
+            </a:endParaRPr>
+          </a:p>
+        </p:txBody>
+      </p:sp>
+      <p:pic>
+        <p:nvPicPr>
+          <p:cNvPr id="12" name="Picture 11"/>
+          <p:cNvPicPr/>
+          <p:nvPr/>
+        </p:nvPicPr>
+        <p:blipFill>
+          <a:blip r:embed="rId2"/>
+          <a:stretch>
+            <a:fillRect/>
+          </a:stretch>
+        </p:blipFill>
+        <p:spPr>
+          <a:xfrm>
+            <a:off x="1409958" y="1807865"/>
+            <a:ext cx="6168478" cy="1956787"/>
+          </a:xfrm>
+          <a:prstGeom prst="rect">
+            <a:avLst/>
+          </a:prstGeom>
+        </p:spPr>
+      </p:pic>
+      <p:sp>
+        <p:nvSpPr>
+          <p:cNvPr id="13" name="TextBox 12"/>
+          <p:cNvSpPr txBox="1"/>
+          <p:nvPr/>
+        </p:nvSpPr>
+        <p:spPr>
+          <a:xfrm>
+            <a:off x="1080656" y="1258918"/>
+            <a:ext cx="8285018" cy="400110"/>
+          </a:xfrm>
+          <a:prstGeom prst="rect">
+            <a:avLst/>
+          </a:prstGeom>
+          <a:noFill/>
+        </p:spPr>
+        <p:txBody>
+          <a:bodyPr wrap="square" rtlCol="0">
+            <a:spAutoFit/>
+          </a:bodyPr>
+          <a:lstStyle/>
+          <a:p>
+            <a:r>
+              <a:rPr lang="en-US" sz="2000" b="1" dirty="0" err="1" smtClean="0">
+                <a:solidFill>
+                  <a:schemeClr val="accent1">
+                    <a:lumMod val="75000"/>
+                  </a:schemeClr>
+                </a:solidFill>
+                <a:latin typeface="Roboto Slab" panose="020B0604020202020204" charset="0"/>
+                <a:ea typeface="Roboto Slab" panose="020B0604020202020204" charset="0"/>
+              </a:rPr>
+              <a:t>Sơ</a:t>
+            </a:r>
+            <a:r>
+              <a:rPr lang="en-US" sz="2000" b="1" dirty="0" smtClean="0">
+                <a:solidFill>
+                  <a:schemeClr val="accent1">
+                    <a:lumMod val="75000"/>
+                  </a:schemeClr>
+                </a:solidFill>
+                <a:latin typeface="Roboto Slab" panose="020B0604020202020204" charset="0"/>
+                <a:ea typeface="Roboto Slab" panose="020B0604020202020204" charset="0"/>
+              </a:rPr>
+              <a:t> </a:t>
+            </a:r>
+            <a:r>
+              <a:rPr lang="en-US" sz="2000" b="1" dirty="0" err="1" smtClean="0">
+                <a:solidFill>
+                  <a:schemeClr val="accent1">
+                    <a:lumMod val="75000"/>
+                  </a:schemeClr>
+                </a:solidFill>
+                <a:latin typeface="Roboto Slab" panose="020B0604020202020204" charset="0"/>
+                <a:ea typeface="Roboto Slab" panose="020B0604020202020204" charset="0"/>
+              </a:rPr>
+              <a:t>đồ</a:t>
+            </a:r>
+            <a:r>
+              <a:rPr lang="en-US" sz="2000" b="1" dirty="0" smtClean="0">
+                <a:solidFill>
+                  <a:schemeClr val="accent1">
+                    <a:lumMod val="75000"/>
+                  </a:schemeClr>
+                </a:solidFill>
+                <a:latin typeface="Roboto Slab" panose="020B0604020202020204" charset="0"/>
+                <a:ea typeface="Roboto Slab" panose="020B0604020202020204" charset="0"/>
+              </a:rPr>
+              <a:t> </a:t>
+            </a:r>
+            <a:r>
+              <a:rPr lang="en-US" sz="2000" b="1" dirty="0" err="1" smtClean="0">
+                <a:solidFill>
+                  <a:schemeClr val="accent1">
+                    <a:lumMod val="75000"/>
+                  </a:schemeClr>
+                </a:solidFill>
+                <a:latin typeface="Roboto Slab" panose="020B0604020202020204" charset="0"/>
+                <a:ea typeface="Roboto Slab" panose="020B0604020202020204" charset="0"/>
+              </a:rPr>
+              <a:t>tổ</a:t>
+            </a:r>
+            <a:r>
+              <a:rPr lang="en-US" sz="2000" b="1" dirty="0" smtClean="0">
+                <a:solidFill>
+                  <a:schemeClr val="accent1">
+                    <a:lumMod val="75000"/>
+                  </a:schemeClr>
+                </a:solidFill>
+                <a:latin typeface="Roboto Slab" panose="020B0604020202020204" charset="0"/>
+                <a:ea typeface="Roboto Slab" panose="020B0604020202020204" charset="0"/>
+              </a:rPr>
+              <a:t> </a:t>
+            </a:r>
+            <a:r>
+              <a:rPr lang="en-US" sz="2000" b="1" dirty="0" err="1" smtClean="0">
+                <a:solidFill>
+                  <a:schemeClr val="accent1">
+                    <a:lumMod val="75000"/>
+                  </a:schemeClr>
+                </a:solidFill>
+                <a:latin typeface="Roboto Slab" panose="020B0604020202020204" charset="0"/>
+                <a:ea typeface="Roboto Slab" panose="020B0604020202020204" charset="0"/>
+              </a:rPr>
+              <a:t>chức</a:t>
+            </a:r>
+            <a:endParaRPr lang="en-US" sz="2000" b="1" dirty="0">
+              <a:solidFill>
+                <a:schemeClr val="accent1">
+                  <a:lumMod val="75000"/>
+                </a:schemeClr>
+              </a:solidFill>
+              <a:latin typeface="Roboto Slab" panose="020B0604020202020204" charset="0"/>
+              <a:ea typeface="Roboto Slab" panose="020B0604020202020204" charset="0"/>
+            </a:endParaRPr>
+          </a:p>
+        </p:txBody>
+      </p:sp>
+    </p:spTree>
+    <p:extLst>
+      <p:ext uri="{BB962C8B-B14F-4D97-AF65-F5344CB8AC3E}">
+        <p14:creationId xmlns:p14="http://schemas.microsoft.com/office/powerpoint/2010/main" val="2404606759"/>
+      </p:ext>
+    </p:extLst>
+  </p:cSld>
+  <p:clrMapOvr>
+    <a:masterClrMapping/>
+  </p:clrMapOvr>
+  <p:timing>
+    <p:tnLst>
+      <p:par>
+        <p:cTn id="1" dur="indefinite" restart="never" nodeType="tmRoot">
+          <p:childTnLst>
+            <p:seq concurrent="1" nextAc="seek">
+              <p:cTn id="2" dur="indefinite" nodeType="mainSeq">
+                <p:childTnLst>
+                  <p:par>
+                    <p:cTn id="3" fill="hold">
+                      <p:stCondLst>
+                        <p:cond delay="indefinite"/>
+                      </p:stCondLst>
+                      <p:childTnLst>
+                        <p:par>
+                          <p:cTn id="4" fill="hold">
+                            <p:stCondLst>
+                              <p:cond delay="0"/>
+                            </p:stCondLst>
+                            <p:childTnLst>
+                              <p:par>
+                                <p:cTn id="5" presetID="14" presetClass="entr" presetSubtype="10" fill="hold" grpId="0" nodeType="clickEffect">
+                                  <p:stCondLst>
+                                    <p:cond delay="0"/>
+                                  </p:stCondLst>
+                                  <p:childTnLst>
+                                    <p:set>
+                                      <p:cBhvr>
+                                        <p:cTn id="6" dur="1" fill="hold">
+                                          <p:stCondLst>
+                                            <p:cond delay="0"/>
+                                          </p:stCondLst>
+                                        </p:cTn>
+                                        <p:tgtEl>
+                                          <p:spTgt spid="7"/>
+                                        </p:tgtEl>
+                                        <p:attrNameLst>
+                                          <p:attrName>style.visibility</p:attrName>
+                                        </p:attrNameLst>
+                                      </p:cBhvr>
+                                      <p:to>
+                                        <p:strVal val="visible"/>
+                                      </p:to>
+                                    </p:set>
+                                    <p:animEffect transition="in" filter="randombar(horizontal)">
+                                      <p:cBhvr>
+                                        <p:cTn id="7" dur="500"/>
+                                        <p:tgtEl>
+                                          <p:spTgt spid="7"/>
+                                        </p:tgtEl>
+                                      </p:cBhvr>
+                                    </p:animEffect>
+                                  </p:childTnLst>
+                                </p:cTn>
+                              </p:par>
+                            </p:childTnLst>
+                          </p:cTn>
+                        </p:par>
+                      </p:childTnLst>
+                    </p:cTn>
+                  </p:par>
+                  <p:par>
+                    <p:cTn id="8" fill="hold">
+                      <p:stCondLst>
+                        <p:cond delay="indefinite"/>
+                      </p:stCondLst>
+                      <p:childTnLst>
+                        <p:par>
+                          <p:cTn id="9" fill="hold">
+                            <p:stCondLst>
+                              <p:cond delay="0"/>
+                            </p:stCondLst>
+                            <p:childTnLst>
+                              <p:par>
+                                <p:cTn id="10" presetID="14" presetClass="entr" presetSubtype="10" fill="hold" grpId="0" nodeType="clickEffect">
+                                  <p:stCondLst>
+                                    <p:cond delay="0"/>
+                                  </p:stCondLst>
+                                  <p:childTnLst>
+                                    <p:set>
+                                      <p:cBhvr>
+                                        <p:cTn id="11" dur="1" fill="hold">
+                                          <p:stCondLst>
+                                            <p:cond delay="0"/>
+                                          </p:stCondLst>
+                                        </p:cTn>
+                                        <p:tgtEl>
+                                          <p:spTgt spid="6"/>
+                                        </p:tgtEl>
+                                        <p:attrNameLst>
+                                          <p:attrName>style.visibility</p:attrName>
+                                        </p:attrNameLst>
+                                      </p:cBhvr>
+                                      <p:to>
+                                        <p:strVal val="visible"/>
+                                      </p:to>
+                                    </p:set>
+                                    <p:animEffect transition="in" filter="randombar(horizontal)">
+                                      <p:cBhvr>
+                                        <p:cTn id="12" dur="500"/>
+                                        <p:tgtEl>
+                                          <p:spTgt spid="6"/>
+                                        </p:tgtEl>
+                                      </p:cBhvr>
+                                    </p:animEffect>
+                                  </p:childTnLst>
+                                </p:cTn>
+                              </p:par>
+                            </p:childTnLst>
+                          </p:cTn>
+                        </p:par>
+                      </p:childTnLst>
+                    </p:cTn>
+                  </p:par>
+                  <p:par>
+                    <p:cTn id="13" fill="hold">
+                      <p:stCondLst>
+                        <p:cond delay="indefinite"/>
+                      </p:stCondLst>
+                      <p:childTnLst>
+                        <p:par>
+                          <p:cTn id="14" fill="hold">
+                            <p:stCondLst>
+                              <p:cond delay="0"/>
+                            </p:stCondLst>
+                            <p:childTnLst>
+                              <p:par>
+                                <p:cTn id="15" presetID="14" presetClass="entr" presetSubtype="10" fill="hold" grpId="0" nodeType="clickEffect">
+                                  <p:stCondLst>
+                                    <p:cond delay="0"/>
+                                  </p:stCondLst>
+                                  <p:childTnLst>
+                                    <p:set>
+                                      <p:cBhvr>
+                                        <p:cTn id="16" dur="1" fill="hold">
+                                          <p:stCondLst>
+                                            <p:cond delay="0"/>
+                                          </p:stCondLst>
+                                        </p:cTn>
+                                        <p:tgtEl>
+                                          <p:spTgt spid="13"/>
+                                        </p:tgtEl>
+                                        <p:attrNameLst>
+                                          <p:attrName>style.visibility</p:attrName>
+                                        </p:attrNameLst>
+                                      </p:cBhvr>
+                                      <p:to>
+                                        <p:strVal val="visible"/>
+                                      </p:to>
+                                    </p:set>
+                                    <p:animEffect transition="in" filter="randombar(horizontal)">
+                                      <p:cBhvr>
+                                        <p:cTn id="17" dur="500"/>
+                                        <p:tgtEl>
+                                          <p:spTgt spid="13"/>
+                                        </p:tgtEl>
+                                      </p:cBhvr>
+                                    </p:animEffect>
+                                  </p:childTnLst>
+                                </p:cTn>
+                              </p:par>
+                            </p:childTnLst>
+                          </p:cTn>
+                        </p:par>
+                      </p:childTnLst>
+                    </p:cTn>
+                  </p:par>
+                  <p:par>
+                    <p:cTn id="18" fill="hold">
+                      <p:stCondLst>
+                        <p:cond delay="indefinite"/>
+                      </p:stCondLst>
+                      <p:childTnLst>
+                        <p:par>
+                          <p:cTn id="19" fill="hold">
+                            <p:stCondLst>
+                              <p:cond delay="0"/>
+                            </p:stCondLst>
+                            <p:childTnLst>
+                              <p:par>
+                                <p:cTn id="20" presetID="14" presetClass="entr" presetSubtype="10" fill="hold" nodeType="clickEffect">
+                                  <p:stCondLst>
+                                    <p:cond delay="0"/>
+                                  </p:stCondLst>
+                                  <p:childTnLst>
+                                    <p:set>
+                                      <p:cBhvr>
+                                        <p:cTn id="21" dur="1" fill="hold">
+                                          <p:stCondLst>
+                                            <p:cond delay="0"/>
+                                          </p:stCondLst>
+                                        </p:cTn>
+                                        <p:tgtEl>
+                                          <p:spTgt spid="12"/>
+                                        </p:tgtEl>
+                                        <p:attrNameLst>
+                                          <p:attrName>style.visibility</p:attrName>
+                                        </p:attrNameLst>
+                                      </p:cBhvr>
+                                      <p:to>
+                                        <p:strVal val="visible"/>
+                                      </p:to>
+                                    </p:set>
+                                    <p:animEffect transition="in" filter="randombar(horizontal)">
+                                      <p:cBhvr>
+                                        <p:cTn id="22" dur="500"/>
+                                        <p:tgtEl>
+                                          <p:spTgt spid="12"/>
+                                        </p:tgtEl>
+                                      </p:cBhvr>
+                                    </p:animEffect>
+                                  </p:childTnLst>
+                                </p:cTn>
+                              </p:par>
+                            </p:childTnLst>
+                          </p:cTn>
+                        </p:par>
+                      </p:childTnLst>
+                    </p:cTn>
+                  </p:par>
+                </p:childTnLst>
+              </p:cTn>
+              <p:prevCondLst>
+                <p:cond evt="onPrev" delay="0">
+                  <p:tgtEl>
+                    <p:sldTgt/>
+                  </p:tgtEl>
+                </p:cond>
+              </p:prevCondLst>
+              <p:nextCondLst>
+                <p:cond evt="onNext" delay="0">
+                  <p:tgtEl>
+                    <p:sldTgt/>
+                  </p:tgtEl>
+                </p:cond>
+              </p:nextCondLst>
+            </p:seq>
+          </p:childTnLst>
+        </p:cTn>
+      </p:par>
+    </p:tnLst>
+    <p:bldLst>
+      <p:bldP spid="6" grpId="0"/>
+      <p:bldP spid="7" grpId="0"/>
+      <p:bldP spid="13" grpId="0"/>
+    </p:bldLst>
+  </p:timing>
+</p:sld>
+</file>
+
+<file path=ppt/slides/slide11.xml><?xml version="1.0" encoding="utf-8"?>
+<p:sld xmlns:a="http://schemas.openxmlformats.org/drawingml/2006/main" xmlns:r="http://schemas.openxmlformats.org/officeDocument/2006/relationships" xmlns:p="http://schemas.openxmlformats.org/presentationml/2006/main">
+  <p:cSld>
+    <p:spTree>
+      <p:nvGrpSpPr>
+        <p:cNvPr id="1" name=""/>
+        <p:cNvGrpSpPr/>
+        <p:nvPr/>
+      </p:nvGrpSpPr>
+      <p:grpSpPr>
+        <a:xfrm>
+          <a:off x="0" y="0"/>
+          <a:ext cx="0" cy="0"/>
+          <a:chOff x="0" y="0"/>
+          <a:chExt cx="0" cy="0"/>
+        </a:xfrm>
+      </p:grpSpPr>
+      <p:sp>
+        <p:nvSpPr>
+          <p:cNvPr id="3" name="Slide Number Placeholder 2"/>
+          <p:cNvSpPr>
+            <a:spLocks noGrp="1"/>
+          </p:cNvSpPr>
+          <p:nvPr>
+            <p:ph type="sldNum" idx="12"/>
+          </p:nvPr>
+        </p:nvSpPr>
+        <p:spPr/>
+        <p:txBody>
+          <a:bodyPr/>
+          <a:lstStyle/>
+          <a:p>
+            <a:pPr marL="0" lvl="0" indent="0" algn="ctr" rtl="0">
+              <a:spcBef>
+                <a:spcPts val="0"/>
+              </a:spcBef>
+              <a:spcAft>
+                <a:spcPts val="0"/>
+              </a:spcAft>
+              <a:buNone/>
+            </a:pPr>
+            <a:fld id="{00000000-1234-1234-1234-123412341234}" type="slidenum">
+              <a:rPr lang="en" smtClean="0"/>
+              <a:t>11</a:t>
+            </a:fld>
+            <a:endParaRPr lang="en"/>
+          </a:p>
+        </p:txBody>
+      </p:sp>
+      <p:sp>
+        <p:nvSpPr>
+          <p:cNvPr id="5" name="TextBox 4"/>
+          <p:cNvSpPr txBox="1"/>
+          <p:nvPr/>
+        </p:nvSpPr>
+        <p:spPr>
+          <a:xfrm>
+            <a:off x="637310" y="92596"/>
+            <a:ext cx="8285018" cy="400110"/>
+          </a:xfrm>
+          <a:prstGeom prst="rect">
+            <a:avLst/>
+          </a:prstGeom>
+          <a:noFill/>
+        </p:spPr>
+        <p:txBody>
+          <a:bodyPr wrap="square" rtlCol="0">
+            <a:spAutoFit/>
+          </a:bodyPr>
+          <a:lstStyle/>
+          <a:p>
+            <a:r>
+              <a:rPr lang="en-US" sz="2000" b="1" dirty="0" err="1" smtClean="0">
+                <a:solidFill>
+                  <a:schemeClr val="accent1">
+                    <a:lumMod val="75000"/>
+                  </a:schemeClr>
+                </a:solidFill>
+                <a:latin typeface="Roboto Slab" panose="020B0604020202020204" charset="0"/>
+                <a:ea typeface="Roboto Slab" panose="020B0604020202020204" charset="0"/>
+              </a:rPr>
+              <a:t>Sơ</a:t>
+            </a:r>
+            <a:r>
+              <a:rPr lang="en-US" sz="2000" b="1" dirty="0" smtClean="0">
+                <a:solidFill>
+                  <a:schemeClr val="accent1">
+                    <a:lumMod val="75000"/>
+                  </a:schemeClr>
+                </a:solidFill>
+                <a:latin typeface="Roboto Slab" panose="020B0604020202020204" charset="0"/>
+                <a:ea typeface="Roboto Slab" panose="020B0604020202020204" charset="0"/>
+              </a:rPr>
+              <a:t> </a:t>
+            </a:r>
+            <a:r>
+              <a:rPr lang="en-US" sz="2000" b="1" dirty="0" err="1" smtClean="0">
+                <a:solidFill>
+                  <a:schemeClr val="accent1">
+                    <a:lumMod val="75000"/>
+                  </a:schemeClr>
+                </a:solidFill>
+                <a:latin typeface="Roboto Slab" panose="020B0604020202020204" charset="0"/>
+                <a:ea typeface="Roboto Slab" panose="020B0604020202020204" charset="0"/>
+              </a:rPr>
+              <a:t>đồ</a:t>
+            </a:r>
+            <a:r>
+              <a:rPr lang="en-US" sz="2000" b="1" dirty="0" smtClean="0">
+                <a:solidFill>
+                  <a:schemeClr val="accent1">
+                    <a:lumMod val="75000"/>
+                  </a:schemeClr>
+                </a:solidFill>
+                <a:latin typeface="Roboto Slab" panose="020B0604020202020204" charset="0"/>
+                <a:ea typeface="Roboto Slab" panose="020B0604020202020204" charset="0"/>
+              </a:rPr>
+              <a:t> Use case </a:t>
+            </a:r>
+            <a:r>
+              <a:rPr lang="en-US" sz="2000" b="1" dirty="0" err="1" smtClean="0">
+                <a:solidFill>
+                  <a:schemeClr val="accent1">
+                    <a:lumMod val="75000"/>
+                  </a:schemeClr>
+                </a:solidFill>
+                <a:latin typeface="Roboto Slab" panose="020B0604020202020204" charset="0"/>
+                <a:ea typeface="Roboto Slab" panose="020B0604020202020204" charset="0"/>
+              </a:rPr>
+              <a:t>trang</a:t>
+            </a:r>
+            <a:r>
+              <a:rPr lang="en-US" sz="2000" b="1" dirty="0" smtClean="0">
+                <a:solidFill>
+                  <a:schemeClr val="accent1">
+                    <a:lumMod val="75000"/>
+                  </a:schemeClr>
+                </a:solidFill>
+                <a:latin typeface="Roboto Slab" panose="020B0604020202020204" charset="0"/>
+                <a:ea typeface="Roboto Slab" panose="020B0604020202020204" charset="0"/>
+              </a:rPr>
+              <a:t> </a:t>
+            </a:r>
+            <a:r>
+              <a:rPr lang="en-US" sz="2000" b="1" dirty="0" err="1" smtClean="0">
+                <a:solidFill>
+                  <a:schemeClr val="accent1">
+                    <a:lumMod val="75000"/>
+                  </a:schemeClr>
+                </a:solidFill>
+                <a:latin typeface="Roboto Slab" panose="020B0604020202020204" charset="0"/>
+                <a:ea typeface="Roboto Slab" panose="020B0604020202020204" charset="0"/>
+              </a:rPr>
+              <a:t>người</a:t>
+            </a:r>
+            <a:r>
+              <a:rPr lang="en-US" sz="2000" b="1" dirty="0" smtClean="0">
+                <a:solidFill>
+                  <a:schemeClr val="accent1">
+                    <a:lumMod val="75000"/>
+                  </a:schemeClr>
+                </a:solidFill>
+                <a:latin typeface="Roboto Slab" panose="020B0604020202020204" charset="0"/>
+                <a:ea typeface="Roboto Slab" panose="020B0604020202020204" charset="0"/>
+              </a:rPr>
+              <a:t> </a:t>
+            </a:r>
+            <a:r>
+              <a:rPr lang="en-US" sz="2000" b="1" dirty="0" err="1" smtClean="0">
+                <a:solidFill>
+                  <a:schemeClr val="accent1">
+                    <a:lumMod val="75000"/>
+                  </a:schemeClr>
+                </a:solidFill>
+                <a:latin typeface="Roboto Slab" panose="020B0604020202020204" charset="0"/>
+                <a:ea typeface="Roboto Slab" panose="020B0604020202020204" charset="0"/>
+              </a:rPr>
+              <a:t>dùng</a:t>
+            </a:r>
+            <a:endParaRPr lang="en-US" sz="2000" b="1" dirty="0">
+              <a:solidFill>
+                <a:schemeClr val="accent1">
+                  <a:lumMod val="75000"/>
+                </a:schemeClr>
+              </a:solidFill>
+              <a:latin typeface="Roboto Slab" panose="020B0604020202020204" charset="0"/>
+              <a:ea typeface="Roboto Slab" panose="020B0604020202020204" charset="0"/>
+            </a:endParaRPr>
+          </a:p>
+        </p:txBody>
+      </p:sp>
+      <p:pic>
+        <p:nvPicPr>
+          <p:cNvPr id="6" name="Picture 5"/>
+          <p:cNvPicPr/>
+          <p:nvPr/>
+        </p:nvPicPr>
+        <p:blipFill>
+          <a:blip r:embed="rId2"/>
+          <a:stretch>
+            <a:fillRect/>
+          </a:stretch>
+        </p:blipFill>
+        <p:spPr>
+          <a:xfrm>
+            <a:off x="1070262" y="603707"/>
+            <a:ext cx="7502237" cy="4065275"/>
+          </a:xfrm>
+          <a:prstGeom prst="rect">
+            <a:avLst/>
+          </a:prstGeom>
+        </p:spPr>
+      </p:pic>
+    </p:spTree>
+    <p:extLst>
+      <p:ext uri="{BB962C8B-B14F-4D97-AF65-F5344CB8AC3E}">
+        <p14:creationId xmlns:p14="http://schemas.microsoft.com/office/powerpoint/2010/main" val="3877468072"/>
+      </p:ext>
+    </p:extLst>
+  </p:cSld>
+  <p:clrMapOvr>
+    <a:masterClrMapping/>
+  </p:clrMapOvr>
+  <p:timing>
+    <p:tnLst>
+      <p:par>
+        <p:cTn id="1" dur="indefinite" restart="never" nodeType="tmRoot">
+          <p:childTnLst>
+            <p:seq concurrent="1" nextAc="seek">
+              <p:cTn id="2" dur="indefinite" nodeType="mainSeq">
+                <p:childTnLst>
+                  <p:par>
+                    <p:cTn id="3" fill="hold">
+                      <p:stCondLst>
+                        <p:cond delay="indefinite"/>
+                      </p:stCondLst>
+                      <p:childTnLst>
+                        <p:par>
+                          <p:cTn id="4" fill="hold">
+                            <p:stCondLst>
+                              <p:cond delay="0"/>
+                            </p:stCondLst>
+                            <p:childTnLst>
+                              <p:par>
+                                <p:cTn id="5" presetID="14" presetClass="entr" presetSubtype="10" fill="hold" grpId="0" nodeType="clickEffect">
+                                  <p:stCondLst>
+                                    <p:cond delay="0"/>
+                                  </p:stCondLst>
+                                  <p:childTnLst>
+                                    <p:set>
+                                      <p:cBhvr>
+                                        <p:cTn id="6" dur="1" fill="hold">
+                                          <p:stCondLst>
+                                            <p:cond delay="0"/>
+                                          </p:stCondLst>
+                                        </p:cTn>
+                                        <p:tgtEl>
+                                          <p:spTgt spid="5"/>
+                                        </p:tgtEl>
+                                        <p:attrNameLst>
+                                          <p:attrName>style.visibility</p:attrName>
+                                        </p:attrNameLst>
+                                      </p:cBhvr>
+                                      <p:to>
+                                        <p:strVal val="visible"/>
+                                      </p:to>
+                                    </p:set>
+                                    <p:animEffect transition="in" filter="randombar(horizontal)">
+                                      <p:cBhvr>
+                                        <p:cTn id="7" dur="500"/>
+                                        <p:tgtEl>
+                                          <p:spTgt spid="5"/>
+                                        </p:tgtEl>
+                                      </p:cBhvr>
+                                    </p:animEffect>
+                                  </p:childTnLst>
+                                </p:cTn>
+                              </p:par>
+                            </p:childTnLst>
+                          </p:cTn>
+                        </p:par>
+                      </p:childTnLst>
+                    </p:cTn>
+                  </p:par>
+                  <p:par>
+                    <p:cTn id="8" fill="hold">
+                      <p:stCondLst>
+                        <p:cond delay="indefinite"/>
+                      </p:stCondLst>
+                      <p:childTnLst>
+                        <p:par>
+                          <p:cTn id="9" fill="hold">
+                            <p:stCondLst>
+                              <p:cond delay="0"/>
+                            </p:stCondLst>
+                            <p:childTnLst>
+                              <p:par>
+                                <p:cTn id="10" presetID="10" presetClass="entr" presetSubtype="0" fill="hold" nodeType="clickEffect">
+                                  <p:stCondLst>
+                                    <p:cond delay="0"/>
+                                  </p:stCondLst>
+                                  <p:childTnLst>
+                                    <p:set>
+                                      <p:cBhvr>
+                                        <p:cTn id="11" dur="1" fill="hold">
+                                          <p:stCondLst>
+                                            <p:cond delay="0"/>
+                                          </p:stCondLst>
+                                        </p:cTn>
+                                        <p:tgtEl>
+                                          <p:spTgt spid="6"/>
+                                        </p:tgtEl>
+                                        <p:attrNameLst>
+                                          <p:attrName>style.visibility</p:attrName>
+                                        </p:attrNameLst>
+                                      </p:cBhvr>
+                                      <p:to>
+                                        <p:strVal val="visible"/>
+                                      </p:to>
+                                    </p:set>
+                                    <p:animEffect transition="in" filter="fade">
+                                      <p:cBhvr>
+                                        <p:cTn id="12" dur="500"/>
+                                        <p:tgtEl>
+                                          <p:spTgt spid="6"/>
+                                        </p:tgtEl>
+                                      </p:cBhvr>
+                                    </p:animEffect>
+                                  </p:childTnLst>
+                                </p:cTn>
+                              </p:par>
+                            </p:childTnLst>
+                          </p:cTn>
+                        </p:par>
+                      </p:childTnLst>
+                    </p:cTn>
+                  </p:par>
+                </p:childTnLst>
+              </p:cTn>
+              <p:prevCondLst>
+                <p:cond evt="onPrev" delay="0">
+                  <p:tgtEl>
+                    <p:sldTgt/>
+                  </p:tgtEl>
+                </p:cond>
+              </p:prevCondLst>
+              <p:nextCondLst>
+                <p:cond evt="onNext" delay="0">
+                  <p:tgtEl>
+                    <p:sldTgt/>
+                  </p:tgtEl>
+                </p:cond>
+              </p:nextCondLst>
+            </p:seq>
+          </p:childTnLst>
+        </p:cTn>
+      </p:par>
+    </p:tnLst>
+    <p:bldLst>
+      <p:bldP spid="5" grpId="0"/>
+    </p:bldLst>
+  </p:timing>
+</p:sld>
+</file>
+
+<file path=ppt/slides/slide12.xml><?xml version="1.0" encoding="utf-8"?>
+<p:sld xmlns:a="http://schemas.openxmlformats.org/drawingml/2006/main" xmlns:r="http://schemas.openxmlformats.org/officeDocument/2006/relationships" xmlns:p="http://schemas.openxmlformats.org/presentationml/2006/main">
+  <p:cSld>
+    <p:spTree>
+      <p:nvGrpSpPr>
+        <p:cNvPr id="1" name=""/>
+        <p:cNvGrpSpPr/>
+        <p:nvPr/>
+      </p:nvGrpSpPr>
+      <p:grpSpPr>
+        <a:xfrm>
+          <a:off x="0" y="0"/>
+          <a:ext cx="0" cy="0"/>
+          <a:chOff x="0" y="0"/>
+          <a:chExt cx="0" cy="0"/>
+        </a:xfrm>
+      </p:grpSpPr>
+      <p:sp>
+        <p:nvSpPr>
+          <p:cNvPr id="3" name="Slide Number Placeholder 2"/>
+          <p:cNvSpPr>
+            <a:spLocks noGrp="1"/>
+          </p:cNvSpPr>
+          <p:nvPr>
+            <p:ph type="sldNum" idx="12"/>
+          </p:nvPr>
+        </p:nvSpPr>
+        <p:spPr/>
+        <p:txBody>
+          <a:bodyPr/>
+          <a:lstStyle/>
+          <a:p>
+            <a:pPr marL="0" lvl="0" indent="0" algn="ctr" rtl="0">
+              <a:spcBef>
+                <a:spcPts val="0"/>
+              </a:spcBef>
+              <a:spcAft>
+                <a:spcPts val="0"/>
+              </a:spcAft>
+              <a:buNone/>
+            </a:pPr>
+            <a:fld id="{00000000-1234-1234-1234-123412341234}" type="slidenum">
+              <a:rPr lang="en" smtClean="0"/>
+              <a:t>12</a:t>
+            </a:fld>
+            <a:endParaRPr lang="en"/>
+          </a:p>
+        </p:txBody>
+      </p:sp>
+      <p:sp>
+        <p:nvSpPr>
           <p:cNvPr id="4" name="TextBox 3"/>
           <p:cNvSpPr txBox="1"/>
           <p:nvPr/>
@@ -6403,7 +7443,7 @@
 </p:sld>
 </file>
 
-<file path=ppt/slides/slide11.xml><?xml version="1.0" encoding="utf-8"?>
+<file path=ppt/slides/slide13.xml><?xml version="1.0" encoding="utf-8"?>
 <p:sld xmlns:a="http://schemas.openxmlformats.org/drawingml/2006/main" xmlns:r="http://schemas.openxmlformats.org/officeDocument/2006/relationships" xmlns:p="http://schemas.openxmlformats.org/presentationml/2006/main">
   <p:cSld>
     <p:spTree>
@@ -6446,7 +7486,7 @@
             </a:pPr>
             <a:fld id="{00000000-1234-1234-1234-123412341234}" type="slidenum">
               <a:rPr lang="en" smtClean="0"/>
-              <a:t>11</a:t>
+              <a:t>13</a:t>
             </a:fld>
             <a:endParaRPr lang="en"/>
           </a:p>
@@ -7980,7 +9020,7 @@
 </p:sld>
 </file>
 
-<file path=ppt/slides/slide12.xml><?xml version="1.0" encoding="utf-8"?>
+<file path=ppt/slides/slide14.xml><?xml version="1.0" encoding="utf-8"?>
 <p:sld xmlns:a="http://schemas.openxmlformats.org/drawingml/2006/main" xmlns:r="http://schemas.openxmlformats.org/officeDocument/2006/relationships" xmlns:p="http://schemas.openxmlformats.org/presentationml/2006/main">
   <p:cSld>
     <p:spTree>
@@ -9568,7 +10608,7 @@
             </a:pPr>
             <a:fld id="{00000000-1234-1234-1234-123412341234}" type="slidenum">
               <a:rPr lang="en" smtClean="0"/>
-              <a:t>12</a:t>
+              <a:t>14</a:t>
             </a:fld>
             <a:endParaRPr lang="en"/>
           </a:p>
@@ -9930,7 +10970,7 @@
 </p:sld>
 </file>
 
-<file path=ppt/slides/slide13.xml><?xml version="1.0" encoding="utf-8"?>
+<file path=ppt/slides/slide15.xml><?xml version="1.0" encoding="utf-8"?>
 <p:sld xmlns:a="http://schemas.openxmlformats.org/drawingml/2006/main" xmlns:r="http://schemas.openxmlformats.org/officeDocument/2006/relationships" xmlns:p="http://schemas.openxmlformats.org/presentationml/2006/main">
   <p:cSld>
     <p:spTree>
@@ -9973,7 +11013,7 @@
             </a:pPr>
             <a:fld id="{00000000-1234-1234-1234-123412341234}" type="slidenum">
               <a:rPr lang="en" smtClean="0"/>
-              <a:t>13</a:t>
+              <a:t>15</a:t>
             </a:fld>
             <a:endParaRPr lang="en"/>
           </a:p>
@@ -10288,7 +11328,7 @@
 </p:sld>
 </file>
 
-<file path=ppt/slides/slide14.xml><?xml version="1.0" encoding="utf-8"?>
+<file path=ppt/slides/slide16.xml><?xml version="1.0" encoding="utf-8"?>
 <p:sld xmlns:a="http://schemas.openxmlformats.org/drawingml/2006/main" xmlns:r="http://schemas.openxmlformats.org/officeDocument/2006/relationships" xmlns:p="http://schemas.openxmlformats.org/presentationml/2006/main">
   <p:cSld>
     <p:spTree>
@@ -10331,7 +11371,7 @@
             </a:pPr>
             <a:fld id="{00000000-1234-1234-1234-123412341234}" type="slidenum">
               <a:rPr lang="en" smtClean="0"/>
-              <a:t>14</a:t>
+              <a:t>16</a:t>
             </a:fld>
             <a:endParaRPr lang="en"/>
           </a:p>
@@ -11536,7 +12576,7 @@
 </p:sld>
 </file>
 
-<file path=ppt/slides/slide15.xml><?xml version="1.0" encoding="utf-8"?>
+<file path=ppt/slides/slide17.xml><?xml version="1.0" encoding="utf-8"?>
 <p:sld xmlns:a="http://schemas.openxmlformats.org/drawingml/2006/main" xmlns:r="http://schemas.openxmlformats.org/officeDocument/2006/relationships" xmlns:p="http://schemas.openxmlformats.org/presentationml/2006/main">
   <p:cSld>
     <p:spTree>
@@ -11579,7 +12619,7 @@
             </a:pPr>
             <a:fld id="{00000000-1234-1234-1234-123412341234}" type="slidenum">
               <a:rPr lang="en" smtClean="0"/>
-              <a:t>15</a:t>
+              <a:t>17</a:t>
             </a:fld>
             <a:endParaRPr lang="en"/>
           </a:p>
@@ -11813,7 +12853,7 @@
 </p:sld>
 </file>
 
-<file path=ppt/slides/slide16.xml><?xml version="1.0" encoding="utf-8"?>
+<file path=ppt/slides/slide18.xml><?xml version="1.0" encoding="utf-8"?>
 <p:sld xmlns:a="http://schemas.openxmlformats.org/drawingml/2006/main" xmlns:r="http://schemas.openxmlformats.org/officeDocument/2006/relationships" xmlns:p="http://schemas.openxmlformats.org/presentationml/2006/main">
   <p:cSld>
     <p:spTree>
@@ -11875,7 +12915,7 @@
             </a:pPr>
             <a:fld id="{00000000-1234-1234-1234-123412341234}" type="slidenum">
               <a:rPr lang="en" smtClean="0"/>
-              <a:t>16</a:t>
+              <a:t>18</a:t>
             </a:fld>
             <a:endParaRPr lang="en"/>
           </a:p>
@@ -12001,7 +13041,7 @@
 </p:sld>
 </file>
 
-<file path=ppt/slides/slide17.xml><?xml version="1.0" encoding="utf-8"?>
+<file path=ppt/slides/slide19.xml><?xml version="1.0" encoding="utf-8"?>
 <p:sld xmlns:a="http://schemas.openxmlformats.org/drawingml/2006/main" xmlns:r="http://schemas.openxmlformats.org/officeDocument/2006/relationships" xmlns:p="http://schemas.openxmlformats.org/presentationml/2006/main">
   <p:cSld>
     <p:spTree>
@@ -12044,7 +13084,7 @@
             </a:pPr>
             <a:fld id="{00000000-1234-1234-1234-123412341234}" type="slidenum">
               <a:rPr lang="en" smtClean="0"/>
-              <a:t>17</a:t>
+              <a:t>19</a:t>
             </a:fld>
             <a:endParaRPr lang="en"/>
           </a:p>
@@ -12968,572 +14008,6 @@
 </p:sld>
 </file>
 
-<file path=ppt/slides/slide18.xml><?xml version="1.0" encoding="utf-8"?>
-<p:sld xmlns:a="http://schemas.openxmlformats.org/drawingml/2006/main" xmlns:r="http://schemas.openxmlformats.org/officeDocument/2006/relationships" xmlns:p="http://schemas.openxmlformats.org/presentationml/2006/main">
-  <p:cSld>
-    <p:spTree>
-      <p:nvGrpSpPr>
-        <p:cNvPr id="1" name=""/>
-        <p:cNvGrpSpPr/>
-        <p:nvPr/>
-      </p:nvGrpSpPr>
-      <p:grpSpPr>
-        <a:xfrm>
-          <a:off x="0" y="0"/>
-          <a:ext cx="0" cy="0"/>
-          <a:chOff x="0" y="0"/>
-          <a:chExt cx="0" cy="0"/>
-        </a:xfrm>
-      </p:grpSpPr>
-      <p:sp>
-        <p:nvSpPr>
-          <p:cNvPr id="3" name="Slide Number Placeholder 2"/>
-          <p:cNvSpPr>
-            <a:spLocks noGrp="1"/>
-          </p:cNvSpPr>
-          <p:nvPr>
-            <p:ph type="sldNum" idx="12"/>
-          </p:nvPr>
-        </p:nvSpPr>
-        <p:spPr/>
-        <p:txBody>
-          <a:bodyPr/>
-          <a:lstStyle/>
-          <a:p>
-            <a:pPr marL="0" lvl="0" indent="0" algn="ctr" rtl="0">
-              <a:spcBef>
-                <a:spcPts val="0"/>
-              </a:spcBef>
-              <a:spcAft>
-                <a:spcPts val="0"/>
-              </a:spcAft>
-              <a:buNone/>
-            </a:pPr>
-            <a:fld id="{00000000-1234-1234-1234-123412341234}" type="slidenum">
-              <a:rPr lang="en" smtClean="0"/>
-              <a:t>18</a:t>
-            </a:fld>
-            <a:endParaRPr lang="en"/>
-          </a:p>
-        </p:txBody>
-      </p:sp>
-      <p:sp>
-        <p:nvSpPr>
-          <p:cNvPr id="5" name="TextBox 4"/>
-          <p:cNvSpPr txBox="1"/>
-          <p:nvPr/>
-        </p:nvSpPr>
-        <p:spPr>
-          <a:xfrm>
-            <a:off x="263237" y="156956"/>
-            <a:ext cx="8285018" cy="400110"/>
-          </a:xfrm>
-          <a:prstGeom prst="rect">
-            <a:avLst/>
-          </a:prstGeom>
-          <a:noFill/>
-        </p:spPr>
-        <p:txBody>
-          <a:bodyPr wrap="square" rtlCol="0">
-            <a:spAutoFit/>
-          </a:bodyPr>
-          <a:lstStyle/>
-          <a:p>
-            <a:r>
-              <a:rPr lang="en-US" sz="2000" b="1" dirty="0" smtClean="0">
-                <a:solidFill>
-                  <a:schemeClr val="accent1">
-                    <a:lumMod val="75000"/>
-                  </a:schemeClr>
-                </a:solidFill>
-                <a:latin typeface="Roboto Slab" panose="020B0604020202020204" charset="0"/>
-                <a:ea typeface="Roboto Slab" panose="020B0604020202020204" charset="0"/>
-              </a:rPr>
-              <a:t>3.3. CÔNG CỤ QUẢN LÍ MÃ NGUỒN GITHUB</a:t>
-            </a:r>
-            <a:endParaRPr lang="en-US" sz="2000" b="1" dirty="0">
-              <a:solidFill>
-                <a:schemeClr val="accent1">
-                  <a:lumMod val="75000"/>
-                </a:schemeClr>
-              </a:solidFill>
-              <a:latin typeface="Roboto Slab" panose="020B0604020202020204" charset="0"/>
-              <a:ea typeface="Roboto Slab" panose="020B0604020202020204" charset="0"/>
-            </a:endParaRPr>
-          </a:p>
-        </p:txBody>
-      </p:sp>
-      <p:pic>
-        <p:nvPicPr>
-          <p:cNvPr id="8" name="Picture 7"/>
-          <p:cNvPicPr>
-            <a:picLocks noChangeAspect="1"/>
-          </p:cNvPicPr>
-          <p:nvPr/>
-        </p:nvPicPr>
-        <p:blipFill>
-          <a:blip r:embed="rId2"/>
-          <a:stretch>
-            <a:fillRect/>
-          </a:stretch>
-        </p:blipFill>
-        <p:spPr>
-          <a:xfrm>
-            <a:off x="683530" y="557066"/>
-            <a:ext cx="8179345" cy="3959516"/>
-          </a:xfrm>
-          <a:prstGeom prst="rect">
-            <a:avLst/>
-          </a:prstGeom>
-        </p:spPr>
-      </p:pic>
-    </p:spTree>
-    <p:extLst>
-      <p:ext uri="{BB962C8B-B14F-4D97-AF65-F5344CB8AC3E}">
-        <p14:creationId xmlns:p14="http://schemas.microsoft.com/office/powerpoint/2010/main" val="456428923"/>
-      </p:ext>
-    </p:extLst>
-  </p:cSld>
-  <p:clrMapOvr>
-    <a:masterClrMapping/>
-  </p:clrMapOvr>
-  <p:timing>
-    <p:tnLst>
-      <p:par>
-        <p:cTn id="1" dur="indefinite" restart="never" nodeType="tmRoot">
-          <p:childTnLst>
-            <p:seq concurrent="1" nextAc="seek">
-              <p:cTn id="2" dur="indefinite" nodeType="mainSeq">
-                <p:childTnLst>
-                  <p:par>
-                    <p:cTn id="3" fill="hold">
-                      <p:stCondLst>
-                        <p:cond delay="indefinite"/>
-                      </p:stCondLst>
-                      <p:childTnLst>
-                        <p:par>
-                          <p:cTn id="4" fill="hold">
-                            <p:stCondLst>
-                              <p:cond delay="0"/>
-                            </p:stCondLst>
-                            <p:childTnLst>
-                              <p:par>
-                                <p:cTn id="5" presetID="14" presetClass="entr" presetSubtype="10" fill="hold" grpId="0" nodeType="clickEffect">
-                                  <p:stCondLst>
-                                    <p:cond delay="0"/>
-                                  </p:stCondLst>
-                                  <p:childTnLst>
-                                    <p:set>
-                                      <p:cBhvr>
-                                        <p:cTn id="6" dur="1" fill="hold">
-                                          <p:stCondLst>
-                                            <p:cond delay="0"/>
-                                          </p:stCondLst>
-                                        </p:cTn>
-                                        <p:tgtEl>
-                                          <p:spTgt spid="5"/>
-                                        </p:tgtEl>
-                                        <p:attrNameLst>
-                                          <p:attrName>style.visibility</p:attrName>
-                                        </p:attrNameLst>
-                                      </p:cBhvr>
-                                      <p:to>
-                                        <p:strVal val="visible"/>
-                                      </p:to>
-                                    </p:set>
-                                    <p:animEffect transition="in" filter="randombar(horizontal)">
-                                      <p:cBhvr>
-                                        <p:cTn id="7" dur="500"/>
-                                        <p:tgtEl>
-                                          <p:spTgt spid="5"/>
-                                        </p:tgtEl>
-                                      </p:cBhvr>
-                                    </p:animEffect>
-                                  </p:childTnLst>
-                                </p:cTn>
-                              </p:par>
-                            </p:childTnLst>
-                          </p:cTn>
-                        </p:par>
-                      </p:childTnLst>
-                    </p:cTn>
-                  </p:par>
-                  <p:par>
-                    <p:cTn id="8" fill="hold">
-                      <p:stCondLst>
-                        <p:cond delay="indefinite"/>
-                      </p:stCondLst>
-                      <p:childTnLst>
-                        <p:par>
-                          <p:cTn id="9" fill="hold">
-                            <p:stCondLst>
-                              <p:cond delay="0"/>
-                            </p:stCondLst>
-                            <p:childTnLst>
-                              <p:par>
-                                <p:cTn id="10" presetID="14" presetClass="entr" presetSubtype="10" fill="hold" nodeType="clickEffect">
-                                  <p:stCondLst>
-                                    <p:cond delay="0"/>
-                                  </p:stCondLst>
-                                  <p:childTnLst>
-                                    <p:set>
-                                      <p:cBhvr>
-                                        <p:cTn id="11" dur="1" fill="hold">
-                                          <p:stCondLst>
-                                            <p:cond delay="0"/>
-                                          </p:stCondLst>
-                                        </p:cTn>
-                                        <p:tgtEl>
-                                          <p:spTgt spid="8"/>
-                                        </p:tgtEl>
-                                        <p:attrNameLst>
-                                          <p:attrName>style.visibility</p:attrName>
-                                        </p:attrNameLst>
-                                      </p:cBhvr>
-                                      <p:to>
-                                        <p:strVal val="visible"/>
-                                      </p:to>
-                                    </p:set>
-                                    <p:animEffect transition="in" filter="randombar(horizontal)">
-                                      <p:cBhvr>
-                                        <p:cTn id="12" dur="500"/>
-                                        <p:tgtEl>
-                                          <p:spTgt spid="8"/>
-                                        </p:tgtEl>
-                                      </p:cBhvr>
-                                    </p:animEffect>
-                                  </p:childTnLst>
-                                </p:cTn>
-                              </p:par>
-                            </p:childTnLst>
-                          </p:cTn>
-                        </p:par>
-                      </p:childTnLst>
-                    </p:cTn>
-                  </p:par>
-                </p:childTnLst>
-              </p:cTn>
-              <p:prevCondLst>
-                <p:cond evt="onPrev" delay="0">
-                  <p:tgtEl>
-                    <p:sldTgt/>
-                  </p:tgtEl>
-                </p:cond>
-              </p:prevCondLst>
-              <p:nextCondLst>
-                <p:cond evt="onNext" delay="0">
-                  <p:tgtEl>
-                    <p:sldTgt/>
-                  </p:tgtEl>
-                </p:cond>
-              </p:nextCondLst>
-            </p:seq>
-          </p:childTnLst>
-        </p:cTn>
-      </p:par>
-    </p:tnLst>
-    <p:bldLst>
-      <p:bldP spid="5" grpId="0"/>
-    </p:bldLst>
-  </p:timing>
-</p:sld>
-</file>
-
-<file path=ppt/slides/slide19.xml><?xml version="1.0" encoding="utf-8"?>
-<p:sld xmlns:a="http://schemas.openxmlformats.org/drawingml/2006/main" xmlns:r="http://schemas.openxmlformats.org/officeDocument/2006/relationships" xmlns:p="http://schemas.openxmlformats.org/presentationml/2006/main">
-  <p:cSld>
-    <p:spTree>
-      <p:nvGrpSpPr>
-        <p:cNvPr id="1" name=""/>
-        <p:cNvGrpSpPr/>
-        <p:nvPr/>
-      </p:nvGrpSpPr>
-      <p:grpSpPr>
-        <a:xfrm>
-          <a:off x="0" y="0"/>
-          <a:ext cx="0" cy="0"/>
-          <a:chOff x="0" y="0"/>
-          <a:chExt cx="0" cy="0"/>
-        </a:xfrm>
-      </p:grpSpPr>
-      <p:sp>
-        <p:nvSpPr>
-          <p:cNvPr id="3" name="Slide Number Placeholder 2"/>
-          <p:cNvSpPr>
-            <a:spLocks noGrp="1"/>
-          </p:cNvSpPr>
-          <p:nvPr>
-            <p:ph type="sldNum" idx="12"/>
-          </p:nvPr>
-        </p:nvSpPr>
-        <p:spPr/>
-        <p:txBody>
-          <a:bodyPr/>
-          <a:lstStyle/>
-          <a:p>
-            <a:pPr marL="0" lvl="0" indent="0" algn="ctr" rtl="0">
-              <a:spcBef>
-                <a:spcPts val="0"/>
-              </a:spcBef>
-              <a:spcAft>
-                <a:spcPts val="0"/>
-              </a:spcAft>
-              <a:buNone/>
-            </a:pPr>
-            <a:fld id="{00000000-1234-1234-1234-123412341234}" type="slidenum">
-              <a:rPr lang="en" smtClean="0"/>
-              <a:t>19</a:t>
-            </a:fld>
-            <a:endParaRPr lang="en"/>
-          </a:p>
-        </p:txBody>
-      </p:sp>
-      <p:pic>
-        <p:nvPicPr>
-          <p:cNvPr id="7" name="Picture 6"/>
-          <p:cNvPicPr>
-            <a:picLocks noChangeAspect="1"/>
-          </p:cNvPicPr>
-          <p:nvPr/>
-        </p:nvPicPr>
-        <p:blipFill>
-          <a:blip r:embed="rId2"/>
-          <a:stretch>
-            <a:fillRect/>
-          </a:stretch>
-        </p:blipFill>
-        <p:spPr>
-          <a:xfrm>
-            <a:off x="800077" y="803657"/>
-            <a:ext cx="7833037" cy="3429339"/>
-          </a:xfrm>
-          <a:prstGeom prst="rect">
-            <a:avLst/>
-          </a:prstGeom>
-        </p:spPr>
-      </p:pic>
-      <p:sp>
-        <p:nvSpPr>
-          <p:cNvPr id="8" name="TextBox 7"/>
-          <p:cNvSpPr txBox="1"/>
-          <p:nvPr/>
-        </p:nvSpPr>
-        <p:spPr>
-          <a:xfrm>
-            <a:off x="498764" y="103909"/>
-            <a:ext cx="8181109" cy="307777"/>
-          </a:xfrm>
-          <a:prstGeom prst="rect">
-            <a:avLst/>
-          </a:prstGeom>
-          <a:noFill/>
-        </p:spPr>
-        <p:txBody>
-          <a:bodyPr wrap="square" rtlCol="0">
-            <a:spAutoFit/>
-          </a:bodyPr>
-          <a:lstStyle/>
-          <a:p>
-            <a:r>
-              <a:rPr lang="en-US" dirty="0" err="1" smtClean="0"/>
-              <a:t>Hình</a:t>
-            </a:r>
-            <a:r>
-              <a:rPr lang="en-US" dirty="0" smtClean="0"/>
-              <a:t> </a:t>
-            </a:r>
-            <a:r>
-              <a:rPr lang="en-US" dirty="0" err="1" smtClean="0"/>
-              <a:t>ảnh</a:t>
-            </a:r>
-            <a:r>
-              <a:rPr lang="en-US" dirty="0" smtClean="0"/>
-              <a:t> </a:t>
-            </a:r>
-            <a:r>
-              <a:rPr lang="en-US" dirty="0" err="1" smtClean="0"/>
-              <a:t>một</a:t>
-            </a:r>
-            <a:r>
-              <a:rPr lang="en-US" dirty="0" smtClean="0"/>
-              <a:t> </a:t>
-            </a:r>
-            <a:r>
-              <a:rPr lang="en-US" dirty="0" err="1" smtClean="0"/>
-              <a:t>số</a:t>
-            </a:r>
-            <a:r>
-              <a:rPr lang="en-US" dirty="0" smtClean="0"/>
-              <a:t> Commit </a:t>
-            </a:r>
-            <a:r>
-              <a:rPr lang="en-US" dirty="0" err="1" smtClean="0"/>
-              <a:t>của</a:t>
-            </a:r>
-            <a:r>
-              <a:rPr lang="en-US" dirty="0" smtClean="0"/>
-              <a:t> </a:t>
-            </a:r>
-            <a:r>
-              <a:rPr lang="en-US" dirty="0" err="1" smtClean="0"/>
-              <a:t>nhóm</a:t>
-            </a:r>
-            <a:endParaRPr lang="en-US" dirty="0"/>
-          </a:p>
-        </p:txBody>
-      </p:sp>
-    </p:spTree>
-    <p:extLst>
-      <p:ext uri="{BB962C8B-B14F-4D97-AF65-F5344CB8AC3E}">
-        <p14:creationId xmlns:p14="http://schemas.microsoft.com/office/powerpoint/2010/main" val="3792206174"/>
-      </p:ext>
-    </p:extLst>
-  </p:cSld>
-  <p:clrMapOvr>
-    <a:masterClrMapping/>
-  </p:clrMapOvr>
-  <p:timing>
-    <p:tnLst>
-      <p:par>
-        <p:cTn id="1" dur="indefinite" restart="never" nodeType="tmRoot">
-          <p:childTnLst>
-            <p:seq concurrent="1" nextAc="seek">
-              <p:cTn id="2" dur="indefinite" nodeType="mainSeq">
-                <p:childTnLst>
-                  <p:par>
-                    <p:cTn id="3" fill="hold">
-                      <p:stCondLst>
-                        <p:cond delay="indefinite"/>
-                      </p:stCondLst>
-                      <p:childTnLst>
-                        <p:par>
-                          <p:cTn id="4" fill="hold">
-                            <p:stCondLst>
-                              <p:cond delay="0"/>
-                            </p:stCondLst>
-                            <p:childTnLst>
-                              <p:par>
-                                <p:cTn id="5" presetID="14" presetClass="entr" presetSubtype="10" fill="hold" grpId="0" nodeType="clickEffect">
-                                  <p:stCondLst>
-                                    <p:cond delay="0"/>
-                                  </p:stCondLst>
-                                  <p:childTnLst>
-                                    <p:set>
-                                      <p:cBhvr>
-                                        <p:cTn id="6" dur="1" fill="hold">
-                                          <p:stCondLst>
-                                            <p:cond delay="0"/>
-                                          </p:stCondLst>
-                                        </p:cTn>
-                                        <p:tgtEl>
-                                          <p:spTgt spid="8"/>
-                                        </p:tgtEl>
-                                        <p:attrNameLst>
-                                          <p:attrName>style.visibility</p:attrName>
-                                        </p:attrNameLst>
-                                      </p:cBhvr>
-                                      <p:to>
-                                        <p:strVal val="visible"/>
-                                      </p:to>
-                                    </p:set>
-                                    <p:animEffect transition="in" filter="randombar(horizontal)">
-                                      <p:cBhvr>
-                                        <p:cTn id="7" dur="500"/>
-                                        <p:tgtEl>
-                                          <p:spTgt spid="8"/>
-                                        </p:tgtEl>
-                                      </p:cBhvr>
-                                    </p:animEffect>
-                                  </p:childTnLst>
-                                </p:cTn>
-                              </p:par>
-                            </p:childTnLst>
-                          </p:cTn>
-                        </p:par>
-                      </p:childTnLst>
-                    </p:cTn>
-                  </p:par>
-                  <p:par>
-                    <p:cTn id="8" fill="hold">
-                      <p:stCondLst>
-                        <p:cond delay="indefinite"/>
-                      </p:stCondLst>
-                      <p:childTnLst>
-                        <p:par>
-                          <p:cTn id="9" fill="hold">
-                            <p:stCondLst>
-                              <p:cond delay="0"/>
-                            </p:stCondLst>
-                            <p:childTnLst>
-                              <p:par>
-                                <p:cTn id="10" presetID="14" presetClass="entr" presetSubtype="10" fill="hold" nodeType="clickEffect">
-                                  <p:stCondLst>
-                                    <p:cond delay="0"/>
-                                  </p:stCondLst>
-                                  <p:childTnLst>
-                                    <p:set>
-                                      <p:cBhvr>
-                                        <p:cTn id="11" dur="1" fill="hold">
-                                          <p:stCondLst>
-                                            <p:cond delay="0"/>
-                                          </p:stCondLst>
-                                        </p:cTn>
-                                        <p:tgtEl>
-                                          <p:spTgt spid="7"/>
-                                        </p:tgtEl>
-                                        <p:attrNameLst>
-                                          <p:attrName>style.visibility</p:attrName>
-                                        </p:attrNameLst>
-                                      </p:cBhvr>
-                                      <p:to>
-                                        <p:strVal val="visible"/>
-                                      </p:to>
-                                    </p:set>
-                                    <p:animEffect transition="in" filter="randombar(horizontal)">
-                                      <p:cBhvr>
-                                        <p:cTn id="12" dur="500"/>
-                                        <p:tgtEl>
-                                          <p:spTgt spid="7"/>
-                                        </p:tgtEl>
-                                      </p:cBhvr>
-                                    </p:animEffect>
-                                  </p:childTnLst>
-                                </p:cTn>
-                              </p:par>
-                            </p:childTnLst>
-                          </p:cTn>
-                        </p:par>
-                      </p:childTnLst>
-                    </p:cTn>
-                  </p:par>
-                </p:childTnLst>
-              </p:cTn>
-              <p:prevCondLst>
-                <p:cond evt="onPrev" delay="0">
-                  <p:tgtEl>
-                    <p:sldTgt/>
-                  </p:tgtEl>
-                </p:cond>
-              </p:prevCondLst>
-              <p:nextCondLst>
-                <p:cond evt="onNext" delay="0">
-                  <p:tgtEl>
-                    <p:sldTgt/>
-                  </p:tgtEl>
-                </p:cond>
-              </p:nextCondLst>
-            </p:seq>
-          </p:childTnLst>
-        </p:cTn>
-      </p:par>
-    </p:tnLst>
-    <p:bldLst>
-      <p:bldP spid="8" grpId="0"/>
-    </p:bldLst>
-  </p:timing>
-</p:sld>
-</file>
-
 <file path=ppt/slides/slide2.xml><?xml version="1.0" encoding="utf-8"?>
 <p:sld xmlns:a="http://schemas.openxmlformats.org/drawingml/2006/main" xmlns:r="http://schemas.openxmlformats.org/officeDocument/2006/relationships" xmlns:p="http://schemas.openxmlformats.org/presentationml/2006/main">
   <p:cSld>
@@ -13970,7 +14444,7 @@
                   </a:schemeClr>
                 </a:solidFill>
               </a:rPr>
-              <a:t>1. TỔNG QUAN VỀ ĐỀ TÀI, PHÂN CHIA CÔNG VIỆC VÀ GIỚI THIỆU SƠ CÁC CHỨC NĂNG ĐÃ LÀM </a:t>
+              <a:t>1. TỔNG QUAN VỀ ĐỀ TÀI</a:t>
             </a:r>
             <a:endParaRPr lang="vi-VN" sz="2000" dirty="0">
               <a:solidFill>
@@ -13992,7 +14466,7 @@
         </p:nvSpPr>
         <p:spPr>
           <a:xfrm>
-            <a:off x="786149" y="1685143"/>
+            <a:off x="786149" y="1610426"/>
             <a:ext cx="8233159" cy="502509"/>
           </a:xfrm>
           <a:prstGeom prst="rect">
@@ -14273,7 +14747,7 @@
                   </a:schemeClr>
                 </a:solidFill>
               </a:rPr>
-              <a:t>. PHÂN TÍCH THIẾT KẾ HỆ THỐNG VÀ THIẾT KẾ CƠ SỞ DỮ LIỆU</a:t>
+              <a:t>. THIẾT KẾ XÂY DỰNG WEBSITE</a:t>
             </a:r>
             <a:endParaRPr lang="vi-VN" sz="2000" dirty="0">
               <a:solidFill>
@@ -14295,8 +14769,8 @@
         </p:nvSpPr>
         <p:spPr>
           <a:xfrm>
-            <a:off x="786149" y="2271663"/>
-            <a:ext cx="7713614" cy="667948"/>
+            <a:off x="786149" y="2214432"/>
+            <a:ext cx="7713614" cy="541871"/>
           </a:xfrm>
           <a:prstGeom prst="rect">
             <a:avLst/>
@@ -14588,8 +15062,29 @@
                 <a:latin typeface="Roboto Slab" panose="020B0604020202020204" charset="0"/>
                 <a:ea typeface="Roboto Slab" panose="020B0604020202020204" charset="0"/>
               </a:rPr>
-              <a:t>TÌM HIỂU VỀ  FRAMEWORK, THƯ VIỆN , MỘT SỐ CÔNG CỤ VÀ PHÂN CHIA CÔNG VIỆC</a:t>
-            </a:r>
+              <a:t>TÌM HIỂU VỀ  FRAMEWORK, THƯ </a:t>
+            </a:r>
+            <a:r>
+              <a:rPr lang="en-US" sz="2000" dirty="0" smtClean="0">
+                <a:solidFill>
+                  <a:schemeClr val="accent1">
+                    <a:lumMod val="75000"/>
+                  </a:schemeClr>
+                </a:solidFill>
+                <a:latin typeface="Roboto Slab" panose="020B0604020202020204" charset="0"/>
+                <a:ea typeface="Roboto Slab" panose="020B0604020202020204" charset="0"/>
+              </a:rPr>
+              <a:t>VIỆN</a:t>
+            </a:r>
+            <a:endParaRPr lang="en-US" sz="2000" dirty="0">
+              <a:solidFill>
+                <a:schemeClr val="accent1">
+                  <a:lumMod val="75000"/>
+                </a:schemeClr>
+              </a:solidFill>
+              <a:latin typeface="Roboto Slab" panose="020B0604020202020204" charset="0"/>
+              <a:ea typeface="Roboto Slab" panose="020B0604020202020204" charset="0"/>
+            </a:endParaRPr>
           </a:p>
         </p:txBody>
       </p:sp>
@@ -14603,7 +15098,7 @@
         </p:nvSpPr>
         <p:spPr>
           <a:xfrm>
-            <a:off x="786149" y="2947984"/>
+            <a:off x="786149" y="2857800"/>
             <a:ext cx="6314305" cy="519986"/>
           </a:xfrm>
           <a:prstGeom prst="rect">
@@ -15971,6 +16466,572 @@
       </p:sp>
       <p:sp>
         <p:nvSpPr>
+          <p:cNvPr id="5" name="TextBox 4"/>
+          <p:cNvSpPr txBox="1"/>
+          <p:nvPr/>
+        </p:nvSpPr>
+        <p:spPr>
+          <a:xfrm>
+            <a:off x="263237" y="156956"/>
+            <a:ext cx="8285018" cy="400110"/>
+          </a:xfrm>
+          <a:prstGeom prst="rect">
+            <a:avLst/>
+          </a:prstGeom>
+          <a:noFill/>
+        </p:spPr>
+        <p:txBody>
+          <a:bodyPr wrap="square" rtlCol="0">
+            <a:spAutoFit/>
+          </a:bodyPr>
+          <a:lstStyle/>
+          <a:p>
+            <a:r>
+              <a:rPr lang="en-US" sz="2000" b="1" dirty="0" smtClean="0">
+                <a:solidFill>
+                  <a:schemeClr val="accent1">
+                    <a:lumMod val="75000"/>
+                  </a:schemeClr>
+                </a:solidFill>
+                <a:latin typeface="Roboto Slab" panose="020B0604020202020204" charset="0"/>
+                <a:ea typeface="Roboto Slab" panose="020B0604020202020204" charset="0"/>
+              </a:rPr>
+              <a:t>3.3. CÔNG CỤ QUẢN LÍ MÃ NGUỒN GITHUB</a:t>
+            </a:r>
+            <a:endParaRPr lang="en-US" sz="2000" b="1" dirty="0">
+              <a:solidFill>
+                <a:schemeClr val="accent1">
+                  <a:lumMod val="75000"/>
+                </a:schemeClr>
+              </a:solidFill>
+              <a:latin typeface="Roboto Slab" panose="020B0604020202020204" charset="0"/>
+              <a:ea typeface="Roboto Slab" panose="020B0604020202020204" charset="0"/>
+            </a:endParaRPr>
+          </a:p>
+        </p:txBody>
+      </p:sp>
+      <p:pic>
+        <p:nvPicPr>
+          <p:cNvPr id="8" name="Picture 7"/>
+          <p:cNvPicPr>
+            <a:picLocks noChangeAspect="1"/>
+          </p:cNvPicPr>
+          <p:nvPr/>
+        </p:nvPicPr>
+        <p:blipFill>
+          <a:blip r:embed="rId2"/>
+          <a:stretch>
+            <a:fillRect/>
+          </a:stretch>
+        </p:blipFill>
+        <p:spPr>
+          <a:xfrm>
+            <a:off x="683530" y="557066"/>
+            <a:ext cx="8179345" cy="3959516"/>
+          </a:xfrm>
+          <a:prstGeom prst="rect">
+            <a:avLst/>
+          </a:prstGeom>
+        </p:spPr>
+      </p:pic>
+    </p:spTree>
+    <p:extLst>
+      <p:ext uri="{BB962C8B-B14F-4D97-AF65-F5344CB8AC3E}">
+        <p14:creationId xmlns:p14="http://schemas.microsoft.com/office/powerpoint/2010/main" val="456428923"/>
+      </p:ext>
+    </p:extLst>
+  </p:cSld>
+  <p:clrMapOvr>
+    <a:masterClrMapping/>
+  </p:clrMapOvr>
+  <p:timing>
+    <p:tnLst>
+      <p:par>
+        <p:cTn id="1" dur="indefinite" restart="never" nodeType="tmRoot">
+          <p:childTnLst>
+            <p:seq concurrent="1" nextAc="seek">
+              <p:cTn id="2" dur="indefinite" nodeType="mainSeq">
+                <p:childTnLst>
+                  <p:par>
+                    <p:cTn id="3" fill="hold">
+                      <p:stCondLst>
+                        <p:cond delay="indefinite"/>
+                      </p:stCondLst>
+                      <p:childTnLst>
+                        <p:par>
+                          <p:cTn id="4" fill="hold">
+                            <p:stCondLst>
+                              <p:cond delay="0"/>
+                            </p:stCondLst>
+                            <p:childTnLst>
+                              <p:par>
+                                <p:cTn id="5" presetID="14" presetClass="entr" presetSubtype="10" fill="hold" grpId="0" nodeType="clickEffect">
+                                  <p:stCondLst>
+                                    <p:cond delay="0"/>
+                                  </p:stCondLst>
+                                  <p:childTnLst>
+                                    <p:set>
+                                      <p:cBhvr>
+                                        <p:cTn id="6" dur="1" fill="hold">
+                                          <p:stCondLst>
+                                            <p:cond delay="0"/>
+                                          </p:stCondLst>
+                                        </p:cTn>
+                                        <p:tgtEl>
+                                          <p:spTgt spid="5"/>
+                                        </p:tgtEl>
+                                        <p:attrNameLst>
+                                          <p:attrName>style.visibility</p:attrName>
+                                        </p:attrNameLst>
+                                      </p:cBhvr>
+                                      <p:to>
+                                        <p:strVal val="visible"/>
+                                      </p:to>
+                                    </p:set>
+                                    <p:animEffect transition="in" filter="randombar(horizontal)">
+                                      <p:cBhvr>
+                                        <p:cTn id="7" dur="500"/>
+                                        <p:tgtEl>
+                                          <p:spTgt spid="5"/>
+                                        </p:tgtEl>
+                                      </p:cBhvr>
+                                    </p:animEffect>
+                                  </p:childTnLst>
+                                </p:cTn>
+                              </p:par>
+                            </p:childTnLst>
+                          </p:cTn>
+                        </p:par>
+                      </p:childTnLst>
+                    </p:cTn>
+                  </p:par>
+                  <p:par>
+                    <p:cTn id="8" fill="hold">
+                      <p:stCondLst>
+                        <p:cond delay="indefinite"/>
+                      </p:stCondLst>
+                      <p:childTnLst>
+                        <p:par>
+                          <p:cTn id="9" fill="hold">
+                            <p:stCondLst>
+                              <p:cond delay="0"/>
+                            </p:stCondLst>
+                            <p:childTnLst>
+                              <p:par>
+                                <p:cTn id="10" presetID="14" presetClass="entr" presetSubtype="10" fill="hold" nodeType="clickEffect">
+                                  <p:stCondLst>
+                                    <p:cond delay="0"/>
+                                  </p:stCondLst>
+                                  <p:childTnLst>
+                                    <p:set>
+                                      <p:cBhvr>
+                                        <p:cTn id="11" dur="1" fill="hold">
+                                          <p:stCondLst>
+                                            <p:cond delay="0"/>
+                                          </p:stCondLst>
+                                        </p:cTn>
+                                        <p:tgtEl>
+                                          <p:spTgt spid="8"/>
+                                        </p:tgtEl>
+                                        <p:attrNameLst>
+                                          <p:attrName>style.visibility</p:attrName>
+                                        </p:attrNameLst>
+                                      </p:cBhvr>
+                                      <p:to>
+                                        <p:strVal val="visible"/>
+                                      </p:to>
+                                    </p:set>
+                                    <p:animEffect transition="in" filter="randombar(horizontal)">
+                                      <p:cBhvr>
+                                        <p:cTn id="12" dur="500"/>
+                                        <p:tgtEl>
+                                          <p:spTgt spid="8"/>
+                                        </p:tgtEl>
+                                      </p:cBhvr>
+                                    </p:animEffect>
+                                  </p:childTnLst>
+                                </p:cTn>
+                              </p:par>
+                            </p:childTnLst>
+                          </p:cTn>
+                        </p:par>
+                      </p:childTnLst>
+                    </p:cTn>
+                  </p:par>
+                </p:childTnLst>
+              </p:cTn>
+              <p:prevCondLst>
+                <p:cond evt="onPrev" delay="0">
+                  <p:tgtEl>
+                    <p:sldTgt/>
+                  </p:tgtEl>
+                </p:cond>
+              </p:prevCondLst>
+              <p:nextCondLst>
+                <p:cond evt="onNext" delay="0">
+                  <p:tgtEl>
+                    <p:sldTgt/>
+                  </p:tgtEl>
+                </p:cond>
+              </p:nextCondLst>
+            </p:seq>
+          </p:childTnLst>
+        </p:cTn>
+      </p:par>
+    </p:tnLst>
+    <p:bldLst>
+      <p:bldP spid="5" grpId="0"/>
+    </p:bldLst>
+  </p:timing>
+</p:sld>
+</file>
+
+<file path=ppt/slides/slide21.xml><?xml version="1.0" encoding="utf-8"?>
+<p:sld xmlns:a="http://schemas.openxmlformats.org/drawingml/2006/main" xmlns:r="http://schemas.openxmlformats.org/officeDocument/2006/relationships" xmlns:p="http://schemas.openxmlformats.org/presentationml/2006/main">
+  <p:cSld>
+    <p:spTree>
+      <p:nvGrpSpPr>
+        <p:cNvPr id="1" name=""/>
+        <p:cNvGrpSpPr/>
+        <p:nvPr/>
+      </p:nvGrpSpPr>
+      <p:grpSpPr>
+        <a:xfrm>
+          <a:off x="0" y="0"/>
+          <a:ext cx="0" cy="0"/>
+          <a:chOff x="0" y="0"/>
+          <a:chExt cx="0" cy="0"/>
+        </a:xfrm>
+      </p:grpSpPr>
+      <p:sp>
+        <p:nvSpPr>
+          <p:cNvPr id="3" name="Slide Number Placeholder 2"/>
+          <p:cNvSpPr>
+            <a:spLocks noGrp="1"/>
+          </p:cNvSpPr>
+          <p:nvPr>
+            <p:ph type="sldNum" idx="12"/>
+          </p:nvPr>
+        </p:nvSpPr>
+        <p:spPr/>
+        <p:txBody>
+          <a:bodyPr/>
+          <a:lstStyle/>
+          <a:p>
+            <a:pPr marL="0" lvl="0" indent="0" algn="ctr" rtl="0">
+              <a:spcBef>
+                <a:spcPts val="0"/>
+              </a:spcBef>
+              <a:spcAft>
+                <a:spcPts val="0"/>
+              </a:spcAft>
+              <a:buNone/>
+            </a:pPr>
+            <a:fld id="{00000000-1234-1234-1234-123412341234}" type="slidenum">
+              <a:rPr lang="en" smtClean="0"/>
+              <a:t>21</a:t>
+            </a:fld>
+            <a:endParaRPr lang="en"/>
+          </a:p>
+        </p:txBody>
+      </p:sp>
+      <p:pic>
+        <p:nvPicPr>
+          <p:cNvPr id="7" name="Picture 6"/>
+          <p:cNvPicPr>
+            <a:picLocks noChangeAspect="1"/>
+          </p:cNvPicPr>
+          <p:nvPr/>
+        </p:nvPicPr>
+        <p:blipFill>
+          <a:blip r:embed="rId2"/>
+          <a:stretch>
+            <a:fillRect/>
+          </a:stretch>
+        </p:blipFill>
+        <p:spPr>
+          <a:xfrm>
+            <a:off x="800077" y="803657"/>
+            <a:ext cx="7833037" cy="3429339"/>
+          </a:xfrm>
+          <a:prstGeom prst="rect">
+            <a:avLst/>
+          </a:prstGeom>
+        </p:spPr>
+      </p:pic>
+      <p:sp>
+        <p:nvSpPr>
+          <p:cNvPr id="8" name="TextBox 7"/>
+          <p:cNvSpPr txBox="1"/>
+          <p:nvPr/>
+        </p:nvSpPr>
+        <p:spPr>
+          <a:xfrm>
+            <a:off x="498764" y="103909"/>
+            <a:ext cx="8181109" cy="307777"/>
+          </a:xfrm>
+          <a:prstGeom prst="rect">
+            <a:avLst/>
+          </a:prstGeom>
+          <a:noFill/>
+        </p:spPr>
+        <p:txBody>
+          <a:bodyPr wrap="square" rtlCol="0">
+            <a:spAutoFit/>
+          </a:bodyPr>
+          <a:lstStyle/>
+          <a:p>
+            <a:r>
+              <a:rPr lang="en-US" dirty="0" err="1" smtClean="0"/>
+              <a:t>Hình</a:t>
+            </a:r>
+            <a:r>
+              <a:rPr lang="en-US" dirty="0" smtClean="0"/>
+              <a:t> </a:t>
+            </a:r>
+            <a:r>
+              <a:rPr lang="en-US" dirty="0" err="1" smtClean="0"/>
+              <a:t>ảnh</a:t>
+            </a:r>
+            <a:r>
+              <a:rPr lang="en-US" dirty="0" smtClean="0"/>
+              <a:t> </a:t>
+            </a:r>
+            <a:r>
+              <a:rPr lang="en-US" dirty="0" err="1" smtClean="0"/>
+              <a:t>một</a:t>
+            </a:r>
+            <a:r>
+              <a:rPr lang="en-US" dirty="0" smtClean="0"/>
+              <a:t> </a:t>
+            </a:r>
+            <a:r>
+              <a:rPr lang="en-US" dirty="0" err="1" smtClean="0"/>
+              <a:t>số</a:t>
+            </a:r>
+            <a:r>
+              <a:rPr lang="en-US" dirty="0" smtClean="0"/>
+              <a:t> Commit </a:t>
+            </a:r>
+            <a:r>
+              <a:rPr lang="en-US" dirty="0" err="1" smtClean="0"/>
+              <a:t>của</a:t>
+            </a:r>
+            <a:r>
+              <a:rPr lang="en-US" dirty="0" smtClean="0"/>
+              <a:t> </a:t>
+            </a:r>
+            <a:r>
+              <a:rPr lang="en-US" dirty="0" err="1" smtClean="0"/>
+              <a:t>nhóm</a:t>
+            </a:r>
+            <a:endParaRPr lang="en-US" dirty="0"/>
+          </a:p>
+        </p:txBody>
+      </p:sp>
+    </p:spTree>
+    <p:extLst>
+      <p:ext uri="{BB962C8B-B14F-4D97-AF65-F5344CB8AC3E}">
+        <p14:creationId xmlns:p14="http://schemas.microsoft.com/office/powerpoint/2010/main" val="3792206174"/>
+      </p:ext>
+    </p:extLst>
+  </p:cSld>
+  <p:clrMapOvr>
+    <a:masterClrMapping/>
+  </p:clrMapOvr>
+  <p:timing>
+    <p:tnLst>
+      <p:par>
+        <p:cTn id="1" dur="indefinite" restart="never" nodeType="tmRoot">
+          <p:childTnLst>
+            <p:seq concurrent="1" nextAc="seek">
+              <p:cTn id="2" dur="indefinite" nodeType="mainSeq">
+                <p:childTnLst>
+                  <p:par>
+                    <p:cTn id="3" fill="hold">
+                      <p:stCondLst>
+                        <p:cond delay="indefinite"/>
+                      </p:stCondLst>
+                      <p:childTnLst>
+                        <p:par>
+                          <p:cTn id="4" fill="hold">
+                            <p:stCondLst>
+                              <p:cond delay="0"/>
+                            </p:stCondLst>
+                            <p:childTnLst>
+                              <p:par>
+                                <p:cTn id="5" presetID="14" presetClass="entr" presetSubtype="10" fill="hold" grpId="0" nodeType="clickEffect">
+                                  <p:stCondLst>
+                                    <p:cond delay="0"/>
+                                  </p:stCondLst>
+                                  <p:childTnLst>
+                                    <p:set>
+                                      <p:cBhvr>
+                                        <p:cTn id="6" dur="1" fill="hold">
+                                          <p:stCondLst>
+                                            <p:cond delay="0"/>
+                                          </p:stCondLst>
+                                        </p:cTn>
+                                        <p:tgtEl>
+                                          <p:spTgt spid="8"/>
+                                        </p:tgtEl>
+                                        <p:attrNameLst>
+                                          <p:attrName>style.visibility</p:attrName>
+                                        </p:attrNameLst>
+                                      </p:cBhvr>
+                                      <p:to>
+                                        <p:strVal val="visible"/>
+                                      </p:to>
+                                    </p:set>
+                                    <p:animEffect transition="in" filter="randombar(horizontal)">
+                                      <p:cBhvr>
+                                        <p:cTn id="7" dur="500"/>
+                                        <p:tgtEl>
+                                          <p:spTgt spid="8"/>
+                                        </p:tgtEl>
+                                      </p:cBhvr>
+                                    </p:animEffect>
+                                  </p:childTnLst>
+                                </p:cTn>
+                              </p:par>
+                            </p:childTnLst>
+                          </p:cTn>
+                        </p:par>
+                      </p:childTnLst>
+                    </p:cTn>
+                  </p:par>
+                  <p:par>
+                    <p:cTn id="8" fill="hold">
+                      <p:stCondLst>
+                        <p:cond delay="indefinite"/>
+                      </p:stCondLst>
+                      <p:childTnLst>
+                        <p:par>
+                          <p:cTn id="9" fill="hold">
+                            <p:stCondLst>
+                              <p:cond delay="0"/>
+                            </p:stCondLst>
+                            <p:childTnLst>
+                              <p:par>
+                                <p:cTn id="10" presetID="14" presetClass="entr" presetSubtype="10" fill="hold" nodeType="clickEffect">
+                                  <p:stCondLst>
+                                    <p:cond delay="0"/>
+                                  </p:stCondLst>
+                                  <p:childTnLst>
+                                    <p:set>
+                                      <p:cBhvr>
+                                        <p:cTn id="11" dur="1" fill="hold">
+                                          <p:stCondLst>
+                                            <p:cond delay="0"/>
+                                          </p:stCondLst>
+                                        </p:cTn>
+                                        <p:tgtEl>
+                                          <p:spTgt spid="7"/>
+                                        </p:tgtEl>
+                                        <p:attrNameLst>
+                                          <p:attrName>style.visibility</p:attrName>
+                                        </p:attrNameLst>
+                                      </p:cBhvr>
+                                      <p:to>
+                                        <p:strVal val="visible"/>
+                                      </p:to>
+                                    </p:set>
+                                    <p:animEffect transition="in" filter="randombar(horizontal)">
+                                      <p:cBhvr>
+                                        <p:cTn id="12" dur="500"/>
+                                        <p:tgtEl>
+                                          <p:spTgt spid="7"/>
+                                        </p:tgtEl>
+                                      </p:cBhvr>
+                                    </p:animEffect>
+                                  </p:childTnLst>
+                                </p:cTn>
+                              </p:par>
+                            </p:childTnLst>
+                          </p:cTn>
+                        </p:par>
+                      </p:childTnLst>
+                    </p:cTn>
+                  </p:par>
+                </p:childTnLst>
+              </p:cTn>
+              <p:prevCondLst>
+                <p:cond evt="onPrev" delay="0">
+                  <p:tgtEl>
+                    <p:sldTgt/>
+                  </p:tgtEl>
+                </p:cond>
+              </p:prevCondLst>
+              <p:nextCondLst>
+                <p:cond evt="onNext" delay="0">
+                  <p:tgtEl>
+                    <p:sldTgt/>
+                  </p:tgtEl>
+                </p:cond>
+              </p:nextCondLst>
+            </p:seq>
+          </p:childTnLst>
+        </p:cTn>
+      </p:par>
+    </p:tnLst>
+    <p:bldLst>
+      <p:bldP spid="8" grpId="0"/>
+    </p:bldLst>
+  </p:timing>
+</p:sld>
+</file>
+
+<file path=ppt/slides/slide22.xml><?xml version="1.0" encoding="utf-8"?>
+<p:sld xmlns:a="http://schemas.openxmlformats.org/drawingml/2006/main" xmlns:r="http://schemas.openxmlformats.org/officeDocument/2006/relationships" xmlns:p="http://schemas.openxmlformats.org/presentationml/2006/main">
+  <p:cSld>
+    <p:spTree>
+      <p:nvGrpSpPr>
+        <p:cNvPr id="1" name=""/>
+        <p:cNvGrpSpPr/>
+        <p:nvPr/>
+      </p:nvGrpSpPr>
+      <p:grpSpPr>
+        <a:xfrm>
+          <a:off x="0" y="0"/>
+          <a:ext cx="0" cy="0"/>
+          <a:chOff x="0" y="0"/>
+          <a:chExt cx="0" cy="0"/>
+        </a:xfrm>
+      </p:grpSpPr>
+      <p:sp>
+        <p:nvSpPr>
+          <p:cNvPr id="3" name="Slide Number Placeholder 2"/>
+          <p:cNvSpPr>
+            <a:spLocks noGrp="1"/>
+          </p:cNvSpPr>
+          <p:nvPr>
+            <p:ph type="sldNum" idx="12"/>
+          </p:nvPr>
+        </p:nvSpPr>
+        <p:spPr/>
+        <p:txBody>
+          <a:bodyPr/>
+          <a:lstStyle/>
+          <a:p>
+            <a:pPr marL="0" lvl="0" indent="0" algn="ctr" rtl="0">
+              <a:spcBef>
+                <a:spcPts val="0"/>
+              </a:spcBef>
+              <a:spcAft>
+                <a:spcPts val="0"/>
+              </a:spcAft>
+              <a:buNone/>
+            </a:pPr>
+            <a:fld id="{00000000-1234-1234-1234-123412341234}" type="slidenum">
+              <a:rPr lang="en" smtClean="0"/>
+              <a:t>22</a:t>
+            </a:fld>
+            <a:endParaRPr lang="en"/>
+          </a:p>
+        </p:txBody>
+      </p:sp>
+      <p:sp>
+        <p:nvSpPr>
           <p:cNvPr id="4" name="Rectangle 3"/>
           <p:cNvSpPr/>
           <p:nvPr/>
@@ -16719,7 +17780,7 @@
 </p:sld>
 </file>
 
-<file path=ppt/slides/slide21.xml><?xml version="1.0" encoding="utf-8"?>
+<file path=ppt/slides/slide23.xml><?xml version="1.0" encoding="utf-8"?>
 <p:sld xmlns:a="http://schemas.openxmlformats.org/drawingml/2006/main" xmlns:r="http://schemas.openxmlformats.org/officeDocument/2006/relationships" xmlns:p="http://schemas.openxmlformats.org/presentationml/2006/main">
   <p:cSld>
     <p:spTree>
@@ -16762,7 +17823,7 @@
             </a:pPr>
             <a:fld id="{00000000-1234-1234-1234-123412341234}" type="slidenum">
               <a:rPr lang="en" smtClean="0"/>
-              <a:t>21</a:t>
+              <a:t>23</a:t>
             </a:fld>
             <a:endParaRPr lang="en"/>
           </a:p>
@@ -17094,7 +18155,7 @@
 </p:sld>
 </file>
 
-<file path=ppt/slides/slide22.xml><?xml version="1.0" encoding="utf-8"?>
+<file path=ppt/slides/slide24.xml><?xml version="1.0" encoding="utf-8"?>
 <p:sld xmlns:a="http://schemas.openxmlformats.org/drawingml/2006/main" xmlns:r="http://schemas.openxmlformats.org/officeDocument/2006/relationships" xmlns:p="http://schemas.openxmlformats.org/presentationml/2006/main">
   <p:cSld>
     <p:spTree>
@@ -17137,7 +18198,7 @@
             </a:pPr>
             <a:fld id="{00000000-1234-1234-1234-123412341234}" type="slidenum">
               <a:rPr lang="en" smtClean="0"/>
-              <a:t>22</a:t>
+              <a:t>24</a:t>
             </a:fld>
             <a:endParaRPr lang="en"/>
           </a:p>
@@ -17972,7 +19033,7 @@
 </p:sld>
 </file>
 
-<file path=ppt/slides/slide23.xml><?xml version="1.0" encoding="utf-8"?>
+<file path=ppt/slides/slide25.xml><?xml version="1.0" encoding="utf-8"?>
 <p:sld xmlns:a="http://schemas.openxmlformats.org/drawingml/2006/main" xmlns:r="http://schemas.openxmlformats.org/officeDocument/2006/relationships" xmlns:p="http://schemas.openxmlformats.org/presentationml/2006/main">
   <p:cSld>
     <p:spTree>
@@ -18034,7 +19095,7 @@
             </a:pPr>
             <a:fld id="{00000000-1234-1234-1234-123412341234}" type="slidenum">
               <a:rPr lang="en" smtClean="0"/>
-              <a:t>23</a:t>
+              <a:t>25</a:t>
             </a:fld>
             <a:endParaRPr lang="en"/>
           </a:p>
@@ -18720,7 +19781,7 @@
 </p:sld>
 </file>
 
-<file path=ppt/slides/slide24.xml><?xml version="1.0" encoding="utf-8"?>
+<file path=ppt/slides/slide26.xml><?xml version="1.0" encoding="utf-8"?>
 <p:sld xmlns:a="http://schemas.openxmlformats.org/drawingml/2006/main" xmlns:r="http://schemas.openxmlformats.org/officeDocument/2006/relationships" xmlns:p="http://schemas.openxmlformats.org/presentationml/2006/main">
   <p:cSld>
     <p:spTree>
@@ -18763,7 +19824,7 @@
             </a:pPr>
             <a:fld id="{00000000-1234-1234-1234-123412341234}" type="slidenum">
               <a:rPr lang="en" smtClean="0"/>
-              <a:t>24</a:t>
+              <a:t>26</a:t>
             </a:fld>
             <a:endParaRPr lang="en"/>
           </a:p>
@@ -19395,7 +20456,7 @@
 </p:sld>
 </file>
 
-<file path=ppt/slides/slide25.xml><?xml version="1.0" encoding="utf-8"?>
+<file path=ppt/slides/slide27.xml><?xml version="1.0" encoding="utf-8"?>
 <p:sld xmlns:a="http://schemas.openxmlformats.org/drawingml/2006/main" xmlns:r="http://schemas.openxmlformats.org/officeDocument/2006/relationships" xmlns:p="http://schemas.openxmlformats.org/presentationml/2006/main">
   <p:cSld>
     <p:spTree>
@@ -19438,7 +20499,7 @@
             </a:pPr>
             <a:fld id="{00000000-1234-1234-1234-123412341234}" type="slidenum">
               <a:rPr lang="en" smtClean="0"/>
-              <a:t>25</a:t>
+              <a:t>27</a:t>
             </a:fld>
             <a:endParaRPr lang="en"/>
           </a:p>
@@ -19718,7 +20779,7 @@
 </p:sld>
 </file>
 
-<file path=ppt/slides/slide26.xml><?xml version="1.0" encoding="utf-8"?>
+<file path=ppt/slides/slide28.xml><?xml version="1.0" encoding="utf-8"?>
 <p:sld xmlns:a="http://schemas.openxmlformats.org/drawingml/2006/main" xmlns:r="http://schemas.openxmlformats.org/officeDocument/2006/relationships" xmlns:p="http://schemas.openxmlformats.org/presentationml/2006/main">
   <p:cSld>
     <p:spTree>
@@ -19761,7 +20822,7 @@
             </a:pPr>
             <a:fld id="{00000000-1234-1234-1234-123412341234}" type="slidenum">
               <a:rPr lang="en" smtClean="0"/>
-              <a:t>26</a:t>
+              <a:t>28</a:t>
             </a:fld>
             <a:endParaRPr lang="en"/>
           </a:p>
@@ -20155,7 +21216,7 @@
 </p:sld>
 </file>
 
-<file path=ppt/slides/slide27.xml><?xml version="1.0" encoding="utf-8"?>
+<file path=ppt/slides/slide29.xml><?xml version="1.0" encoding="utf-8"?>
 <p:sld xmlns:a="http://schemas.openxmlformats.org/drawingml/2006/main" xmlns:r="http://schemas.openxmlformats.org/officeDocument/2006/relationships" xmlns:p="http://schemas.openxmlformats.org/presentationml/2006/main">
   <p:cSld>
     <p:spTree>
@@ -20198,7 +21259,7 @@
             </a:pPr>
             <a:fld id="{00000000-1234-1234-1234-123412341234}" type="slidenum">
               <a:rPr lang="en" smtClean="0"/>
-              <a:t>27</a:t>
+              <a:t>29</a:t>
             </a:fld>
             <a:endParaRPr lang="en"/>
           </a:p>
@@ -20668,1015 +21729,6 @@
       <p:bldP spid="6" grpId="0"/>
       <p:bldP spid="2" grpId="0"/>
       <p:bldP spid="9" grpId="0"/>
-    </p:bldLst>
-  </p:timing>
-</p:sld>
-</file>
-
-<file path=ppt/slides/slide28.xml><?xml version="1.0" encoding="utf-8"?>
-<p:sld xmlns:a="http://schemas.openxmlformats.org/drawingml/2006/main" xmlns:r="http://schemas.openxmlformats.org/officeDocument/2006/relationships" xmlns:p="http://schemas.openxmlformats.org/presentationml/2006/main">
-  <p:cSld>
-    <p:spTree>
-      <p:nvGrpSpPr>
-        <p:cNvPr id="1" name=""/>
-        <p:cNvGrpSpPr/>
-        <p:nvPr/>
-      </p:nvGrpSpPr>
-      <p:grpSpPr>
-        <a:xfrm>
-          <a:off x="0" y="0"/>
-          <a:ext cx="0" cy="0"/>
-          <a:chOff x="0" y="0"/>
-          <a:chExt cx="0" cy="0"/>
-        </a:xfrm>
-      </p:grpSpPr>
-      <p:sp>
-        <p:nvSpPr>
-          <p:cNvPr id="3" name="Slide Number Placeholder 2"/>
-          <p:cNvSpPr>
-            <a:spLocks noGrp="1"/>
-          </p:cNvSpPr>
-          <p:nvPr>
-            <p:ph type="sldNum" idx="12"/>
-          </p:nvPr>
-        </p:nvSpPr>
-        <p:spPr/>
-        <p:txBody>
-          <a:bodyPr/>
-          <a:lstStyle/>
-          <a:p>
-            <a:pPr marL="0" lvl="0" indent="0" algn="ctr" rtl="0">
-              <a:spcBef>
-                <a:spcPts val="0"/>
-              </a:spcBef>
-              <a:spcAft>
-                <a:spcPts val="0"/>
-              </a:spcAft>
-              <a:buNone/>
-            </a:pPr>
-            <a:fld id="{00000000-1234-1234-1234-123412341234}" type="slidenum">
-              <a:rPr lang="en" smtClean="0"/>
-              <a:t>28</a:t>
-            </a:fld>
-            <a:endParaRPr lang="en"/>
-          </a:p>
-        </p:txBody>
-      </p:sp>
-      <p:sp>
-        <p:nvSpPr>
-          <p:cNvPr id="4" name="TextBox 3"/>
-          <p:cNvSpPr txBox="1"/>
-          <p:nvPr/>
-        </p:nvSpPr>
-        <p:spPr>
-          <a:xfrm>
-            <a:off x="533401" y="64888"/>
-            <a:ext cx="8285018" cy="400110"/>
-          </a:xfrm>
-          <a:prstGeom prst="rect">
-            <a:avLst/>
-          </a:prstGeom>
-          <a:noFill/>
-        </p:spPr>
-        <p:txBody>
-          <a:bodyPr wrap="square" rtlCol="0">
-            <a:spAutoFit/>
-          </a:bodyPr>
-          <a:lstStyle/>
-          <a:p>
-            <a:r>
-              <a:rPr lang="en-US" sz="2000" b="1" dirty="0">
-                <a:solidFill>
-                  <a:schemeClr val="accent1">
-                    <a:lumMod val="75000"/>
-                  </a:schemeClr>
-                </a:solidFill>
-                <a:latin typeface="Roboto Slab" panose="020B0604020202020204" charset="0"/>
-                <a:ea typeface="Roboto Slab" panose="020B0604020202020204" charset="0"/>
-              </a:rPr>
-              <a:t>5</a:t>
-            </a:r>
-            <a:r>
-              <a:rPr lang="en-US" sz="2000" b="1" dirty="0" smtClean="0">
-                <a:solidFill>
-                  <a:schemeClr val="accent1">
-                    <a:lumMod val="75000"/>
-                  </a:schemeClr>
-                </a:solidFill>
-                <a:latin typeface="Roboto Slab" panose="020B0604020202020204" charset="0"/>
-                <a:ea typeface="Roboto Slab" panose="020B0604020202020204" charset="0"/>
-              </a:rPr>
-              <a:t>. DEMO CHƯƠNG TRÌNH THỰC TẾ</a:t>
-            </a:r>
-            <a:endParaRPr lang="en-US" sz="2000" b="1" dirty="0">
-              <a:solidFill>
-                <a:schemeClr val="accent1">
-                  <a:lumMod val="75000"/>
-                </a:schemeClr>
-              </a:solidFill>
-              <a:latin typeface="Roboto Slab" panose="020B0604020202020204" charset="0"/>
-              <a:ea typeface="Roboto Slab" panose="020B0604020202020204" charset="0"/>
-            </a:endParaRPr>
-          </a:p>
-        </p:txBody>
-      </p:sp>
-      <p:sp>
-        <p:nvSpPr>
-          <p:cNvPr id="5" name="TextBox 4"/>
-          <p:cNvSpPr txBox="1"/>
-          <p:nvPr/>
-        </p:nvSpPr>
-        <p:spPr>
-          <a:xfrm>
-            <a:off x="858890" y="448951"/>
-            <a:ext cx="8285018" cy="400110"/>
-          </a:xfrm>
-          <a:prstGeom prst="rect">
-            <a:avLst/>
-          </a:prstGeom>
-          <a:noFill/>
-        </p:spPr>
-        <p:txBody>
-          <a:bodyPr wrap="square" rtlCol="0">
-            <a:spAutoFit/>
-          </a:bodyPr>
-          <a:lstStyle/>
-          <a:p>
-            <a:r>
-              <a:rPr lang="en-US" sz="2000" b="1" dirty="0" err="1" smtClean="0">
-                <a:solidFill>
-                  <a:schemeClr val="accent1">
-                    <a:lumMod val="75000"/>
-                  </a:schemeClr>
-                </a:solidFill>
-                <a:latin typeface="Roboto Slab" panose="020B0604020202020204" charset="0"/>
-                <a:ea typeface="Roboto Slab" panose="020B0604020202020204" charset="0"/>
-              </a:rPr>
-              <a:t>Trang</a:t>
-            </a:r>
-            <a:r>
-              <a:rPr lang="en-US" sz="2000" b="1" dirty="0" smtClean="0">
-                <a:solidFill>
-                  <a:schemeClr val="accent1">
-                    <a:lumMod val="75000"/>
-                  </a:schemeClr>
-                </a:solidFill>
-                <a:latin typeface="Roboto Slab" panose="020B0604020202020204" charset="0"/>
-                <a:ea typeface="Roboto Slab" panose="020B0604020202020204" charset="0"/>
-              </a:rPr>
-              <a:t> </a:t>
-            </a:r>
-            <a:r>
-              <a:rPr lang="en-US" sz="2000" b="1" dirty="0" err="1" smtClean="0">
-                <a:solidFill>
-                  <a:schemeClr val="accent1">
-                    <a:lumMod val="75000"/>
-                  </a:schemeClr>
-                </a:solidFill>
-                <a:latin typeface="Roboto Slab" panose="020B0604020202020204" charset="0"/>
-                <a:ea typeface="Roboto Slab" panose="020B0604020202020204" charset="0"/>
-              </a:rPr>
-              <a:t>người</a:t>
-            </a:r>
-            <a:r>
-              <a:rPr lang="en-US" sz="2000" b="1" dirty="0" smtClean="0">
-                <a:solidFill>
-                  <a:schemeClr val="accent1">
-                    <a:lumMod val="75000"/>
-                  </a:schemeClr>
-                </a:solidFill>
-                <a:latin typeface="Roboto Slab" panose="020B0604020202020204" charset="0"/>
-                <a:ea typeface="Roboto Slab" panose="020B0604020202020204" charset="0"/>
-              </a:rPr>
-              <a:t> </a:t>
-            </a:r>
-            <a:r>
-              <a:rPr lang="en-US" sz="2000" b="1" dirty="0" err="1" smtClean="0">
-                <a:solidFill>
-                  <a:schemeClr val="accent1">
-                    <a:lumMod val="75000"/>
-                  </a:schemeClr>
-                </a:solidFill>
-                <a:latin typeface="Roboto Slab" panose="020B0604020202020204" charset="0"/>
-                <a:ea typeface="Roboto Slab" panose="020B0604020202020204" charset="0"/>
-              </a:rPr>
-              <a:t>dùng</a:t>
-            </a:r>
-            <a:endParaRPr lang="en-US" sz="2000" b="1" dirty="0">
-              <a:solidFill>
-                <a:schemeClr val="accent1">
-                  <a:lumMod val="75000"/>
-                </a:schemeClr>
-              </a:solidFill>
-              <a:latin typeface="Roboto Slab" panose="020B0604020202020204" charset="0"/>
-              <a:ea typeface="Roboto Slab" panose="020B0604020202020204" charset="0"/>
-            </a:endParaRPr>
-          </a:p>
-        </p:txBody>
-      </p:sp>
-      <p:sp>
-        <p:nvSpPr>
-          <p:cNvPr id="2" name="TextBox 1"/>
-          <p:cNvSpPr txBox="1"/>
-          <p:nvPr/>
-        </p:nvSpPr>
-        <p:spPr>
-          <a:xfrm>
-            <a:off x="952501" y="849061"/>
-            <a:ext cx="7446818" cy="307777"/>
-          </a:xfrm>
-          <a:prstGeom prst="rect">
-            <a:avLst/>
-          </a:prstGeom>
-          <a:noFill/>
-        </p:spPr>
-        <p:txBody>
-          <a:bodyPr wrap="square" rtlCol="0">
-            <a:spAutoFit/>
-          </a:bodyPr>
-          <a:lstStyle/>
-          <a:p>
-            <a:r>
-              <a:rPr lang="en-US" dirty="0" err="1" smtClean="0"/>
-              <a:t>Sau</a:t>
-            </a:r>
-            <a:r>
-              <a:rPr lang="en-US" dirty="0" smtClean="0"/>
-              <a:t> </a:t>
-            </a:r>
-            <a:r>
-              <a:rPr lang="en-US" dirty="0" err="1" smtClean="0"/>
-              <a:t>đây</a:t>
-            </a:r>
-            <a:r>
-              <a:rPr lang="en-US" dirty="0" smtClean="0"/>
-              <a:t> </a:t>
-            </a:r>
-            <a:r>
-              <a:rPr lang="en-US" dirty="0" err="1" smtClean="0"/>
-              <a:t>bạn</a:t>
-            </a:r>
-            <a:r>
-              <a:rPr lang="en-US" dirty="0" smtClean="0"/>
-              <a:t> </a:t>
-            </a:r>
-            <a:r>
-              <a:rPr lang="en-US" dirty="0" err="1" smtClean="0"/>
-              <a:t>Hải</a:t>
-            </a:r>
-            <a:r>
-              <a:rPr lang="en-US" dirty="0" smtClean="0"/>
-              <a:t> </a:t>
-            </a:r>
-            <a:r>
-              <a:rPr lang="en-US" dirty="0" err="1" smtClean="0"/>
-              <a:t>sẽ</a:t>
-            </a:r>
-            <a:r>
-              <a:rPr lang="en-US" dirty="0" smtClean="0"/>
-              <a:t> demo </a:t>
-            </a:r>
-            <a:r>
-              <a:rPr lang="en-US" dirty="0" err="1" smtClean="0"/>
-              <a:t>thực</a:t>
-            </a:r>
-            <a:r>
-              <a:rPr lang="en-US" dirty="0" smtClean="0"/>
-              <a:t> </a:t>
-            </a:r>
-            <a:r>
-              <a:rPr lang="en-US" dirty="0" err="1" smtClean="0"/>
-              <a:t>tế</a:t>
-            </a:r>
-            <a:r>
-              <a:rPr lang="en-US" dirty="0" smtClean="0"/>
-              <a:t> </a:t>
-            </a:r>
-            <a:r>
-              <a:rPr lang="en-US" dirty="0" err="1" smtClean="0"/>
-              <a:t>trang</a:t>
-            </a:r>
-            <a:r>
-              <a:rPr lang="en-US" dirty="0" smtClean="0"/>
-              <a:t> </a:t>
-            </a:r>
-            <a:r>
-              <a:rPr lang="en-US" dirty="0" err="1" smtClean="0"/>
-              <a:t>người</a:t>
-            </a:r>
-            <a:r>
-              <a:rPr lang="en-US" dirty="0" smtClean="0"/>
-              <a:t> </a:t>
-            </a:r>
-            <a:r>
-              <a:rPr lang="en-US" dirty="0" err="1" smtClean="0"/>
-              <a:t>dùng</a:t>
-            </a:r>
-            <a:endParaRPr lang="en-US" dirty="0"/>
-          </a:p>
-        </p:txBody>
-      </p:sp>
-      <p:pic>
-        <p:nvPicPr>
-          <p:cNvPr id="6" name="Picture 5"/>
-          <p:cNvPicPr>
-            <a:picLocks noChangeAspect="1"/>
-          </p:cNvPicPr>
-          <p:nvPr/>
-        </p:nvPicPr>
-        <p:blipFill>
-          <a:blip r:embed="rId2"/>
-          <a:stretch>
-            <a:fillRect/>
-          </a:stretch>
-        </p:blipFill>
-        <p:spPr>
-          <a:xfrm>
-            <a:off x="796545" y="1288542"/>
-            <a:ext cx="7058983" cy="3234904"/>
-          </a:xfrm>
-          <a:prstGeom prst="rect">
-            <a:avLst/>
-          </a:prstGeom>
-        </p:spPr>
-      </p:pic>
-    </p:spTree>
-    <p:extLst>
-      <p:ext uri="{BB962C8B-B14F-4D97-AF65-F5344CB8AC3E}">
-        <p14:creationId xmlns:p14="http://schemas.microsoft.com/office/powerpoint/2010/main" val="1242947895"/>
-      </p:ext>
-    </p:extLst>
-  </p:cSld>
-  <p:clrMapOvr>
-    <a:masterClrMapping/>
-  </p:clrMapOvr>
-  <p:timing>
-    <p:tnLst>
-      <p:par>
-        <p:cTn id="1" dur="indefinite" restart="never" nodeType="tmRoot">
-          <p:childTnLst>
-            <p:seq concurrent="1" nextAc="seek">
-              <p:cTn id="2" dur="indefinite" nodeType="mainSeq">
-                <p:childTnLst>
-                  <p:par>
-                    <p:cTn id="3" fill="hold">
-                      <p:stCondLst>
-                        <p:cond delay="indefinite"/>
-                      </p:stCondLst>
-                      <p:childTnLst>
-                        <p:par>
-                          <p:cTn id="4" fill="hold">
-                            <p:stCondLst>
-                              <p:cond delay="0"/>
-                            </p:stCondLst>
-                            <p:childTnLst>
-                              <p:par>
-                                <p:cTn id="5" presetID="14" presetClass="entr" presetSubtype="10" fill="hold" grpId="0" nodeType="clickEffect">
-                                  <p:stCondLst>
-                                    <p:cond delay="0"/>
-                                  </p:stCondLst>
-                                  <p:childTnLst>
-                                    <p:set>
-                                      <p:cBhvr>
-                                        <p:cTn id="6" dur="1" fill="hold">
-                                          <p:stCondLst>
-                                            <p:cond delay="0"/>
-                                          </p:stCondLst>
-                                        </p:cTn>
-                                        <p:tgtEl>
-                                          <p:spTgt spid="4"/>
-                                        </p:tgtEl>
-                                        <p:attrNameLst>
-                                          <p:attrName>style.visibility</p:attrName>
-                                        </p:attrNameLst>
-                                      </p:cBhvr>
-                                      <p:to>
-                                        <p:strVal val="visible"/>
-                                      </p:to>
-                                    </p:set>
-                                    <p:animEffect transition="in" filter="randombar(horizontal)">
-                                      <p:cBhvr>
-                                        <p:cTn id="7" dur="500"/>
-                                        <p:tgtEl>
-                                          <p:spTgt spid="4"/>
-                                        </p:tgtEl>
-                                      </p:cBhvr>
-                                    </p:animEffect>
-                                  </p:childTnLst>
-                                </p:cTn>
-                              </p:par>
-                            </p:childTnLst>
-                          </p:cTn>
-                        </p:par>
-                      </p:childTnLst>
-                    </p:cTn>
-                  </p:par>
-                  <p:par>
-                    <p:cTn id="8" fill="hold">
-                      <p:stCondLst>
-                        <p:cond delay="indefinite"/>
-                      </p:stCondLst>
-                      <p:childTnLst>
-                        <p:par>
-                          <p:cTn id="9" fill="hold">
-                            <p:stCondLst>
-                              <p:cond delay="0"/>
-                            </p:stCondLst>
-                            <p:childTnLst>
-                              <p:par>
-                                <p:cTn id="10" presetID="14" presetClass="entr" presetSubtype="10" fill="hold" grpId="0" nodeType="clickEffect">
-                                  <p:stCondLst>
-                                    <p:cond delay="0"/>
-                                  </p:stCondLst>
-                                  <p:childTnLst>
-                                    <p:set>
-                                      <p:cBhvr>
-                                        <p:cTn id="11" dur="1" fill="hold">
-                                          <p:stCondLst>
-                                            <p:cond delay="0"/>
-                                          </p:stCondLst>
-                                        </p:cTn>
-                                        <p:tgtEl>
-                                          <p:spTgt spid="5"/>
-                                        </p:tgtEl>
-                                        <p:attrNameLst>
-                                          <p:attrName>style.visibility</p:attrName>
-                                        </p:attrNameLst>
-                                      </p:cBhvr>
-                                      <p:to>
-                                        <p:strVal val="visible"/>
-                                      </p:to>
-                                    </p:set>
-                                    <p:animEffect transition="in" filter="randombar(horizontal)">
-                                      <p:cBhvr>
-                                        <p:cTn id="12" dur="500"/>
-                                        <p:tgtEl>
-                                          <p:spTgt spid="5"/>
-                                        </p:tgtEl>
-                                      </p:cBhvr>
-                                    </p:animEffect>
-                                  </p:childTnLst>
-                                </p:cTn>
-                              </p:par>
-                            </p:childTnLst>
-                          </p:cTn>
-                        </p:par>
-                      </p:childTnLst>
-                    </p:cTn>
-                  </p:par>
-                  <p:par>
-                    <p:cTn id="13" fill="hold">
-                      <p:stCondLst>
-                        <p:cond delay="indefinite"/>
-                      </p:stCondLst>
-                      <p:childTnLst>
-                        <p:par>
-                          <p:cTn id="14" fill="hold">
-                            <p:stCondLst>
-                              <p:cond delay="0"/>
-                            </p:stCondLst>
-                            <p:childTnLst>
-                              <p:par>
-                                <p:cTn id="15" presetID="14" presetClass="entr" presetSubtype="10" fill="hold" grpId="0" nodeType="clickEffect">
-                                  <p:stCondLst>
-                                    <p:cond delay="0"/>
-                                  </p:stCondLst>
-                                  <p:childTnLst>
-                                    <p:set>
-                                      <p:cBhvr>
-                                        <p:cTn id="16" dur="1" fill="hold">
-                                          <p:stCondLst>
-                                            <p:cond delay="0"/>
-                                          </p:stCondLst>
-                                        </p:cTn>
-                                        <p:tgtEl>
-                                          <p:spTgt spid="2"/>
-                                        </p:tgtEl>
-                                        <p:attrNameLst>
-                                          <p:attrName>style.visibility</p:attrName>
-                                        </p:attrNameLst>
-                                      </p:cBhvr>
-                                      <p:to>
-                                        <p:strVal val="visible"/>
-                                      </p:to>
-                                    </p:set>
-                                    <p:animEffect transition="in" filter="randombar(horizontal)">
-                                      <p:cBhvr>
-                                        <p:cTn id="17" dur="500"/>
-                                        <p:tgtEl>
-                                          <p:spTgt spid="2"/>
-                                        </p:tgtEl>
-                                      </p:cBhvr>
-                                    </p:animEffect>
-                                  </p:childTnLst>
-                                </p:cTn>
-                              </p:par>
-                            </p:childTnLst>
-                          </p:cTn>
-                        </p:par>
-                      </p:childTnLst>
-                    </p:cTn>
-                  </p:par>
-                  <p:par>
-                    <p:cTn id="18" fill="hold">
-                      <p:stCondLst>
-                        <p:cond delay="indefinite"/>
-                      </p:stCondLst>
-                      <p:childTnLst>
-                        <p:par>
-                          <p:cTn id="19" fill="hold">
-                            <p:stCondLst>
-                              <p:cond delay="0"/>
-                            </p:stCondLst>
-                            <p:childTnLst>
-                              <p:par>
-                                <p:cTn id="20" presetID="14" presetClass="entr" presetSubtype="10" fill="hold" nodeType="clickEffect">
-                                  <p:stCondLst>
-                                    <p:cond delay="0"/>
-                                  </p:stCondLst>
-                                  <p:childTnLst>
-                                    <p:set>
-                                      <p:cBhvr>
-                                        <p:cTn id="21" dur="1" fill="hold">
-                                          <p:stCondLst>
-                                            <p:cond delay="0"/>
-                                          </p:stCondLst>
-                                        </p:cTn>
-                                        <p:tgtEl>
-                                          <p:spTgt spid="6"/>
-                                        </p:tgtEl>
-                                        <p:attrNameLst>
-                                          <p:attrName>style.visibility</p:attrName>
-                                        </p:attrNameLst>
-                                      </p:cBhvr>
-                                      <p:to>
-                                        <p:strVal val="visible"/>
-                                      </p:to>
-                                    </p:set>
-                                    <p:animEffect transition="in" filter="randombar(horizontal)">
-                                      <p:cBhvr>
-                                        <p:cTn id="22" dur="500"/>
-                                        <p:tgtEl>
-                                          <p:spTgt spid="6"/>
-                                        </p:tgtEl>
-                                      </p:cBhvr>
-                                    </p:animEffect>
-                                  </p:childTnLst>
-                                </p:cTn>
-                              </p:par>
-                            </p:childTnLst>
-                          </p:cTn>
-                        </p:par>
-                      </p:childTnLst>
-                    </p:cTn>
-                  </p:par>
-                </p:childTnLst>
-              </p:cTn>
-              <p:prevCondLst>
-                <p:cond evt="onPrev" delay="0">
-                  <p:tgtEl>
-                    <p:sldTgt/>
-                  </p:tgtEl>
-                </p:cond>
-              </p:prevCondLst>
-              <p:nextCondLst>
-                <p:cond evt="onNext" delay="0">
-                  <p:tgtEl>
-                    <p:sldTgt/>
-                  </p:tgtEl>
-                </p:cond>
-              </p:nextCondLst>
-            </p:seq>
-          </p:childTnLst>
-        </p:cTn>
-      </p:par>
-    </p:tnLst>
-    <p:bldLst>
-      <p:bldP spid="4" grpId="0"/>
-      <p:bldP spid="5" grpId="0"/>
-      <p:bldP spid="2" grpId="0"/>
-    </p:bldLst>
-  </p:timing>
-</p:sld>
-</file>
-
-<file path=ppt/slides/slide29.xml><?xml version="1.0" encoding="utf-8"?>
-<p:sld xmlns:a="http://schemas.openxmlformats.org/drawingml/2006/main" xmlns:r="http://schemas.openxmlformats.org/officeDocument/2006/relationships" xmlns:p="http://schemas.openxmlformats.org/presentationml/2006/main">
-  <p:cSld>
-    <p:spTree>
-      <p:nvGrpSpPr>
-        <p:cNvPr id="1" name=""/>
-        <p:cNvGrpSpPr/>
-        <p:nvPr/>
-      </p:nvGrpSpPr>
-      <p:grpSpPr>
-        <a:xfrm>
-          <a:off x="0" y="0"/>
-          <a:ext cx="0" cy="0"/>
-          <a:chOff x="0" y="0"/>
-          <a:chExt cx="0" cy="0"/>
-        </a:xfrm>
-      </p:grpSpPr>
-      <p:sp>
-        <p:nvSpPr>
-          <p:cNvPr id="3" name="Slide Number Placeholder 2"/>
-          <p:cNvSpPr>
-            <a:spLocks noGrp="1"/>
-          </p:cNvSpPr>
-          <p:nvPr>
-            <p:ph type="sldNum" idx="12"/>
-          </p:nvPr>
-        </p:nvSpPr>
-        <p:spPr/>
-        <p:txBody>
-          <a:bodyPr/>
-          <a:lstStyle/>
-          <a:p>
-            <a:pPr marL="0" lvl="0" indent="0" algn="ctr" rtl="0">
-              <a:spcBef>
-                <a:spcPts val="0"/>
-              </a:spcBef>
-              <a:spcAft>
-                <a:spcPts val="0"/>
-              </a:spcAft>
-              <a:buNone/>
-            </a:pPr>
-            <a:fld id="{00000000-1234-1234-1234-123412341234}" type="slidenum">
-              <a:rPr lang="en" smtClean="0"/>
-              <a:t>29</a:t>
-            </a:fld>
-            <a:endParaRPr lang="en"/>
-          </a:p>
-        </p:txBody>
-      </p:sp>
-      <p:sp>
-        <p:nvSpPr>
-          <p:cNvPr id="4" name="TextBox 3"/>
-          <p:cNvSpPr txBox="1"/>
-          <p:nvPr/>
-        </p:nvSpPr>
-        <p:spPr>
-          <a:xfrm>
-            <a:off x="429491" y="106172"/>
-            <a:ext cx="8285018" cy="400110"/>
-          </a:xfrm>
-          <a:prstGeom prst="rect">
-            <a:avLst/>
-          </a:prstGeom>
-          <a:noFill/>
-        </p:spPr>
-        <p:txBody>
-          <a:bodyPr wrap="square" rtlCol="0">
-            <a:spAutoFit/>
-          </a:bodyPr>
-          <a:lstStyle/>
-          <a:p>
-            <a:r>
-              <a:rPr lang="en-US" sz="2000" b="1" dirty="0" err="1" smtClean="0">
-                <a:solidFill>
-                  <a:schemeClr val="accent1">
-                    <a:lumMod val="75000"/>
-                  </a:schemeClr>
-                </a:solidFill>
-                <a:latin typeface="Roboto Slab" panose="020B0604020202020204" charset="0"/>
-                <a:ea typeface="Roboto Slab" panose="020B0604020202020204" charset="0"/>
-              </a:rPr>
-              <a:t>Trang</a:t>
-            </a:r>
-            <a:r>
-              <a:rPr lang="en-US" sz="2000" b="1" dirty="0" smtClean="0">
-                <a:solidFill>
-                  <a:schemeClr val="accent1">
-                    <a:lumMod val="75000"/>
-                  </a:schemeClr>
-                </a:solidFill>
-                <a:latin typeface="Roboto Slab" panose="020B0604020202020204" charset="0"/>
-                <a:ea typeface="Roboto Slab" panose="020B0604020202020204" charset="0"/>
-              </a:rPr>
-              <a:t> </a:t>
-            </a:r>
-            <a:r>
-              <a:rPr lang="en-US" sz="2000" b="1" dirty="0" err="1" smtClean="0">
-                <a:solidFill>
-                  <a:schemeClr val="accent1">
-                    <a:lumMod val="75000"/>
-                  </a:schemeClr>
-                </a:solidFill>
-                <a:latin typeface="Roboto Slab" panose="020B0604020202020204" charset="0"/>
-                <a:ea typeface="Roboto Slab" panose="020B0604020202020204" charset="0"/>
-              </a:rPr>
-              <a:t>quản</a:t>
-            </a:r>
-            <a:r>
-              <a:rPr lang="en-US" sz="2000" b="1" dirty="0" smtClean="0">
-                <a:solidFill>
-                  <a:schemeClr val="accent1">
-                    <a:lumMod val="75000"/>
-                  </a:schemeClr>
-                </a:solidFill>
-                <a:latin typeface="Roboto Slab" panose="020B0604020202020204" charset="0"/>
-                <a:ea typeface="Roboto Slab" panose="020B0604020202020204" charset="0"/>
-              </a:rPr>
-              <a:t> </a:t>
-            </a:r>
-            <a:r>
-              <a:rPr lang="en-US" sz="2000" b="1" dirty="0" err="1" smtClean="0">
-                <a:solidFill>
-                  <a:schemeClr val="accent1">
-                    <a:lumMod val="75000"/>
-                  </a:schemeClr>
-                </a:solidFill>
-                <a:latin typeface="Roboto Slab" panose="020B0604020202020204" charset="0"/>
-                <a:ea typeface="Roboto Slab" panose="020B0604020202020204" charset="0"/>
-              </a:rPr>
-              <a:t>trị</a:t>
-            </a:r>
-            <a:endParaRPr lang="en-US" sz="2000" b="1" dirty="0">
-              <a:solidFill>
-                <a:schemeClr val="accent1">
-                  <a:lumMod val="75000"/>
-                </a:schemeClr>
-              </a:solidFill>
-              <a:latin typeface="Roboto Slab" panose="020B0604020202020204" charset="0"/>
-              <a:ea typeface="Roboto Slab" panose="020B0604020202020204" charset="0"/>
-            </a:endParaRPr>
-          </a:p>
-        </p:txBody>
-      </p:sp>
-      <p:sp>
-        <p:nvSpPr>
-          <p:cNvPr id="6" name="TextBox 5"/>
-          <p:cNvSpPr txBox="1"/>
-          <p:nvPr/>
-        </p:nvSpPr>
-        <p:spPr>
-          <a:xfrm>
-            <a:off x="630383" y="516602"/>
-            <a:ext cx="7446818" cy="307777"/>
-          </a:xfrm>
-          <a:prstGeom prst="rect">
-            <a:avLst/>
-          </a:prstGeom>
-          <a:noFill/>
-        </p:spPr>
-        <p:txBody>
-          <a:bodyPr wrap="square" rtlCol="0">
-            <a:spAutoFit/>
-          </a:bodyPr>
-          <a:lstStyle/>
-          <a:p>
-            <a:r>
-              <a:rPr lang="en-US" dirty="0" err="1" smtClean="0"/>
-              <a:t>Sau</a:t>
-            </a:r>
-            <a:r>
-              <a:rPr lang="en-US" dirty="0" smtClean="0"/>
-              <a:t> </a:t>
-            </a:r>
-            <a:r>
-              <a:rPr lang="en-US" dirty="0" err="1" smtClean="0"/>
-              <a:t>đây</a:t>
-            </a:r>
-            <a:r>
-              <a:rPr lang="en-US" dirty="0" smtClean="0"/>
-              <a:t> </a:t>
-            </a:r>
-            <a:r>
-              <a:rPr lang="en-US" dirty="0" err="1" smtClean="0"/>
-              <a:t>bạn</a:t>
-            </a:r>
-            <a:r>
-              <a:rPr lang="en-US" dirty="0" smtClean="0"/>
-              <a:t> </a:t>
-            </a:r>
-            <a:r>
-              <a:rPr lang="en-US" dirty="0" err="1" smtClean="0"/>
-              <a:t>Vinh</a:t>
-            </a:r>
-            <a:r>
-              <a:rPr lang="en-US" dirty="0" smtClean="0"/>
-              <a:t> </a:t>
-            </a:r>
-            <a:r>
-              <a:rPr lang="en-US" dirty="0" err="1" smtClean="0"/>
-              <a:t>sẽ</a:t>
-            </a:r>
-            <a:r>
-              <a:rPr lang="en-US" dirty="0" smtClean="0"/>
-              <a:t> demo </a:t>
-            </a:r>
-            <a:r>
-              <a:rPr lang="en-US" dirty="0" err="1" smtClean="0"/>
-              <a:t>thực</a:t>
-            </a:r>
-            <a:r>
-              <a:rPr lang="en-US" dirty="0" smtClean="0"/>
-              <a:t> </a:t>
-            </a:r>
-            <a:r>
-              <a:rPr lang="en-US" dirty="0" err="1" smtClean="0"/>
-              <a:t>tế</a:t>
-            </a:r>
-            <a:r>
-              <a:rPr lang="en-US" dirty="0" smtClean="0"/>
-              <a:t> </a:t>
-            </a:r>
-            <a:r>
-              <a:rPr lang="en-US" dirty="0" err="1" smtClean="0"/>
-              <a:t>trang</a:t>
-            </a:r>
-            <a:r>
-              <a:rPr lang="en-US" dirty="0" smtClean="0"/>
-              <a:t> </a:t>
-            </a:r>
-            <a:r>
-              <a:rPr lang="en-US" dirty="0" err="1" smtClean="0"/>
-              <a:t>người</a:t>
-            </a:r>
-            <a:r>
-              <a:rPr lang="en-US" dirty="0" smtClean="0"/>
-              <a:t> </a:t>
-            </a:r>
-            <a:r>
-              <a:rPr lang="en-US" dirty="0" err="1" smtClean="0"/>
-              <a:t>dùng</a:t>
-            </a:r>
-            <a:endParaRPr lang="en-US" dirty="0"/>
-          </a:p>
-        </p:txBody>
-      </p:sp>
-      <p:pic>
-        <p:nvPicPr>
-          <p:cNvPr id="2" name="Picture 1"/>
-          <p:cNvPicPr>
-            <a:picLocks noChangeAspect="1"/>
-          </p:cNvPicPr>
-          <p:nvPr/>
-        </p:nvPicPr>
-        <p:blipFill>
-          <a:blip r:embed="rId2"/>
-          <a:stretch>
-            <a:fillRect/>
-          </a:stretch>
-        </p:blipFill>
-        <p:spPr>
-          <a:xfrm>
-            <a:off x="1156037" y="904293"/>
-            <a:ext cx="7015281" cy="3765636"/>
-          </a:xfrm>
-          <a:prstGeom prst="rect">
-            <a:avLst/>
-          </a:prstGeom>
-        </p:spPr>
-      </p:pic>
-    </p:spTree>
-    <p:extLst>
-      <p:ext uri="{BB962C8B-B14F-4D97-AF65-F5344CB8AC3E}">
-        <p14:creationId xmlns:p14="http://schemas.microsoft.com/office/powerpoint/2010/main" val="3382621988"/>
-      </p:ext>
-    </p:extLst>
-  </p:cSld>
-  <p:clrMapOvr>
-    <a:masterClrMapping/>
-  </p:clrMapOvr>
-  <p:timing>
-    <p:tnLst>
-      <p:par>
-        <p:cTn id="1" dur="indefinite" restart="never" nodeType="tmRoot">
-          <p:childTnLst>
-            <p:seq concurrent="1" nextAc="seek">
-              <p:cTn id="2" dur="indefinite" nodeType="mainSeq">
-                <p:childTnLst>
-                  <p:par>
-                    <p:cTn id="3" fill="hold">
-                      <p:stCondLst>
-                        <p:cond delay="indefinite"/>
-                      </p:stCondLst>
-                      <p:childTnLst>
-                        <p:par>
-                          <p:cTn id="4" fill="hold">
-                            <p:stCondLst>
-                              <p:cond delay="0"/>
-                            </p:stCondLst>
-                            <p:childTnLst>
-                              <p:par>
-                                <p:cTn id="5" presetID="14" presetClass="entr" presetSubtype="10" fill="hold" grpId="0" nodeType="clickEffect">
-                                  <p:stCondLst>
-                                    <p:cond delay="0"/>
-                                  </p:stCondLst>
-                                  <p:childTnLst>
-                                    <p:set>
-                                      <p:cBhvr>
-                                        <p:cTn id="6" dur="1" fill="hold">
-                                          <p:stCondLst>
-                                            <p:cond delay="0"/>
-                                          </p:stCondLst>
-                                        </p:cTn>
-                                        <p:tgtEl>
-                                          <p:spTgt spid="4"/>
-                                        </p:tgtEl>
-                                        <p:attrNameLst>
-                                          <p:attrName>style.visibility</p:attrName>
-                                        </p:attrNameLst>
-                                      </p:cBhvr>
-                                      <p:to>
-                                        <p:strVal val="visible"/>
-                                      </p:to>
-                                    </p:set>
-                                    <p:animEffect transition="in" filter="randombar(horizontal)">
-                                      <p:cBhvr>
-                                        <p:cTn id="7" dur="500"/>
-                                        <p:tgtEl>
-                                          <p:spTgt spid="4"/>
-                                        </p:tgtEl>
-                                      </p:cBhvr>
-                                    </p:animEffect>
-                                  </p:childTnLst>
-                                </p:cTn>
-                              </p:par>
-                            </p:childTnLst>
-                          </p:cTn>
-                        </p:par>
-                      </p:childTnLst>
-                    </p:cTn>
-                  </p:par>
-                  <p:par>
-                    <p:cTn id="8" fill="hold">
-                      <p:stCondLst>
-                        <p:cond delay="indefinite"/>
-                      </p:stCondLst>
-                      <p:childTnLst>
-                        <p:par>
-                          <p:cTn id="9" fill="hold">
-                            <p:stCondLst>
-                              <p:cond delay="0"/>
-                            </p:stCondLst>
-                            <p:childTnLst>
-                              <p:par>
-                                <p:cTn id="10" presetID="14" presetClass="entr" presetSubtype="10" fill="hold" grpId="0" nodeType="clickEffect">
-                                  <p:stCondLst>
-                                    <p:cond delay="0"/>
-                                  </p:stCondLst>
-                                  <p:childTnLst>
-                                    <p:set>
-                                      <p:cBhvr>
-                                        <p:cTn id="11" dur="1" fill="hold">
-                                          <p:stCondLst>
-                                            <p:cond delay="0"/>
-                                          </p:stCondLst>
-                                        </p:cTn>
-                                        <p:tgtEl>
-                                          <p:spTgt spid="6"/>
-                                        </p:tgtEl>
-                                        <p:attrNameLst>
-                                          <p:attrName>style.visibility</p:attrName>
-                                        </p:attrNameLst>
-                                      </p:cBhvr>
-                                      <p:to>
-                                        <p:strVal val="visible"/>
-                                      </p:to>
-                                    </p:set>
-                                    <p:animEffect transition="in" filter="randombar(horizontal)">
-                                      <p:cBhvr>
-                                        <p:cTn id="12" dur="500"/>
-                                        <p:tgtEl>
-                                          <p:spTgt spid="6"/>
-                                        </p:tgtEl>
-                                      </p:cBhvr>
-                                    </p:animEffect>
-                                  </p:childTnLst>
-                                </p:cTn>
-                              </p:par>
-                            </p:childTnLst>
-                          </p:cTn>
-                        </p:par>
-                      </p:childTnLst>
-                    </p:cTn>
-                  </p:par>
-                </p:childTnLst>
-              </p:cTn>
-              <p:prevCondLst>
-                <p:cond evt="onPrev" delay="0">
-                  <p:tgtEl>
-                    <p:sldTgt/>
-                  </p:tgtEl>
-                </p:cond>
-              </p:prevCondLst>
-              <p:nextCondLst>
-                <p:cond evt="onNext" delay="0">
-                  <p:tgtEl>
-                    <p:sldTgt/>
-                  </p:tgtEl>
-                </p:cond>
-              </p:nextCondLst>
-            </p:seq>
-          </p:childTnLst>
-        </p:cTn>
-      </p:par>
-    </p:tnLst>
-    <p:bldLst>
-      <p:bldP spid="4" grpId="0"/>
-      <p:bldP spid="6" grpId="0"/>
     </p:bldLst>
   </p:timing>
 </p:sld>
@@ -23684,6 +23736,1015 @@
         </p:nvSpPr>
         <p:spPr>
           <a:xfrm>
+            <a:off x="533401" y="64888"/>
+            <a:ext cx="8285018" cy="400110"/>
+          </a:xfrm>
+          <a:prstGeom prst="rect">
+            <a:avLst/>
+          </a:prstGeom>
+          <a:noFill/>
+        </p:spPr>
+        <p:txBody>
+          <a:bodyPr wrap="square" rtlCol="0">
+            <a:spAutoFit/>
+          </a:bodyPr>
+          <a:lstStyle/>
+          <a:p>
+            <a:r>
+              <a:rPr lang="en-US" sz="2000" b="1" dirty="0">
+                <a:solidFill>
+                  <a:schemeClr val="accent1">
+                    <a:lumMod val="75000"/>
+                  </a:schemeClr>
+                </a:solidFill>
+                <a:latin typeface="Roboto Slab" panose="020B0604020202020204" charset="0"/>
+                <a:ea typeface="Roboto Slab" panose="020B0604020202020204" charset="0"/>
+              </a:rPr>
+              <a:t>5</a:t>
+            </a:r>
+            <a:r>
+              <a:rPr lang="en-US" sz="2000" b="1" dirty="0" smtClean="0">
+                <a:solidFill>
+                  <a:schemeClr val="accent1">
+                    <a:lumMod val="75000"/>
+                  </a:schemeClr>
+                </a:solidFill>
+                <a:latin typeface="Roboto Slab" panose="020B0604020202020204" charset="0"/>
+                <a:ea typeface="Roboto Slab" panose="020B0604020202020204" charset="0"/>
+              </a:rPr>
+              <a:t>. DEMO CHƯƠNG TRÌNH THỰC TẾ</a:t>
+            </a:r>
+            <a:endParaRPr lang="en-US" sz="2000" b="1" dirty="0">
+              <a:solidFill>
+                <a:schemeClr val="accent1">
+                  <a:lumMod val="75000"/>
+                </a:schemeClr>
+              </a:solidFill>
+              <a:latin typeface="Roboto Slab" panose="020B0604020202020204" charset="0"/>
+              <a:ea typeface="Roboto Slab" panose="020B0604020202020204" charset="0"/>
+            </a:endParaRPr>
+          </a:p>
+        </p:txBody>
+      </p:sp>
+      <p:sp>
+        <p:nvSpPr>
+          <p:cNvPr id="5" name="TextBox 4"/>
+          <p:cNvSpPr txBox="1"/>
+          <p:nvPr/>
+        </p:nvSpPr>
+        <p:spPr>
+          <a:xfrm>
+            <a:off x="858890" y="448951"/>
+            <a:ext cx="8285018" cy="400110"/>
+          </a:xfrm>
+          <a:prstGeom prst="rect">
+            <a:avLst/>
+          </a:prstGeom>
+          <a:noFill/>
+        </p:spPr>
+        <p:txBody>
+          <a:bodyPr wrap="square" rtlCol="0">
+            <a:spAutoFit/>
+          </a:bodyPr>
+          <a:lstStyle/>
+          <a:p>
+            <a:r>
+              <a:rPr lang="en-US" sz="2000" b="1" dirty="0" err="1" smtClean="0">
+                <a:solidFill>
+                  <a:schemeClr val="accent1">
+                    <a:lumMod val="75000"/>
+                  </a:schemeClr>
+                </a:solidFill>
+                <a:latin typeface="Roboto Slab" panose="020B0604020202020204" charset="0"/>
+                <a:ea typeface="Roboto Slab" panose="020B0604020202020204" charset="0"/>
+              </a:rPr>
+              <a:t>Trang</a:t>
+            </a:r>
+            <a:r>
+              <a:rPr lang="en-US" sz="2000" b="1" dirty="0" smtClean="0">
+                <a:solidFill>
+                  <a:schemeClr val="accent1">
+                    <a:lumMod val="75000"/>
+                  </a:schemeClr>
+                </a:solidFill>
+                <a:latin typeface="Roboto Slab" panose="020B0604020202020204" charset="0"/>
+                <a:ea typeface="Roboto Slab" panose="020B0604020202020204" charset="0"/>
+              </a:rPr>
+              <a:t> </a:t>
+            </a:r>
+            <a:r>
+              <a:rPr lang="en-US" sz="2000" b="1" dirty="0" err="1" smtClean="0">
+                <a:solidFill>
+                  <a:schemeClr val="accent1">
+                    <a:lumMod val="75000"/>
+                  </a:schemeClr>
+                </a:solidFill>
+                <a:latin typeface="Roboto Slab" panose="020B0604020202020204" charset="0"/>
+                <a:ea typeface="Roboto Slab" panose="020B0604020202020204" charset="0"/>
+              </a:rPr>
+              <a:t>người</a:t>
+            </a:r>
+            <a:r>
+              <a:rPr lang="en-US" sz="2000" b="1" dirty="0" smtClean="0">
+                <a:solidFill>
+                  <a:schemeClr val="accent1">
+                    <a:lumMod val="75000"/>
+                  </a:schemeClr>
+                </a:solidFill>
+                <a:latin typeface="Roboto Slab" panose="020B0604020202020204" charset="0"/>
+                <a:ea typeface="Roboto Slab" panose="020B0604020202020204" charset="0"/>
+              </a:rPr>
+              <a:t> </a:t>
+            </a:r>
+            <a:r>
+              <a:rPr lang="en-US" sz="2000" b="1" dirty="0" err="1" smtClean="0">
+                <a:solidFill>
+                  <a:schemeClr val="accent1">
+                    <a:lumMod val="75000"/>
+                  </a:schemeClr>
+                </a:solidFill>
+                <a:latin typeface="Roboto Slab" panose="020B0604020202020204" charset="0"/>
+                <a:ea typeface="Roboto Slab" panose="020B0604020202020204" charset="0"/>
+              </a:rPr>
+              <a:t>dùng</a:t>
+            </a:r>
+            <a:endParaRPr lang="en-US" sz="2000" b="1" dirty="0">
+              <a:solidFill>
+                <a:schemeClr val="accent1">
+                  <a:lumMod val="75000"/>
+                </a:schemeClr>
+              </a:solidFill>
+              <a:latin typeface="Roboto Slab" panose="020B0604020202020204" charset="0"/>
+              <a:ea typeface="Roboto Slab" panose="020B0604020202020204" charset="0"/>
+            </a:endParaRPr>
+          </a:p>
+        </p:txBody>
+      </p:sp>
+      <p:sp>
+        <p:nvSpPr>
+          <p:cNvPr id="2" name="TextBox 1"/>
+          <p:cNvSpPr txBox="1"/>
+          <p:nvPr/>
+        </p:nvSpPr>
+        <p:spPr>
+          <a:xfrm>
+            <a:off x="952501" y="849061"/>
+            <a:ext cx="7446818" cy="307777"/>
+          </a:xfrm>
+          <a:prstGeom prst="rect">
+            <a:avLst/>
+          </a:prstGeom>
+          <a:noFill/>
+        </p:spPr>
+        <p:txBody>
+          <a:bodyPr wrap="square" rtlCol="0">
+            <a:spAutoFit/>
+          </a:bodyPr>
+          <a:lstStyle/>
+          <a:p>
+            <a:r>
+              <a:rPr lang="en-US" dirty="0" err="1" smtClean="0"/>
+              <a:t>Sau</a:t>
+            </a:r>
+            <a:r>
+              <a:rPr lang="en-US" dirty="0" smtClean="0"/>
+              <a:t> </a:t>
+            </a:r>
+            <a:r>
+              <a:rPr lang="en-US" dirty="0" err="1" smtClean="0"/>
+              <a:t>đây</a:t>
+            </a:r>
+            <a:r>
+              <a:rPr lang="en-US" dirty="0" smtClean="0"/>
+              <a:t> </a:t>
+            </a:r>
+            <a:r>
+              <a:rPr lang="en-US" dirty="0" err="1" smtClean="0"/>
+              <a:t>bạn</a:t>
+            </a:r>
+            <a:r>
+              <a:rPr lang="en-US" dirty="0" smtClean="0"/>
+              <a:t> </a:t>
+            </a:r>
+            <a:r>
+              <a:rPr lang="en-US" dirty="0" err="1" smtClean="0"/>
+              <a:t>Hải</a:t>
+            </a:r>
+            <a:r>
+              <a:rPr lang="en-US" dirty="0" smtClean="0"/>
+              <a:t> </a:t>
+            </a:r>
+            <a:r>
+              <a:rPr lang="en-US" dirty="0" err="1" smtClean="0"/>
+              <a:t>sẽ</a:t>
+            </a:r>
+            <a:r>
+              <a:rPr lang="en-US" dirty="0" smtClean="0"/>
+              <a:t> demo </a:t>
+            </a:r>
+            <a:r>
+              <a:rPr lang="en-US" dirty="0" err="1" smtClean="0"/>
+              <a:t>thực</a:t>
+            </a:r>
+            <a:r>
+              <a:rPr lang="en-US" dirty="0" smtClean="0"/>
+              <a:t> </a:t>
+            </a:r>
+            <a:r>
+              <a:rPr lang="en-US" dirty="0" err="1" smtClean="0"/>
+              <a:t>tế</a:t>
+            </a:r>
+            <a:r>
+              <a:rPr lang="en-US" dirty="0" smtClean="0"/>
+              <a:t> </a:t>
+            </a:r>
+            <a:r>
+              <a:rPr lang="en-US" dirty="0" err="1" smtClean="0"/>
+              <a:t>trang</a:t>
+            </a:r>
+            <a:r>
+              <a:rPr lang="en-US" dirty="0" smtClean="0"/>
+              <a:t> </a:t>
+            </a:r>
+            <a:r>
+              <a:rPr lang="en-US" dirty="0" err="1" smtClean="0"/>
+              <a:t>người</a:t>
+            </a:r>
+            <a:r>
+              <a:rPr lang="en-US" dirty="0" smtClean="0"/>
+              <a:t> </a:t>
+            </a:r>
+            <a:r>
+              <a:rPr lang="en-US" dirty="0" err="1" smtClean="0"/>
+              <a:t>dùng</a:t>
+            </a:r>
+            <a:endParaRPr lang="en-US" dirty="0"/>
+          </a:p>
+        </p:txBody>
+      </p:sp>
+      <p:pic>
+        <p:nvPicPr>
+          <p:cNvPr id="6" name="Picture 5"/>
+          <p:cNvPicPr>
+            <a:picLocks noChangeAspect="1"/>
+          </p:cNvPicPr>
+          <p:nvPr/>
+        </p:nvPicPr>
+        <p:blipFill>
+          <a:blip r:embed="rId2"/>
+          <a:stretch>
+            <a:fillRect/>
+          </a:stretch>
+        </p:blipFill>
+        <p:spPr>
+          <a:xfrm>
+            <a:off x="796545" y="1288542"/>
+            <a:ext cx="7058983" cy="3234904"/>
+          </a:xfrm>
+          <a:prstGeom prst="rect">
+            <a:avLst/>
+          </a:prstGeom>
+        </p:spPr>
+      </p:pic>
+    </p:spTree>
+    <p:extLst>
+      <p:ext uri="{BB962C8B-B14F-4D97-AF65-F5344CB8AC3E}">
+        <p14:creationId xmlns:p14="http://schemas.microsoft.com/office/powerpoint/2010/main" val="1242947895"/>
+      </p:ext>
+    </p:extLst>
+  </p:cSld>
+  <p:clrMapOvr>
+    <a:masterClrMapping/>
+  </p:clrMapOvr>
+  <p:timing>
+    <p:tnLst>
+      <p:par>
+        <p:cTn id="1" dur="indefinite" restart="never" nodeType="tmRoot">
+          <p:childTnLst>
+            <p:seq concurrent="1" nextAc="seek">
+              <p:cTn id="2" dur="indefinite" nodeType="mainSeq">
+                <p:childTnLst>
+                  <p:par>
+                    <p:cTn id="3" fill="hold">
+                      <p:stCondLst>
+                        <p:cond delay="indefinite"/>
+                      </p:stCondLst>
+                      <p:childTnLst>
+                        <p:par>
+                          <p:cTn id="4" fill="hold">
+                            <p:stCondLst>
+                              <p:cond delay="0"/>
+                            </p:stCondLst>
+                            <p:childTnLst>
+                              <p:par>
+                                <p:cTn id="5" presetID="14" presetClass="entr" presetSubtype="10" fill="hold" grpId="0" nodeType="clickEffect">
+                                  <p:stCondLst>
+                                    <p:cond delay="0"/>
+                                  </p:stCondLst>
+                                  <p:childTnLst>
+                                    <p:set>
+                                      <p:cBhvr>
+                                        <p:cTn id="6" dur="1" fill="hold">
+                                          <p:stCondLst>
+                                            <p:cond delay="0"/>
+                                          </p:stCondLst>
+                                        </p:cTn>
+                                        <p:tgtEl>
+                                          <p:spTgt spid="4"/>
+                                        </p:tgtEl>
+                                        <p:attrNameLst>
+                                          <p:attrName>style.visibility</p:attrName>
+                                        </p:attrNameLst>
+                                      </p:cBhvr>
+                                      <p:to>
+                                        <p:strVal val="visible"/>
+                                      </p:to>
+                                    </p:set>
+                                    <p:animEffect transition="in" filter="randombar(horizontal)">
+                                      <p:cBhvr>
+                                        <p:cTn id="7" dur="500"/>
+                                        <p:tgtEl>
+                                          <p:spTgt spid="4"/>
+                                        </p:tgtEl>
+                                      </p:cBhvr>
+                                    </p:animEffect>
+                                  </p:childTnLst>
+                                </p:cTn>
+                              </p:par>
+                            </p:childTnLst>
+                          </p:cTn>
+                        </p:par>
+                      </p:childTnLst>
+                    </p:cTn>
+                  </p:par>
+                  <p:par>
+                    <p:cTn id="8" fill="hold">
+                      <p:stCondLst>
+                        <p:cond delay="indefinite"/>
+                      </p:stCondLst>
+                      <p:childTnLst>
+                        <p:par>
+                          <p:cTn id="9" fill="hold">
+                            <p:stCondLst>
+                              <p:cond delay="0"/>
+                            </p:stCondLst>
+                            <p:childTnLst>
+                              <p:par>
+                                <p:cTn id="10" presetID="14" presetClass="entr" presetSubtype="10" fill="hold" grpId="0" nodeType="clickEffect">
+                                  <p:stCondLst>
+                                    <p:cond delay="0"/>
+                                  </p:stCondLst>
+                                  <p:childTnLst>
+                                    <p:set>
+                                      <p:cBhvr>
+                                        <p:cTn id="11" dur="1" fill="hold">
+                                          <p:stCondLst>
+                                            <p:cond delay="0"/>
+                                          </p:stCondLst>
+                                        </p:cTn>
+                                        <p:tgtEl>
+                                          <p:spTgt spid="5"/>
+                                        </p:tgtEl>
+                                        <p:attrNameLst>
+                                          <p:attrName>style.visibility</p:attrName>
+                                        </p:attrNameLst>
+                                      </p:cBhvr>
+                                      <p:to>
+                                        <p:strVal val="visible"/>
+                                      </p:to>
+                                    </p:set>
+                                    <p:animEffect transition="in" filter="randombar(horizontal)">
+                                      <p:cBhvr>
+                                        <p:cTn id="12" dur="500"/>
+                                        <p:tgtEl>
+                                          <p:spTgt spid="5"/>
+                                        </p:tgtEl>
+                                      </p:cBhvr>
+                                    </p:animEffect>
+                                  </p:childTnLst>
+                                </p:cTn>
+                              </p:par>
+                            </p:childTnLst>
+                          </p:cTn>
+                        </p:par>
+                      </p:childTnLst>
+                    </p:cTn>
+                  </p:par>
+                  <p:par>
+                    <p:cTn id="13" fill="hold">
+                      <p:stCondLst>
+                        <p:cond delay="indefinite"/>
+                      </p:stCondLst>
+                      <p:childTnLst>
+                        <p:par>
+                          <p:cTn id="14" fill="hold">
+                            <p:stCondLst>
+                              <p:cond delay="0"/>
+                            </p:stCondLst>
+                            <p:childTnLst>
+                              <p:par>
+                                <p:cTn id="15" presetID="14" presetClass="entr" presetSubtype="10" fill="hold" grpId="0" nodeType="clickEffect">
+                                  <p:stCondLst>
+                                    <p:cond delay="0"/>
+                                  </p:stCondLst>
+                                  <p:childTnLst>
+                                    <p:set>
+                                      <p:cBhvr>
+                                        <p:cTn id="16" dur="1" fill="hold">
+                                          <p:stCondLst>
+                                            <p:cond delay="0"/>
+                                          </p:stCondLst>
+                                        </p:cTn>
+                                        <p:tgtEl>
+                                          <p:spTgt spid="2"/>
+                                        </p:tgtEl>
+                                        <p:attrNameLst>
+                                          <p:attrName>style.visibility</p:attrName>
+                                        </p:attrNameLst>
+                                      </p:cBhvr>
+                                      <p:to>
+                                        <p:strVal val="visible"/>
+                                      </p:to>
+                                    </p:set>
+                                    <p:animEffect transition="in" filter="randombar(horizontal)">
+                                      <p:cBhvr>
+                                        <p:cTn id="17" dur="500"/>
+                                        <p:tgtEl>
+                                          <p:spTgt spid="2"/>
+                                        </p:tgtEl>
+                                      </p:cBhvr>
+                                    </p:animEffect>
+                                  </p:childTnLst>
+                                </p:cTn>
+                              </p:par>
+                            </p:childTnLst>
+                          </p:cTn>
+                        </p:par>
+                      </p:childTnLst>
+                    </p:cTn>
+                  </p:par>
+                  <p:par>
+                    <p:cTn id="18" fill="hold">
+                      <p:stCondLst>
+                        <p:cond delay="indefinite"/>
+                      </p:stCondLst>
+                      <p:childTnLst>
+                        <p:par>
+                          <p:cTn id="19" fill="hold">
+                            <p:stCondLst>
+                              <p:cond delay="0"/>
+                            </p:stCondLst>
+                            <p:childTnLst>
+                              <p:par>
+                                <p:cTn id="20" presetID="14" presetClass="entr" presetSubtype="10" fill="hold" nodeType="clickEffect">
+                                  <p:stCondLst>
+                                    <p:cond delay="0"/>
+                                  </p:stCondLst>
+                                  <p:childTnLst>
+                                    <p:set>
+                                      <p:cBhvr>
+                                        <p:cTn id="21" dur="1" fill="hold">
+                                          <p:stCondLst>
+                                            <p:cond delay="0"/>
+                                          </p:stCondLst>
+                                        </p:cTn>
+                                        <p:tgtEl>
+                                          <p:spTgt spid="6"/>
+                                        </p:tgtEl>
+                                        <p:attrNameLst>
+                                          <p:attrName>style.visibility</p:attrName>
+                                        </p:attrNameLst>
+                                      </p:cBhvr>
+                                      <p:to>
+                                        <p:strVal val="visible"/>
+                                      </p:to>
+                                    </p:set>
+                                    <p:animEffect transition="in" filter="randombar(horizontal)">
+                                      <p:cBhvr>
+                                        <p:cTn id="22" dur="500"/>
+                                        <p:tgtEl>
+                                          <p:spTgt spid="6"/>
+                                        </p:tgtEl>
+                                      </p:cBhvr>
+                                    </p:animEffect>
+                                  </p:childTnLst>
+                                </p:cTn>
+                              </p:par>
+                            </p:childTnLst>
+                          </p:cTn>
+                        </p:par>
+                      </p:childTnLst>
+                    </p:cTn>
+                  </p:par>
+                </p:childTnLst>
+              </p:cTn>
+              <p:prevCondLst>
+                <p:cond evt="onPrev" delay="0">
+                  <p:tgtEl>
+                    <p:sldTgt/>
+                  </p:tgtEl>
+                </p:cond>
+              </p:prevCondLst>
+              <p:nextCondLst>
+                <p:cond evt="onNext" delay="0">
+                  <p:tgtEl>
+                    <p:sldTgt/>
+                  </p:tgtEl>
+                </p:cond>
+              </p:nextCondLst>
+            </p:seq>
+          </p:childTnLst>
+        </p:cTn>
+      </p:par>
+    </p:tnLst>
+    <p:bldLst>
+      <p:bldP spid="4" grpId="0"/>
+      <p:bldP spid="5" grpId="0"/>
+      <p:bldP spid="2" grpId="0"/>
+    </p:bldLst>
+  </p:timing>
+</p:sld>
+</file>
+
+<file path=ppt/slides/slide31.xml><?xml version="1.0" encoding="utf-8"?>
+<p:sld xmlns:a="http://schemas.openxmlformats.org/drawingml/2006/main" xmlns:r="http://schemas.openxmlformats.org/officeDocument/2006/relationships" xmlns:p="http://schemas.openxmlformats.org/presentationml/2006/main">
+  <p:cSld>
+    <p:spTree>
+      <p:nvGrpSpPr>
+        <p:cNvPr id="1" name=""/>
+        <p:cNvGrpSpPr/>
+        <p:nvPr/>
+      </p:nvGrpSpPr>
+      <p:grpSpPr>
+        <a:xfrm>
+          <a:off x="0" y="0"/>
+          <a:ext cx="0" cy="0"/>
+          <a:chOff x="0" y="0"/>
+          <a:chExt cx="0" cy="0"/>
+        </a:xfrm>
+      </p:grpSpPr>
+      <p:sp>
+        <p:nvSpPr>
+          <p:cNvPr id="3" name="Slide Number Placeholder 2"/>
+          <p:cNvSpPr>
+            <a:spLocks noGrp="1"/>
+          </p:cNvSpPr>
+          <p:nvPr>
+            <p:ph type="sldNum" idx="12"/>
+          </p:nvPr>
+        </p:nvSpPr>
+        <p:spPr/>
+        <p:txBody>
+          <a:bodyPr/>
+          <a:lstStyle/>
+          <a:p>
+            <a:pPr marL="0" lvl="0" indent="0" algn="ctr" rtl="0">
+              <a:spcBef>
+                <a:spcPts val="0"/>
+              </a:spcBef>
+              <a:spcAft>
+                <a:spcPts val="0"/>
+              </a:spcAft>
+              <a:buNone/>
+            </a:pPr>
+            <a:fld id="{00000000-1234-1234-1234-123412341234}" type="slidenum">
+              <a:rPr lang="en" smtClean="0"/>
+              <a:t>31</a:t>
+            </a:fld>
+            <a:endParaRPr lang="en"/>
+          </a:p>
+        </p:txBody>
+      </p:sp>
+      <p:sp>
+        <p:nvSpPr>
+          <p:cNvPr id="4" name="TextBox 3"/>
+          <p:cNvSpPr txBox="1"/>
+          <p:nvPr/>
+        </p:nvSpPr>
+        <p:spPr>
+          <a:xfrm>
+            <a:off x="429491" y="106172"/>
+            <a:ext cx="8285018" cy="400110"/>
+          </a:xfrm>
+          <a:prstGeom prst="rect">
+            <a:avLst/>
+          </a:prstGeom>
+          <a:noFill/>
+        </p:spPr>
+        <p:txBody>
+          <a:bodyPr wrap="square" rtlCol="0">
+            <a:spAutoFit/>
+          </a:bodyPr>
+          <a:lstStyle/>
+          <a:p>
+            <a:r>
+              <a:rPr lang="en-US" sz="2000" b="1" dirty="0" err="1" smtClean="0">
+                <a:solidFill>
+                  <a:schemeClr val="accent1">
+                    <a:lumMod val="75000"/>
+                  </a:schemeClr>
+                </a:solidFill>
+                <a:latin typeface="Roboto Slab" panose="020B0604020202020204" charset="0"/>
+                <a:ea typeface="Roboto Slab" panose="020B0604020202020204" charset="0"/>
+              </a:rPr>
+              <a:t>Trang</a:t>
+            </a:r>
+            <a:r>
+              <a:rPr lang="en-US" sz="2000" b="1" dirty="0" smtClean="0">
+                <a:solidFill>
+                  <a:schemeClr val="accent1">
+                    <a:lumMod val="75000"/>
+                  </a:schemeClr>
+                </a:solidFill>
+                <a:latin typeface="Roboto Slab" panose="020B0604020202020204" charset="0"/>
+                <a:ea typeface="Roboto Slab" panose="020B0604020202020204" charset="0"/>
+              </a:rPr>
+              <a:t> </a:t>
+            </a:r>
+            <a:r>
+              <a:rPr lang="en-US" sz="2000" b="1" dirty="0" err="1" smtClean="0">
+                <a:solidFill>
+                  <a:schemeClr val="accent1">
+                    <a:lumMod val="75000"/>
+                  </a:schemeClr>
+                </a:solidFill>
+                <a:latin typeface="Roboto Slab" panose="020B0604020202020204" charset="0"/>
+                <a:ea typeface="Roboto Slab" panose="020B0604020202020204" charset="0"/>
+              </a:rPr>
+              <a:t>quản</a:t>
+            </a:r>
+            <a:r>
+              <a:rPr lang="en-US" sz="2000" b="1" dirty="0" smtClean="0">
+                <a:solidFill>
+                  <a:schemeClr val="accent1">
+                    <a:lumMod val="75000"/>
+                  </a:schemeClr>
+                </a:solidFill>
+                <a:latin typeface="Roboto Slab" panose="020B0604020202020204" charset="0"/>
+                <a:ea typeface="Roboto Slab" panose="020B0604020202020204" charset="0"/>
+              </a:rPr>
+              <a:t> </a:t>
+            </a:r>
+            <a:r>
+              <a:rPr lang="en-US" sz="2000" b="1" dirty="0" err="1" smtClean="0">
+                <a:solidFill>
+                  <a:schemeClr val="accent1">
+                    <a:lumMod val="75000"/>
+                  </a:schemeClr>
+                </a:solidFill>
+                <a:latin typeface="Roboto Slab" panose="020B0604020202020204" charset="0"/>
+                <a:ea typeface="Roboto Slab" panose="020B0604020202020204" charset="0"/>
+              </a:rPr>
+              <a:t>trị</a:t>
+            </a:r>
+            <a:endParaRPr lang="en-US" sz="2000" b="1" dirty="0">
+              <a:solidFill>
+                <a:schemeClr val="accent1">
+                  <a:lumMod val="75000"/>
+                </a:schemeClr>
+              </a:solidFill>
+              <a:latin typeface="Roboto Slab" panose="020B0604020202020204" charset="0"/>
+              <a:ea typeface="Roboto Slab" panose="020B0604020202020204" charset="0"/>
+            </a:endParaRPr>
+          </a:p>
+        </p:txBody>
+      </p:sp>
+      <p:sp>
+        <p:nvSpPr>
+          <p:cNvPr id="6" name="TextBox 5"/>
+          <p:cNvSpPr txBox="1"/>
+          <p:nvPr/>
+        </p:nvSpPr>
+        <p:spPr>
+          <a:xfrm>
+            <a:off x="630383" y="516602"/>
+            <a:ext cx="7446818" cy="307777"/>
+          </a:xfrm>
+          <a:prstGeom prst="rect">
+            <a:avLst/>
+          </a:prstGeom>
+          <a:noFill/>
+        </p:spPr>
+        <p:txBody>
+          <a:bodyPr wrap="square" rtlCol="0">
+            <a:spAutoFit/>
+          </a:bodyPr>
+          <a:lstStyle/>
+          <a:p>
+            <a:r>
+              <a:rPr lang="en-US" dirty="0" err="1" smtClean="0"/>
+              <a:t>Sau</a:t>
+            </a:r>
+            <a:r>
+              <a:rPr lang="en-US" dirty="0" smtClean="0"/>
+              <a:t> </a:t>
+            </a:r>
+            <a:r>
+              <a:rPr lang="en-US" dirty="0" err="1" smtClean="0"/>
+              <a:t>đây</a:t>
+            </a:r>
+            <a:r>
+              <a:rPr lang="en-US" dirty="0" smtClean="0"/>
+              <a:t> </a:t>
+            </a:r>
+            <a:r>
+              <a:rPr lang="en-US" dirty="0" err="1" smtClean="0"/>
+              <a:t>bạn</a:t>
+            </a:r>
+            <a:r>
+              <a:rPr lang="en-US" dirty="0" smtClean="0"/>
+              <a:t> </a:t>
+            </a:r>
+            <a:r>
+              <a:rPr lang="en-US" dirty="0" err="1" smtClean="0"/>
+              <a:t>Vinh</a:t>
+            </a:r>
+            <a:r>
+              <a:rPr lang="en-US" dirty="0" smtClean="0"/>
+              <a:t> </a:t>
+            </a:r>
+            <a:r>
+              <a:rPr lang="en-US" dirty="0" err="1" smtClean="0"/>
+              <a:t>sẽ</a:t>
+            </a:r>
+            <a:r>
+              <a:rPr lang="en-US" dirty="0" smtClean="0"/>
+              <a:t> demo </a:t>
+            </a:r>
+            <a:r>
+              <a:rPr lang="en-US" dirty="0" err="1" smtClean="0"/>
+              <a:t>thực</a:t>
+            </a:r>
+            <a:r>
+              <a:rPr lang="en-US" dirty="0" smtClean="0"/>
+              <a:t> </a:t>
+            </a:r>
+            <a:r>
+              <a:rPr lang="en-US" dirty="0" err="1" smtClean="0"/>
+              <a:t>tế</a:t>
+            </a:r>
+            <a:r>
+              <a:rPr lang="en-US" dirty="0" smtClean="0"/>
+              <a:t> </a:t>
+            </a:r>
+            <a:r>
+              <a:rPr lang="en-US" dirty="0" err="1" smtClean="0"/>
+              <a:t>trang</a:t>
+            </a:r>
+            <a:r>
+              <a:rPr lang="en-US" dirty="0" smtClean="0"/>
+              <a:t> </a:t>
+            </a:r>
+            <a:r>
+              <a:rPr lang="en-US" dirty="0" err="1" smtClean="0"/>
+              <a:t>người</a:t>
+            </a:r>
+            <a:r>
+              <a:rPr lang="en-US" dirty="0" smtClean="0"/>
+              <a:t> </a:t>
+            </a:r>
+            <a:r>
+              <a:rPr lang="en-US" dirty="0" err="1" smtClean="0"/>
+              <a:t>dùng</a:t>
+            </a:r>
+            <a:endParaRPr lang="en-US" dirty="0"/>
+          </a:p>
+        </p:txBody>
+      </p:sp>
+      <p:pic>
+        <p:nvPicPr>
+          <p:cNvPr id="2" name="Picture 1"/>
+          <p:cNvPicPr>
+            <a:picLocks noChangeAspect="1"/>
+          </p:cNvPicPr>
+          <p:nvPr/>
+        </p:nvPicPr>
+        <p:blipFill>
+          <a:blip r:embed="rId2"/>
+          <a:stretch>
+            <a:fillRect/>
+          </a:stretch>
+        </p:blipFill>
+        <p:spPr>
+          <a:xfrm>
+            <a:off x="1156037" y="904293"/>
+            <a:ext cx="7015281" cy="3765636"/>
+          </a:xfrm>
+          <a:prstGeom prst="rect">
+            <a:avLst/>
+          </a:prstGeom>
+        </p:spPr>
+      </p:pic>
+    </p:spTree>
+    <p:extLst>
+      <p:ext uri="{BB962C8B-B14F-4D97-AF65-F5344CB8AC3E}">
+        <p14:creationId xmlns:p14="http://schemas.microsoft.com/office/powerpoint/2010/main" val="3382621988"/>
+      </p:ext>
+    </p:extLst>
+  </p:cSld>
+  <p:clrMapOvr>
+    <a:masterClrMapping/>
+  </p:clrMapOvr>
+  <p:timing>
+    <p:tnLst>
+      <p:par>
+        <p:cTn id="1" dur="indefinite" restart="never" nodeType="tmRoot">
+          <p:childTnLst>
+            <p:seq concurrent="1" nextAc="seek">
+              <p:cTn id="2" dur="indefinite" nodeType="mainSeq">
+                <p:childTnLst>
+                  <p:par>
+                    <p:cTn id="3" fill="hold">
+                      <p:stCondLst>
+                        <p:cond delay="indefinite"/>
+                      </p:stCondLst>
+                      <p:childTnLst>
+                        <p:par>
+                          <p:cTn id="4" fill="hold">
+                            <p:stCondLst>
+                              <p:cond delay="0"/>
+                            </p:stCondLst>
+                            <p:childTnLst>
+                              <p:par>
+                                <p:cTn id="5" presetID="14" presetClass="entr" presetSubtype="10" fill="hold" grpId="0" nodeType="clickEffect">
+                                  <p:stCondLst>
+                                    <p:cond delay="0"/>
+                                  </p:stCondLst>
+                                  <p:childTnLst>
+                                    <p:set>
+                                      <p:cBhvr>
+                                        <p:cTn id="6" dur="1" fill="hold">
+                                          <p:stCondLst>
+                                            <p:cond delay="0"/>
+                                          </p:stCondLst>
+                                        </p:cTn>
+                                        <p:tgtEl>
+                                          <p:spTgt spid="4"/>
+                                        </p:tgtEl>
+                                        <p:attrNameLst>
+                                          <p:attrName>style.visibility</p:attrName>
+                                        </p:attrNameLst>
+                                      </p:cBhvr>
+                                      <p:to>
+                                        <p:strVal val="visible"/>
+                                      </p:to>
+                                    </p:set>
+                                    <p:animEffect transition="in" filter="randombar(horizontal)">
+                                      <p:cBhvr>
+                                        <p:cTn id="7" dur="500"/>
+                                        <p:tgtEl>
+                                          <p:spTgt spid="4"/>
+                                        </p:tgtEl>
+                                      </p:cBhvr>
+                                    </p:animEffect>
+                                  </p:childTnLst>
+                                </p:cTn>
+                              </p:par>
+                            </p:childTnLst>
+                          </p:cTn>
+                        </p:par>
+                      </p:childTnLst>
+                    </p:cTn>
+                  </p:par>
+                  <p:par>
+                    <p:cTn id="8" fill="hold">
+                      <p:stCondLst>
+                        <p:cond delay="indefinite"/>
+                      </p:stCondLst>
+                      <p:childTnLst>
+                        <p:par>
+                          <p:cTn id="9" fill="hold">
+                            <p:stCondLst>
+                              <p:cond delay="0"/>
+                            </p:stCondLst>
+                            <p:childTnLst>
+                              <p:par>
+                                <p:cTn id="10" presetID="14" presetClass="entr" presetSubtype="10" fill="hold" grpId="0" nodeType="clickEffect">
+                                  <p:stCondLst>
+                                    <p:cond delay="0"/>
+                                  </p:stCondLst>
+                                  <p:childTnLst>
+                                    <p:set>
+                                      <p:cBhvr>
+                                        <p:cTn id="11" dur="1" fill="hold">
+                                          <p:stCondLst>
+                                            <p:cond delay="0"/>
+                                          </p:stCondLst>
+                                        </p:cTn>
+                                        <p:tgtEl>
+                                          <p:spTgt spid="6"/>
+                                        </p:tgtEl>
+                                        <p:attrNameLst>
+                                          <p:attrName>style.visibility</p:attrName>
+                                        </p:attrNameLst>
+                                      </p:cBhvr>
+                                      <p:to>
+                                        <p:strVal val="visible"/>
+                                      </p:to>
+                                    </p:set>
+                                    <p:animEffect transition="in" filter="randombar(horizontal)">
+                                      <p:cBhvr>
+                                        <p:cTn id="12" dur="500"/>
+                                        <p:tgtEl>
+                                          <p:spTgt spid="6"/>
+                                        </p:tgtEl>
+                                      </p:cBhvr>
+                                    </p:animEffect>
+                                  </p:childTnLst>
+                                </p:cTn>
+                              </p:par>
+                            </p:childTnLst>
+                          </p:cTn>
+                        </p:par>
+                      </p:childTnLst>
+                    </p:cTn>
+                  </p:par>
+                </p:childTnLst>
+              </p:cTn>
+              <p:prevCondLst>
+                <p:cond evt="onPrev" delay="0">
+                  <p:tgtEl>
+                    <p:sldTgt/>
+                  </p:tgtEl>
+                </p:cond>
+              </p:prevCondLst>
+              <p:nextCondLst>
+                <p:cond evt="onNext" delay="0">
+                  <p:tgtEl>
+                    <p:sldTgt/>
+                  </p:tgtEl>
+                </p:cond>
+              </p:nextCondLst>
+            </p:seq>
+          </p:childTnLst>
+        </p:cTn>
+      </p:par>
+    </p:tnLst>
+    <p:bldLst>
+      <p:bldP spid="4" grpId="0"/>
+      <p:bldP spid="6" grpId="0"/>
+    </p:bldLst>
+  </p:timing>
+</p:sld>
+</file>
+
+<file path=ppt/slides/slide32.xml><?xml version="1.0" encoding="utf-8"?>
+<p:sld xmlns:a="http://schemas.openxmlformats.org/drawingml/2006/main" xmlns:r="http://schemas.openxmlformats.org/officeDocument/2006/relationships" xmlns:p="http://schemas.openxmlformats.org/presentationml/2006/main">
+  <p:cSld>
+    <p:spTree>
+      <p:nvGrpSpPr>
+        <p:cNvPr id="1" name=""/>
+        <p:cNvGrpSpPr/>
+        <p:nvPr/>
+      </p:nvGrpSpPr>
+      <p:grpSpPr>
+        <a:xfrm>
+          <a:off x="0" y="0"/>
+          <a:ext cx="0" cy="0"/>
+          <a:chOff x="0" y="0"/>
+          <a:chExt cx="0" cy="0"/>
+        </a:xfrm>
+      </p:grpSpPr>
+      <p:sp>
+        <p:nvSpPr>
+          <p:cNvPr id="3" name="Slide Number Placeholder 2"/>
+          <p:cNvSpPr>
+            <a:spLocks noGrp="1"/>
+          </p:cNvSpPr>
+          <p:nvPr>
+            <p:ph type="sldNum" idx="12"/>
+          </p:nvPr>
+        </p:nvSpPr>
+        <p:spPr/>
+        <p:txBody>
+          <a:bodyPr/>
+          <a:lstStyle/>
+          <a:p>
+            <a:pPr marL="0" lvl="0" indent="0" algn="ctr" rtl="0">
+              <a:spcBef>
+                <a:spcPts val="0"/>
+              </a:spcBef>
+              <a:spcAft>
+                <a:spcPts val="0"/>
+              </a:spcAft>
+              <a:buNone/>
+            </a:pPr>
+            <a:fld id="{00000000-1234-1234-1234-123412341234}" type="slidenum">
+              <a:rPr lang="en" smtClean="0"/>
+              <a:t>32</a:t>
+            </a:fld>
+            <a:endParaRPr lang="en"/>
+          </a:p>
+        </p:txBody>
+      </p:sp>
+      <p:sp>
+        <p:nvSpPr>
+          <p:cNvPr id="4" name="TextBox 3"/>
+          <p:cNvSpPr txBox="1"/>
+          <p:nvPr/>
+        </p:nvSpPr>
+        <p:spPr>
+          <a:xfrm>
             <a:off x="588819" y="99524"/>
             <a:ext cx="8285018" cy="400110"/>
           </a:xfrm>
@@ -25687,7 +26748,7 @@
 </p:sld>
 </file>
 
-<file path=ppt/slides/slide31.xml><?xml version="1.0" encoding="utf-8"?>
+<file path=ppt/slides/slide33.xml><?xml version="1.0" encoding="utf-8"?>
 <p:sld xmlns:a="http://schemas.openxmlformats.org/drawingml/2006/main" xmlns:r="http://schemas.openxmlformats.org/officeDocument/2006/relationships" xmlns:p="http://schemas.openxmlformats.org/presentationml/2006/main">
   <p:cSld>
     <p:spTree>
@@ -25730,7 +26791,7 @@
             </a:pPr>
             <a:fld id="{00000000-1234-1234-1234-123412341234}" type="slidenum">
               <a:rPr lang="en" smtClean="0"/>
-              <a:t>31</a:t>
+              <a:t>33</a:t>
             </a:fld>
             <a:endParaRPr lang="en" dirty="0"/>
           </a:p>
@@ -28120,7 +29181,7 @@
 </p:sld>
 </file>
 
-<file path=ppt/slides/slide32.xml><?xml version="1.0" encoding="utf-8"?>
+<file path=ppt/slides/slide34.xml><?xml version="1.0" encoding="utf-8"?>
 <p:sld xmlns:a="http://schemas.openxmlformats.org/drawingml/2006/main" xmlns:r="http://schemas.openxmlformats.org/officeDocument/2006/relationships" xmlns:p="http://schemas.openxmlformats.org/presentationml/2006/main">
   <p:cSld>
     <p:spTree>
@@ -28163,7 +29224,7 @@
             </a:pPr>
             <a:fld id="{00000000-1234-1234-1234-123412341234}" type="slidenum">
               <a:rPr lang="en" smtClean="0"/>
-              <a:t>32</a:t>
+              <a:t>34</a:t>
             </a:fld>
             <a:endParaRPr lang="en"/>
           </a:p>
@@ -29390,14 +30451,14 @@
       </p:sp>
       <p:sp>
         <p:nvSpPr>
-          <p:cNvPr id="5" name="TextBox 4"/>
+          <p:cNvPr id="2" name="TextBox 1"/>
           <p:cNvSpPr txBox="1"/>
           <p:nvPr/>
         </p:nvSpPr>
         <p:spPr>
           <a:xfrm>
-            <a:off x="602671" y="1068265"/>
-            <a:ext cx="8084129" cy="2246769"/>
+            <a:off x="1274618" y="1974273"/>
+            <a:ext cx="4509655" cy="307777"/>
           </a:xfrm>
           <a:prstGeom prst="rect">
             <a:avLst/>
@@ -29410,105 +30471,10 @@
           </a:bodyPr>
           <a:lstStyle/>
           <a:p>
-            <a:pPr marL="285750" indent="-285750">
-              <a:buFont typeface="Arial" panose="020B0604020202020204" pitchFamily="34" charset="0"/>
-              <a:buChar char="•"/>
-            </a:pPr>
-            <a:r>
-              <a:rPr lang="vi-VN" dirty="0"/>
-              <a:t>Quảng cáo không giới hạn với một chi phí thấp nhất. </a:t>
-            </a:r>
-            <a:endParaRPr lang="en-US" dirty="0"/>
-          </a:p>
-          <a:p>
-            <a:pPr marL="285750" indent="-285750">
-              <a:buFont typeface="Arial" panose="020B0604020202020204" pitchFamily="34" charset="0"/>
-              <a:buChar char="•"/>
-            </a:pPr>
-            <a:r>
-              <a:rPr lang="vi-VN" dirty="0"/>
-              <a:t>Có cơ hội liên kết, hợp tác với doanh nghiệp, công ty hoặc các tổ chức.</a:t>
-            </a:r>
-            <a:endParaRPr lang="en-US" dirty="0"/>
-          </a:p>
-          <a:p>
-            <a:pPr marL="285750" indent="-285750">
-              <a:buFont typeface="Arial" panose="020B0604020202020204" pitchFamily="34" charset="0"/>
-              <a:buChar char="•"/>
-            </a:pPr>
-            <a:r>
-              <a:rPr lang="vi-VN" dirty="0"/>
-              <a:t>Nhận thông tin phản hồi nhanh của khách hàng, đối tác nhanh nhất.</a:t>
-            </a:r>
-            <a:endParaRPr lang="en-US" dirty="0"/>
-          </a:p>
-          <a:p>
-            <a:pPr marL="285750" indent="-285750">
-              <a:buFont typeface="Arial" panose="020B0604020202020204" pitchFamily="34" charset="0"/>
-              <a:buChar char="•"/>
-            </a:pPr>
-            <a:r>
-              <a:rPr lang="vi-VN" dirty="0"/>
-              <a:t>Tạo một hình ảnh tốt cho </a:t>
-            </a:r>
-            <a:r>
-              <a:rPr lang="en-US" dirty="0" err="1"/>
-              <a:t>cửa</a:t>
-            </a:r>
-            <a:r>
-              <a:rPr lang="en-US" dirty="0"/>
-              <a:t> </a:t>
-            </a:r>
-            <a:r>
-              <a:rPr lang="en-US" dirty="0" err="1"/>
-              <a:t>hàng</a:t>
-            </a:r>
-            <a:r>
-              <a:rPr lang="vi-VN" dirty="0"/>
-              <a:t>.</a:t>
-            </a:r>
-            <a:endParaRPr lang="en-US" dirty="0"/>
-          </a:p>
-          <a:p>
-            <a:pPr marL="285750" indent="-285750">
-              <a:buFont typeface="Arial" panose="020B0604020202020204" pitchFamily="34" charset="0"/>
-              <a:buChar char="•"/>
-            </a:pPr>
-            <a:r>
-              <a:rPr lang="vi-VN" dirty="0"/>
-              <a:t>Tiết kiệm chi phí, hoạt động không nghỉ 24/24 mà không cần đội ngũ nhân viên phục vụ.</a:t>
-            </a:r>
-            <a:endParaRPr lang="en-US" dirty="0"/>
-          </a:p>
-          <a:p>
-            <a:pPr marL="285750" indent="-285750">
-              <a:buFont typeface="Arial" panose="020B0604020202020204" pitchFamily="34" charset="0"/>
-              <a:buChar char="•"/>
-            </a:pPr>
-            <a:r>
-              <a:rPr lang="vi-VN" dirty="0"/>
-              <a:t>Làm cho việc kinh doanh của cửa hàng được phát triển hơn</a:t>
-            </a:r>
-            <a:r>
-              <a:rPr lang="en-US" dirty="0"/>
-              <a:t>.</a:t>
-            </a:r>
-          </a:p>
-          <a:p>
-            <a:pPr marL="285750" indent="-285750">
-              <a:buFont typeface="Arial" panose="020B0604020202020204" pitchFamily="34" charset="0"/>
-              <a:buChar char="•"/>
-            </a:pPr>
-            <a:r>
-              <a:rPr lang="vi-VN" dirty="0"/>
-              <a:t>Ngoài ra website còn có mục đích giới thiệu rộng cho nhiều khách hàng được biết hơn về cửa hàng, thu hẹp được khoảng cách xa gần giải quyết được vấn đề đường xa việc đi lại khó khăn lại hay tắc nghẽn giao thông</a:t>
-            </a:r>
-            <a:r>
-              <a:rPr lang="en-US" dirty="0"/>
-              <a:t>. </a:t>
-            </a:r>
-          </a:p>
-          <a:p>
+            <a:r>
+              <a:rPr lang="en-US" dirty="0" smtClean="0"/>
+              <a:t>CHEN HINH ANH</a:t>
+            </a:r>
             <a:endParaRPr lang="en-US" dirty="0"/>
           </a:p>
         </p:txBody>
@@ -29572,433 +30538,6 @@
                                         <p:cTn id="7" dur="500"/>
                                         <p:tgtEl>
                                           <p:spTgt spid="4"/>
-                                        </p:tgtEl>
-                                      </p:cBhvr>
-                                    </p:animEffect>
-                                  </p:childTnLst>
-                                </p:cTn>
-                              </p:par>
-                            </p:childTnLst>
-                          </p:cTn>
-                        </p:par>
-                      </p:childTnLst>
-                    </p:cTn>
-                  </p:par>
-                  <p:par>
-                    <p:cTn id="8" fill="hold">
-                      <p:stCondLst>
-                        <p:cond delay="indefinite"/>
-                      </p:stCondLst>
-                      <p:childTnLst>
-                        <p:par>
-                          <p:cTn id="9" fill="hold">
-                            <p:stCondLst>
-                              <p:cond delay="0"/>
-                            </p:stCondLst>
-                            <p:childTnLst>
-                              <p:par>
-                                <p:cTn id="10" presetID="14" presetClass="entr" presetSubtype="10" fill="hold" nodeType="clickEffect">
-                                  <p:stCondLst>
-                                    <p:cond delay="0"/>
-                                  </p:stCondLst>
-                                  <p:childTnLst>
-                                    <p:set>
-                                      <p:cBhvr>
-                                        <p:cTn id="11" dur="1" fill="hold">
-                                          <p:stCondLst>
-                                            <p:cond delay="0"/>
-                                          </p:stCondLst>
-                                        </p:cTn>
-                                        <p:tgtEl>
-                                          <p:spTgt spid="5">
-                                            <p:txEl>
-                                              <p:pRg st="0" end="0"/>
-                                            </p:txEl>
-                                          </p:spTgt>
-                                        </p:tgtEl>
-                                        <p:attrNameLst>
-                                          <p:attrName>style.visibility</p:attrName>
-                                        </p:attrNameLst>
-                                      </p:cBhvr>
-                                      <p:to>
-                                        <p:strVal val="visible"/>
-                                      </p:to>
-                                    </p:set>
-                                    <p:animEffect transition="in" filter="randombar(horizontal)">
-                                      <p:cBhvr>
-                                        <p:cTn id="12" dur="500"/>
-                                        <p:tgtEl>
-                                          <p:spTgt spid="5">
-                                            <p:txEl>
-                                              <p:pRg st="0" end="0"/>
-                                            </p:txEl>
-                                          </p:spTgt>
-                                        </p:tgtEl>
-                                      </p:cBhvr>
-                                    </p:animEffect>
-                                  </p:childTnLst>
-                                </p:cTn>
-                              </p:par>
-                            </p:childTnLst>
-                          </p:cTn>
-                        </p:par>
-                      </p:childTnLst>
-                    </p:cTn>
-                  </p:par>
-                  <p:par>
-                    <p:cTn id="13" fill="hold">
-                      <p:stCondLst>
-                        <p:cond delay="indefinite"/>
-                      </p:stCondLst>
-                      <p:childTnLst>
-                        <p:par>
-                          <p:cTn id="14" fill="hold">
-                            <p:stCondLst>
-                              <p:cond delay="0"/>
-                            </p:stCondLst>
-                            <p:childTnLst>
-                              <p:par>
-                                <p:cTn id="15" presetID="14" presetClass="entr" presetSubtype="10" fill="hold" nodeType="clickEffect">
-                                  <p:stCondLst>
-                                    <p:cond delay="0"/>
-                                  </p:stCondLst>
-                                  <p:childTnLst>
-                                    <p:set>
-                                      <p:cBhvr>
-                                        <p:cTn id="16" dur="1" fill="hold">
-                                          <p:stCondLst>
-                                            <p:cond delay="0"/>
-                                          </p:stCondLst>
-                                        </p:cTn>
-                                        <p:tgtEl>
-                                          <p:spTgt spid="5">
-                                            <p:txEl>
-                                              <p:pRg st="1" end="1"/>
-                                            </p:txEl>
-                                          </p:spTgt>
-                                        </p:tgtEl>
-                                        <p:attrNameLst>
-                                          <p:attrName>style.visibility</p:attrName>
-                                        </p:attrNameLst>
-                                      </p:cBhvr>
-                                      <p:to>
-                                        <p:strVal val="visible"/>
-                                      </p:to>
-                                    </p:set>
-                                    <p:animEffect transition="in" filter="randombar(horizontal)">
-                                      <p:cBhvr>
-                                        <p:cTn id="17" dur="500"/>
-                                        <p:tgtEl>
-                                          <p:spTgt spid="5">
-                                            <p:txEl>
-                                              <p:pRg st="1" end="1"/>
-                                            </p:txEl>
-                                          </p:spTgt>
-                                        </p:tgtEl>
-                                      </p:cBhvr>
-                                    </p:animEffect>
-                                  </p:childTnLst>
-                                </p:cTn>
-                              </p:par>
-                            </p:childTnLst>
-                          </p:cTn>
-                        </p:par>
-                      </p:childTnLst>
-                    </p:cTn>
-                  </p:par>
-                  <p:par>
-                    <p:cTn id="18" fill="hold">
-                      <p:stCondLst>
-                        <p:cond delay="indefinite"/>
-                      </p:stCondLst>
-                      <p:childTnLst>
-                        <p:par>
-                          <p:cTn id="19" fill="hold">
-                            <p:stCondLst>
-                              <p:cond delay="0"/>
-                            </p:stCondLst>
-                            <p:childTnLst>
-                              <p:par>
-                                <p:cTn id="20" presetID="16" presetClass="entr" presetSubtype="21" fill="hold" nodeType="clickEffect">
-                                  <p:stCondLst>
-                                    <p:cond delay="0"/>
-                                  </p:stCondLst>
-                                  <p:childTnLst>
-                                    <p:set>
-                                      <p:cBhvr>
-                                        <p:cTn id="21" dur="1" fill="hold">
-                                          <p:stCondLst>
-                                            <p:cond delay="0"/>
-                                          </p:stCondLst>
-                                        </p:cTn>
-                                        <p:tgtEl>
-                                          <p:spTgt spid="5">
-                                            <p:txEl>
-                                              <p:pRg st="2" end="2"/>
-                                            </p:txEl>
-                                          </p:spTgt>
-                                        </p:tgtEl>
-                                        <p:attrNameLst>
-                                          <p:attrName>style.visibility</p:attrName>
-                                        </p:attrNameLst>
-                                      </p:cBhvr>
-                                      <p:to>
-                                        <p:strVal val="visible"/>
-                                      </p:to>
-                                    </p:set>
-                                    <p:animEffect transition="in" filter="barn(inVertical)">
-                                      <p:cBhvr>
-                                        <p:cTn id="22" dur="500"/>
-                                        <p:tgtEl>
-                                          <p:spTgt spid="5">
-                                            <p:txEl>
-                                              <p:pRg st="2" end="2"/>
-                                            </p:txEl>
-                                          </p:spTgt>
-                                        </p:tgtEl>
-                                      </p:cBhvr>
-                                    </p:animEffect>
-                                  </p:childTnLst>
-                                </p:cTn>
-                              </p:par>
-                            </p:childTnLst>
-                          </p:cTn>
-                        </p:par>
-                      </p:childTnLst>
-                    </p:cTn>
-                  </p:par>
-                  <p:par>
-                    <p:cTn id="23" fill="hold">
-                      <p:stCondLst>
-                        <p:cond delay="indefinite"/>
-                      </p:stCondLst>
-                      <p:childTnLst>
-                        <p:par>
-                          <p:cTn id="24" fill="hold">
-                            <p:stCondLst>
-                              <p:cond delay="0"/>
-                            </p:stCondLst>
-                            <p:childTnLst>
-                              <p:par>
-                                <p:cTn id="25" presetID="14" presetClass="entr" presetSubtype="10" fill="hold" nodeType="clickEffect">
-                                  <p:stCondLst>
-                                    <p:cond delay="0"/>
-                                  </p:stCondLst>
-                                  <p:childTnLst>
-                                    <p:set>
-                                      <p:cBhvr>
-                                        <p:cTn id="26" dur="1" fill="hold">
-                                          <p:stCondLst>
-                                            <p:cond delay="0"/>
-                                          </p:stCondLst>
-                                        </p:cTn>
-                                        <p:tgtEl>
-                                          <p:spTgt spid="5">
-                                            <p:txEl>
-                                              <p:pRg st="3" end="3"/>
-                                            </p:txEl>
-                                          </p:spTgt>
-                                        </p:tgtEl>
-                                        <p:attrNameLst>
-                                          <p:attrName>style.visibility</p:attrName>
-                                        </p:attrNameLst>
-                                      </p:cBhvr>
-                                      <p:to>
-                                        <p:strVal val="visible"/>
-                                      </p:to>
-                                    </p:set>
-                                    <p:animEffect transition="in" filter="randombar(horizontal)">
-                                      <p:cBhvr>
-                                        <p:cTn id="27" dur="500"/>
-                                        <p:tgtEl>
-                                          <p:spTgt spid="5">
-                                            <p:txEl>
-                                              <p:pRg st="3" end="3"/>
-                                            </p:txEl>
-                                          </p:spTgt>
-                                        </p:tgtEl>
-                                      </p:cBhvr>
-                                    </p:animEffect>
-                                  </p:childTnLst>
-                                </p:cTn>
-                              </p:par>
-                            </p:childTnLst>
-                          </p:cTn>
-                        </p:par>
-                      </p:childTnLst>
-                    </p:cTn>
-                  </p:par>
-                  <p:par>
-                    <p:cTn id="28" fill="hold">
-                      <p:stCondLst>
-                        <p:cond delay="indefinite"/>
-                      </p:stCondLst>
-                      <p:childTnLst>
-                        <p:par>
-                          <p:cTn id="29" fill="hold">
-                            <p:stCondLst>
-                              <p:cond delay="0"/>
-                            </p:stCondLst>
-                            <p:childTnLst>
-                              <p:par>
-                                <p:cTn id="30" presetID="14" presetClass="entr" presetSubtype="10" fill="hold" nodeType="clickEffect">
-                                  <p:stCondLst>
-                                    <p:cond delay="0"/>
-                                  </p:stCondLst>
-                                  <p:childTnLst>
-                                    <p:set>
-                                      <p:cBhvr>
-                                        <p:cTn id="31" dur="1" fill="hold">
-                                          <p:stCondLst>
-                                            <p:cond delay="0"/>
-                                          </p:stCondLst>
-                                        </p:cTn>
-                                        <p:tgtEl>
-                                          <p:spTgt spid="5">
-                                            <p:txEl>
-                                              <p:pRg st="4" end="4"/>
-                                            </p:txEl>
-                                          </p:spTgt>
-                                        </p:tgtEl>
-                                        <p:attrNameLst>
-                                          <p:attrName>style.visibility</p:attrName>
-                                        </p:attrNameLst>
-                                      </p:cBhvr>
-                                      <p:to>
-                                        <p:strVal val="visible"/>
-                                      </p:to>
-                                    </p:set>
-                                    <p:animEffect transition="in" filter="randombar(horizontal)">
-                                      <p:cBhvr>
-                                        <p:cTn id="32" dur="500"/>
-                                        <p:tgtEl>
-                                          <p:spTgt spid="5">
-                                            <p:txEl>
-                                              <p:pRg st="4" end="4"/>
-                                            </p:txEl>
-                                          </p:spTgt>
-                                        </p:tgtEl>
-                                      </p:cBhvr>
-                                    </p:animEffect>
-                                  </p:childTnLst>
-                                </p:cTn>
-                              </p:par>
-                            </p:childTnLst>
-                          </p:cTn>
-                        </p:par>
-                      </p:childTnLst>
-                    </p:cTn>
-                  </p:par>
-                  <p:par>
-                    <p:cTn id="33" fill="hold">
-                      <p:stCondLst>
-                        <p:cond delay="indefinite"/>
-                      </p:stCondLst>
-                      <p:childTnLst>
-                        <p:par>
-                          <p:cTn id="34" fill="hold">
-                            <p:stCondLst>
-                              <p:cond delay="0"/>
-                            </p:stCondLst>
-                            <p:childTnLst>
-                              <p:par>
-                                <p:cTn id="35" presetID="14" presetClass="entr" presetSubtype="10" fill="hold" nodeType="clickEffect">
-                                  <p:stCondLst>
-                                    <p:cond delay="0"/>
-                                  </p:stCondLst>
-                                  <p:childTnLst>
-                                    <p:set>
-                                      <p:cBhvr>
-                                        <p:cTn id="36" dur="1" fill="hold">
-                                          <p:stCondLst>
-                                            <p:cond delay="0"/>
-                                          </p:stCondLst>
-                                        </p:cTn>
-                                        <p:tgtEl>
-                                          <p:spTgt spid="5">
-                                            <p:txEl>
-                                              <p:pRg st="5" end="5"/>
-                                            </p:txEl>
-                                          </p:spTgt>
-                                        </p:tgtEl>
-                                        <p:attrNameLst>
-                                          <p:attrName>style.visibility</p:attrName>
-                                        </p:attrNameLst>
-                                      </p:cBhvr>
-                                      <p:to>
-                                        <p:strVal val="visible"/>
-                                      </p:to>
-                                    </p:set>
-                                    <p:animEffect transition="in" filter="randombar(horizontal)">
-                                      <p:cBhvr>
-                                        <p:cTn id="37" dur="500"/>
-                                        <p:tgtEl>
-                                          <p:spTgt spid="5">
-                                            <p:txEl>
-                                              <p:pRg st="5" end="5"/>
-                                            </p:txEl>
-                                          </p:spTgt>
-                                        </p:tgtEl>
-                                      </p:cBhvr>
-                                    </p:animEffect>
-                                  </p:childTnLst>
-                                </p:cTn>
-                              </p:par>
-                            </p:childTnLst>
-                          </p:cTn>
-                        </p:par>
-                      </p:childTnLst>
-                    </p:cTn>
-                  </p:par>
-                  <p:par>
-                    <p:cTn id="38" fill="hold">
-                      <p:stCondLst>
-                        <p:cond delay="indefinite"/>
-                      </p:stCondLst>
-                      <p:childTnLst>
-                        <p:par>
-                          <p:cTn id="39" fill="hold">
-                            <p:stCondLst>
-                              <p:cond delay="0"/>
-                            </p:stCondLst>
-                            <p:childTnLst>
-                              <p:par>
-                                <p:cTn id="40" presetID="16" presetClass="entr" presetSubtype="21" fill="hold" nodeType="clickEffect">
-                                  <p:stCondLst>
-                                    <p:cond delay="0"/>
-                                  </p:stCondLst>
-                                  <p:childTnLst>
-                                    <p:set>
-                                      <p:cBhvr>
-                                        <p:cTn id="41" dur="1" fill="hold">
-                                          <p:stCondLst>
-                                            <p:cond delay="0"/>
-                                          </p:stCondLst>
-                                        </p:cTn>
-                                        <p:tgtEl>
-                                          <p:spTgt spid="5">
-                                            <p:txEl>
-                                              <p:pRg st="6" end="6"/>
-                                            </p:txEl>
-                                          </p:spTgt>
-                                        </p:tgtEl>
-                                        <p:attrNameLst>
-                                          <p:attrName>style.visibility</p:attrName>
-                                        </p:attrNameLst>
-                                      </p:cBhvr>
-                                      <p:to>
-                                        <p:strVal val="visible"/>
-                                      </p:to>
-                                    </p:set>
-                                    <p:animEffect transition="in" filter="barn(inVertical)">
-                                      <p:cBhvr>
-                                        <p:cTn id="42" dur="500"/>
-                                        <p:tgtEl>
-                                          <p:spTgt spid="5">
-                                            <p:txEl>
-                                              <p:pRg st="6" end="6"/>
-                                            </p:txEl>
-                                          </p:spTgt>
                                         </p:tgtEl>
                                       </p:cBhvr>
                                     </p:animEffect>
@@ -31896,6 +32435,2638 @@
             <a:fld id="{00000000-1234-1234-1234-123412341234}" type="slidenum">
               <a:rPr lang="en" smtClean="0"/>
               <a:t>6</a:t>
+            </a:fld>
+            <a:endParaRPr lang="en"/>
+          </a:p>
+        </p:txBody>
+      </p:sp>
+      <p:sp>
+        <p:nvSpPr>
+          <p:cNvPr id="5" name="Google Shape;70;p12"/>
+          <p:cNvSpPr txBox="1">
+            <a:spLocks/>
+          </p:cNvSpPr>
+          <p:nvPr/>
+        </p:nvSpPr>
+        <p:spPr>
+          <a:xfrm>
+            <a:off x="457200" y="198009"/>
+            <a:ext cx="4191002" cy="487791"/>
+          </a:xfrm>
+          <a:prstGeom prst="rect">
+            <a:avLst/>
+          </a:prstGeom>
+          <a:noFill/>
+          <a:ln>
+            <a:noFill/>
+          </a:ln>
+        </p:spPr>
+        <p:txBody>
+          <a:bodyPr spcFirstLastPara="1" wrap="square" lIns="91425" tIns="91425" rIns="91425" bIns="91425" anchor="ctr" anchorCtr="0">
+            <a:noAutofit/>
+          </a:bodyPr>
+          <a:lstStyle>
+            <a:defPPr marR="0" lvl="0" algn="l" rtl="0">
+              <a:lnSpc>
+                <a:spcPct val="100000"/>
+              </a:lnSpc>
+              <a:spcBef>
+                <a:spcPts val="0"/>
+              </a:spcBef>
+              <a:spcAft>
+                <a:spcPts val="0"/>
+              </a:spcAft>
+            </a:defPPr>
+            <a:lvl1pPr marR="0" lvl="0" algn="l" rtl="0">
+              <a:lnSpc>
+                <a:spcPct val="100000"/>
+              </a:lnSpc>
+              <a:spcBef>
+                <a:spcPts val="0"/>
+              </a:spcBef>
+              <a:spcAft>
+                <a:spcPts val="0"/>
+              </a:spcAft>
+              <a:buClr>
+                <a:schemeClr val="accent1"/>
+              </a:buClr>
+              <a:buSzPts val="4400"/>
+              <a:buFont typeface="Roboto Slab"/>
+              <a:buNone/>
+              <a:defRPr sz="4400" b="1" i="0" u="none" strike="noStrike" cap="none">
+                <a:solidFill>
+                  <a:schemeClr val="accent1"/>
+                </a:solidFill>
+                <a:latin typeface="Roboto Slab"/>
+                <a:ea typeface="Roboto Slab"/>
+                <a:cs typeface="Roboto Slab"/>
+                <a:sym typeface="Roboto Slab"/>
+              </a:defRPr>
+            </a:lvl1pPr>
+            <a:lvl2pPr marR="0" lvl="1" algn="l" rtl="0">
+              <a:lnSpc>
+                <a:spcPct val="100000"/>
+              </a:lnSpc>
+              <a:spcBef>
+                <a:spcPts val="0"/>
+              </a:spcBef>
+              <a:spcAft>
+                <a:spcPts val="0"/>
+              </a:spcAft>
+              <a:buClr>
+                <a:schemeClr val="accent1"/>
+              </a:buClr>
+              <a:buSzPts val="4400"/>
+              <a:buFont typeface="Roboto Slab"/>
+              <a:buNone/>
+              <a:defRPr sz="4400" b="1" i="0" u="none" strike="noStrike" cap="none">
+                <a:solidFill>
+                  <a:schemeClr val="accent1"/>
+                </a:solidFill>
+                <a:latin typeface="Roboto Slab"/>
+                <a:ea typeface="Roboto Slab"/>
+                <a:cs typeface="Roboto Slab"/>
+                <a:sym typeface="Roboto Slab"/>
+              </a:defRPr>
+            </a:lvl2pPr>
+            <a:lvl3pPr marR="0" lvl="2" algn="l" rtl="0">
+              <a:lnSpc>
+                <a:spcPct val="100000"/>
+              </a:lnSpc>
+              <a:spcBef>
+                <a:spcPts val="0"/>
+              </a:spcBef>
+              <a:spcAft>
+                <a:spcPts val="0"/>
+              </a:spcAft>
+              <a:buClr>
+                <a:schemeClr val="accent1"/>
+              </a:buClr>
+              <a:buSzPts val="4400"/>
+              <a:buFont typeface="Roboto Slab"/>
+              <a:buNone/>
+              <a:defRPr sz="4400" b="1" i="0" u="none" strike="noStrike" cap="none">
+                <a:solidFill>
+                  <a:schemeClr val="accent1"/>
+                </a:solidFill>
+                <a:latin typeface="Roboto Slab"/>
+                <a:ea typeface="Roboto Slab"/>
+                <a:cs typeface="Roboto Slab"/>
+                <a:sym typeface="Roboto Slab"/>
+              </a:defRPr>
+            </a:lvl3pPr>
+            <a:lvl4pPr marR="0" lvl="3" algn="l" rtl="0">
+              <a:lnSpc>
+                <a:spcPct val="100000"/>
+              </a:lnSpc>
+              <a:spcBef>
+                <a:spcPts val="0"/>
+              </a:spcBef>
+              <a:spcAft>
+                <a:spcPts val="0"/>
+              </a:spcAft>
+              <a:buClr>
+                <a:schemeClr val="accent1"/>
+              </a:buClr>
+              <a:buSzPts val="4400"/>
+              <a:buFont typeface="Roboto Slab"/>
+              <a:buNone/>
+              <a:defRPr sz="4400" b="1" i="0" u="none" strike="noStrike" cap="none">
+                <a:solidFill>
+                  <a:schemeClr val="accent1"/>
+                </a:solidFill>
+                <a:latin typeface="Roboto Slab"/>
+                <a:ea typeface="Roboto Slab"/>
+                <a:cs typeface="Roboto Slab"/>
+                <a:sym typeface="Roboto Slab"/>
+              </a:defRPr>
+            </a:lvl4pPr>
+            <a:lvl5pPr marR="0" lvl="4" algn="l" rtl="0">
+              <a:lnSpc>
+                <a:spcPct val="100000"/>
+              </a:lnSpc>
+              <a:spcBef>
+                <a:spcPts val="0"/>
+              </a:spcBef>
+              <a:spcAft>
+                <a:spcPts val="0"/>
+              </a:spcAft>
+              <a:buClr>
+                <a:schemeClr val="accent1"/>
+              </a:buClr>
+              <a:buSzPts val="4400"/>
+              <a:buFont typeface="Roboto Slab"/>
+              <a:buNone/>
+              <a:defRPr sz="4400" b="1" i="0" u="none" strike="noStrike" cap="none">
+                <a:solidFill>
+                  <a:schemeClr val="accent1"/>
+                </a:solidFill>
+                <a:latin typeface="Roboto Slab"/>
+                <a:ea typeface="Roboto Slab"/>
+                <a:cs typeface="Roboto Slab"/>
+                <a:sym typeface="Roboto Slab"/>
+              </a:defRPr>
+            </a:lvl5pPr>
+            <a:lvl6pPr marR="0" lvl="5" algn="l" rtl="0">
+              <a:lnSpc>
+                <a:spcPct val="100000"/>
+              </a:lnSpc>
+              <a:spcBef>
+                <a:spcPts val="0"/>
+              </a:spcBef>
+              <a:spcAft>
+                <a:spcPts val="0"/>
+              </a:spcAft>
+              <a:buClr>
+                <a:schemeClr val="accent1"/>
+              </a:buClr>
+              <a:buSzPts val="4400"/>
+              <a:buFont typeface="Roboto Slab"/>
+              <a:buNone/>
+              <a:defRPr sz="4400" b="1" i="0" u="none" strike="noStrike" cap="none">
+                <a:solidFill>
+                  <a:schemeClr val="accent1"/>
+                </a:solidFill>
+                <a:latin typeface="Roboto Slab"/>
+                <a:ea typeface="Roboto Slab"/>
+                <a:cs typeface="Roboto Slab"/>
+                <a:sym typeface="Roboto Slab"/>
+              </a:defRPr>
+            </a:lvl6pPr>
+            <a:lvl7pPr marR="0" lvl="6" algn="l" rtl="0">
+              <a:lnSpc>
+                <a:spcPct val="100000"/>
+              </a:lnSpc>
+              <a:spcBef>
+                <a:spcPts val="0"/>
+              </a:spcBef>
+              <a:spcAft>
+                <a:spcPts val="0"/>
+              </a:spcAft>
+              <a:buClr>
+                <a:schemeClr val="accent1"/>
+              </a:buClr>
+              <a:buSzPts val="4400"/>
+              <a:buFont typeface="Roboto Slab"/>
+              <a:buNone/>
+              <a:defRPr sz="4400" b="1" i="0" u="none" strike="noStrike" cap="none">
+                <a:solidFill>
+                  <a:schemeClr val="accent1"/>
+                </a:solidFill>
+                <a:latin typeface="Roboto Slab"/>
+                <a:ea typeface="Roboto Slab"/>
+                <a:cs typeface="Roboto Slab"/>
+                <a:sym typeface="Roboto Slab"/>
+              </a:defRPr>
+            </a:lvl7pPr>
+            <a:lvl8pPr marR="0" lvl="7" algn="l" rtl="0">
+              <a:lnSpc>
+                <a:spcPct val="100000"/>
+              </a:lnSpc>
+              <a:spcBef>
+                <a:spcPts val="0"/>
+              </a:spcBef>
+              <a:spcAft>
+                <a:spcPts val="0"/>
+              </a:spcAft>
+              <a:buClr>
+                <a:schemeClr val="accent1"/>
+              </a:buClr>
+              <a:buSzPts val="4400"/>
+              <a:buFont typeface="Roboto Slab"/>
+              <a:buNone/>
+              <a:defRPr sz="4400" b="1" i="0" u="none" strike="noStrike" cap="none">
+                <a:solidFill>
+                  <a:schemeClr val="accent1"/>
+                </a:solidFill>
+                <a:latin typeface="Roboto Slab"/>
+                <a:ea typeface="Roboto Slab"/>
+                <a:cs typeface="Roboto Slab"/>
+                <a:sym typeface="Roboto Slab"/>
+              </a:defRPr>
+            </a:lvl8pPr>
+            <a:lvl9pPr marR="0" lvl="8" algn="l" rtl="0">
+              <a:lnSpc>
+                <a:spcPct val="100000"/>
+              </a:lnSpc>
+              <a:spcBef>
+                <a:spcPts val="0"/>
+              </a:spcBef>
+              <a:spcAft>
+                <a:spcPts val="0"/>
+              </a:spcAft>
+              <a:buClr>
+                <a:schemeClr val="accent1"/>
+              </a:buClr>
+              <a:buSzPts val="4400"/>
+              <a:buFont typeface="Roboto Slab"/>
+              <a:buNone/>
+              <a:defRPr sz="4400" b="1" i="0" u="none" strike="noStrike" cap="none">
+                <a:solidFill>
+                  <a:schemeClr val="accent1"/>
+                </a:solidFill>
+                <a:latin typeface="Roboto Slab"/>
+                <a:ea typeface="Roboto Slab"/>
+                <a:cs typeface="Roboto Slab"/>
+                <a:sym typeface="Roboto Slab"/>
+              </a:defRPr>
+            </a:lvl9pPr>
+          </a:lstStyle>
+          <a:p>
+            <a:r>
+              <a:rPr lang="en-US" sz="1800" dirty="0" smtClean="0"/>
+              <a:t>1.4. </a:t>
+            </a:r>
+            <a:r>
+              <a:rPr lang="en-US" sz="1800" dirty="0" err="1" smtClean="0"/>
+              <a:t>Quy</a:t>
+            </a:r>
+            <a:r>
+              <a:rPr lang="en-US" sz="1800" dirty="0" smtClean="0"/>
+              <a:t> </a:t>
+            </a:r>
+            <a:r>
+              <a:rPr lang="en-US" sz="1800" dirty="0" err="1" smtClean="0"/>
+              <a:t>trình</a:t>
+            </a:r>
+            <a:r>
+              <a:rPr lang="en-US" sz="1800" dirty="0" smtClean="0"/>
+              <a:t> </a:t>
+            </a:r>
+            <a:r>
+              <a:rPr lang="en-US" sz="1800" dirty="0" err="1" smtClean="0"/>
+              <a:t>hoạt</a:t>
+            </a:r>
+            <a:r>
+              <a:rPr lang="en-US" sz="1800" dirty="0" smtClean="0"/>
+              <a:t> </a:t>
+            </a:r>
+            <a:r>
+              <a:rPr lang="en-US" sz="1800" dirty="0" err="1" smtClean="0"/>
+              <a:t>động</a:t>
+            </a:r>
+            <a:r>
+              <a:rPr lang="en-US" sz="1800" dirty="0" smtClean="0"/>
+              <a:t> website</a:t>
+            </a:r>
+            <a:endParaRPr lang="vi-VN" sz="1800" dirty="0"/>
+          </a:p>
+        </p:txBody>
+      </p:sp>
+      <p:sp>
+        <p:nvSpPr>
+          <p:cNvPr id="8" name="Rectangle 7"/>
+          <p:cNvSpPr/>
+          <p:nvPr/>
+        </p:nvSpPr>
+        <p:spPr>
+          <a:xfrm>
+            <a:off x="1156854" y="2139392"/>
+            <a:ext cx="997527" cy="748145"/>
+          </a:xfrm>
+          <a:prstGeom prst="rect">
+            <a:avLst/>
+          </a:prstGeom>
+        </p:spPr>
+        <p:style>
+          <a:lnRef idx="2">
+            <a:schemeClr val="dk1"/>
+          </a:lnRef>
+          <a:fillRef idx="1">
+            <a:schemeClr val="lt1"/>
+          </a:fillRef>
+          <a:effectRef idx="0">
+            <a:schemeClr val="dk1"/>
+          </a:effectRef>
+          <a:fontRef idx="minor">
+            <a:schemeClr val="dk1"/>
+          </a:fontRef>
+        </p:style>
+        <p:txBody>
+          <a:bodyPr rtlCol="0" anchor="ctr"/>
+          <a:lstStyle/>
+          <a:p>
+            <a:pPr algn="ctr"/>
+            <a:r>
+              <a:rPr lang="en-US" dirty="0" smtClean="0"/>
+              <a:t>1</a:t>
+            </a:r>
+            <a:endParaRPr lang="en-US" dirty="0"/>
+          </a:p>
+        </p:txBody>
+      </p:sp>
+      <p:sp>
+        <p:nvSpPr>
+          <p:cNvPr id="9" name="Rectangle 8"/>
+          <p:cNvSpPr/>
+          <p:nvPr/>
+        </p:nvSpPr>
+        <p:spPr>
+          <a:xfrm>
+            <a:off x="2829790" y="2139393"/>
+            <a:ext cx="997527" cy="748144"/>
+          </a:xfrm>
+          <a:prstGeom prst="rect">
+            <a:avLst/>
+          </a:prstGeom>
+        </p:spPr>
+        <p:style>
+          <a:lnRef idx="2">
+            <a:schemeClr val="dk1"/>
+          </a:lnRef>
+          <a:fillRef idx="1">
+            <a:schemeClr val="lt1"/>
+          </a:fillRef>
+          <a:effectRef idx="0">
+            <a:schemeClr val="dk1"/>
+          </a:effectRef>
+          <a:fontRef idx="minor">
+            <a:schemeClr val="dk1"/>
+          </a:fontRef>
+        </p:style>
+        <p:txBody>
+          <a:bodyPr rtlCol="0" anchor="ctr"/>
+          <a:lstStyle/>
+          <a:p>
+            <a:pPr algn="ctr"/>
+            <a:r>
+              <a:rPr lang="en-US" dirty="0" smtClean="0"/>
+              <a:t>2</a:t>
+            </a:r>
+            <a:endParaRPr lang="en-US" dirty="0"/>
+          </a:p>
+        </p:txBody>
+      </p:sp>
+      <p:sp>
+        <p:nvSpPr>
+          <p:cNvPr id="10" name="Rectangle 9"/>
+          <p:cNvSpPr/>
+          <p:nvPr/>
+        </p:nvSpPr>
+        <p:spPr>
+          <a:xfrm>
+            <a:off x="4648202" y="2139392"/>
+            <a:ext cx="997527" cy="748145"/>
+          </a:xfrm>
+          <a:prstGeom prst="rect">
+            <a:avLst/>
+          </a:prstGeom>
+        </p:spPr>
+        <p:style>
+          <a:lnRef idx="2">
+            <a:schemeClr val="dk1"/>
+          </a:lnRef>
+          <a:fillRef idx="1">
+            <a:schemeClr val="lt1"/>
+          </a:fillRef>
+          <a:effectRef idx="0">
+            <a:schemeClr val="dk1"/>
+          </a:effectRef>
+          <a:fontRef idx="minor">
+            <a:schemeClr val="dk1"/>
+          </a:fontRef>
+        </p:style>
+        <p:txBody>
+          <a:bodyPr rtlCol="0" anchor="ctr"/>
+          <a:lstStyle/>
+          <a:p>
+            <a:pPr algn="ctr"/>
+            <a:r>
+              <a:rPr lang="en-US" dirty="0" smtClean="0"/>
+              <a:t>3</a:t>
+            </a:r>
+            <a:endParaRPr lang="en-US" dirty="0"/>
+          </a:p>
+        </p:txBody>
+      </p:sp>
+      <p:sp>
+        <p:nvSpPr>
+          <p:cNvPr id="11" name="TextBox 10"/>
+          <p:cNvSpPr txBox="1"/>
+          <p:nvPr/>
+        </p:nvSpPr>
+        <p:spPr>
+          <a:xfrm>
+            <a:off x="55418" y="617352"/>
+            <a:ext cx="914400" cy="738664"/>
+          </a:xfrm>
+          <a:prstGeom prst="rect">
+            <a:avLst/>
+          </a:prstGeom>
+          <a:noFill/>
+        </p:spPr>
+        <p:txBody>
+          <a:bodyPr wrap="square" rtlCol="0">
+            <a:spAutoFit/>
+          </a:bodyPr>
+          <a:lstStyle/>
+          <a:p>
+            <a:r>
+              <a:rPr lang="en-US" dirty="0" err="1" smtClean="0"/>
+              <a:t>Thêm</a:t>
+            </a:r>
+            <a:r>
+              <a:rPr lang="en-US" dirty="0" smtClean="0"/>
+              <a:t> </a:t>
+            </a:r>
+            <a:r>
+              <a:rPr lang="en-US" dirty="0" err="1" smtClean="0"/>
+              <a:t>sản</a:t>
+            </a:r>
+            <a:r>
+              <a:rPr lang="en-US" dirty="0" smtClean="0"/>
+              <a:t> </a:t>
+            </a:r>
+            <a:r>
+              <a:rPr lang="en-US" dirty="0" err="1" smtClean="0"/>
+              <a:t>phẩm</a:t>
+            </a:r>
+            <a:endParaRPr lang="en-US" dirty="0"/>
+          </a:p>
+        </p:txBody>
+      </p:sp>
+      <p:sp>
+        <p:nvSpPr>
+          <p:cNvPr id="14" name="TextBox 13"/>
+          <p:cNvSpPr txBox="1"/>
+          <p:nvPr/>
+        </p:nvSpPr>
+        <p:spPr>
+          <a:xfrm>
+            <a:off x="762000" y="3490441"/>
+            <a:ext cx="2008909" cy="1384995"/>
+          </a:xfrm>
+          <a:prstGeom prst="rect">
+            <a:avLst/>
+          </a:prstGeom>
+          <a:noFill/>
+        </p:spPr>
+        <p:txBody>
+          <a:bodyPr wrap="square" rtlCol="0">
+            <a:spAutoFit/>
+          </a:bodyPr>
+          <a:lstStyle/>
+          <a:p>
+            <a:r>
+              <a:rPr lang="en-US" dirty="0" err="1" smtClean="0"/>
+              <a:t>Lựa</a:t>
+            </a:r>
+            <a:r>
+              <a:rPr lang="en-US" dirty="0" smtClean="0"/>
+              <a:t> </a:t>
+            </a:r>
+            <a:r>
+              <a:rPr lang="en-US" dirty="0" err="1" smtClean="0"/>
+              <a:t>chọn</a:t>
+            </a:r>
+            <a:r>
+              <a:rPr lang="en-US" dirty="0" smtClean="0"/>
+              <a:t> </a:t>
+            </a:r>
+            <a:r>
+              <a:rPr lang="en-US" dirty="0" err="1" smtClean="0"/>
+              <a:t>màu</a:t>
+            </a:r>
+            <a:r>
+              <a:rPr lang="en-US" dirty="0" smtClean="0"/>
+              <a:t>, size </a:t>
+            </a:r>
+            <a:r>
+              <a:rPr lang="en-US" dirty="0" err="1" smtClean="0"/>
+              <a:t>để</a:t>
+            </a:r>
+            <a:r>
+              <a:rPr lang="en-US" dirty="0" smtClean="0"/>
+              <a:t> </a:t>
+            </a:r>
+            <a:r>
+              <a:rPr lang="en-US" dirty="0" err="1" smtClean="0"/>
+              <a:t>thêm</a:t>
+            </a:r>
+            <a:r>
+              <a:rPr lang="en-US" dirty="0" smtClean="0"/>
+              <a:t> </a:t>
+            </a:r>
+            <a:r>
+              <a:rPr lang="en-US" dirty="0" err="1" smtClean="0"/>
+              <a:t>các</a:t>
+            </a:r>
+            <a:r>
+              <a:rPr lang="en-US" dirty="0" smtClean="0"/>
+              <a:t> </a:t>
+            </a:r>
+            <a:r>
+              <a:rPr lang="en-US" dirty="0" err="1" smtClean="0"/>
+              <a:t>biến</a:t>
+            </a:r>
+            <a:r>
+              <a:rPr lang="en-US" dirty="0" smtClean="0"/>
+              <a:t> </a:t>
+            </a:r>
+            <a:r>
+              <a:rPr lang="en-US" dirty="0" err="1" smtClean="0"/>
+              <a:t>thể</a:t>
+            </a:r>
+            <a:r>
+              <a:rPr lang="en-US" dirty="0" smtClean="0"/>
+              <a:t> </a:t>
+            </a:r>
+            <a:r>
+              <a:rPr lang="en-US" dirty="0" err="1" smtClean="0"/>
+              <a:t>sản</a:t>
+            </a:r>
+            <a:r>
+              <a:rPr lang="en-US" dirty="0" smtClean="0"/>
+              <a:t> </a:t>
+            </a:r>
+            <a:r>
+              <a:rPr lang="en-US" dirty="0" err="1" smtClean="0"/>
+              <a:t>phẩm</a:t>
+            </a:r>
+            <a:r>
+              <a:rPr lang="en-US" dirty="0" smtClean="0"/>
+              <a:t> </a:t>
+            </a:r>
+            <a:r>
+              <a:rPr lang="en-US" dirty="0" err="1" smtClean="0"/>
+              <a:t>nào</a:t>
+            </a:r>
+            <a:r>
+              <a:rPr lang="en-US" dirty="0" smtClean="0"/>
+              <a:t> </a:t>
+            </a:r>
+            <a:r>
+              <a:rPr lang="en-US" dirty="0" err="1" smtClean="0"/>
+              <a:t>đó</a:t>
+            </a:r>
+            <a:r>
+              <a:rPr lang="en-US" dirty="0" smtClean="0"/>
+              <a:t> (</a:t>
+            </a:r>
+            <a:r>
+              <a:rPr lang="en-US" dirty="0" err="1" smtClean="0"/>
+              <a:t>Tuy</a:t>
+            </a:r>
+            <a:r>
+              <a:rPr lang="en-US" dirty="0" smtClean="0"/>
+              <a:t> </a:t>
+            </a:r>
+            <a:r>
+              <a:rPr lang="en-US" dirty="0" err="1" smtClean="0"/>
+              <a:t>nhiên</a:t>
+            </a:r>
+            <a:r>
+              <a:rPr lang="en-US" dirty="0" smtClean="0"/>
+              <a:t> </a:t>
+            </a:r>
+            <a:r>
+              <a:rPr lang="en-US" dirty="0" err="1" smtClean="0"/>
+              <a:t>sau</a:t>
+            </a:r>
+            <a:r>
+              <a:rPr lang="en-US" dirty="0" smtClean="0"/>
+              <a:t> </a:t>
+            </a:r>
+            <a:r>
+              <a:rPr lang="en-US" dirty="0" err="1" smtClean="0"/>
+              <a:t>khi</a:t>
+            </a:r>
+            <a:r>
+              <a:rPr lang="en-US" dirty="0" smtClean="0"/>
+              <a:t> </a:t>
+            </a:r>
+            <a:r>
+              <a:rPr lang="en-US" dirty="0" err="1" smtClean="0"/>
+              <a:t>thêm</a:t>
+            </a:r>
+            <a:r>
+              <a:rPr lang="en-US" dirty="0" smtClean="0"/>
+              <a:t> </a:t>
+            </a:r>
+            <a:r>
+              <a:rPr lang="en-US" dirty="0" err="1" smtClean="0"/>
+              <a:t>số</a:t>
+            </a:r>
+            <a:r>
+              <a:rPr lang="en-US" dirty="0" smtClean="0"/>
+              <a:t> </a:t>
+            </a:r>
+            <a:r>
+              <a:rPr lang="en-US" dirty="0" err="1" smtClean="0"/>
+              <a:t>lượng</a:t>
+            </a:r>
+            <a:r>
+              <a:rPr lang="en-US" dirty="0" smtClean="0"/>
+              <a:t> </a:t>
+            </a:r>
+            <a:r>
+              <a:rPr lang="en-US" dirty="0" err="1" smtClean="0"/>
+              <a:t>tồn</a:t>
+            </a:r>
+            <a:r>
+              <a:rPr lang="en-US" dirty="0" smtClean="0"/>
+              <a:t> </a:t>
+            </a:r>
+            <a:r>
+              <a:rPr lang="en-US" dirty="0" err="1" smtClean="0"/>
+              <a:t>mỗi</a:t>
+            </a:r>
+            <a:r>
+              <a:rPr lang="en-US" dirty="0" smtClean="0"/>
+              <a:t> </a:t>
+            </a:r>
+            <a:r>
+              <a:rPr lang="en-US" dirty="0" err="1" smtClean="0"/>
+              <a:t>biến</a:t>
+            </a:r>
+            <a:r>
+              <a:rPr lang="en-US" dirty="0" smtClean="0"/>
+              <a:t> </a:t>
+            </a:r>
+            <a:r>
+              <a:rPr lang="en-US" dirty="0" err="1" smtClean="0"/>
+              <a:t>thể</a:t>
+            </a:r>
+            <a:r>
+              <a:rPr lang="en-US" dirty="0" smtClean="0"/>
+              <a:t> </a:t>
+            </a:r>
+            <a:r>
+              <a:rPr lang="en-US" dirty="0" err="1" smtClean="0"/>
+              <a:t>đó</a:t>
+            </a:r>
+            <a:r>
+              <a:rPr lang="en-US" dirty="0" smtClean="0"/>
+              <a:t> </a:t>
+            </a:r>
+            <a:r>
+              <a:rPr lang="en-US" dirty="0" err="1" smtClean="0"/>
+              <a:t>bằng</a:t>
+            </a:r>
+            <a:r>
+              <a:rPr lang="en-US" dirty="0" smtClean="0"/>
+              <a:t> 0)</a:t>
+            </a:r>
+            <a:endParaRPr lang="en-US" dirty="0"/>
+          </a:p>
+        </p:txBody>
+      </p:sp>
+      <p:cxnSp>
+        <p:nvCxnSpPr>
+          <p:cNvPr id="16" name="Straight Arrow Connector 15"/>
+          <p:cNvCxnSpPr/>
+          <p:nvPr/>
+        </p:nvCxnSpPr>
+        <p:spPr>
+          <a:xfrm>
+            <a:off x="671945" y="1413161"/>
+            <a:ext cx="574964" cy="678875"/>
+          </a:xfrm>
+          <a:prstGeom prst="straightConnector1">
+            <a:avLst/>
+          </a:prstGeom>
+          <a:ln>
+            <a:tailEnd type="triangle"/>
+          </a:ln>
+        </p:spPr>
+        <p:style>
+          <a:lnRef idx="1">
+            <a:schemeClr val="accent1"/>
+          </a:lnRef>
+          <a:fillRef idx="0">
+            <a:schemeClr val="accent1"/>
+          </a:fillRef>
+          <a:effectRef idx="0">
+            <a:schemeClr val="accent1"/>
+          </a:effectRef>
+          <a:fontRef idx="minor">
+            <a:schemeClr val="tx1"/>
+          </a:fontRef>
+        </p:style>
+      </p:cxnSp>
+      <p:cxnSp>
+        <p:nvCxnSpPr>
+          <p:cNvPr id="18" name="Straight Arrow Connector 17"/>
+          <p:cNvCxnSpPr/>
+          <p:nvPr/>
+        </p:nvCxnSpPr>
+        <p:spPr>
+          <a:xfrm flipV="1">
+            <a:off x="2916382" y="2992582"/>
+            <a:ext cx="412171" cy="553046"/>
+          </a:xfrm>
+          <a:prstGeom prst="straightConnector1">
+            <a:avLst/>
+          </a:prstGeom>
+          <a:ln>
+            <a:tailEnd type="triangle"/>
+          </a:ln>
+        </p:spPr>
+        <p:style>
+          <a:lnRef idx="1">
+            <a:schemeClr val="accent1"/>
+          </a:lnRef>
+          <a:fillRef idx="0">
+            <a:schemeClr val="accent1"/>
+          </a:fillRef>
+          <a:effectRef idx="0">
+            <a:schemeClr val="accent1"/>
+          </a:effectRef>
+          <a:fontRef idx="minor">
+            <a:schemeClr val="tx1"/>
+          </a:fontRef>
+        </p:style>
+      </p:cxnSp>
+      <p:sp>
+        <p:nvSpPr>
+          <p:cNvPr id="21" name="TextBox 20"/>
+          <p:cNvSpPr txBox="1"/>
+          <p:nvPr/>
+        </p:nvSpPr>
+        <p:spPr>
+          <a:xfrm>
+            <a:off x="5451764" y="88613"/>
+            <a:ext cx="1932710" cy="1600438"/>
+          </a:xfrm>
+          <a:prstGeom prst="rect">
+            <a:avLst/>
+          </a:prstGeom>
+          <a:noFill/>
+        </p:spPr>
+        <p:txBody>
+          <a:bodyPr wrap="square" rtlCol="0">
+            <a:spAutoFit/>
+          </a:bodyPr>
+          <a:lstStyle/>
+          <a:p>
+            <a:r>
+              <a:rPr lang="en-US" dirty="0" err="1" smtClean="0"/>
+              <a:t>Tiến</a:t>
+            </a:r>
+            <a:r>
+              <a:rPr lang="en-US" dirty="0" smtClean="0"/>
+              <a:t> </a:t>
+            </a:r>
+            <a:r>
+              <a:rPr lang="en-US" dirty="0" err="1" smtClean="0"/>
+              <a:t>hành</a:t>
+            </a:r>
+            <a:r>
+              <a:rPr lang="en-US" dirty="0" smtClean="0"/>
+              <a:t> </a:t>
+            </a:r>
+            <a:r>
+              <a:rPr lang="en-US" dirty="0" err="1" smtClean="0"/>
+              <a:t>lựa</a:t>
+            </a:r>
+            <a:r>
+              <a:rPr lang="en-US" dirty="0" smtClean="0"/>
+              <a:t> </a:t>
+            </a:r>
+            <a:r>
+              <a:rPr lang="en-US" dirty="0" err="1" smtClean="0"/>
+              <a:t>chọn</a:t>
+            </a:r>
+            <a:r>
+              <a:rPr lang="en-US" dirty="0" smtClean="0"/>
+              <a:t> </a:t>
+            </a:r>
+            <a:r>
+              <a:rPr lang="en-US" dirty="0" err="1" smtClean="0"/>
+              <a:t>nhà</a:t>
+            </a:r>
+            <a:r>
+              <a:rPr lang="en-US" dirty="0" smtClean="0"/>
+              <a:t> </a:t>
+            </a:r>
+            <a:r>
+              <a:rPr lang="en-US" dirty="0" err="1" smtClean="0"/>
+              <a:t>cung</a:t>
+            </a:r>
+            <a:r>
+              <a:rPr lang="en-US" dirty="0" smtClean="0"/>
+              <a:t> </a:t>
+            </a:r>
+            <a:r>
+              <a:rPr lang="en-US" dirty="0" err="1" smtClean="0"/>
+              <a:t>cấp</a:t>
+            </a:r>
+            <a:r>
+              <a:rPr lang="en-US" dirty="0" smtClean="0"/>
+              <a:t>, </a:t>
+            </a:r>
+            <a:r>
+              <a:rPr lang="en-US" dirty="0" err="1" smtClean="0"/>
+              <a:t>có</a:t>
+            </a:r>
+            <a:r>
+              <a:rPr lang="en-US" dirty="0" smtClean="0"/>
+              <a:t> </a:t>
+            </a:r>
+            <a:r>
+              <a:rPr lang="en-US" dirty="0" err="1" smtClean="0"/>
+              <a:t>thể</a:t>
+            </a:r>
+            <a:r>
+              <a:rPr lang="en-US" dirty="0" smtClean="0"/>
+              <a:t> </a:t>
+            </a:r>
+            <a:r>
+              <a:rPr lang="en-US" dirty="0" err="1" smtClean="0"/>
+              <a:t>nhập</a:t>
+            </a:r>
+            <a:r>
+              <a:rPr lang="en-US" dirty="0" smtClean="0"/>
+              <a:t> </a:t>
+            </a:r>
+            <a:r>
+              <a:rPr lang="en-US" dirty="0" err="1" smtClean="0"/>
+              <a:t>một</a:t>
+            </a:r>
+            <a:r>
+              <a:rPr lang="en-US" dirty="0" smtClean="0"/>
+              <a:t> </a:t>
+            </a:r>
+            <a:r>
+              <a:rPr lang="en-US" dirty="0" err="1" smtClean="0"/>
+              <a:t>hoặc</a:t>
+            </a:r>
+            <a:r>
+              <a:rPr lang="en-US" dirty="0" smtClean="0"/>
+              <a:t> </a:t>
+            </a:r>
+            <a:r>
+              <a:rPr lang="en-US" dirty="0" err="1" smtClean="0"/>
+              <a:t>nhiều</a:t>
+            </a:r>
+            <a:r>
+              <a:rPr lang="en-US" dirty="0" smtClean="0"/>
+              <a:t> </a:t>
+            </a:r>
+            <a:r>
+              <a:rPr lang="en-US" dirty="0" err="1" smtClean="0"/>
+              <a:t>biến</a:t>
+            </a:r>
+            <a:r>
+              <a:rPr lang="en-US" dirty="0" smtClean="0"/>
+              <a:t> </a:t>
+            </a:r>
+            <a:r>
+              <a:rPr lang="en-US" dirty="0" err="1" smtClean="0"/>
+              <a:t>thể</a:t>
+            </a:r>
+            <a:r>
+              <a:rPr lang="en-US" dirty="0" smtClean="0"/>
+              <a:t> </a:t>
+            </a:r>
+            <a:r>
+              <a:rPr lang="en-US" dirty="0" err="1" smtClean="0"/>
+              <a:t>phù</a:t>
+            </a:r>
+            <a:r>
+              <a:rPr lang="en-US" dirty="0" smtClean="0"/>
+              <a:t> </a:t>
+            </a:r>
+            <a:r>
+              <a:rPr lang="en-US" dirty="0" err="1" smtClean="0"/>
+              <a:t>hợp</a:t>
+            </a:r>
+            <a:r>
+              <a:rPr lang="en-US" dirty="0" smtClean="0"/>
+              <a:t> </a:t>
+            </a:r>
+            <a:r>
+              <a:rPr lang="en-US" dirty="0" err="1" smtClean="0"/>
+              <a:t>với</a:t>
+            </a:r>
+            <a:r>
+              <a:rPr lang="en-US" dirty="0" smtClean="0"/>
+              <a:t> </a:t>
+            </a:r>
+            <a:r>
+              <a:rPr lang="en-US" dirty="0" err="1" smtClean="0"/>
+              <a:t>nhà</a:t>
+            </a:r>
+            <a:r>
+              <a:rPr lang="en-US" dirty="0" smtClean="0"/>
+              <a:t> </a:t>
+            </a:r>
+            <a:r>
+              <a:rPr lang="en-US" dirty="0" err="1" smtClean="0"/>
+              <a:t>cung</a:t>
+            </a:r>
+            <a:r>
+              <a:rPr lang="en-US" dirty="0" smtClean="0"/>
+              <a:t> </a:t>
+            </a:r>
+            <a:r>
+              <a:rPr lang="en-US" dirty="0" err="1" smtClean="0"/>
+              <a:t>cấp</a:t>
+            </a:r>
+            <a:r>
+              <a:rPr lang="en-US" dirty="0" smtClean="0"/>
+              <a:t> </a:t>
+            </a:r>
+            <a:r>
+              <a:rPr lang="en-US" dirty="0" err="1" smtClean="0"/>
+              <a:t>để</a:t>
+            </a:r>
+            <a:r>
+              <a:rPr lang="en-US" dirty="0" smtClean="0"/>
+              <a:t> </a:t>
+            </a:r>
+            <a:r>
+              <a:rPr lang="en-US" dirty="0" err="1" smtClean="0"/>
+              <a:t>nhập</a:t>
+            </a:r>
+            <a:r>
+              <a:rPr lang="en-US" dirty="0" smtClean="0"/>
+              <a:t> </a:t>
+            </a:r>
+            <a:r>
+              <a:rPr lang="en-US" dirty="0" err="1" smtClean="0"/>
+              <a:t>vào</a:t>
+            </a:r>
+            <a:r>
+              <a:rPr lang="en-US" dirty="0" smtClean="0"/>
+              <a:t> </a:t>
+            </a:r>
+            <a:r>
+              <a:rPr lang="en-US" dirty="0" err="1" smtClean="0"/>
+              <a:t>kho</a:t>
+            </a:r>
+            <a:r>
+              <a:rPr lang="en-US" dirty="0" smtClean="0"/>
+              <a:t>, </a:t>
+            </a:r>
+            <a:r>
+              <a:rPr lang="en-US" dirty="0" err="1" smtClean="0"/>
+              <a:t>tính</a:t>
+            </a:r>
+            <a:r>
+              <a:rPr lang="en-US" dirty="0" smtClean="0"/>
+              <a:t> </a:t>
+            </a:r>
+            <a:r>
+              <a:rPr lang="en-US" dirty="0" err="1" smtClean="0"/>
+              <a:t>toán</a:t>
+            </a:r>
+            <a:r>
+              <a:rPr lang="en-US" dirty="0" smtClean="0"/>
+              <a:t> </a:t>
+            </a:r>
+            <a:r>
+              <a:rPr lang="en-US" dirty="0" err="1" smtClean="0"/>
+              <a:t>số</a:t>
+            </a:r>
+            <a:r>
+              <a:rPr lang="en-US" dirty="0" smtClean="0"/>
+              <a:t> </a:t>
+            </a:r>
+            <a:r>
+              <a:rPr lang="en-US" dirty="0" err="1" smtClean="0"/>
+              <a:t>tiền</a:t>
+            </a:r>
+            <a:r>
+              <a:rPr lang="en-US" dirty="0" smtClean="0"/>
+              <a:t> </a:t>
+            </a:r>
+            <a:r>
+              <a:rPr lang="en-US" dirty="0" err="1" smtClean="0"/>
+              <a:t>phải</a:t>
+            </a:r>
+            <a:r>
+              <a:rPr lang="en-US" dirty="0" smtClean="0"/>
+              <a:t> </a:t>
+            </a:r>
+            <a:r>
+              <a:rPr lang="en-US" dirty="0" err="1" smtClean="0"/>
+              <a:t>trả</a:t>
+            </a:r>
+            <a:endParaRPr lang="en-US" dirty="0"/>
+          </a:p>
+        </p:txBody>
+      </p:sp>
+      <p:cxnSp>
+        <p:nvCxnSpPr>
+          <p:cNvPr id="23" name="Straight Arrow Connector 22"/>
+          <p:cNvCxnSpPr/>
+          <p:nvPr/>
+        </p:nvCxnSpPr>
+        <p:spPr>
+          <a:xfrm flipH="1">
+            <a:off x="4911436" y="1226127"/>
+            <a:ext cx="408709" cy="775855"/>
+          </a:xfrm>
+          <a:prstGeom prst="straightConnector1">
+            <a:avLst/>
+          </a:prstGeom>
+          <a:ln>
+            <a:tailEnd type="triangle"/>
+          </a:ln>
+        </p:spPr>
+        <p:style>
+          <a:lnRef idx="1">
+            <a:schemeClr val="accent1"/>
+          </a:lnRef>
+          <a:fillRef idx="0">
+            <a:schemeClr val="accent1"/>
+          </a:fillRef>
+          <a:effectRef idx="0">
+            <a:schemeClr val="accent1"/>
+          </a:effectRef>
+          <a:fontRef idx="minor">
+            <a:schemeClr val="tx1"/>
+          </a:fontRef>
+        </p:style>
+      </p:cxnSp>
+      <p:cxnSp>
+        <p:nvCxnSpPr>
+          <p:cNvPr id="25" name="Straight Arrow Connector 24"/>
+          <p:cNvCxnSpPr/>
+          <p:nvPr/>
+        </p:nvCxnSpPr>
+        <p:spPr>
+          <a:xfrm>
+            <a:off x="2237509" y="2513464"/>
+            <a:ext cx="533400" cy="0"/>
+          </a:xfrm>
+          <a:prstGeom prst="straightConnector1">
+            <a:avLst/>
+          </a:prstGeom>
+          <a:ln>
+            <a:tailEnd type="triangle"/>
+          </a:ln>
+        </p:spPr>
+        <p:style>
+          <a:lnRef idx="1">
+            <a:schemeClr val="accent1"/>
+          </a:lnRef>
+          <a:fillRef idx="0">
+            <a:schemeClr val="accent1"/>
+          </a:fillRef>
+          <a:effectRef idx="0">
+            <a:schemeClr val="accent1"/>
+          </a:effectRef>
+          <a:fontRef idx="minor">
+            <a:schemeClr val="tx1"/>
+          </a:fontRef>
+        </p:style>
+      </p:cxnSp>
+      <p:cxnSp>
+        <p:nvCxnSpPr>
+          <p:cNvPr id="27" name="Straight Arrow Connector 26"/>
+          <p:cNvCxnSpPr>
+            <a:stCxn id="9" idx="3"/>
+          </p:cNvCxnSpPr>
+          <p:nvPr/>
+        </p:nvCxnSpPr>
+        <p:spPr>
+          <a:xfrm flipV="1">
+            <a:off x="3827317" y="2513464"/>
+            <a:ext cx="744683" cy="1"/>
+          </a:xfrm>
+          <a:prstGeom prst="straightConnector1">
+            <a:avLst/>
+          </a:prstGeom>
+          <a:ln>
+            <a:tailEnd type="triangle"/>
+          </a:ln>
+        </p:spPr>
+        <p:style>
+          <a:lnRef idx="1">
+            <a:schemeClr val="accent1"/>
+          </a:lnRef>
+          <a:fillRef idx="0">
+            <a:schemeClr val="accent1"/>
+          </a:fillRef>
+          <a:effectRef idx="0">
+            <a:schemeClr val="accent1"/>
+          </a:effectRef>
+          <a:fontRef idx="minor">
+            <a:schemeClr val="tx1"/>
+          </a:fontRef>
+        </p:style>
+      </p:cxnSp>
+      <p:cxnSp>
+        <p:nvCxnSpPr>
+          <p:cNvPr id="29" name="Straight Arrow Connector 28"/>
+          <p:cNvCxnSpPr/>
+          <p:nvPr/>
+        </p:nvCxnSpPr>
+        <p:spPr>
+          <a:xfrm>
+            <a:off x="5881255" y="2513464"/>
+            <a:ext cx="762000" cy="0"/>
+          </a:xfrm>
+          <a:prstGeom prst="straightConnector1">
+            <a:avLst/>
+          </a:prstGeom>
+          <a:ln>
+            <a:tailEnd type="triangle"/>
+          </a:ln>
+        </p:spPr>
+        <p:style>
+          <a:lnRef idx="1">
+            <a:schemeClr val="accent1"/>
+          </a:lnRef>
+          <a:fillRef idx="0">
+            <a:schemeClr val="accent1"/>
+          </a:fillRef>
+          <a:effectRef idx="0">
+            <a:schemeClr val="accent1"/>
+          </a:effectRef>
+          <a:fontRef idx="minor">
+            <a:schemeClr val="tx1"/>
+          </a:fontRef>
+        </p:style>
+      </p:cxnSp>
+      <p:sp>
+        <p:nvSpPr>
+          <p:cNvPr id="31" name="Rectangle 30"/>
+          <p:cNvSpPr/>
+          <p:nvPr/>
+        </p:nvSpPr>
+        <p:spPr>
+          <a:xfrm>
+            <a:off x="6871854" y="2092036"/>
+            <a:ext cx="997527" cy="748145"/>
+          </a:xfrm>
+          <a:prstGeom prst="rect">
+            <a:avLst/>
+          </a:prstGeom>
+        </p:spPr>
+        <p:style>
+          <a:lnRef idx="2">
+            <a:schemeClr val="dk1"/>
+          </a:lnRef>
+          <a:fillRef idx="1">
+            <a:schemeClr val="lt1"/>
+          </a:fillRef>
+          <a:effectRef idx="0">
+            <a:schemeClr val="dk1"/>
+          </a:effectRef>
+          <a:fontRef idx="minor">
+            <a:schemeClr val="dk1"/>
+          </a:fontRef>
+        </p:style>
+        <p:txBody>
+          <a:bodyPr rtlCol="0" anchor="ctr"/>
+          <a:lstStyle/>
+          <a:p>
+            <a:pPr algn="ctr"/>
+            <a:r>
+              <a:rPr lang="en-US" dirty="0"/>
+              <a:t>4</a:t>
+            </a:r>
+          </a:p>
+        </p:txBody>
+      </p:sp>
+      <p:sp>
+        <p:nvSpPr>
+          <p:cNvPr id="33" name="TextBox 32"/>
+          <p:cNvSpPr txBox="1"/>
+          <p:nvPr/>
+        </p:nvSpPr>
+        <p:spPr>
+          <a:xfrm>
+            <a:off x="6871854" y="3343608"/>
+            <a:ext cx="1939637" cy="954107"/>
+          </a:xfrm>
+          <a:prstGeom prst="rect">
+            <a:avLst/>
+          </a:prstGeom>
+          <a:noFill/>
+        </p:spPr>
+        <p:txBody>
+          <a:bodyPr wrap="square" rtlCol="0">
+            <a:spAutoFit/>
+          </a:bodyPr>
+          <a:lstStyle/>
+          <a:p>
+            <a:r>
+              <a:rPr lang="en-US" dirty="0" err="1" smtClean="0"/>
+              <a:t>Sau</a:t>
+            </a:r>
+            <a:r>
+              <a:rPr lang="en-US" dirty="0" smtClean="0"/>
+              <a:t> </a:t>
+            </a:r>
+            <a:r>
+              <a:rPr lang="en-US" dirty="0" err="1" smtClean="0"/>
+              <a:t>khi</a:t>
+            </a:r>
+            <a:r>
+              <a:rPr lang="en-US" dirty="0" smtClean="0"/>
+              <a:t> </a:t>
+            </a:r>
+            <a:r>
+              <a:rPr lang="en-US" dirty="0" err="1" smtClean="0"/>
+              <a:t>nhập</a:t>
+            </a:r>
+            <a:r>
+              <a:rPr lang="en-US" dirty="0" smtClean="0"/>
+              <a:t> </a:t>
+            </a:r>
+            <a:r>
+              <a:rPr lang="en-US" dirty="0" err="1" smtClean="0"/>
+              <a:t>kho</a:t>
+            </a:r>
+            <a:r>
+              <a:rPr lang="en-US" dirty="0" smtClean="0"/>
+              <a:t> </a:t>
+            </a:r>
+            <a:r>
+              <a:rPr lang="en-US" dirty="0" err="1" smtClean="0"/>
+              <a:t>thành</a:t>
+            </a:r>
+            <a:r>
+              <a:rPr lang="en-US" dirty="0" smtClean="0"/>
+              <a:t> </a:t>
+            </a:r>
+            <a:r>
+              <a:rPr lang="en-US" dirty="0" err="1" smtClean="0"/>
+              <a:t>công</a:t>
+            </a:r>
+            <a:r>
+              <a:rPr lang="en-US" dirty="0" smtClean="0"/>
+              <a:t>, </a:t>
+            </a:r>
+            <a:r>
+              <a:rPr lang="en-US" dirty="0" err="1" smtClean="0"/>
+              <a:t>cập</a:t>
+            </a:r>
+            <a:r>
+              <a:rPr lang="en-US" dirty="0" smtClean="0"/>
+              <a:t> </a:t>
+            </a:r>
+            <a:r>
+              <a:rPr lang="en-US" dirty="0" err="1" smtClean="0"/>
+              <a:t>nhật</a:t>
+            </a:r>
+            <a:r>
+              <a:rPr lang="en-US" dirty="0" smtClean="0"/>
+              <a:t> </a:t>
+            </a:r>
+            <a:r>
+              <a:rPr lang="en-US" dirty="0" err="1" smtClean="0"/>
+              <a:t>lại</a:t>
+            </a:r>
+            <a:r>
+              <a:rPr lang="en-US" dirty="0" smtClean="0"/>
+              <a:t> </a:t>
+            </a:r>
+            <a:r>
+              <a:rPr lang="en-US" dirty="0" err="1" smtClean="0"/>
+              <a:t>số</a:t>
+            </a:r>
+            <a:r>
+              <a:rPr lang="en-US" dirty="0" smtClean="0"/>
+              <a:t> </a:t>
+            </a:r>
+            <a:r>
+              <a:rPr lang="en-US" dirty="0" err="1" smtClean="0"/>
+              <a:t>lượng</a:t>
+            </a:r>
+            <a:r>
+              <a:rPr lang="en-US" dirty="0" smtClean="0"/>
+              <a:t> </a:t>
+            </a:r>
+            <a:r>
+              <a:rPr lang="en-US" dirty="0" err="1" smtClean="0"/>
+              <a:t>sản</a:t>
+            </a:r>
+            <a:r>
+              <a:rPr lang="en-US" dirty="0" smtClean="0"/>
+              <a:t> </a:t>
+            </a:r>
+            <a:r>
+              <a:rPr lang="en-US" dirty="0" err="1" smtClean="0"/>
+              <a:t>phẩm</a:t>
+            </a:r>
+            <a:r>
+              <a:rPr lang="en-US" dirty="0" smtClean="0"/>
+              <a:t> </a:t>
+            </a:r>
+            <a:r>
+              <a:rPr lang="en-US" dirty="0" err="1" smtClean="0"/>
+              <a:t>biến</a:t>
+            </a:r>
+            <a:r>
+              <a:rPr lang="en-US" dirty="0" smtClean="0"/>
+              <a:t> </a:t>
+            </a:r>
+            <a:r>
+              <a:rPr lang="en-US" dirty="0" err="1" smtClean="0"/>
+              <a:t>thể</a:t>
+            </a:r>
+            <a:r>
+              <a:rPr lang="en-US" dirty="0" smtClean="0"/>
+              <a:t> </a:t>
+            </a:r>
+            <a:endParaRPr lang="en-US" dirty="0"/>
+          </a:p>
+        </p:txBody>
+      </p:sp>
+    </p:spTree>
+    <p:extLst>
+      <p:ext uri="{BB962C8B-B14F-4D97-AF65-F5344CB8AC3E}">
+        <p14:creationId xmlns:p14="http://schemas.microsoft.com/office/powerpoint/2010/main" val="3942931157"/>
+      </p:ext>
+    </p:extLst>
+  </p:cSld>
+  <p:clrMapOvr>
+    <a:masterClrMapping/>
+  </p:clrMapOvr>
+  <p:timing>
+    <p:tnLst>
+      <p:par>
+        <p:cTn id="1" dur="indefinite" restart="never" nodeType="tmRoot">
+          <p:childTnLst>
+            <p:seq concurrent="1" nextAc="seek">
+              <p:cTn id="2" dur="indefinite" nodeType="mainSeq">
+                <p:childTnLst>
+                  <p:par>
+                    <p:cTn id="3" fill="hold">
+                      <p:stCondLst>
+                        <p:cond delay="indefinite"/>
+                      </p:stCondLst>
+                      <p:childTnLst>
+                        <p:par>
+                          <p:cTn id="4" fill="hold">
+                            <p:stCondLst>
+                              <p:cond delay="0"/>
+                            </p:stCondLst>
+                            <p:childTnLst>
+                              <p:par>
+                                <p:cTn id="5" presetID="10" presetClass="entr" presetSubtype="0" fill="hold" grpId="0" nodeType="clickEffect">
+                                  <p:stCondLst>
+                                    <p:cond delay="0"/>
+                                  </p:stCondLst>
+                                  <p:childTnLst>
+                                    <p:set>
+                                      <p:cBhvr>
+                                        <p:cTn id="6" dur="1" fill="hold">
+                                          <p:stCondLst>
+                                            <p:cond delay="0"/>
+                                          </p:stCondLst>
+                                        </p:cTn>
+                                        <p:tgtEl>
+                                          <p:spTgt spid="5"/>
+                                        </p:tgtEl>
+                                        <p:attrNameLst>
+                                          <p:attrName>style.visibility</p:attrName>
+                                        </p:attrNameLst>
+                                      </p:cBhvr>
+                                      <p:to>
+                                        <p:strVal val="visible"/>
+                                      </p:to>
+                                    </p:set>
+                                    <p:animEffect transition="in" filter="fade">
+                                      <p:cBhvr>
+                                        <p:cTn id="7" dur="500"/>
+                                        <p:tgtEl>
+                                          <p:spTgt spid="5"/>
+                                        </p:tgtEl>
+                                      </p:cBhvr>
+                                    </p:animEffect>
+                                  </p:childTnLst>
+                                </p:cTn>
+                              </p:par>
+                            </p:childTnLst>
+                          </p:cTn>
+                        </p:par>
+                      </p:childTnLst>
+                    </p:cTn>
+                  </p:par>
+                </p:childTnLst>
+              </p:cTn>
+              <p:prevCondLst>
+                <p:cond evt="onPrev" delay="0">
+                  <p:tgtEl>
+                    <p:sldTgt/>
+                  </p:tgtEl>
+                </p:cond>
+              </p:prevCondLst>
+              <p:nextCondLst>
+                <p:cond evt="onNext" delay="0">
+                  <p:tgtEl>
+                    <p:sldTgt/>
+                  </p:tgtEl>
+                </p:cond>
+              </p:nextCondLst>
+            </p:seq>
+          </p:childTnLst>
+        </p:cTn>
+      </p:par>
+    </p:tnLst>
+    <p:bldLst>
+      <p:bldP spid="5" grpId="0"/>
+    </p:bldLst>
+  </p:timing>
+</p:sld>
+</file>
+
+<file path=ppt/slides/slide7.xml><?xml version="1.0" encoding="utf-8"?>
+<p:sld xmlns:a="http://schemas.openxmlformats.org/drawingml/2006/main" xmlns:r="http://schemas.openxmlformats.org/officeDocument/2006/relationships" xmlns:p="http://schemas.openxmlformats.org/presentationml/2006/main">
+  <p:cSld>
+    <p:spTree>
+      <p:nvGrpSpPr>
+        <p:cNvPr id="1" name=""/>
+        <p:cNvGrpSpPr/>
+        <p:nvPr/>
+      </p:nvGrpSpPr>
+      <p:grpSpPr>
+        <a:xfrm>
+          <a:off x="0" y="0"/>
+          <a:ext cx="0" cy="0"/>
+          <a:chOff x="0" y="0"/>
+          <a:chExt cx="0" cy="0"/>
+        </a:xfrm>
+      </p:grpSpPr>
+      <p:sp>
+        <p:nvSpPr>
+          <p:cNvPr id="3" name="Slide Number Placeholder 2"/>
+          <p:cNvSpPr>
+            <a:spLocks noGrp="1"/>
+          </p:cNvSpPr>
+          <p:nvPr>
+            <p:ph type="sldNum" idx="12"/>
+          </p:nvPr>
+        </p:nvSpPr>
+        <p:spPr/>
+        <p:txBody>
+          <a:bodyPr/>
+          <a:lstStyle/>
+          <a:p>
+            <a:pPr marL="0" lvl="0" indent="0" algn="ctr" rtl="0">
+              <a:spcBef>
+                <a:spcPts val="0"/>
+              </a:spcBef>
+              <a:spcAft>
+                <a:spcPts val="0"/>
+              </a:spcAft>
+              <a:buNone/>
+            </a:pPr>
+            <a:fld id="{00000000-1234-1234-1234-123412341234}" type="slidenum">
+              <a:rPr lang="en" smtClean="0"/>
+              <a:t>7</a:t>
+            </a:fld>
+            <a:endParaRPr lang="en"/>
+          </a:p>
+        </p:txBody>
+      </p:sp>
+      <p:sp>
+        <p:nvSpPr>
+          <p:cNvPr id="4" name="Rectangle 3"/>
+          <p:cNvSpPr/>
+          <p:nvPr/>
+        </p:nvSpPr>
+        <p:spPr>
+          <a:xfrm>
+            <a:off x="529936" y="889165"/>
+            <a:ext cx="997527" cy="748145"/>
+          </a:xfrm>
+          <a:prstGeom prst="rect">
+            <a:avLst/>
+          </a:prstGeom>
+        </p:spPr>
+        <p:style>
+          <a:lnRef idx="2">
+            <a:schemeClr val="dk1"/>
+          </a:lnRef>
+          <a:fillRef idx="1">
+            <a:schemeClr val="lt1"/>
+          </a:fillRef>
+          <a:effectRef idx="0">
+            <a:schemeClr val="dk1"/>
+          </a:effectRef>
+          <a:fontRef idx="minor">
+            <a:schemeClr val="dk1"/>
+          </a:fontRef>
+        </p:style>
+        <p:txBody>
+          <a:bodyPr rtlCol="0" anchor="ctr"/>
+          <a:lstStyle/>
+          <a:p>
+            <a:pPr algn="ctr"/>
+            <a:r>
+              <a:rPr lang="en-US" dirty="0"/>
+              <a:t>5</a:t>
+            </a:r>
+          </a:p>
+        </p:txBody>
+      </p:sp>
+      <p:cxnSp>
+        <p:nvCxnSpPr>
+          <p:cNvPr id="6" name="Straight Arrow Connector 5"/>
+          <p:cNvCxnSpPr/>
+          <p:nvPr/>
+        </p:nvCxnSpPr>
+        <p:spPr>
+          <a:xfrm flipH="1">
+            <a:off x="1150022" y="1848098"/>
+            <a:ext cx="6925" cy="817418"/>
+          </a:xfrm>
+          <a:prstGeom prst="straightConnector1">
+            <a:avLst/>
+          </a:prstGeom>
+          <a:ln>
+            <a:tailEnd type="triangle"/>
+          </a:ln>
+        </p:spPr>
+        <p:style>
+          <a:lnRef idx="1">
+            <a:schemeClr val="accent1"/>
+          </a:lnRef>
+          <a:fillRef idx="0">
+            <a:schemeClr val="accent1"/>
+          </a:fillRef>
+          <a:effectRef idx="0">
+            <a:schemeClr val="accent1"/>
+          </a:effectRef>
+          <a:fontRef idx="minor">
+            <a:schemeClr val="tx1"/>
+          </a:fontRef>
+        </p:style>
+      </p:cxnSp>
+      <p:sp>
+        <p:nvSpPr>
+          <p:cNvPr id="7" name="TextBox 6"/>
+          <p:cNvSpPr txBox="1"/>
+          <p:nvPr/>
+        </p:nvSpPr>
+        <p:spPr>
+          <a:xfrm>
+            <a:off x="280647" y="2914117"/>
+            <a:ext cx="1752600" cy="1384995"/>
+          </a:xfrm>
+          <a:prstGeom prst="rect">
+            <a:avLst/>
+          </a:prstGeom>
+          <a:noFill/>
+        </p:spPr>
+        <p:txBody>
+          <a:bodyPr wrap="square" rtlCol="0">
+            <a:spAutoFit/>
+          </a:bodyPr>
+          <a:lstStyle/>
+          <a:p>
+            <a:r>
+              <a:rPr lang="en-US" dirty="0" smtClean="0"/>
+              <a:t>Admin </a:t>
+            </a:r>
+            <a:r>
+              <a:rPr lang="en-US" dirty="0" err="1" smtClean="0"/>
+              <a:t>có</a:t>
+            </a:r>
+            <a:r>
+              <a:rPr lang="en-US" dirty="0" smtClean="0"/>
+              <a:t> </a:t>
+            </a:r>
+            <a:r>
+              <a:rPr lang="en-US" dirty="0" err="1" smtClean="0"/>
+              <a:t>thể</a:t>
+            </a:r>
+            <a:r>
+              <a:rPr lang="en-US" dirty="0" smtClean="0"/>
+              <a:t> </a:t>
+            </a:r>
+            <a:r>
+              <a:rPr lang="en-US" dirty="0" err="1" smtClean="0"/>
+              <a:t>chọn</a:t>
+            </a:r>
+            <a:r>
+              <a:rPr lang="en-US" dirty="0" smtClean="0"/>
+              <a:t> </a:t>
+            </a:r>
+            <a:r>
+              <a:rPr lang="en-US" dirty="0" err="1" smtClean="0"/>
+              <a:t>kích</a:t>
+            </a:r>
+            <a:r>
+              <a:rPr lang="en-US" dirty="0" smtClean="0"/>
+              <a:t> </a:t>
+            </a:r>
+            <a:r>
+              <a:rPr lang="en-US" dirty="0" err="1" smtClean="0"/>
+              <a:t>hoạt</a:t>
+            </a:r>
+            <a:r>
+              <a:rPr lang="en-US" dirty="0" smtClean="0"/>
+              <a:t> </a:t>
+            </a:r>
+            <a:r>
+              <a:rPr lang="en-US" dirty="0" err="1" smtClean="0"/>
+              <a:t>trạng</a:t>
+            </a:r>
+            <a:r>
+              <a:rPr lang="en-US" dirty="0" smtClean="0"/>
+              <a:t> </a:t>
+            </a:r>
+            <a:r>
+              <a:rPr lang="en-US" dirty="0" err="1" smtClean="0"/>
+              <a:t>thái</a:t>
+            </a:r>
+            <a:r>
+              <a:rPr lang="en-US" dirty="0" smtClean="0"/>
+              <a:t> </a:t>
+            </a:r>
+            <a:r>
+              <a:rPr lang="en-US" dirty="0" err="1" smtClean="0"/>
+              <a:t>để</a:t>
+            </a:r>
+            <a:r>
+              <a:rPr lang="en-US" dirty="0" smtClean="0"/>
+              <a:t> </a:t>
+            </a:r>
+            <a:r>
+              <a:rPr lang="en-US" dirty="0" err="1" smtClean="0"/>
+              <a:t>sản</a:t>
+            </a:r>
+            <a:r>
+              <a:rPr lang="en-US" dirty="0" smtClean="0"/>
+              <a:t> </a:t>
+            </a:r>
+            <a:r>
+              <a:rPr lang="en-US" dirty="0" err="1" smtClean="0"/>
+              <a:t>phẩm</a:t>
+            </a:r>
+            <a:r>
+              <a:rPr lang="en-US" dirty="0" smtClean="0"/>
+              <a:t> </a:t>
+            </a:r>
+            <a:r>
+              <a:rPr lang="en-US" dirty="0" err="1" smtClean="0"/>
+              <a:t>ẩn</a:t>
+            </a:r>
+            <a:r>
+              <a:rPr lang="en-US" dirty="0" smtClean="0"/>
+              <a:t> </a:t>
+            </a:r>
+            <a:r>
+              <a:rPr lang="en-US" dirty="0" err="1" smtClean="0"/>
+              <a:t>hoặc</a:t>
+            </a:r>
+            <a:r>
+              <a:rPr lang="en-US" dirty="0" smtClean="0"/>
+              <a:t> </a:t>
+            </a:r>
+            <a:r>
+              <a:rPr lang="en-US" dirty="0" err="1" smtClean="0"/>
+              <a:t>hiện</a:t>
+            </a:r>
+            <a:r>
+              <a:rPr lang="en-US" dirty="0" smtClean="0"/>
+              <a:t> ở </a:t>
+            </a:r>
+            <a:r>
+              <a:rPr lang="en-US" dirty="0" err="1" smtClean="0"/>
+              <a:t>trang</a:t>
+            </a:r>
+            <a:r>
+              <a:rPr lang="en-US" dirty="0" smtClean="0"/>
+              <a:t> Client (update </a:t>
+            </a:r>
+            <a:r>
+              <a:rPr lang="en-US" dirty="0" err="1" smtClean="0"/>
+              <a:t>realtime</a:t>
+            </a:r>
+            <a:r>
+              <a:rPr lang="en-US" dirty="0" smtClean="0"/>
+              <a:t>)</a:t>
+            </a:r>
+            <a:endParaRPr lang="en-US" dirty="0"/>
+          </a:p>
+        </p:txBody>
+      </p:sp>
+      <p:cxnSp>
+        <p:nvCxnSpPr>
+          <p:cNvPr id="10" name="Straight Arrow Connector 9"/>
+          <p:cNvCxnSpPr/>
+          <p:nvPr/>
+        </p:nvCxnSpPr>
+        <p:spPr>
+          <a:xfrm>
+            <a:off x="1911973" y="1305085"/>
+            <a:ext cx="651164" cy="6928"/>
+          </a:xfrm>
+          <a:prstGeom prst="straightConnector1">
+            <a:avLst/>
+          </a:prstGeom>
+          <a:ln>
+            <a:tailEnd type="triangle"/>
+          </a:ln>
+        </p:spPr>
+        <p:style>
+          <a:lnRef idx="1">
+            <a:schemeClr val="accent1"/>
+          </a:lnRef>
+          <a:fillRef idx="0">
+            <a:schemeClr val="accent1"/>
+          </a:fillRef>
+          <a:effectRef idx="0">
+            <a:schemeClr val="accent1"/>
+          </a:effectRef>
+          <a:fontRef idx="minor">
+            <a:schemeClr val="tx1"/>
+          </a:fontRef>
+        </p:style>
+      </p:cxnSp>
+      <p:sp>
+        <p:nvSpPr>
+          <p:cNvPr id="12" name="Rectangle 11"/>
+          <p:cNvSpPr/>
+          <p:nvPr/>
+        </p:nvSpPr>
+        <p:spPr>
+          <a:xfrm>
+            <a:off x="2947647" y="889165"/>
+            <a:ext cx="997527" cy="831841"/>
+          </a:xfrm>
+          <a:prstGeom prst="rect">
+            <a:avLst/>
+          </a:prstGeom>
+        </p:spPr>
+        <p:style>
+          <a:lnRef idx="2">
+            <a:schemeClr val="dk1"/>
+          </a:lnRef>
+          <a:fillRef idx="1">
+            <a:schemeClr val="lt1"/>
+          </a:fillRef>
+          <a:effectRef idx="0">
+            <a:schemeClr val="dk1"/>
+          </a:effectRef>
+          <a:fontRef idx="minor">
+            <a:schemeClr val="dk1"/>
+          </a:fontRef>
+        </p:style>
+        <p:txBody>
+          <a:bodyPr rtlCol="0" anchor="ctr"/>
+          <a:lstStyle/>
+          <a:p>
+            <a:pPr algn="ctr"/>
+            <a:r>
+              <a:rPr lang="en-US" dirty="0" smtClean="0"/>
+              <a:t>6</a:t>
+            </a:r>
+            <a:endParaRPr lang="en-US" dirty="0"/>
+          </a:p>
+        </p:txBody>
+      </p:sp>
+      <p:cxnSp>
+        <p:nvCxnSpPr>
+          <p:cNvPr id="14" name="Straight Arrow Connector 13"/>
+          <p:cNvCxnSpPr/>
+          <p:nvPr/>
+        </p:nvCxnSpPr>
+        <p:spPr>
+          <a:xfrm>
+            <a:off x="3394456" y="2126323"/>
+            <a:ext cx="0" cy="635607"/>
+          </a:xfrm>
+          <a:prstGeom prst="straightConnector1">
+            <a:avLst/>
+          </a:prstGeom>
+          <a:ln>
+            <a:tailEnd type="triangle"/>
+          </a:ln>
+        </p:spPr>
+        <p:style>
+          <a:lnRef idx="1">
+            <a:schemeClr val="accent1"/>
+          </a:lnRef>
+          <a:fillRef idx="0">
+            <a:schemeClr val="accent1"/>
+          </a:fillRef>
+          <a:effectRef idx="0">
+            <a:schemeClr val="accent1"/>
+          </a:effectRef>
+          <a:fontRef idx="minor">
+            <a:schemeClr val="tx1"/>
+          </a:fontRef>
+        </p:style>
+      </p:cxnSp>
+      <p:sp>
+        <p:nvSpPr>
+          <p:cNvPr id="16" name="TextBox 15"/>
+          <p:cNvSpPr txBox="1"/>
+          <p:nvPr/>
+        </p:nvSpPr>
+        <p:spPr>
+          <a:xfrm>
+            <a:off x="2625529" y="2914117"/>
+            <a:ext cx="1579418" cy="738664"/>
+          </a:xfrm>
+          <a:prstGeom prst="rect">
+            <a:avLst/>
+          </a:prstGeom>
+          <a:noFill/>
+        </p:spPr>
+        <p:txBody>
+          <a:bodyPr wrap="square" rtlCol="0">
+            <a:spAutoFit/>
+          </a:bodyPr>
+          <a:lstStyle/>
+          <a:p>
+            <a:r>
+              <a:rPr lang="en-US" dirty="0" err="1" smtClean="0"/>
+              <a:t>Tìm</a:t>
+            </a:r>
+            <a:r>
+              <a:rPr lang="en-US" dirty="0" smtClean="0"/>
+              <a:t> </a:t>
+            </a:r>
+            <a:r>
+              <a:rPr lang="en-US" dirty="0" err="1" smtClean="0"/>
+              <a:t>kiếm</a:t>
+            </a:r>
+            <a:r>
+              <a:rPr lang="en-US" dirty="0" smtClean="0"/>
+              <a:t> </a:t>
+            </a:r>
+            <a:r>
+              <a:rPr lang="en-US" dirty="0" err="1" smtClean="0"/>
+              <a:t>nâng</a:t>
+            </a:r>
+            <a:r>
+              <a:rPr lang="en-US" dirty="0" smtClean="0"/>
+              <a:t> </a:t>
+            </a:r>
+            <a:r>
+              <a:rPr lang="en-US" dirty="0" err="1" smtClean="0"/>
+              <a:t>cao</a:t>
+            </a:r>
+            <a:r>
+              <a:rPr lang="en-US" dirty="0" smtClean="0"/>
+              <a:t>, </a:t>
+            </a:r>
+            <a:r>
+              <a:rPr lang="en-US" dirty="0" err="1" smtClean="0"/>
+              <a:t>Xem</a:t>
+            </a:r>
+            <a:r>
+              <a:rPr lang="en-US" dirty="0" smtClean="0"/>
+              <a:t> chi </a:t>
+            </a:r>
+            <a:r>
+              <a:rPr lang="en-US" dirty="0" err="1" smtClean="0"/>
+              <a:t>tiết</a:t>
+            </a:r>
+            <a:r>
+              <a:rPr lang="en-US" dirty="0" smtClean="0"/>
+              <a:t> </a:t>
+            </a:r>
+            <a:r>
+              <a:rPr lang="en-US" dirty="0" err="1" smtClean="0"/>
+              <a:t>sản</a:t>
+            </a:r>
+            <a:r>
+              <a:rPr lang="en-US" dirty="0" smtClean="0"/>
+              <a:t> </a:t>
+            </a:r>
+            <a:r>
+              <a:rPr lang="en-US" dirty="0" err="1" smtClean="0"/>
+              <a:t>phẩm</a:t>
+            </a:r>
+            <a:endParaRPr lang="en-US" dirty="0"/>
+          </a:p>
+        </p:txBody>
+      </p:sp>
+      <p:sp>
+        <p:nvSpPr>
+          <p:cNvPr id="17" name="Rectangle 16"/>
+          <p:cNvSpPr/>
+          <p:nvPr/>
+        </p:nvSpPr>
+        <p:spPr>
+          <a:xfrm>
+            <a:off x="5164467" y="847316"/>
+            <a:ext cx="997527" cy="831841"/>
+          </a:xfrm>
+          <a:prstGeom prst="rect">
+            <a:avLst/>
+          </a:prstGeom>
+        </p:spPr>
+        <p:style>
+          <a:lnRef idx="2">
+            <a:schemeClr val="dk1"/>
+          </a:lnRef>
+          <a:fillRef idx="1">
+            <a:schemeClr val="lt1"/>
+          </a:fillRef>
+          <a:effectRef idx="0">
+            <a:schemeClr val="dk1"/>
+          </a:effectRef>
+          <a:fontRef idx="minor">
+            <a:schemeClr val="dk1"/>
+          </a:fontRef>
+        </p:style>
+        <p:txBody>
+          <a:bodyPr rtlCol="0" anchor="ctr"/>
+          <a:lstStyle/>
+          <a:p>
+            <a:pPr algn="ctr"/>
+            <a:r>
+              <a:rPr lang="en-US" dirty="0"/>
+              <a:t>7</a:t>
+            </a:r>
+          </a:p>
+        </p:txBody>
+      </p:sp>
+      <p:sp>
+        <p:nvSpPr>
+          <p:cNvPr id="18" name="Rectangle 17"/>
+          <p:cNvSpPr/>
+          <p:nvPr/>
+        </p:nvSpPr>
+        <p:spPr>
+          <a:xfrm>
+            <a:off x="7381288" y="847316"/>
+            <a:ext cx="997527" cy="831841"/>
+          </a:xfrm>
+          <a:prstGeom prst="rect">
+            <a:avLst/>
+          </a:prstGeom>
+        </p:spPr>
+        <p:style>
+          <a:lnRef idx="2">
+            <a:schemeClr val="dk1"/>
+          </a:lnRef>
+          <a:fillRef idx="1">
+            <a:schemeClr val="lt1"/>
+          </a:fillRef>
+          <a:effectRef idx="0">
+            <a:schemeClr val="dk1"/>
+          </a:effectRef>
+          <a:fontRef idx="minor">
+            <a:schemeClr val="dk1"/>
+          </a:fontRef>
+        </p:style>
+        <p:txBody>
+          <a:bodyPr rtlCol="0" anchor="ctr"/>
+          <a:lstStyle/>
+          <a:p>
+            <a:pPr algn="ctr"/>
+            <a:r>
+              <a:rPr lang="en-US" dirty="0"/>
+              <a:t>8</a:t>
+            </a:r>
+          </a:p>
+        </p:txBody>
+      </p:sp>
+      <p:cxnSp>
+        <p:nvCxnSpPr>
+          <p:cNvPr id="20" name="Straight Arrow Connector 19"/>
+          <p:cNvCxnSpPr/>
+          <p:nvPr/>
+        </p:nvCxnSpPr>
+        <p:spPr>
+          <a:xfrm>
+            <a:off x="5645914" y="1738221"/>
+            <a:ext cx="13761" cy="742731"/>
+          </a:xfrm>
+          <a:prstGeom prst="straightConnector1">
+            <a:avLst/>
+          </a:prstGeom>
+          <a:ln>
+            <a:tailEnd type="triangle"/>
+          </a:ln>
+        </p:spPr>
+        <p:style>
+          <a:lnRef idx="1">
+            <a:schemeClr val="accent1"/>
+          </a:lnRef>
+          <a:fillRef idx="0">
+            <a:schemeClr val="accent1"/>
+          </a:fillRef>
+          <a:effectRef idx="0">
+            <a:schemeClr val="accent1"/>
+          </a:effectRef>
+          <a:fontRef idx="minor">
+            <a:schemeClr val="tx1"/>
+          </a:fontRef>
+        </p:style>
+      </p:cxnSp>
+      <p:sp>
+        <p:nvSpPr>
+          <p:cNvPr id="22" name="TextBox 21"/>
+          <p:cNvSpPr txBox="1"/>
+          <p:nvPr/>
+        </p:nvSpPr>
+        <p:spPr>
+          <a:xfrm>
+            <a:off x="4994564" y="2431473"/>
+            <a:ext cx="2570018" cy="2677656"/>
+          </a:xfrm>
+          <a:prstGeom prst="rect">
+            <a:avLst/>
+          </a:prstGeom>
+          <a:noFill/>
+        </p:spPr>
+        <p:txBody>
+          <a:bodyPr wrap="square" rtlCol="0">
+            <a:spAutoFit/>
+          </a:bodyPr>
+          <a:lstStyle/>
+          <a:p>
+            <a:r>
+              <a:rPr lang="en-US" dirty="0" smtClean="0"/>
+              <a:t>1. </a:t>
+            </a:r>
+            <a:r>
+              <a:rPr lang="en-US" dirty="0" err="1" smtClean="0"/>
+              <a:t>Trong</a:t>
+            </a:r>
+            <a:r>
+              <a:rPr lang="en-US" dirty="0" smtClean="0"/>
+              <a:t> </a:t>
+            </a:r>
+            <a:r>
+              <a:rPr lang="en-US" dirty="0" err="1" smtClean="0"/>
+              <a:t>trang</a:t>
+            </a:r>
+            <a:r>
+              <a:rPr lang="en-US" dirty="0" smtClean="0"/>
+              <a:t> chi </a:t>
+            </a:r>
+            <a:r>
+              <a:rPr lang="en-US" dirty="0" err="1" smtClean="0"/>
+              <a:t>tiết</a:t>
+            </a:r>
+            <a:r>
+              <a:rPr lang="en-US" dirty="0" smtClean="0"/>
+              <a:t>, </a:t>
+            </a:r>
+            <a:r>
+              <a:rPr lang="en-US" dirty="0" err="1" smtClean="0"/>
+              <a:t>người</a:t>
+            </a:r>
+            <a:r>
+              <a:rPr lang="en-US" dirty="0" smtClean="0"/>
+              <a:t> dung </a:t>
+            </a:r>
+            <a:r>
+              <a:rPr lang="en-US" dirty="0" err="1" smtClean="0"/>
+              <a:t>chọn</a:t>
+            </a:r>
+            <a:r>
+              <a:rPr lang="en-US" dirty="0" smtClean="0"/>
+              <a:t> </a:t>
+            </a:r>
+            <a:r>
+              <a:rPr lang="en-US" dirty="0" err="1" smtClean="0"/>
+              <a:t>màu</a:t>
+            </a:r>
+            <a:r>
+              <a:rPr lang="en-US" dirty="0" smtClean="0"/>
+              <a:t>. </a:t>
+            </a:r>
+          </a:p>
+          <a:p>
+            <a:r>
+              <a:rPr lang="en-US" dirty="0" smtClean="0"/>
+              <a:t>2. </a:t>
+            </a:r>
+            <a:r>
+              <a:rPr lang="en-US" dirty="0" err="1" smtClean="0"/>
+              <a:t>Sau</a:t>
+            </a:r>
+            <a:r>
+              <a:rPr lang="en-US" dirty="0" smtClean="0"/>
+              <a:t> </a:t>
+            </a:r>
+            <a:r>
+              <a:rPr lang="en-US" dirty="0" err="1" smtClean="0"/>
+              <a:t>khi</a:t>
+            </a:r>
+            <a:r>
+              <a:rPr lang="en-US" dirty="0" smtClean="0"/>
+              <a:t> </a:t>
+            </a:r>
+            <a:r>
+              <a:rPr lang="en-US" dirty="0" err="1" smtClean="0"/>
+              <a:t>chọn</a:t>
+            </a:r>
+            <a:r>
+              <a:rPr lang="en-US" dirty="0" smtClean="0"/>
+              <a:t> </a:t>
+            </a:r>
+            <a:r>
+              <a:rPr lang="en-US" dirty="0" err="1" smtClean="0"/>
+              <a:t>màu</a:t>
+            </a:r>
+            <a:r>
+              <a:rPr lang="en-US" dirty="0" smtClean="0"/>
+              <a:t> </a:t>
+            </a:r>
+            <a:r>
+              <a:rPr lang="en-US" dirty="0" err="1" smtClean="0"/>
+              <a:t>xong</a:t>
+            </a:r>
+            <a:r>
+              <a:rPr lang="en-US" dirty="0" smtClean="0"/>
+              <a:t>, </a:t>
+            </a:r>
+            <a:r>
+              <a:rPr lang="en-US" dirty="0" err="1" smtClean="0"/>
+              <a:t>sẽ</a:t>
+            </a:r>
+            <a:r>
+              <a:rPr lang="en-US" dirty="0" smtClean="0"/>
+              <a:t> </a:t>
+            </a:r>
+            <a:r>
+              <a:rPr lang="en-US" dirty="0" err="1" smtClean="0"/>
+              <a:t>hiển</a:t>
+            </a:r>
+            <a:r>
+              <a:rPr lang="en-US" dirty="0" smtClean="0"/>
+              <a:t> </a:t>
+            </a:r>
+            <a:r>
+              <a:rPr lang="en-US" dirty="0" err="1" smtClean="0"/>
+              <a:t>thị</a:t>
+            </a:r>
+            <a:r>
+              <a:rPr lang="en-US" dirty="0" smtClean="0"/>
+              <a:t> size.</a:t>
+            </a:r>
+          </a:p>
+          <a:p>
+            <a:r>
+              <a:rPr lang="en-US" dirty="0" smtClean="0"/>
+              <a:t>3. </a:t>
+            </a:r>
+            <a:r>
+              <a:rPr lang="en-US" dirty="0" err="1" smtClean="0"/>
+              <a:t>Sau</a:t>
+            </a:r>
+            <a:r>
+              <a:rPr lang="en-US" dirty="0" smtClean="0"/>
+              <a:t> </a:t>
+            </a:r>
+            <a:r>
+              <a:rPr lang="en-US" dirty="0" err="1" smtClean="0"/>
+              <a:t>khi</a:t>
+            </a:r>
+            <a:r>
+              <a:rPr lang="en-US" dirty="0" smtClean="0"/>
+              <a:t> </a:t>
+            </a:r>
+            <a:r>
+              <a:rPr lang="en-US" dirty="0" err="1" smtClean="0"/>
+              <a:t>chọn</a:t>
+            </a:r>
+            <a:r>
+              <a:rPr lang="en-US" dirty="0" smtClean="0"/>
+              <a:t> size </a:t>
+            </a:r>
+            <a:r>
+              <a:rPr lang="en-US" dirty="0" err="1" smtClean="0"/>
+              <a:t>sẽ</a:t>
+            </a:r>
+            <a:r>
+              <a:rPr lang="en-US" dirty="0" smtClean="0"/>
+              <a:t> </a:t>
+            </a:r>
+            <a:r>
+              <a:rPr lang="en-US" dirty="0" err="1" smtClean="0"/>
+              <a:t>hiển</a:t>
+            </a:r>
+            <a:r>
+              <a:rPr lang="en-US" dirty="0" smtClean="0"/>
+              <a:t> </a:t>
+            </a:r>
+            <a:r>
+              <a:rPr lang="en-US" dirty="0" err="1" smtClean="0"/>
+              <a:t>thị</a:t>
+            </a:r>
+            <a:r>
+              <a:rPr lang="en-US" dirty="0" smtClean="0"/>
+              <a:t> </a:t>
+            </a:r>
+            <a:r>
+              <a:rPr lang="en-US" dirty="0" err="1" smtClean="0"/>
+              <a:t>số</a:t>
+            </a:r>
+            <a:r>
+              <a:rPr lang="en-US" dirty="0" smtClean="0"/>
+              <a:t> </a:t>
+            </a:r>
+            <a:r>
+              <a:rPr lang="en-US" dirty="0" err="1" smtClean="0"/>
+              <a:t>lượng</a:t>
+            </a:r>
+            <a:r>
+              <a:rPr lang="en-US" dirty="0" smtClean="0"/>
+              <a:t> </a:t>
+            </a:r>
+            <a:r>
+              <a:rPr lang="en-US" dirty="0" err="1" smtClean="0"/>
+              <a:t>tồn</a:t>
+            </a:r>
+            <a:r>
+              <a:rPr lang="en-US" dirty="0" smtClean="0"/>
+              <a:t> (</a:t>
+            </a:r>
+            <a:r>
+              <a:rPr lang="en-US" dirty="0" err="1" smtClean="0"/>
+              <a:t>tương</a:t>
+            </a:r>
+            <a:r>
+              <a:rPr lang="en-US" dirty="0" smtClean="0"/>
+              <a:t> </a:t>
+            </a:r>
+            <a:r>
+              <a:rPr lang="en-US" dirty="0" err="1" smtClean="0"/>
+              <a:t>ứng</a:t>
+            </a:r>
+            <a:r>
+              <a:rPr lang="en-US" dirty="0" smtClean="0"/>
+              <a:t> </a:t>
+            </a:r>
+            <a:r>
+              <a:rPr lang="en-US" dirty="0" err="1" smtClean="0"/>
+              <a:t>với</a:t>
+            </a:r>
+            <a:r>
+              <a:rPr lang="en-US" dirty="0" smtClean="0"/>
+              <a:t> </a:t>
+            </a:r>
+            <a:r>
+              <a:rPr lang="en-US" dirty="0" err="1" smtClean="0"/>
+              <a:t>màu</a:t>
+            </a:r>
+            <a:r>
+              <a:rPr lang="en-US" dirty="0" smtClean="0"/>
+              <a:t> size) </a:t>
+            </a:r>
+            <a:r>
+              <a:rPr lang="en-US" dirty="0" err="1" smtClean="0"/>
+              <a:t>trong</a:t>
+            </a:r>
+            <a:r>
+              <a:rPr lang="en-US" dirty="0" smtClean="0"/>
+              <a:t> CSDL. </a:t>
+            </a:r>
+          </a:p>
+          <a:p>
+            <a:r>
+              <a:rPr lang="en-US" dirty="0" smtClean="0"/>
+              <a:t>4. </a:t>
+            </a:r>
+            <a:r>
+              <a:rPr lang="en-US" dirty="0" err="1" smtClean="0"/>
+              <a:t>Thêm</a:t>
+            </a:r>
+            <a:r>
+              <a:rPr lang="en-US" dirty="0" smtClean="0"/>
+              <a:t> </a:t>
+            </a:r>
+            <a:r>
+              <a:rPr lang="en-US" dirty="0" err="1" smtClean="0"/>
+              <a:t>số</a:t>
+            </a:r>
+            <a:r>
+              <a:rPr lang="en-US" dirty="0" smtClean="0"/>
+              <a:t> </a:t>
+            </a:r>
+            <a:r>
+              <a:rPr lang="en-US" dirty="0" err="1" smtClean="0"/>
+              <a:t>lượng</a:t>
+            </a:r>
+            <a:r>
+              <a:rPr lang="en-US" dirty="0" smtClean="0"/>
+              <a:t> </a:t>
+            </a:r>
+            <a:r>
+              <a:rPr lang="en-US" dirty="0" err="1" smtClean="0"/>
+              <a:t>cần</a:t>
+            </a:r>
+            <a:r>
+              <a:rPr lang="en-US" dirty="0" smtClean="0"/>
+              <a:t> </a:t>
+            </a:r>
+            <a:r>
+              <a:rPr lang="en-US" dirty="0" err="1" smtClean="0"/>
+              <a:t>mua</a:t>
+            </a:r>
+            <a:r>
+              <a:rPr lang="en-US" dirty="0" smtClean="0"/>
+              <a:t> </a:t>
+            </a:r>
+            <a:r>
+              <a:rPr lang="en-US" dirty="0" err="1" smtClean="0"/>
+              <a:t>và</a:t>
+            </a:r>
+            <a:r>
+              <a:rPr lang="en-US" dirty="0" smtClean="0"/>
+              <a:t> </a:t>
+            </a:r>
+            <a:r>
+              <a:rPr lang="en-US" dirty="0" err="1" smtClean="0"/>
+              <a:t>thêm</a:t>
+            </a:r>
+            <a:r>
+              <a:rPr lang="en-US" dirty="0" smtClean="0"/>
+              <a:t> </a:t>
+            </a:r>
+            <a:r>
+              <a:rPr lang="en-US" dirty="0" err="1" smtClean="0"/>
+              <a:t>vào</a:t>
+            </a:r>
+            <a:r>
+              <a:rPr lang="en-US" dirty="0" smtClean="0"/>
+              <a:t> </a:t>
+            </a:r>
+            <a:r>
+              <a:rPr lang="en-US" dirty="0" err="1" smtClean="0"/>
+              <a:t>giỏ</a:t>
+            </a:r>
+            <a:r>
+              <a:rPr lang="en-US" dirty="0" smtClean="0"/>
+              <a:t> </a:t>
+            </a:r>
+            <a:r>
+              <a:rPr lang="en-US" dirty="0" err="1" smtClean="0"/>
+              <a:t>hàng</a:t>
+            </a:r>
+            <a:r>
+              <a:rPr lang="en-US" dirty="0" smtClean="0"/>
+              <a:t> (</a:t>
+            </a:r>
+            <a:r>
+              <a:rPr lang="en-US" dirty="0" err="1" smtClean="0"/>
+              <a:t>Số</a:t>
+            </a:r>
+            <a:r>
+              <a:rPr lang="en-US" dirty="0" smtClean="0"/>
+              <a:t> </a:t>
+            </a:r>
+            <a:r>
+              <a:rPr lang="en-US" dirty="0" err="1" smtClean="0"/>
+              <a:t>lượng</a:t>
+            </a:r>
+            <a:r>
+              <a:rPr lang="en-US" dirty="0" smtClean="0"/>
+              <a:t> </a:t>
+            </a:r>
+            <a:r>
+              <a:rPr lang="en-US" dirty="0" err="1" smtClean="0"/>
+              <a:t>thêm</a:t>
+            </a:r>
+            <a:r>
+              <a:rPr lang="en-US" dirty="0" smtClean="0"/>
+              <a:t> </a:t>
+            </a:r>
+            <a:r>
+              <a:rPr lang="en-US" dirty="0" err="1" smtClean="0"/>
+              <a:t>phải</a:t>
+            </a:r>
+            <a:r>
+              <a:rPr lang="en-US" dirty="0" smtClean="0"/>
+              <a:t> </a:t>
+            </a:r>
+            <a:r>
+              <a:rPr lang="en-US" dirty="0" err="1" smtClean="0"/>
+              <a:t>nhỏ</a:t>
+            </a:r>
+            <a:r>
+              <a:rPr lang="en-US" dirty="0" smtClean="0"/>
+              <a:t> </a:t>
+            </a:r>
+            <a:r>
+              <a:rPr lang="en-US" dirty="0" err="1" smtClean="0"/>
+              <a:t>hơn</a:t>
+            </a:r>
+            <a:r>
+              <a:rPr lang="en-US" dirty="0" smtClean="0"/>
+              <a:t> </a:t>
+            </a:r>
+            <a:r>
+              <a:rPr lang="en-US" dirty="0" err="1" smtClean="0"/>
+              <a:t>hoặc</a:t>
+            </a:r>
+            <a:r>
+              <a:rPr lang="en-US" dirty="0" smtClean="0"/>
+              <a:t> </a:t>
+            </a:r>
+            <a:r>
+              <a:rPr lang="en-US" dirty="0" err="1" smtClean="0"/>
+              <a:t>bằng</a:t>
+            </a:r>
+            <a:r>
+              <a:rPr lang="en-US" dirty="0" smtClean="0"/>
+              <a:t> </a:t>
+            </a:r>
+            <a:r>
+              <a:rPr lang="en-US" dirty="0" err="1" smtClean="0"/>
+              <a:t>số</a:t>
+            </a:r>
+            <a:r>
+              <a:rPr lang="en-US" dirty="0" smtClean="0"/>
+              <a:t> </a:t>
+            </a:r>
+            <a:r>
+              <a:rPr lang="en-US" dirty="0" err="1" smtClean="0"/>
+              <a:t>lượng</a:t>
+            </a:r>
+            <a:r>
+              <a:rPr lang="en-US" dirty="0" smtClean="0"/>
+              <a:t> </a:t>
+            </a:r>
+            <a:r>
+              <a:rPr lang="en-US" dirty="0" err="1" smtClean="0"/>
+              <a:t>biến</a:t>
+            </a:r>
+            <a:r>
+              <a:rPr lang="en-US" dirty="0" smtClean="0"/>
+              <a:t> </a:t>
+            </a:r>
+            <a:r>
+              <a:rPr lang="en-US" dirty="0" err="1" smtClean="0"/>
+              <a:t>thể</a:t>
+            </a:r>
+            <a:r>
+              <a:rPr lang="en-US" dirty="0" smtClean="0"/>
+              <a:t> </a:t>
+            </a:r>
+            <a:r>
+              <a:rPr lang="en-US" dirty="0" err="1" smtClean="0"/>
+              <a:t>sản</a:t>
+            </a:r>
+            <a:r>
+              <a:rPr lang="en-US" dirty="0" smtClean="0"/>
+              <a:t> </a:t>
+            </a:r>
+            <a:r>
+              <a:rPr lang="en-US" dirty="0" err="1" smtClean="0"/>
+              <a:t>phẩm</a:t>
+            </a:r>
+            <a:r>
+              <a:rPr lang="en-US" dirty="0" smtClean="0"/>
+              <a:t> </a:t>
+            </a:r>
+            <a:r>
+              <a:rPr lang="en-US" dirty="0" err="1" smtClean="0"/>
+              <a:t>tồn</a:t>
+            </a:r>
+            <a:r>
+              <a:rPr lang="en-US" dirty="0" smtClean="0"/>
+              <a:t> </a:t>
+            </a:r>
+            <a:r>
+              <a:rPr lang="en-US" dirty="0" err="1" smtClean="0"/>
+              <a:t>trong</a:t>
+            </a:r>
+            <a:r>
+              <a:rPr lang="en-US" dirty="0" smtClean="0"/>
+              <a:t> </a:t>
+            </a:r>
+            <a:r>
+              <a:rPr lang="en-US" dirty="0" err="1" smtClean="0"/>
+              <a:t>kho</a:t>
+            </a:r>
+            <a:r>
+              <a:rPr lang="en-US" dirty="0" smtClean="0"/>
+              <a:t>)</a:t>
+            </a:r>
+            <a:endParaRPr lang="en-US" dirty="0"/>
+          </a:p>
+        </p:txBody>
+      </p:sp>
+      <p:cxnSp>
+        <p:nvCxnSpPr>
+          <p:cNvPr id="28" name="Straight Arrow Connector 27"/>
+          <p:cNvCxnSpPr/>
+          <p:nvPr/>
+        </p:nvCxnSpPr>
+        <p:spPr>
+          <a:xfrm flipV="1">
+            <a:off x="4204947" y="1312013"/>
+            <a:ext cx="554089" cy="9401"/>
+          </a:xfrm>
+          <a:prstGeom prst="straightConnector1">
+            <a:avLst/>
+          </a:prstGeom>
+          <a:ln>
+            <a:tailEnd type="triangle"/>
+          </a:ln>
+        </p:spPr>
+        <p:style>
+          <a:lnRef idx="1">
+            <a:schemeClr val="accent1"/>
+          </a:lnRef>
+          <a:fillRef idx="0">
+            <a:schemeClr val="accent1"/>
+          </a:fillRef>
+          <a:effectRef idx="0">
+            <a:schemeClr val="accent1"/>
+          </a:effectRef>
+          <a:fontRef idx="minor">
+            <a:schemeClr val="tx1"/>
+          </a:fontRef>
+        </p:style>
+      </p:cxnSp>
+    </p:spTree>
+    <p:extLst>
+      <p:ext uri="{BB962C8B-B14F-4D97-AF65-F5344CB8AC3E}">
+        <p14:creationId xmlns:p14="http://schemas.microsoft.com/office/powerpoint/2010/main" val="1992195801"/>
+      </p:ext>
+    </p:extLst>
+  </p:cSld>
+  <p:clrMapOvr>
+    <a:masterClrMapping/>
+  </p:clrMapOvr>
+</p:sld>
+</file>
+
+<file path=ppt/slides/slide8.xml><?xml version="1.0" encoding="utf-8"?>
+<p:sld xmlns:a="http://schemas.openxmlformats.org/drawingml/2006/main" xmlns:r="http://schemas.openxmlformats.org/officeDocument/2006/relationships" xmlns:p="http://schemas.openxmlformats.org/presentationml/2006/main">
+  <p:cSld>
+    <p:spTree>
+      <p:nvGrpSpPr>
+        <p:cNvPr id="1" name=""/>
+        <p:cNvGrpSpPr/>
+        <p:nvPr/>
+      </p:nvGrpSpPr>
+      <p:grpSpPr>
+        <a:xfrm>
+          <a:off x="0" y="0"/>
+          <a:ext cx="0" cy="0"/>
+          <a:chOff x="0" y="0"/>
+          <a:chExt cx="0" cy="0"/>
+        </a:xfrm>
+      </p:grpSpPr>
+      <p:sp>
+        <p:nvSpPr>
+          <p:cNvPr id="3" name="Slide Number Placeholder 2"/>
+          <p:cNvSpPr>
+            <a:spLocks noGrp="1"/>
+          </p:cNvSpPr>
+          <p:nvPr>
+            <p:ph type="sldNum" idx="12"/>
+          </p:nvPr>
+        </p:nvSpPr>
+        <p:spPr/>
+        <p:txBody>
+          <a:bodyPr/>
+          <a:lstStyle/>
+          <a:p>
+            <a:pPr marL="0" lvl="0" indent="0" algn="ctr" rtl="0">
+              <a:spcBef>
+                <a:spcPts val="0"/>
+              </a:spcBef>
+              <a:spcAft>
+                <a:spcPts val="0"/>
+              </a:spcAft>
+              <a:buNone/>
+            </a:pPr>
+            <a:fld id="{00000000-1234-1234-1234-123412341234}" type="slidenum">
+              <a:rPr lang="en" smtClean="0"/>
+              <a:t>8</a:t>
             </a:fld>
             <a:endParaRPr lang="en"/>
           </a:p>
@@ -34028,7 +37199,7 @@
 </p:sld>
 </file>
 
-<file path=ppt/slides/slide7.xml><?xml version="1.0" encoding="utf-8"?>
+<file path=ppt/slides/slide9.xml><?xml version="1.0" encoding="utf-8"?>
 <p:sld xmlns:a="http://schemas.openxmlformats.org/drawingml/2006/main" xmlns:r="http://schemas.openxmlformats.org/officeDocument/2006/relationships" xmlns:p="http://schemas.openxmlformats.org/presentationml/2006/main">
   <p:cSld>
     <p:spTree>
@@ -34071,7 +37242,7 @@
             </a:pPr>
             <a:fld id="{00000000-1234-1234-1234-123412341234}" type="slidenum">
               <a:rPr lang="en" smtClean="0"/>
-              <a:t>7</a:t>
+              <a:t>9</a:t>
             </a:fld>
             <a:endParaRPr lang="en"/>
           </a:p>
@@ -34774,13 +37945,8 @@
             </a:r>
             <a:r>
               <a:rPr lang="en-US" dirty="0" smtClean="0"/>
-              <a:t>file </a:t>
-            </a:r>
-            <a:r>
-              <a:rPr lang="en-US" dirty="0" smtClean="0"/>
-              <a:t>“PDF”</a:t>
-            </a:r>
-            <a:endParaRPr lang="en-US" dirty="0" smtClean="0"/>
+              <a:t>file “PDF”</a:t>
+            </a:r>
           </a:p>
           <a:p>
             <a:pPr marL="342900" indent="-342900">
@@ -35693,1044 +38859,6 @@
 </p:sld>
 </file>
 
-<file path=ppt/slides/slide8.xml><?xml version="1.0" encoding="utf-8"?>
-<p:sld xmlns:a="http://schemas.openxmlformats.org/drawingml/2006/main" xmlns:r="http://schemas.openxmlformats.org/officeDocument/2006/relationships" xmlns:p="http://schemas.openxmlformats.org/presentationml/2006/main">
-  <p:cSld>
-    <p:spTree>
-      <p:nvGrpSpPr>
-        <p:cNvPr id="1" name=""/>
-        <p:cNvGrpSpPr/>
-        <p:nvPr/>
-      </p:nvGrpSpPr>
-      <p:grpSpPr>
-        <a:xfrm>
-          <a:off x="0" y="0"/>
-          <a:ext cx="0" cy="0"/>
-          <a:chOff x="0" y="0"/>
-          <a:chExt cx="0" cy="0"/>
-        </a:xfrm>
-      </p:grpSpPr>
-      <p:sp>
-        <p:nvSpPr>
-          <p:cNvPr id="3" name="Slide Number Placeholder 2"/>
-          <p:cNvSpPr>
-            <a:spLocks noGrp="1"/>
-          </p:cNvSpPr>
-          <p:nvPr>
-            <p:ph type="sldNum" idx="12"/>
-          </p:nvPr>
-        </p:nvSpPr>
-        <p:spPr/>
-        <p:txBody>
-          <a:bodyPr/>
-          <a:lstStyle/>
-          <a:p>
-            <a:pPr marL="0" lvl="0" indent="0" algn="ctr" rtl="0">
-              <a:spcBef>
-                <a:spcPts val="0"/>
-              </a:spcBef>
-              <a:spcAft>
-                <a:spcPts val="0"/>
-              </a:spcAft>
-              <a:buNone/>
-            </a:pPr>
-            <a:fld id="{00000000-1234-1234-1234-123412341234}" type="slidenum">
-              <a:rPr lang="en" smtClean="0"/>
-              <a:t>8</a:t>
-            </a:fld>
-            <a:endParaRPr lang="en"/>
-          </a:p>
-        </p:txBody>
-      </p:sp>
-      <p:sp>
-        <p:nvSpPr>
-          <p:cNvPr id="6" name="TextBox 5"/>
-          <p:cNvSpPr txBox="1"/>
-          <p:nvPr/>
-        </p:nvSpPr>
-        <p:spPr>
-          <a:xfrm>
-            <a:off x="1032164" y="840741"/>
-            <a:ext cx="8285018" cy="400110"/>
-          </a:xfrm>
-          <a:prstGeom prst="rect">
-            <a:avLst/>
-          </a:prstGeom>
-          <a:noFill/>
-        </p:spPr>
-        <p:txBody>
-          <a:bodyPr wrap="square" rtlCol="0">
-            <a:spAutoFit/>
-          </a:bodyPr>
-          <a:lstStyle/>
-          <a:p>
-            <a:r>
-              <a:rPr lang="en-US" sz="2000" b="1" dirty="0" smtClean="0">
-                <a:solidFill>
-                  <a:schemeClr val="accent1">
-                    <a:lumMod val="75000"/>
-                  </a:schemeClr>
-                </a:solidFill>
-                <a:latin typeface="Roboto Slab" panose="020B0604020202020204" charset="0"/>
-                <a:ea typeface="Roboto Slab" panose="020B0604020202020204" charset="0"/>
-              </a:rPr>
-              <a:t>2.1. </a:t>
-            </a:r>
-            <a:r>
-              <a:rPr lang="en-US" sz="2000" b="1" dirty="0" err="1" smtClean="0">
-                <a:solidFill>
-                  <a:schemeClr val="accent1">
-                    <a:lumMod val="75000"/>
-                  </a:schemeClr>
-                </a:solidFill>
-                <a:latin typeface="Roboto Slab" panose="020B0604020202020204" charset="0"/>
-                <a:ea typeface="Roboto Slab" panose="020B0604020202020204" charset="0"/>
-              </a:rPr>
-              <a:t>Phân</a:t>
-            </a:r>
-            <a:r>
-              <a:rPr lang="en-US" sz="2000" b="1" dirty="0" smtClean="0">
-                <a:solidFill>
-                  <a:schemeClr val="accent1">
-                    <a:lumMod val="75000"/>
-                  </a:schemeClr>
-                </a:solidFill>
-                <a:latin typeface="Roboto Slab" panose="020B0604020202020204" charset="0"/>
-                <a:ea typeface="Roboto Slab" panose="020B0604020202020204" charset="0"/>
-              </a:rPr>
-              <a:t> </a:t>
-            </a:r>
-            <a:r>
-              <a:rPr lang="en-US" sz="2000" b="1" dirty="0" err="1" smtClean="0">
-                <a:solidFill>
-                  <a:schemeClr val="accent1">
-                    <a:lumMod val="75000"/>
-                  </a:schemeClr>
-                </a:solidFill>
-                <a:latin typeface="Roboto Slab" panose="020B0604020202020204" charset="0"/>
-                <a:ea typeface="Roboto Slab" panose="020B0604020202020204" charset="0"/>
-              </a:rPr>
-              <a:t>tích</a:t>
-            </a:r>
-            <a:r>
-              <a:rPr lang="en-US" sz="2000" b="1" dirty="0" smtClean="0">
-                <a:solidFill>
-                  <a:schemeClr val="accent1">
-                    <a:lumMod val="75000"/>
-                  </a:schemeClr>
-                </a:solidFill>
-                <a:latin typeface="Roboto Slab" panose="020B0604020202020204" charset="0"/>
-                <a:ea typeface="Roboto Slab" panose="020B0604020202020204" charset="0"/>
-              </a:rPr>
-              <a:t> </a:t>
-            </a:r>
-            <a:r>
-              <a:rPr lang="en-US" sz="2000" b="1" dirty="0" err="1" smtClean="0">
-                <a:solidFill>
-                  <a:schemeClr val="accent1">
-                    <a:lumMod val="75000"/>
-                  </a:schemeClr>
-                </a:solidFill>
-                <a:latin typeface="Roboto Slab" panose="020B0604020202020204" charset="0"/>
-                <a:ea typeface="Roboto Slab" panose="020B0604020202020204" charset="0"/>
-              </a:rPr>
-              <a:t>thiết</a:t>
-            </a:r>
-            <a:r>
-              <a:rPr lang="en-US" sz="2000" b="1" dirty="0" smtClean="0">
-                <a:solidFill>
-                  <a:schemeClr val="accent1">
-                    <a:lumMod val="75000"/>
-                  </a:schemeClr>
-                </a:solidFill>
-                <a:latin typeface="Roboto Slab" panose="020B0604020202020204" charset="0"/>
-                <a:ea typeface="Roboto Slab" panose="020B0604020202020204" charset="0"/>
-              </a:rPr>
-              <a:t> </a:t>
-            </a:r>
-            <a:r>
-              <a:rPr lang="en-US" sz="2000" b="1" dirty="0" err="1" smtClean="0">
-                <a:solidFill>
-                  <a:schemeClr val="accent1">
-                    <a:lumMod val="75000"/>
-                  </a:schemeClr>
-                </a:solidFill>
-                <a:latin typeface="Roboto Slab" panose="020B0604020202020204" charset="0"/>
-                <a:ea typeface="Roboto Slab" panose="020B0604020202020204" charset="0"/>
-              </a:rPr>
-              <a:t>kế</a:t>
-            </a:r>
-            <a:r>
-              <a:rPr lang="en-US" sz="2000" b="1" dirty="0" smtClean="0">
-                <a:solidFill>
-                  <a:schemeClr val="accent1">
-                    <a:lumMod val="75000"/>
-                  </a:schemeClr>
-                </a:solidFill>
-                <a:latin typeface="Roboto Slab" panose="020B0604020202020204" charset="0"/>
-                <a:ea typeface="Roboto Slab" panose="020B0604020202020204" charset="0"/>
-              </a:rPr>
-              <a:t> </a:t>
-            </a:r>
-            <a:r>
-              <a:rPr lang="en-US" sz="2000" b="1" dirty="0" err="1" smtClean="0">
-                <a:solidFill>
-                  <a:schemeClr val="accent1">
-                    <a:lumMod val="75000"/>
-                  </a:schemeClr>
-                </a:solidFill>
-                <a:latin typeface="Roboto Slab" panose="020B0604020202020204" charset="0"/>
-                <a:ea typeface="Roboto Slab" panose="020B0604020202020204" charset="0"/>
-              </a:rPr>
-              <a:t>hệ</a:t>
-            </a:r>
-            <a:r>
-              <a:rPr lang="en-US" sz="2000" b="1" dirty="0" smtClean="0">
-                <a:solidFill>
-                  <a:schemeClr val="accent1">
-                    <a:lumMod val="75000"/>
-                  </a:schemeClr>
-                </a:solidFill>
-                <a:latin typeface="Roboto Slab" panose="020B0604020202020204" charset="0"/>
-                <a:ea typeface="Roboto Slab" panose="020B0604020202020204" charset="0"/>
-              </a:rPr>
-              <a:t> </a:t>
-            </a:r>
-            <a:r>
-              <a:rPr lang="en-US" sz="2000" b="1" dirty="0" err="1" smtClean="0">
-                <a:solidFill>
-                  <a:schemeClr val="accent1">
-                    <a:lumMod val="75000"/>
-                  </a:schemeClr>
-                </a:solidFill>
-                <a:latin typeface="Roboto Slab" panose="020B0604020202020204" charset="0"/>
-                <a:ea typeface="Roboto Slab" panose="020B0604020202020204" charset="0"/>
-              </a:rPr>
-              <a:t>thống</a:t>
-            </a:r>
-            <a:endParaRPr lang="en-US" sz="2000" b="1" dirty="0">
-              <a:solidFill>
-                <a:schemeClr val="accent1">
-                  <a:lumMod val="75000"/>
-                </a:schemeClr>
-              </a:solidFill>
-              <a:latin typeface="Roboto Slab" panose="020B0604020202020204" charset="0"/>
-              <a:ea typeface="Roboto Slab" panose="020B0604020202020204" charset="0"/>
-            </a:endParaRPr>
-          </a:p>
-        </p:txBody>
-      </p:sp>
-      <p:sp>
-        <p:nvSpPr>
-          <p:cNvPr id="7" name="TextBox 6"/>
-          <p:cNvSpPr txBox="1"/>
-          <p:nvPr/>
-        </p:nvSpPr>
-        <p:spPr>
-          <a:xfrm>
-            <a:off x="561109" y="422564"/>
-            <a:ext cx="8285018" cy="400110"/>
-          </a:xfrm>
-          <a:prstGeom prst="rect">
-            <a:avLst/>
-          </a:prstGeom>
-          <a:noFill/>
-        </p:spPr>
-        <p:txBody>
-          <a:bodyPr wrap="square" rtlCol="0">
-            <a:spAutoFit/>
-          </a:bodyPr>
-          <a:lstStyle/>
-          <a:p>
-            <a:r>
-              <a:rPr lang="en-US" sz="2000" b="1" dirty="0" smtClean="0">
-                <a:solidFill>
-                  <a:schemeClr val="accent1">
-                    <a:lumMod val="75000"/>
-                  </a:schemeClr>
-                </a:solidFill>
-                <a:latin typeface="Roboto Slab" panose="020B0604020202020204" charset="0"/>
-                <a:ea typeface="Roboto Slab" panose="020B0604020202020204" charset="0"/>
-              </a:rPr>
-              <a:t>2. PHÂN TÍCH THIẾT KẾ HỆ THỐNG VÀ THIẾT KẾ CƠ SỞ DỮ LIỆU</a:t>
-            </a:r>
-            <a:endParaRPr lang="en-US" sz="2000" b="1" dirty="0">
-              <a:solidFill>
-                <a:schemeClr val="accent1">
-                  <a:lumMod val="75000"/>
-                </a:schemeClr>
-              </a:solidFill>
-              <a:latin typeface="Roboto Slab" panose="020B0604020202020204" charset="0"/>
-              <a:ea typeface="Roboto Slab" panose="020B0604020202020204" charset="0"/>
-            </a:endParaRPr>
-          </a:p>
-        </p:txBody>
-      </p:sp>
-      <p:pic>
-        <p:nvPicPr>
-          <p:cNvPr id="12" name="Picture 11"/>
-          <p:cNvPicPr/>
-          <p:nvPr/>
-        </p:nvPicPr>
-        <p:blipFill>
-          <a:blip r:embed="rId2"/>
-          <a:stretch>
-            <a:fillRect/>
-          </a:stretch>
-        </p:blipFill>
-        <p:spPr>
-          <a:xfrm>
-            <a:off x="1409958" y="1807865"/>
-            <a:ext cx="6168478" cy="1956787"/>
-          </a:xfrm>
-          <a:prstGeom prst="rect">
-            <a:avLst/>
-          </a:prstGeom>
-        </p:spPr>
-      </p:pic>
-      <p:sp>
-        <p:nvSpPr>
-          <p:cNvPr id="13" name="TextBox 12"/>
-          <p:cNvSpPr txBox="1"/>
-          <p:nvPr/>
-        </p:nvSpPr>
-        <p:spPr>
-          <a:xfrm>
-            <a:off x="1080656" y="1258918"/>
-            <a:ext cx="8285018" cy="400110"/>
-          </a:xfrm>
-          <a:prstGeom prst="rect">
-            <a:avLst/>
-          </a:prstGeom>
-          <a:noFill/>
-        </p:spPr>
-        <p:txBody>
-          <a:bodyPr wrap="square" rtlCol="0">
-            <a:spAutoFit/>
-          </a:bodyPr>
-          <a:lstStyle/>
-          <a:p>
-            <a:r>
-              <a:rPr lang="en-US" sz="2000" b="1" dirty="0" err="1" smtClean="0">
-                <a:solidFill>
-                  <a:schemeClr val="accent1">
-                    <a:lumMod val="75000"/>
-                  </a:schemeClr>
-                </a:solidFill>
-                <a:latin typeface="Roboto Slab" panose="020B0604020202020204" charset="0"/>
-                <a:ea typeface="Roboto Slab" panose="020B0604020202020204" charset="0"/>
-              </a:rPr>
-              <a:t>Sơ</a:t>
-            </a:r>
-            <a:r>
-              <a:rPr lang="en-US" sz="2000" b="1" dirty="0" smtClean="0">
-                <a:solidFill>
-                  <a:schemeClr val="accent1">
-                    <a:lumMod val="75000"/>
-                  </a:schemeClr>
-                </a:solidFill>
-                <a:latin typeface="Roboto Slab" panose="020B0604020202020204" charset="0"/>
-                <a:ea typeface="Roboto Slab" panose="020B0604020202020204" charset="0"/>
-              </a:rPr>
-              <a:t> </a:t>
-            </a:r>
-            <a:r>
-              <a:rPr lang="en-US" sz="2000" b="1" dirty="0" err="1" smtClean="0">
-                <a:solidFill>
-                  <a:schemeClr val="accent1">
-                    <a:lumMod val="75000"/>
-                  </a:schemeClr>
-                </a:solidFill>
-                <a:latin typeface="Roboto Slab" panose="020B0604020202020204" charset="0"/>
-                <a:ea typeface="Roboto Slab" panose="020B0604020202020204" charset="0"/>
-              </a:rPr>
-              <a:t>đồ</a:t>
-            </a:r>
-            <a:r>
-              <a:rPr lang="en-US" sz="2000" b="1" dirty="0" smtClean="0">
-                <a:solidFill>
-                  <a:schemeClr val="accent1">
-                    <a:lumMod val="75000"/>
-                  </a:schemeClr>
-                </a:solidFill>
-                <a:latin typeface="Roboto Slab" panose="020B0604020202020204" charset="0"/>
-                <a:ea typeface="Roboto Slab" panose="020B0604020202020204" charset="0"/>
-              </a:rPr>
-              <a:t> </a:t>
-            </a:r>
-            <a:r>
-              <a:rPr lang="en-US" sz="2000" b="1" dirty="0" err="1" smtClean="0">
-                <a:solidFill>
-                  <a:schemeClr val="accent1">
-                    <a:lumMod val="75000"/>
-                  </a:schemeClr>
-                </a:solidFill>
-                <a:latin typeface="Roboto Slab" panose="020B0604020202020204" charset="0"/>
-                <a:ea typeface="Roboto Slab" panose="020B0604020202020204" charset="0"/>
-              </a:rPr>
-              <a:t>tổ</a:t>
-            </a:r>
-            <a:r>
-              <a:rPr lang="en-US" sz="2000" b="1" dirty="0" smtClean="0">
-                <a:solidFill>
-                  <a:schemeClr val="accent1">
-                    <a:lumMod val="75000"/>
-                  </a:schemeClr>
-                </a:solidFill>
-                <a:latin typeface="Roboto Slab" panose="020B0604020202020204" charset="0"/>
-                <a:ea typeface="Roboto Slab" panose="020B0604020202020204" charset="0"/>
-              </a:rPr>
-              <a:t> </a:t>
-            </a:r>
-            <a:r>
-              <a:rPr lang="en-US" sz="2000" b="1" dirty="0" err="1" smtClean="0">
-                <a:solidFill>
-                  <a:schemeClr val="accent1">
-                    <a:lumMod val="75000"/>
-                  </a:schemeClr>
-                </a:solidFill>
-                <a:latin typeface="Roboto Slab" panose="020B0604020202020204" charset="0"/>
-                <a:ea typeface="Roboto Slab" panose="020B0604020202020204" charset="0"/>
-              </a:rPr>
-              <a:t>chức</a:t>
-            </a:r>
-            <a:endParaRPr lang="en-US" sz="2000" b="1" dirty="0">
-              <a:solidFill>
-                <a:schemeClr val="accent1">
-                  <a:lumMod val="75000"/>
-                </a:schemeClr>
-              </a:solidFill>
-              <a:latin typeface="Roboto Slab" panose="020B0604020202020204" charset="0"/>
-              <a:ea typeface="Roboto Slab" panose="020B0604020202020204" charset="0"/>
-            </a:endParaRPr>
-          </a:p>
-        </p:txBody>
-      </p:sp>
-    </p:spTree>
-    <p:extLst>
-      <p:ext uri="{BB962C8B-B14F-4D97-AF65-F5344CB8AC3E}">
-        <p14:creationId xmlns:p14="http://schemas.microsoft.com/office/powerpoint/2010/main" val="2404606759"/>
-      </p:ext>
-    </p:extLst>
-  </p:cSld>
-  <p:clrMapOvr>
-    <a:masterClrMapping/>
-  </p:clrMapOvr>
-  <p:timing>
-    <p:tnLst>
-      <p:par>
-        <p:cTn id="1" dur="indefinite" restart="never" nodeType="tmRoot">
-          <p:childTnLst>
-            <p:seq concurrent="1" nextAc="seek">
-              <p:cTn id="2" dur="indefinite" nodeType="mainSeq">
-                <p:childTnLst>
-                  <p:par>
-                    <p:cTn id="3" fill="hold">
-                      <p:stCondLst>
-                        <p:cond delay="indefinite"/>
-                      </p:stCondLst>
-                      <p:childTnLst>
-                        <p:par>
-                          <p:cTn id="4" fill="hold">
-                            <p:stCondLst>
-                              <p:cond delay="0"/>
-                            </p:stCondLst>
-                            <p:childTnLst>
-                              <p:par>
-                                <p:cTn id="5" presetID="14" presetClass="entr" presetSubtype="10" fill="hold" grpId="0" nodeType="clickEffect">
-                                  <p:stCondLst>
-                                    <p:cond delay="0"/>
-                                  </p:stCondLst>
-                                  <p:childTnLst>
-                                    <p:set>
-                                      <p:cBhvr>
-                                        <p:cTn id="6" dur="1" fill="hold">
-                                          <p:stCondLst>
-                                            <p:cond delay="0"/>
-                                          </p:stCondLst>
-                                        </p:cTn>
-                                        <p:tgtEl>
-                                          <p:spTgt spid="7"/>
-                                        </p:tgtEl>
-                                        <p:attrNameLst>
-                                          <p:attrName>style.visibility</p:attrName>
-                                        </p:attrNameLst>
-                                      </p:cBhvr>
-                                      <p:to>
-                                        <p:strVal val="visible"/>
-                                      </p:to>
-                                    </p:set>
-                                    <p:animEffect transition="in" filter="randombar(horizontal)">
-                                      <p:cBhvr>
-                                        <p:cTn id="7" dur="500"/>
-                                        <p:tgtEl>
-                                          <p:spTgt spid="7"/>
-                                        </p:tgtEl>
-                                      </p:cBhvr>
-                                    </p:animEffect>
-                                  </p:childTnLst>
-                                </p:cTn>
-                              </p:par>
-                            </p:childTnLst>
-                          </p:cTn>
-                        </p:par>
-                      </p:childTnLst>
-                    </p:cTn>
-                  </p:par>
-                  <p:par>
-                    <p:cTn id="8" fill="hold">
-                      <p:stCondLst>
-                        <p:cond delay="indefinite"/>
-                      </p:stCondLst>
-                      <p:childTnLst>
-                        <p:par>
-                          <p:cTn id="9" fill="hold">
-                            <p:stCondLst>
-                              <p:cond delay="0"/>
-                            </p:stCondLst>
-                            <p:childTnLst>
-                              <p:par>
-                                <p:cTn id="10" presetID="14" presetClass="entr" presetSubtype="10" fill="hold" grpId="0" nodeType="clickEffect">
-                                  <p:stCondLst>
-                                    <p:cond delay="0"/>
-                                  </p:stCondLst>
-                                  <p:childTnLst>
-                                    <p:set>
-                                      <p:cBhvr>
-                                        <p:cTn id="11" dur="1" fill="hold">
-                                          <p:stCondLst>
-                                            <p:cond delay="0"/>
-                                          </p:stCondLst>
-                                        </p:cTn>
-                                        <p:tgtEl>
-                                          <p:spTgt spid="6"/>
-                                        </p:tgtEl>
-                                        <p:attrNameLst>
-                                          <p:attrName>style.visibility</p:attrName>
-                                        </p:attrNameLst>
-                                      </p:cBhvr>
-                                      <p:to>
-                                        <p:strVal val="visible"/>
-                                      </p:to>
-                                    </p:set>
-                                    <p:animEffect transition="in" filter="randombar(horizontal)">
-                                      <p:cBhvr>
-                                        <p:cTn id="12" dur="500"/>
-                                        <p:tgtEl>
-                                          <p:spTgt spid="6"/>
-                                        </p:tgtEl>
-                                      </p:cBhvr>
-                                    </p:animEffect>
-                                  </p:childTnLst>
-                                </p:cTn>
-                              </p:par>
-                            </p:childTnLst>
-                          </p:cTn>
-                        </p:par>
-                      </p:childTnLst>
-                    </p:cTn>
-                  </p:par>
-                  <p:par>
-                    <p:cTn id="13" fill="hold">
-                      <p:stCondLst>
-                        <p:cond delay="indefinite"/>
-                      </p:stCondLst>
-                      <p:childTnLst>
-                        <p:par>
-                          <p:cTn id="14" fill="hold">
-                            <p:stCondLst>
-                              <p:cond delay="0"/>
-                            </p:stCondLst>
-                            <p:childTnLst>
-                              <p:par>
-                                <p:cTn id="15" presetID="14" presetClass="entr" presetSubtype="10" fill="hold" grpId="0" nodeType="clickEffect">
-                                  <p:stCondLst>
-                                    <p:cond delay="0"/>
-                                  </p:stCondLst>
-                                  <p:childTnLst>
-                                    <p:set>
-                                      <p:cBhvr>
-                                        <p:cTn id="16" dur="1" fill="hold">
-                                          <p:stCondLst>
-                                            <p:cond delay="0"/>
-                                          </p:stCondLst>
-                                        </p:cTn>
-                                        <p:tgtEl>
-                                          <p:spTgt spid="13"/>
-                                        </p:tgtEl>
-                                        <p:attrNameLst>
-                                          <p:attrName>style.visibility</p:attrName>
-                                        </p:attrNameLst>
-                                      </p:cBhvr>
-                                      <p:to>
-                                        <p:strVal val="visible"/>
-                                      </p:to>
-                                    </p:set>
-                                    <p:animEffect transition="in" filter="randombar(horizontal)">
-                                      <p:cBhvr>
-                                        <p:cTn id="17" dur="500"/>
-                                        <p:tgtEl>
-                                          <p:spTgt spid="13"/>
-                                        </p:tgtEl>
-                                      </p:cBhvr>
-                                    </p:animEffect>
-                                  </p:childTnLst>
-                                </p:cTn>
-                              </p:par>
-                            </p:childTnLst>
-                          </p:cTn>
-                        </p:par>
-                      </p:childTnLst>
-                    </p:cTn>
-                  </p:par>
-                  <p:par>
-                    <p:cTn id="18" fill="hold">
-                      <p:stCondLst>
-                        <p:cond delay="indefinite"/>
-                      </p:stCondLst>
-                      <p:childTnLst>
-                        <p:par>
-                          <p:cTn id="19" fill="hold">
-                            <p:stCondLst>
-                              <p:cond delay="0"/>
-                            </p:stCondLst>
-                            <p:childTnLst>
-                              <p:par>
-                                <p:cTn id="20" presetID="14" presetClass="entr" presetSubtype="10" fill="hold" nodeType="clickEffect">
-                                  <p:stCondLst>
-                                    <p:cond delay="0"/>
-                                  </p:stCondLst>
-                                  <p:childTnLst>
-                                    <p:set>
-                                      <p:cBhvr>
-                                        <p:cTn id="21" dur="1" fill="hold">
-                                          <p:stCondLst>
-                                            <p:cond delay="0"/>
-                                          </p:stCondLst>
-                                        </p:cTn>
-                                        <p:tgtEl>
-                                          <p:spTgt spid="12"/>
-                                        </p:tgtEl>
-                                        <p:attrNameLst>
-                                          <p:attrName>style.visibility</p:attrName>
-                                        </p:attrNameLst>
-                                      </p:cBhvr>
-                                      <p:to>
-                                        <p:strVal val="visible"/>
-                                      </p:to>
-                                    </p:set>
-                                    <p:animEffect transition="in" filter="randombar(horizontal)">
-                                      <p:cBhvr>
-                                        <p:cTn id="22" dur="500"/>
-                                        <p:tgtEl>
-                                          <p:spTgt spid="12"/>
-                                        </p:tgtEl>
-                                      </p:cBhvr>
-                                    </p:animEffect>
-                                  </p:childTnLst>
-                                </p:cTn>
-                              </p:par>
-                            </p:childTnLst>
-                          </p:cTn>
-                        </p:par>
-                      </p:childTnLst>
-                    </p:cTn>
-                  </p:par>
-                </p:childTnLst>
-              </p:cTn>
-              <p:prevCondLst>
-                <p:cond evt="onPrev" delay="0">
-                  <p:tgtEl>
-                    <p:sldTgt/>
-                  </p:tgtEl>
-                </p:cond>
-              </p:prevCondLst>
-              <p:nextCondLst>
-                <p:cond evt="onNext" delay="0">
-                  <p:tgtEl>
-                    <p:sldTgt/>
-                  </p:tgtEl>
-                </p:cond>
-              </p:nextCondLst>
-            </p:seq>
-          </p:childTnLst>
-        </p:cTn>
-      </p:par>
-    </p:tnLst>
-    <p:bldLst>
-      <p:bldP spid="6" grpId="0"/>
-      <p:bldP spid="7" grpId="0"/>
-      <p:bldP spid="13" grpId="0"/>
-    </p:bldLst>
-  </p:timing>
-</p:sld>
-</file>
-
-<file path=ppt/slides/slide9.xml><?xml version="1.0" encoding="utf-8"?>
-<p:sld xmlns:a="http://schemas.openxmlformats.org/drawingml/2006/main" xmlns:r="http://schemas.openxmlformats.org/officeDocument/2006/relationships" xmlns:p="http://schemas.openxmlformats.org/presentationml/2006/main">
-  <p:cSld>
-    <p:spTree>
-      <p:nvGrpSpPr>
-        <p:cNvPr id="1" name=""/>
-        <p:cNvGrpSpPr/>
-        <p:nvPr/>
-      </p:nvGrpSpPr>
-      <p:grpSpPr>
-        <a:xfrm>
-          <a:off x="0" y="0"/>
-          <a:ext cx="0" cy="0"/>
-          <a:chOff x="0" y="0"/>
-          <a:chExt cx="0" cy="0"/>
-        </a:xfrm>
-      </p:grpSpPr>
-      <p:sp>
-        <p:nvSpPr>
-          <p:cNvPr id="3" name="Slide Number Placeholder 2"/>
-          <p:cNvSpPr>
-            <a:spLocks noGrp="1"/>
-          </p:cNvSpPr>
-          <p:nvPr>
-            <p:ph type="sldNum" idx="12"/>
-          </p:nvPr>
-        </p:nvSpPr>
-        <p:spPr/>
-        <p:txBody>
-          <a:bodyPr/>
-          <a:lstStyle/>
-          <a:p>
-            <a:pPr marL="0" lvl="0" indent="0" algn="ctr" rtl="0">
-              <a:spcBef>
-                <a:spcPts val="0"/>
-              </a:spcBef>
-              <a:spcAft>
-                <a:spcPts val="0"/>
-              </a:spcAft>
-              <a:buNone/>
-            </a:pPr>
-            <a:fld id="{00000000-1234-1234-1234-123412341234}" type="slidenum">
-              <a:rPr lang="en" smtClean="0"/>
-              <a:t>9</a:t>
-            </a:fld>
-            <a:endParaRPr lang="en"/>
-          </a:p>
-        </p:txBody>
-      </p:sp>
-      <p:sp>
-        <p:nvSpPr>
-          <p:cNvPr id="5" name="TextBox 4"/>
-          <p:cNvSpPr txBox="1"/>
-          <p:nvPr/>
-        </p:nvSpPr>
-        <p:spPr>
-          <a:xfrm>
-            <a:off x="637310" y="92596"/>
-            <a:ext cx="8285018" cy="400110"/>
-          </a:xfrm>
-          <a:prstGeom prst="rect">
-            <a:avLst/>
-          </a:prstGeom>
-          <a:noFill/>
-        </p:spPr>
-        <p:txBody>
-          <a:bodyPr wrap="square" rtlCol="0">
-            <a:spAutoFit/>
-          </a:bodyPr>
-          <a:lstStyle/>
-          <a:p>
-            <a:r>
-              <a:rPr lang="en-US" sz="2000" b="1" dirty="0" err="1" smtClean="0">
-                <a:solidFill>
-                  <a:schemeClr val="accent1">
-                    <a:lumMod val="75000"/>
-                  </a:schemeClr>
-                </a:solidFill>
-                <a:latin typeface="Roboto Slab" panose="020B0604020202020204" charset="0"/>
-                <a:ea typeface="Roboto Slab" panose="020B0604020202020204" charset="0"/>
-              </a:rPr>
-              <a:t>Sơ</a:t>
-            </a:r>
-            <a:r>
-              <a:rPr lang="en-US" sz="2000" b="1" dirty="0" smtClean="0">
-                <a:solidFill>
-                  <a:schemeClr val="accent1">
-                    <a:lumMod val="75000"/>
-                  </a:schemeClr>
-                </a:solidFill>
-                <a:latin typeface="Roboto Slab" panose="020B0604020202020204" charset="0"/>
-                <a:ea typeface="Roboto Slab" panose="020B0604020202020204" charset="0"/>
-              </a:rPr>
-              <a:t> </a:t>
-            </a:r>
-            <a:r>
-              <a:rPr lang="en-US" sz="2000" b="1" dirty="0" err="1" smtClean="0">
-                <a:solidFill>
-                  <a:schemeClr val="accent1">
-                    <a:lumMod val="75000"/>
-                  </a:schemeClr>
-                </a:solidFill>
-                <a:latin typeface="Roboto Slab" panose="020B0604020202020204" charset="0"/>
-                <a:ea typeface="Roboto Slab" panose="020B0604020202020204" charset="0"/>
-              </a:rPr>
-              <a:t>đồ</a:t>
-            </a:r>
-            <a:r>
-              <a:rPr lang="en-US" sz="2000" b="1" dirty="0" smtClean="0">
-                <a:solidFill>
-                  <a:schemeClr val="accent1">
-                    <a:lumMod val="75000"/>
-                  </a:schemeClr>
-                </a:solidFill>
-                <a:latin typeface="Roboto Slab" panose="020B0604020202020204" charset="0"/>
-                <a:ea typeface="Roboto Slab" panose="020B0604020202020204" charset="0"/>
-              </a:rPr>
-              <a:t> Use case </a:t>
-            </a:r>
-            <a:r>
-              <a:rPr lang="en-US" sz="2000" b="1" dirty="0" err="1" smtClean="0">
-                <a:solidFill>
-                  <a:schemeClr val="accent1">
-                    <a:lumMod val="75000"/>
-                  </a:schemeClr>
-                </a:solidFill>
-                <a:latin typeface="Roboto Slab" panose="020B0604020202020204" charset="0"/>
-                <a:ea typeface="Roboto Slab" panose="020B0604020202020204" charset="0"/>
-              </a:rPr>
-              <a:t>trang</a:t>
-            </a:r>
-            <a:r>
-              <a:rPr lang="en-US" sz="2000" b="1" dirty="0" smtClean="0">
-                <a:solidFill>
-                  <a:schemeClr val="accent1">
-                    <a:lumMod val="75000"/>
-                  </a:schemeClr>
-                </a:solidFill>
-                <a:latin typeface="Roboto Slab" panose="020B0604020202020204" charset="0"/>
-                <a:ea typeface="Roboto Slab" panose="020B0604020202020204" charset="0"/>
-              </a:rPr>
-              <a:t> </a:t>
-            </a:r>
-            <a:r>
-              <a:rPr lang="en-US" sz="2000" b="1" dirty="0" err="1" smtClean="0">
-                <a:solidFill>
-                  <a:schemeClr val="accent1">
-                    <a:lumMod val="75000"/>
-                  </a:schemeClr>
-                </a:solidFill>
-                <a:latin typeface="Roboto Slab" panose="020B0604020202020204" charset="0"/>
-                <a:ea typeface="Roboto Slab" panose="020B0604020202020204" charset="0"/>
-              </a:rPr>
-              <a:t>người</a:t>
-            </a:r>
-            <a:r>
-              <a:rPr lang="en-US" sz="2000" b="1" dirty="0" smtClean="0">
-                <a:solidFill>
-                  <a:schemeClr val="accent1">
-                    <a:lumMod val="75000"/>
-                  </a:schemeClr>
-                </a:solidFill>
-                <a:latin typeface="Roboto Slab" panose="020B0604020202020204" charset="0"/>
-                <a:ea typeface="Roboto Slab" panose="020B0604020202020204" charset="0"/>
-              </a:rPr>
-              <a:t> </a:t>
-            </a:r>
-            <a:r>
-              <a:rPr lang="en-US" sz="2000" b="1" dirty="0" err="1" smtClean="0">
-                <a:solidFill>
-                  <a:schemeClr val="accent1">
-                    <a:lumMod val="75000"/>
-                  </a:schemeClr>
-                </a:solidFill>
-                <a:latin typeface="Roboto Slab" panose="020B0604020202020204" charset="0"/>
-                <a:ea typeface="Roboto Slab" panose="020B0604020202020204" charset="0"/>
-              </a:rPr>
-              <a:t>dùng</a:t>
-            </a:r>
-            <a:endParaRPr lang="en-US" sz="2000" b="1" dirty="0">
-              <a:solidFill>
-                <a:schemeClr val="accent1">
-                  <a:lumMod val="75000"/>
-                </a:schemeClr>
-              </a:solidFill>
-              <a:latin typeface="Roboto Slab" panose="020B0604020202020204" charset="0"/>
-              <a:ea typeface="Roboto Slab" panose="020B0604020202020204" charset="0"/>
-            </a:endParaRPr>
-          </a:p>
-        </p:txBody>
-      </p:sp>
-      <p:pic>
-        <p:nvPicPr>
-          <p:cNvPr id="6" name="Picture 5"/>
-          <p:cNvPicPr/>
-          <p:nvPr/>
-        </p:nvPicPr>
-        <p:blipFill>
-          <a:blip r:embed="rId2"/>
-          <a:stretch>
-            <a:fillRect/>
-          </a:stretch>
-        </p:blipFill>
-        <p:spPr>
-          <a:xfrm>
-            <a:off x="1070262" y="603707"/>
-            <a:ext cx="7502237" cy="4065275"/>
-          </a:xfrm>
-          <a:prstGeom prst="rect">
-            <a:avLst/>
-          </a:prstGeom>
-        </p:spPr>
-      </p:pic>
-    </p:spTree>
-    <p:extLst>
-      <p:ext uri="{BB962C8B-B14F-4D97-AF65-F5344CB8AC3E}">
-        <p14:creationId xmlns:p14="http://schemas.microsoft.com/office/powerpoint/2010/main" val="3877468072"/>
-      </p:ext>
-    </p:extLst>
-  </p:cSld>
-  <p:clrMapOvr>
-    <a:masterClrMapping/>
-  </p:clrMapOvr>
-  <p:timing>
-    <p:tnLst>
-      <p:par>
-        <p:cTn id="1" dur="indefinite" restart="never" nodeType="tmRoot">
-          <p:childTnLst>
-            <p:seq concurrent="1" nextAc="seek">
-              <p:cTn id="2" dur="indefinite" nodeType="mainSeq">
-                <p:childTnLst>
-                  <p:par>
-                    <p:cTn id="3" fill="hold">
-                      <p:stCondLst>
-                        <p:cond delay="indefinite"/>
-                      </p:stCondLst>
-                      <p:childTnLst>
-                        <p:par>
-                          <p:cTn id="4" fill="hold">
-                            <p:stCondLst>
-                              <p:cond delay="0"/>
-                            </p:stCondLst>
-                            <p:childTnLst>
-                              <p:par>
-                                <p:cTn id="5" presetID="14" presetClass="entr" presetSubtype="10" fill="hold" grpId="0" nodeType="clickEffect">
-                                  <p:stCondLst>
-                                    <p:cond delay="0"/>
-                                  </p:stCondLst>
-                                  <p:childTnLst>
-                                    <p:set>
-                                      <p:cBhvr>
-                                        <p:cTn id="6" dur="1" fill="hold">
-                                          <p:stCondLst>
-                                            <p:cond delay="0"/>
-                                          </p:stCondLst>
-                                        </p:cTn>
-                                        <p:tgtEl>
-                                          <p:spTgt spid="5"/>
-                                        </p:tgtEl>
-                                        <p:attrNameLst>
-                                          <p:attrName>style.visibility</p:attrName>
-                                        </p:attrNameLst>
-                                      </p:cBhvr>
-                                      <p:to>
-                                        <p:strVal val="visible"/>
-                                      </p:to>
-                                    </p:set>
-                                    <p:animEffect transition="in" filter="randombar(horizontal)">
-                                      <p:cBhvr>
-                                        <p:cTn id="7" dur="500"/>
-                                        <p:tgtEl>
-                                          <p:spTgt spid="5"/>
-                                        </p:tgtEl>
-                                      </p:cBhvr>
-                                    </p:animEffect>
-                                  </p:childTnLst>
-                                </p:cTn>
-                              </p:par>
-                            </p:childTnLst>
-                          </p:cTn>
-                        </p:par>
-                      </p:childTnLst>
-                    </p:cTn>
-                  </p:par>
-                  <p:par>
-                    <p:cTn id="8" fill="hold">
-                      <p:stCondLst>
-                        <p:cond delay="indefinite"/>
-                      </p:stCondLst>
-                      <p:childTnLst>
-                        <p:par>
-                          <p:cTn id="9" fill="hold">
-                            <p:stCondLst>
-                              <p:cond delay="0"/>
-                            </p:stCondLst>
-                            <p:childTnLst>
-                              <p:par>
-                                <p:cTn id="10" presetID="10" presetClass="entr" presetSubtype="0" fill="hold" nodeType="clickEffect">
-                                  <p:stCondLst>
-                                    <p:cond delay="0"/>
-                                  </p:stCondLst>
-                                  <p:childTnLst>
-                                    <p:set>
-                                      <p:cBhvr>
-                                        <p:cTn id="11" dur="1" fill="hold">
-                                          <p:stCondLst>
-                                            <p:cond delay="0"/>
-                                          </p:stCondLst>
-                                        </p:cTn>
-                                        <p:tgtEl>
-                                          <p:spTgt spid="6"/>
-                                        </p:tgtEl>
-                                        <p:attrNameLst>
-                                          <p:attrName>style.visibility</p:attrName>
-                                        </p:attrNameLst>
-                                      </p:cBhvr>
-                                      <p:to>
-                                        <p:strVal val="visible"/>
-                                      </p:to>
-                                    </p:set>
-                                    <p:animEffect transition="in" filter="fade">
-                                      <p:cBhvr>
-                                        <p:cTn id="12" dur="500"/>
-                                        <p:tgtEl>
-                                          <p:spTgt spid="6"/>
-                                        </p:tgtEl>
-                                      </p:cBhvr>
-                                    </p:animEffect>
-                                  </p:childTnLst>
-                                </p:cTn>
-                              </p:par>
-                            </p:childTnLst>
-                          </p:cTn>
-                        </p:par>
-                      </p:childTnLst>
-                    </p:cTn>
-                  </p:par>
-                </p:childTnLst>
-              </p:cTn>
-              <p:prevCondLst>
-                <p:cond evt="onPrev" delay="0">
-                  <p:tgtEl>
-                    <p:sldTgt/>
-                  </p:tgtEl>
-                </p:cond>
-              </p:prevCondLst>
-              <p:nextCondLst>
-                <p:cond evt="onNext" delay="0">
-                  <p:tgtEl>
-                    <p:sldTgt/>
-                  </p:tgtEl>
-                </p:cond>
-              </p:nextCondLst>
-            </p:seq>
-          </p:childTnLst>
-        </p:cTn>
-      </p:par>
-    </p:tnLst>
-    <p:bldLst>
-      <p:bldP spid="5" grpId="0"/>
-    </p:bldLst>
-  </p:timing>
-</p:sld>
-</file>
-
 <file path=ppt/theme/theme1.xml><?xml version="1.0" encoding="utf-8"?>
 <a:theme xmlns:a="http://schemas.openxmlformats.org/drawingml/2006/main" name="Cordelia template">
   <a:themeElements>

--- a/Do An Tot Nghiep.pptx
+++ b/Do An Tot Nghiep.pptx
@@ -45,16 +45,16 @@
   <p:notesSz cx="6858000" cy="9144000"/>
   <p:embeddedFontLst>
     <p:embeddedFont>
-      <p:font typeface="Roboto Slab" panose="020B0604020202020204" charset="0"/>
+      <p:font typeface="Source Sans Pro" panose="020B0604020202020204" charset="0"/>
       <p:regular r:id="rId35"/>
       <p:bold r:id="rId36"/>
+      <p:italic r:id="rId37"/>
+      <p:boldItalic r:id="rId38"/>
     </p:embeddedFont>
     <p:embeddedFont>
-      <p:font typeface="Source Sans Pro" panose="020B0604020202020204" charset="0"/>
-      <p:regular r:id="rId37"/>
-      <p:bold r:id="rId38"/>
-      <p:italic r:id="rId39"/>
-      <p:boldItalic r:id="rId40"/>
+      <p:font typeface="Roboto Slab" panose="020B0604020202020204" charset="0"/>
+      <p:regular r:id="rId39"/>
+      <p:bold r:id="rId40"/>
     </p:embeddedFont>
   </p:embeddedFontLst>
   <p:defaultTextStyle>

--- a/Do An Tot Nghiep.pptx
+++ b/Do An Tot Nghiep.pptx
@@ -5,7 +5,7 @@
     <p:sldMasterId id="2147483658" r:id="rId1"/>
   </p:sldMasterIdLst>
   <p:notesMasterIdLst>
-    <p:notesMasterId r:id="rId34"/>
+    <p:notesMasterId r:id="rId28"/>
   </p:notesMasterIdLst>
   <p:sldIdLst>
     <p:sldId id="296" r:id="rId2"/>
@@ -24,37 +24,31 @@
     <p:sldId id="319" r:id="rId15"/>
     <p:sldId id="320" r:id="rId16"/>
     <p:sldId id="324" r:id="rId17"/>
-    <p:sldId id="304" r:id="rId18"/>
-    <p:sldId id="316" r:id="rId19"/>
-    <p:sldId id="329" r:id="rId20"/>
-    <p:sldId id="330" r:id="rId21"/>
-    <p:sldId id="315" r:id="rId22"/>
-    <p:sldId id="309" r:id="rId23"/>
-    <p:sldId id="308" r:id="rId24"/>
-    <p:sldId id="313" r:id="rId25"/>
-    <p:sldId id="310" r:id="rId26"/>
-    <p:sldId id="337" r:id="rId27"/>
-    <p:sldId id="338" r:id="rId28"/>
-    <p:sldId id="339" r:id="rId29"/>
-    <p:sldId id="340" r:id="rId30"/>
-    <p:sldId id="311" r:id="rId31"/>
-    <p:sldId id="312" r:id="rId32"/>
-    <p:sldId id="331" r:id="rId33"/>
+    <p:sldId id="308" r:id="rId18"/>
+    <p:sldId id="313" r:id="rId19"/>
+    <p:sldId id="310" r:id="rId20"/>
+    <p:sldId id="337" r:id="rId21"/>
+    <p:sldId id="338" r:id="rId22"/>
+    <p:sldId id="339" r:id="rId23"/>
+    <p:sldId id="340" r:id="rId24"/>
+    <p:sldId id="311" r:id="rId25"/>
+    <p:sldId id="312" r:id="rId26"/>
+    <p:sldId id="331" r:id="rId27"/>
   </p:sldIdLst>
   <p:sldSz cx="9144000" cy="5143500" type="screen16x9"/>
   <p:notesSz cx="6858000" cy="9144000"/>
   <p:embeddedFontLst>
     <p:embeddedFont>
-      <p:font typeface="Source Sans Pro" panose="020B0604020202020204" charset="0"/>
-      <p:regular r:id="rId35"/>
-      <p:bold r:id="rId36"/>
-      <p:italic r:id="rId37"/>
-      <p:boldItalic r:id="rId38"/>
+      <p:font typeface="Roboto Slab" panose="020B0604020202020204" charset="0"/>
+      <p:regular r:id="rId29"/>
+      <p:bold r:id="rId30"/>
     </p:embeddedFont>
     <p:embeddedFont>
-      <p:font typeface="Roboto Slab" panose="020B0604020202020204" charset="0"/>
-      <p:regular r:id="rId39"/>
-      <p:bold r:id="rId40"/>
+      <p:font typeface="Source Sans Pro" panose="020B0604020202020204" charset="0"/>
+      <p:regular r:id="rId31"/>
+      <p:bold r:id="rId32"/>
+      <p:italic r:id="rId33"/>
+      <p:boldItalic r:id="rId34"/>
     </p:embeddedFont>
   </p:embeddedFontLst>
   <p:defaultTextStyle>
@@ -4658,15 +4652,7 @@
                   <a:schemeClr val="accent2"/>
                 </a:solidFill>
               </a:rPr>
-              <a:t>XÂY DỰNG WEBSITE BÁN QUẦN ÁO BẰNG </a:t>
-            </a:r>
-            <a:r>
-              <a:rPr lang="en-US" sz="2000" dirty="0">
-                <a:solidFill>
-                  <a:schemeClr val="accent2"/>
-                </a:solidFill>
-              </a:rPr>
-              <a:t>FRAMEWORK </a:t>
+              <a:t>XÂY DỰNG WEBSITE BÁN </a:t>
             </a:r>
             <a:r>
               <a:rPr lang="en-US" sz="2000" dirty="0" smtClean="0">
@@ -4674,7 +4660,7 @@
                   <a:schemeClr val="accent2"/>
                 </a:solidFill>
               </a:rPr>
-              <a:t>ASP.NET CORE - ANGULAR</a:t>
+              <a:t>HÀNG QUẦN ÁO</a:t>
             </a:r>
             <a:endParaRPr lang="vi-VN" sz="2000" dirty="0">
               <a:solidFill>
@@ -6594,7 +6580,7 @@
         <p:spPr>
           <a:xfrm>
             <a:off x="741125" y="1319648"/>
-            <a:ext cx="5036221" cy="1600438"/>
+            <a:ext cx="5036221" cy="1169551"/>
           </a:xfrm>
           <a:prstGeom prst="rect">
             <a:avLst/>
@@ -6648,158 +6634,10 @@
               <a:t> </a:t>
             </a:r>
             <a:r>
-              <a:rPr lang="en-US" dirty="0" err="1"/>
-              <a:t>và</a:t>
-            </a:r>
-            <a:r>
-              <a:rPr lang="en-US" dirty="0"/>
-              <a:t> </a:t>
-            </a:r>
-            <a:r>
-              <a:rPr lang="en-US" dirty="0" err="1"/>
-              <a:t>được</a:t>
-            </a:r>
-            <a:r>
-              <a:rPr lang="en-US" dirty="0"/>
-              <a:t> </a:t>
-            </a:r>
-            <a:r>
-              <a:rPr lang="en-US" dirty="0" err="1"/>
-              <a:t>tối</a:t>
-            </a:r>
-            <a:r>
-              <a:rPr lang="en-US" dirty="0"/>
-              <a:t> </a:t>
-            </a:r>
-            <a:r>
-              <a:rPr lang="en-US" dirty="0" err="1"/>
-              <a:t>ưu</a:t>
-            </a:r>
-            <a:r>
-              <a:rPr lang="en-US" dirty="0"/>
-              <a:t> </a:t>
-            </a:r>
-            <a:r>
-              <a:rPr lang="en-US" dirty="0" err="1"/>
-              <a:t>hóa</a:t>
-            </a:r>
-            <a:r>
-              <a:rPr lang="en-US" dirty="0"/>
-              <a:t> </a:t>
-            </a:r>
-            <a:r>
-              <a:rPr lang="en-US" dirty="0" err="1"/>
-              <a:t>cho</a:t>
-            </a:r>
-            <a:r>
-              <a:rPr lang="en-US" dirty="0"/>
-              <a:t> cloud </a:t>
-            </a:r>
-            <a:r>
-              <a:rPr lang="en-US" dirty="0" err="1"/>
-              <a:t>để</a:t>
-            </a:r>
-            <a:r>
-              <a:rPr lang="en-US" dirty="0"/>
-              <a:t> </a:t>
-            </a:r>
-            <a:r>
-              <a:rPr lang="en-US" dirty="0" err="1"/>
-              <a:t>phát</a:t>
-            </a:r>
-            <a:r>
-              <a:rPr lang="en-US" dirty="0"/>
-              <a:t> </a:t>
-            </a:r>
-            <a:r>
-              <a:rPr lang="en-US" dirty="0" err="1"/>
-              <a:t>triển</a:t>
-            </a:r>
-            <a:r>
-              <a:rPr lang="en-US" dirty="0"/>
-              <a:t> </a:t>
-            </a:r>
-            <a:r>
-              <a:rPr lang="en-US" dirty="0" err="1"/>
-              <a:t>các</a:t>
-            </a:r>
-            <a:r>
-              <a:rPr lang="en-US" dirty="0"/>
-              <a:t> </a:t>
-            </a:r>
-            <a:r>
-              <a:rPr lang="en-US" dirty="0" err="1"/>
-              <a:t>ứng</a:t>
-            </a:r>
-            <a:r>
-              <a:rPr lang="en-US" dirty="0"/>
-              <a:t> </a:t>
-            </a:r>
-            <a:r>
-              <a:rPr lang="en-US" dirty="0" err="1"/>
-              <a:t>dụng</a:t>
-            </a:r>
-            <a:r>
-              <a:rPr lang="en-US" dirty="0"/>
-              <a:t> web </a:t>
-            </a:r>
-            <a:r>
-              <a:rPr lang="en-US" dirty="0" err="1"/>
-              <a:t>chạy</a:t>
-            </a:r>
-            <a:r>
-              <a:rPr lang="en-US" dirty="0"/>
-              <a:t> </a:t>
-            </a:r>
-            <a:r>
-              <a:rPr lang="en-US" dirty="0" err="1"/>
-              <a:t>trên</a:t>
-            </a:r>
-            <a:r>
-              <a:rPr lang="en-US" dirty="0"/>
-              <a:t> </a:t>
-            </a:r>
-            <a:r>
-              <a:rPr lang="en-US" dirty="0" err="1"/>
-              <a:t>nhiều</a:t>
-            </a:r>
-            <a:r>
-              <a:rPr lang="en-US" dirty="0"/>
-              <a:t> </a:t>
-            </a:r>
-            <a:r>
-              <a:rPr lang="en-US" dirty="0" err="1"/>
-              <a:t>nền</a:t>
-            </a:r>
-            <a:r>
-              <a:rPr lang="en-US" dirty="0"/>
-              <a:t> </a:t>
-            </a:r>
-            <a:r>
-              <a:rPr lang="en-US" dirty="0" err="1"/>
-              <a:t>tảng</a:t>
-            </a:r>
-            <a:r>
-              <a:rPr lang="en-US" dirty="0"/>
-              <a:t> </a:t>
-            </a:r>
-            <a:r>
-              <a:rPr lang="en-US" dirty="0" err="1"/>
-              <a:t>như</a:t>
-            </a:r>
-            <a:r>
-              <a:rPr lang="en-US" dirty="0"/>
-              <a:t> Windows, Linux </a:t>
-            </a:r>
-            <a:r>
-              <a:rPr lang="en-US" dirty="0" err="1"/>
-              <a:t>và</a:t>
-            </a:r>
-            <a:r>
-              <a:rPr lang="en-US" dirty="0"/>
-              <a:t> Mac. </a:t>
-            </a:r>
-            <a:endParaRPr lang="en-US" dirty="0" smtClean="0"/>
+              <a:rPr lang="en-US" dirty="0" err="1" smtClean="0"/>
+              <a:t>mở</a:t>
+            </a:r>
+            <a:endParaRPr lang="en-US" smtClean="0"/>
           </a:p>
           <a:p>
             <a:pPr marL="285750" indent="-285750">
@@ -6807,7 +6645,7 @@
               <a:buChar char="•"/>
             </a:pPr>
             <a:r>
-              <a:rPr lang="en-US" dirty="0" err="1" smtClean="0"/>
+              <a:rPr lang="en-US" smtClean="0"/>
               <a:t>Hiện</a:t>
             </a:r>
             <a:r>
@@ -10561,13 +10399,13 @@
       </p:sp>
       <p:sp>
         <p:nvSpPr>
-          <p:cNvPr id="4" name="TextBox 3"/>
+          <p:cNvPr id="6" name="TextBox 5"/>
           <p:cNvSpPr txBox="1"/>
           <p:nvPr/>
         </p:nvSpPr>
         <p:spPr>
           <a:xfrm>
-            <a:off x="588819" y="99524"/>
+            <a:off x="263236" y="112577"/>
             <a:ext cx="8285018" cy="400110"/>
           </a:xfrm>
           <a:prstGeom prst="rect">
@@ -10591,42 +10429,8 @@
                 <a:latin typeface="Roboto Slab" panose="020B0604020202020204" charset="0"/>
                 <a:ea typeface="Roboto Slab" panose="020B0604020202020204" charset="0"/>
               </a:rPr>
-              <a:t>4. CÁC BƯỚC XÂY DỰNG ĐỀ TÀI</a:t>
-            </a:r>
-            <a:endParaRPr lang="en-US" sz="2000" b="1" dirty="0">
-              <a:solidFill>
-                <a:schemeClr val="accent1">
-                  <a:lumMod val="75000"/>
-                </a:schemeClr>
-              </a:solidFill>
-              <a:latin typeface="Roboto Slab" panose="020B0604020202020204" charset="0"/>
-              <a:ea typeface="Roboto Slab" panose="020B0604020202020204" charset="0"/>
-            </a:endParaRPr>
-          </a:p>
-        </p:txBody>
-      </p:sp>
-      <p:sp>
-        <p:nvSpPr>
-          <p:cNvPr id="5" name="TextBox 4"/>
-          <p:cNvSpPr txBox="1"/>
-          <p:nvPr/>
-        </p:nvSpPr>
-        <p:spPr>
-          <a:xfrm>
-            <a:off x="588819" y="507432"/>
-            <a:ext cx="8285018" cy="400110"/>
-          </a:xfrm>
-          <a:prstGeom prst="rect">
-            <a:avLst/>
-          </a:prstGeom>
-          <a:noFill/>
-        </p:spPr>
-        <p:txBody>
-          <a:bodyPr wrap="square" rtlCol="0">
-            <a:spAutoFit/>
-          </a:bodyPr>
-          <a:lstStyle/>
-          <a:p>
+              <a:t>4.2. </a:t>
+            </a:r>
             <a:r>
               <a:rPr lang="en-US" sz="2000" b="1" dirty="0" smtClean="0">
                 <a:solidFill>
@@ -10637,7 +10441,19 @@
                 <a:latin typeface="Roboto Slab" panose="020B0604020202020204" charset="0"/>
                 <a:ea typeface="Roboto Slab" panose="020B0604020202020204" charset="0"/>
               </a:rPr>
-              <a:t>4.1. API</a:t>
+              <a:t>CẤU TRÚC THƯ MỤC HAI </a:t>
+            </a:r>
+            <a:r>
+              <a:rPr lang="en-US" sz="2000" b="1" dirty="0" smtClean="0">
+                <a:solidFill>
+                  <a:schemeClr val="accent1">
+                    <a:lumMod val="75000"/>
+                  </a:schemeClr>
+                </a:solidFill>
+                <a:latin typeface="Roboto Slab" panose="020B0604020202020204" charset="0"/>
+                <a:ea typeface="Roboto Slab" panose="020B0604020202020204" charset="0"/>
+              </a:rPr>
+              <a:t>TRANG ADMIN VÀ CLIENT</a:t>
             </a:r>
             <a:endParaRPr lang="en-US" sz="2000" b="1" dirty="0">
               <a:solidFill>
@@ -10653,7 +10469,7 @@
       </p:sp>
       <p:pic>
         <p:nvPicPr>
-          <p:cNvPr id="8" name="Picture 7"/>
+          <p:cNvPr id="7" name="Picture 6"/>
           <p:cNvPicPr/>
           <p:nvPr/>
         </p:nvPicPr>
@@ -10671,20 +10487,78 @@
         </p:blipFill>
         <p:spPr>
           <a:xfrm>
-            <a:off x="514999" y="966313"/>
-            <a:ext cx="2782383" cy="3287074"/>
+            <a:off x="374073" y="893618"/>
+            <a:ext cx="3415145" cy="4128654"/>
           </a:xfrm>
           <a:prstGeom prst="rect">
             <a:avLst/>
           </a:prstGeom>
         </p:spPr>
       </p:pic>
+      <p:sp>
+        <p:nvSpPr>
+          <p:cNvPr id="2" name="TextBox 1"/>
+          <p:cNvSpPr txBox="1"/>
+          <p:nvPr/>
+        </p:nvSpPr>
+        <p:spPr>
+          <a:xfrm>
+            <a:off x="374074" y="509710"/>
+            <a:ext cx="3713018" cy="307777"/>
+          </a:xfrm>
+          <a:prstGeom prst="rect">
+            <a:avLst/>
+          </a:prstGeom>
+          <a:noFill/>
+        </p:spPr>
+        <p:txBody>
+          <a:bodyPr wrap="square" rtlCol="0">
+            <a:spAutoFit/>
+          </a:bodyPr>
+          <a:lstStyle/>
+          <a:p>
+            <a:r>
+              <a:rPr lang="en-US" b="1" u="sng" dirty="0" smtClean="0"/>
+              <a:t>CẤU TRÚC THƯ MỤC PROJECT ADMIN</a:t>
+            </a:r>
+            <a:endParaRPr lang="en-US" b="1" u="sng" dirty="0"/>
+          </a:p>
+        </p:txBody>
+      </p:sp>
+      <p:sp>
+        <p:nvSpPr>
+          <p:cNvPr id="9" name="TextBox 8"/>
+          <p:cNvSpPr txBox="1"/>
+          <p:nvPr/>
+        </p:nvSpPr>
+        <p:spPr>
+          <a:xfrm>
+            <a:off x="4717474" y="509709"/>
+            <a:ext cx="3713018" cy="307777"/>
+          </a:xfrm>
+          <a:prstGeom prst="rect">
+            <a:avLst/>
+          </a:prstGeom>
+          <a:noFill/>
+        </p:spPr>
+        <p:txBody>
+          <a:bodyPr wrap="square" rtlCol="0">
+            <a:spAutoFit/>
+          </a:bodyPr>
+          <a:lstStyle/>
+          <a:p>
+            <a:r>
+              <a:rPr lang="en-US" b="1" u="sng" dirty="0" smtClean="0"/>
+              <a:t>CẤU TRÚC THƯ MỤC PROJECT CLIENT</a:t>
+            </a:r>
+            <a:endParaRPr lang="en-US" b="1" u="sng" dirty="0"/>
+          </a:p>
+        </p:txBody>
+      </p:sp>
       <p:pic>
         <p:nvPicPr>
-          <p:cNvPr id="2" name="Picture 1"/>
-          <p:cNvPicPr>
-            <a:picLocks noChangeAspect="1"/>
-          </p:cNvPicPr>
+          <p:cNvPr id="8" name="Picture 7"/>
+          <p:cNvPicPr/>
           <p:nvPr/>
         </p:nvPicPr>
         <p:blipFill>
@@ -10695,8 +10569,8 @@
         </p:blipFill>
         <p:spPr>
           <a:xfrm>
-            <a:off x="3647400" y="907541"/>
-            <a:ext cx="4802601" cy="3345845"/>
+            <a:off x="4717473" y="889528"/>
+            <a:ext cx="3657599" cy="4057116"/>
           </a:xfrm>
           <a:prstGeom prst="rect">
             <a:avLst/>
@@ -10706,7 +10580,7 @@
     </p:spTree>
     <p:extLst>
       <p:ext uri="{BB962C8B-B14F-4D97-AF65-F5344CB8AC3E}">
-        <p14:creationId xmlns:p14="http://schemas.microsoft.com/office/powerpoint/2010/main" val="575520786"/>
+        <p14:creationId xmlns:p14="http://schemas.microsoft.com/office/powerpoint/2010/main" val="1269981820"/>
       </p:ext>
     </p:extLst>
   </p:cSld>
@@ -10734,7 +10608,7 @@
                             </p:stCondLst>
                             <p:childTnLst>
                               <p:par>
-                                <p:cTn id="5" presetID="22" presetClass="entr" presetSubtype="4" fill="hold" grpId="0" nodeType="clickEffect">
+                                <p:cTn id="5" presetID="14" presetClass="entr" presetSubtype="10" fill="hold" grpId="0" nodeType="clickEffect">
                                   <p:stCondLst>
                                     <p:cond delay="0"/>
                                   </p:stCondLst>
@@ -10747,7 +10621,7 @@
                                           </p:stCondLst>
                                         </p:cTn>
                                         <p:tgtEl>
-                                          <p:spTgt spid="4"/>
+                                          <p:spTgt spid="6"/>
                                         </p:tgtEl>
                                         <p:attrNameLst>
                                           <p:attrName>style.visibility</p:attrName>
@@ -10757,11 +10631,774 @@
                                         <p:strVal val="visible"/>
                                       </p:to>
                                     </p:set>
-                                    <p:animEffect transition="in" filter="wipe(down)">
+                                    <p:animEffect transition="in" filter="randombar(horizontal)">
                                       <p:cBhvr>
                                         <p:cTn id="7" dur="500"/>
                                         <p:tgtEl>
-                                          <p:spTgt spid="4"/>
+                                          <p:spTgt spid="6"/>
+                                        </p:tgtEl>
+                                      </p:cBhvr>
+                                    </p:animEffect>
+                                  </p:childTnLst>
+                                </p:cTn>
+                              </p:par>
+                            </p:childTnLst>
+                          </p:cTn>
+                        </p:par>
+                      </p:childTnLst>
+                    </p:cTn>
+                  </p:par>
+                  <p:par>
+                    <p:cTn id="8" fill="hold">
+                      <p:stCondLst>
+                        <p:cond delay="indefinite"/>
+                      </p:stCondLst>
+                      <p:childTnLst>
+                        <p:par>
+                          <p:cTn id="9" fill="hold">
+                            <p:stCondLst>
+                              <p:cond delay="0"/>
+                            </p:stCondLst>
+                            <p:childTnLst>
+                              <p:par>
+                                <p:cTn id="10" presetID="14" presetClass="entr" presetSubtype="10" fill="hold" grpId="0" nodeType="clickEffect">
+                                  <p:stCondLst>
+                                    <p:cond delay="0"/>
+                                  </p:stCondLst>
+                                  <p:childTnLst>
+                                    <p:set>
+                                      <p:cBhvr>
+                                        <p:cTn id="11" dur="1" fill="hold">
+                                          <p:stCondLst>
+                                            <p:cond delay="0"/>
+                                          </p:stCondLst>
+                                        </p:cTn>
+                                        <p:tgtEl>
+                                          <p:spTgt spid="2"/>
+                                        </p:tgtEl>
+                                        <p:attrNameLst>
+                                          <p:attrName>style.visibility</p:attrName>
+                                        </p:attrNameLst>
+                                      </p:cBhvr>
+                                      <p:to>
+                                        <p:strVal val="visible"/>
+                                      </p:to>
+                                    </p:set>
+                                    <p:animEffect transition="in" filter="randombar(horizontal)">
+                                      <p:cBhvr>
+                                        <p:cTn id="12" dur="500"/>
+                                        <p:tgtEl>
+                                          <p:spTgt spid="2"/>
+                                        </p:tgtEl>
+                                      </p:cBhvr>
+                                    </p:animEffect>
+                                  </p:childTnLst>
+                                </p:cTn>
+                              </p:par>
+                            </p:childTnLst>
+                          </p:cTn>
+                        </p:par>
+                      </p:childTnLst>
+                    </p:cTn>
+                  </p:par>
+                  <p:par>
+                    <p:cTn id="13" fill="hold">
+                      <p:stCondLst>
+                        <p:cond delay="indefinite"/>
+                      </p:stCondLst>
+                      <p:childTnLst>
+                        <p:par>
+                          <p:cTn id="14" fill="hold">
+                            <p:stCondLst>
+                              <p:cond delay="0"/>
+                            </p:stCondLst>
+                            <p:childTnLst>
+                              <p:par>
+                                <p:cTn id="15" presetID="14" presetClass="entr" presetSubtype="10" fill="hold" nodeType="clickEffect">
+                                  <p:stCondLst>
+                                    <p:cond delay="0"/>
+                                  </p:stCondLst>
+                                  <p:childTnLst>
+                                    <p:set>
+                                      <p:cBhvr>
+                                        <p:cTn id="16" dur="1" fill="hold">
+                                          <p:stCondLst>
+                                            <p:cond delay="0"/>
+                                          </p:stCondLst>
+                                        </p:cTn>
+                                        <p:tgtEl>
+                                          <p:spTgt spid="7"/>
+                                        </p:tgtEl>
+                                        <p:attrNameLst>
+                                          <p:attrName>style.visibility</p:attrName>
+                                        </p:attrNameLst>
+                                      </p:cBhvr>
+                                      <p:to>
+                                        <p:strVal val="visible"/>
+                                      </p:to>
+                                    </p:set>
+                                    <p:animEffect transition="in" filter="randombar(horizontal)">
+                                      <p:cBhvr>
+                                        <p:cTn id="17" dur="500"/>
+                                        <p:tgtEl>
+                                          <p:spTgt spid="7"/>
+                                        </p:tgtEl>
+                                      </p:cBhvr>
+                                    </p:animEffect>
+                                  </p:childTnLst>
+                                </p:cTn>
+                              </p:par>
+                            </p:childTnLst>
+                          </p:cTn>
+                        </p:par>
+                      </p:childTnLst>
+                    </p:cTn>
+                  </p:par>
+                  <p:par>
+                    <p:cTn id="18" fill="hold">
+                      <p:stCondLst>
+                        <p:cond delay="indefinite"/>
+                      </p:stCondLst>
+                      <p:childTnLst>
+                        <p:par>
+                          <p:cTn id="19" fill="hold">
+                            <p:stCondLst>
+                              <p:cond delay="0"/>
+                            </p:stCondLst>
+                            <p:childTnLst>
+                              <p:par>
+                                <p:cTn id="20" presetID="14" presetClass="entr" presetSubtype="10" fill="hold" grpId="0" nodeType="clickEffect">
+                                  <p:stCondLst>
+                                    <p:cond delay="0"/>
+                                  </p:stCondLst>
+                                  <p:childTnLst>
+                                    <p:set>
+                                      <p:cBhvr>
+                                        <p:cTn id="21" dur="1" fill="hold">
+                                          <p:stCondLst>
+                                            <p:cond delay="0"/>
+                                          </p:stCondLst>
+                                        </p:cTn>
+                                        <p:tgtEl>
+                                          <p:spTgt spid="9"/>
+                                        </p:tgtEl>
+                                        <p:attrNameLst>
+                                          <p:attrName>style.visibility</p:attrName>
+                                        </p:attrNameLst>
+                                      </p:cBhvr>
+                                      <p:to>
+                                        <p:strVal val="visible"/>
+                                      </p:to>
+                                    </p:set>
+                                    <p:animEffect transition="in" filter="randombar(horizontal)">
+                                      <p:cBhvr>
+                                        <p:cTn id="22" dur="500"/>
+                                        <p:tgtEl>
+                                          <p:spTgt spid="9"/>
+                                        </p:tgtEl>
+                                      </p:cBhvr>
+                                    </p:animEffect>
+                                  </p:childTnLst>
+                                </p:cTn>
+                              </p:par>
+                            </p:childTnLst>
+                          </p:cTn>
+                        </p:par>
+                      </p:childTnLst>
+                    </p:cTn>
+                  </p:par>
+                  <p:par>
+                    <p:cTn id="23" fill="hold">
+                      <p:stCondLst>
+                        <p:cond delay="indefinite"/>
+                      </p:stCondLst>
+                      <p:childTnLst>
+                        <p:par>
+                          <p:cTn id="24" fill="hold">
+                            <p:stCondLst>
+                              <p:cond delay="0"/>
+                            </p:stCondLst>
+                            <p:childTnLst>
+                              <p:par>
+                                <p:cTn id="25" presetID="14" presetClass="entr" presetSubtype="10" fill="hold" nodeType="clickEffect">
+                                  <p:stCondLst>
+                                    <p:cond delay="0"/>
+                                  </p:stCondLst>
+                                  <p:childTnLst>
+                                    <p:set>
+                                      <p:cBhvr>
+                                        <p:cTn id="26" dur="1" fill="hold">
+                                          <p:stCondLst>
+                                            <p:cond delay="0"/>
+                                          </p:stCondLst>
+                                        </p:cTn>
+                                        <p:tgtEl>
+                                          <p:spTgt spid="8"/>
+                                        </p:tgtEl>
+                                        <p:attrNameLst>
+                                          <p:attrName>style.visibility</p:attrName>
+                                        </p:attrNameLst>
+                                      </p:cBhvr>
+                                      <p:to>
+                                        <p:strVal val="visible"/>
+                                      </p:to>
+                                    </p:set>
+                                    <p:animEffect transition="in" filter="randombar(horizontal)">
+                                      <p:cBhvr>
+                                        <p:cTn id="27" dur="500"/>
+                                        <p:tgtEl>
+                                          <p:spTgt spid="8"/>
+                                        </p:tgtEl>
+                                      </p:cBhvr>
+                                    </p:animEffect>
+                                  </p:childTnLst>
+                                </p:cTn>
+                              </p:par>
+                            </p:childTnLst>
+                          </p:cTn>
+                        </p:par>
+                      </p:childTnLst>
+                    </p:cTn>
+                  </p:par>
+                </p:childTnLst>
+              </p:cTn>
+              <p:prevCondLst>
+                <p:cond evt="onPrev" delay="0">
+                  <p:tgtEl>
+                    <p:sldTgt/>
+                  </p:tgtEl>
+                </p:cond>
+              </p:prevCondLst>
+              <p:nextCondLst>
+                <p:cond evt="onNext" delay="0">
+                  <p:tgtEl>
+                    <p:sldTgt/>
+                  </p:tgtEl>
+                </p:cond>
+              </p:nextCondLst>
+            </p:seq>
+          </p:childTnLst>
+        </p:cTn>
+      </p:par>
+    </p:tnLst>
+    <p:bldLst>
+      <p:bldP spid="6" grpId="0"/>
+      <p:bldP spid="2" grpId="0"/>
+      <p:bldP spid="9" grpId="0"/>
+    </p:bldLst>
+  </p:timing>
+</p:sld>
+</file>
+
+<file path=ppt/slides/slide18.xml><?xml version="1.0" encoding="utf-8"?>
+<p:sld xmlns:a="http://schemas.openxmlformats.org/drawingml/2006/main" xmlns:r="http://schemas.openxmlformats.org/officeDocument/2006/relationships" xmlns:p="http://schemas.openxmlformats.org/presentationml/2006/main">
+  <p:cSld>
+    <p:spTree>
+      <p:nvGrpSpPr>
+        <p:cNvPr id="1" name=""/>
+        <p:cNvGrpSpPr/>
+        <p:nvPr/>
+      </p:nvGrpSpPr>
+      <p:grpSpPr>
+        <a:xfrm>
+          <a:off x="0" y="0"/>
+          <a:ext cx="0" cy="0"/>
+          <a:chOff x="0" y="0"/>
+          <a:chExt cx="0" cy="0"/>
+        </a:xfrm>
+      </p:grpSpPr>
+      <p:sp>
+        <p:nvSpPr>
+          <p:cNvPr id="3" name="Slide Number Placeholder 2"/>
+          <p:cNvSpPr>
+            <a:spLocks noGrp="1"/>
+          </p:cNvSpPr>
+          <p:nvPr>
+            <p:ph type="sldNum" idx="12"/>
+          </p:nvPr>
+        </p:nvSpPr>
+        <p:spPr/>
+        <p:txBody>
+          <a:bodyPr/>
+          <a:lstStyle/>
+          <a:p>
+            <a:pPr marL="0" lvl="0" indent="0" algn="ctr" rtl="0">
+              <a:spcBef>
+                <a:spcPts val="0"/>
+              </a:spcBef>
+              <a:spcAft>
+                <a:spcPts val="0"/>
+              </a:spcAft>
+              <a:buNone/>
+            </a:pPr>
+            <a:fld id="{00000000-1234-1234-1234-123412341234}" type="slidenum">
+              <a:rPr lang="en" smtClean="0"/>
+              <a:t>18</a:t>
+            </a:fld>
+            <a:endParaRPr lang="en"/>
+          </a:p>
+        </p:txBody>
+      </p:sp>
+      <p:sp>
+        <p:nvSpPr>
+          <p:cNvPr id="4" name="TextBox 3"/>
+          <p:cNvSpPr txBox="1"/>
+          <p:nvPr/>
+        </p:nvSpPr>
+        <p:spPr>
+          <a:xfrm>
+            <a:off x="436418" y="910028"/>
+            <a:ext cx="2175163" cy="338554"/>
+          </a:xfrm>
+          <a:prstGeom prst="rect">
+            <a:avLst/>
+          </a:prstGeom>
+          <a:noFill/>
+        </p:spPr>
+        <p:txBody>
+          <a:bodyPr wrap="square" rtlCol="0">
+            <a:spAutoFit/>
+          </a:bodyPr>
+          <a:lstStyle/>
+          <a:p>
+            <a:r>
+              <a:rPr lang="en-US" sz="1600" b="1" dirty="0" err="1" smtClean="0">
+                <a:solidFill>
+                  <a:schemeClr val="accent1">
+                    <a:lumMod val="75000"/>
+                  </a:schemeClr>
+                </a:solidFill>
+                <a:latin typeface="Roboto Slab" panose="020B0604020202020204" charset="0"/>
+                <a:ea typeface="Roboto Slab" panose="020B0604020202020204" charset="0"/>
+              </a:rPr>
+              <a:t>Trang</a:t>
+            </a:r>
+            <a:r>
+              <a:rPr lang="en-US" sz="1600" b="1" dirty="0" smtClean="0">
+                <a:solidFill>
+                  <a:schemeClr val="accent1">
+                    <a:lumMod val="75000"/>
+                  </a:schemeClr>
+                </a:solidFill>
+                <a:latin typeface="Roboto Slab" panose="020B0604020202020204" charset="0"/>
+                <a:ea typeface="Roboto Slab" panose="020B0604020202020204" charset="0"/>
+              </a:rPr>
+              <a:t> </a:t>
+            </a:r>
+            <a:r>
+              <a:rPr lang="en-US" sz="1600" b="1" dirty="0" err="1" smtClean="0">
+                <a:solidFill>
+                  <a:schemeClr val="accent1">
+                    <a:lumMod val="75000"/>
+                  </a:schemeClr>
+                </a:solidFill>
+                <a:latin typeface="Roboto Slab" panose="020B0604020202020204" charset="0"/>
+                <a:ea typeface="Roboto Slab" panose="020B0604020202020204" charset="0"/>
+              </a:rPr>
+              <a:t>quản</a:t>
+            </a:r>
+            <a:r>
+              <a:rPr lang="en-US" sz="1600" b="1" dirty="0" smtClean="0">
+                <a:solidFill>
+                  <a:schemeClr val="accent1">
+                    <a:lumMod val="75000"/>
+                  </a:schemeClr>
+                </a:solidFill>
+                <a:latin typeface="Roboto Slab" panose="020B0604020202020204" charset="0"/>
+                <a:ea typeface="Roboto Slab" panose="020B0604020202020204" charset="0"/>
+              </a:rPr>
+              <a:t> </a:t>
+            </a:r>
+            <a:r>
+              <a:rPr lang="en-US" sz="1600" b="1" dirty="0" err="1" smtClean="0">
+                <a:solidFill>
+                  <a:schemeClr val="accent1">
+                    <a:lumMod val="75000"/>
+                  </a:schemeClr>
+                </a:solidFill>
+                <a:latin typeface="Roboto Slab" panose="020B0604020202020204" charset="0"/>
+                <a:ea typeface="Roboto Slab" panose="020B0604020202020204" charset="0"/>
+              </a:rPr>
+              <a:t>trị</a:t>
+            </a:r>
+            <a:endParaRPr lang="en-US" sz="1600" b="1" dirty="0">
+              <a:solidFill>
+                <a:schemeClr val="accent1">
+                  <a:lumMod val="75000"/>
+                </a:schemeClr>
+              </a:solidFill>
+              <a:latin typeface="Roboto Slab" panose="020B0604020202020204" charset="0"/>
+              <a:ea typeface="Roboto Slab" panose="020B0604020202020204" charset="0"/>
+            </a:endParaRPr>
+          </a:p>
+        </p:txBody>
+      </p:sp>
+      <p:pic>
+        <p:nvPicPr>
+          <p:cNvPr id="2" name="Picture 1"/>
+          <p:cNvPicPr>
+            <a:picLocks noChangeAspect="1"/>
+          </p:cNvPicPr>
+          <p:nvPr/>
+        </p:nvPicPr>
+        <p:blipFill>
+          <a:blip r:embed="rId2"/>
+          <a:stretch>
+            <a:fillRect/>
+          </a:stretch>
+        </p:blipFill>
+        <p:spPr>
+          <a:xfrm>
+            <a:off x="1064359" y="1253837"/>
+            <a:ext cx="7015281" cy="3381456"/>
+          </a:xfrm>
+          <a:prstGeom prst="rect">
+            <a:avLst/>
+          </a:prstGeom>
+        </p:spPr>
+      </p:pic>
+      <p:sp>
+        <p:nvSpPr>
+          <p:cNvPr id="7" name="TextBox 6"/>
+          <p:cNvSpPr txBox="1"/>
+          <p:nvPr/>
+        </p:nvSpPr>
+        <p:spPr>
+          <a:xfrm>
+            <a:off x="218211" y="44242"/>
+            <a:ext cx="8285018" cy="400110"/>
+          </a:xfrm>
+          <a:prstGeom prst="rect">
+            <a:avLst/>
+          </a:prstGeom>
+          <a:noFill/>
+        </p:spPr>
+        <p:txBody>
+          <a:bodyPr wrap="square" rtlCol="0">
+            <a:spAutoFit/>
+          </a:bodyPr>
+          <a:lstStyle/>
+          <a:p>
+            <a:r>
+              <a:rPr lang="en-US" sz="2000" b="1" dirty="0">
+                <a:solidFill>
+                  <a:schemeClr val="accent1">
+                    <a:lumMod val="75000"/>
+                  </a:schemeClr>
+                </a:solidFill>
+                <a:latin typeface="Roboto Slab" panose="020B0604020202020204" charset="0"/>
+                <a:ea typeface="Roboto Slab" panose="020B0604020202020204" charset="0"/>
+              </a:rPr>
+              <a:t>5</a:t>
+            </a:r>
+            <a:r>
+              <a:rPr lang="en-US" sz="2000" b="1" dirty="0" smtClean="0">
+                <a:solidFill>
+                  <a:schemeClr val="accent1">
+                    <a:lumMod val="75000"/>
+                  </a:schemeClr>
+                </a:solidFill>
+                <a:latin typeface="Roboto Slab" panose="020B0604020202020204" charset="0"/>
+                <a:ea typeface="Roboto Slab" panose="020B0604020202020204" charset="0"/>
+              </a:rPr>
+              <a:t>. DEMO CHƯƠNG TRÌNH THỰC TẾ</a:t>
+            </a:r>
+            <a:endParaRPr lang="en-US" sz="2000" b="1" dirty="0">
+              <a:solidFill>
+                <a:schemeClr val="accent1">
+                  <a:lumMod val="75000"/>
+                </a:schemeClr>
+              </a:solidFill>
+              <a:latin typeface="Roboto Slab" panose="020B0604020202020204" charset="0"/>
+              <a:ea typeface="Roboto Slab" panose="020B0604020202020204" charset="0"/>
+            </a:endParaRPr>
+          </a:p>
+        </p:txBody>
+      </p:sp>
+      <p:sp>
+        <p:nvSpPr>
+          <p:cNvPr id="5" name="TextBox 4"/>
+          <p:cNvSpPr txBox="1"/>
+          <p:nvPr/>
+        </p:nvSpPr>
+        <p:spPr>
+          <a:xfrm>
+            <a:off x="436510" y="444352"/>
+            <a:ext cx="8707490" cy="523220"/>
+          </a:xfrm>
+          <a:prstGeom prst="rect">
+            <a:avLst/>
+          </a:prstGeom>
+          <a:noFill/>
+        </p:spPr>
+        <p:txBody>
+          <a:bodyPr wrap="square" rtlCol="0">
+            <a:spAutoFit/>
+          </a:bodyPr>
+          <a:lstStyle/>
+          <a:p>
+            <a:r>
+              <a:rPr lang="en-US" b="1" dirty="0" err="1" smtClean="0"/>
+              <a:t>Sau</a:t>
+            </a:r>
+            <a:r>
+              <a:rPr lang="en-US" b="1" dirty="0" smtClean="0"/>
+              <a:t> </a:t>
+            </a:r>
+            <a:r>
+              <a:rPr lang="en-US" b="1" dirty="0" err="1" smtClean="0"/>
+              <a:t>đây</a:t>
+            </a:r>
+            <a:r>
+              <a:rPr lang="en-US" b="1" dirty="0" smtClean="0"/>
+              <a:t> </a:t>
+            </a:r>
+            <a:r>
+              <a:rPr lang="en-US" b="1" dirty="0" err="1" smtClean="0"/>
+              <a:t>nhóm</a:t>
+            </a:r>
+            <a:r>
+              <a:rPr lang="en-US" b="1" dirty="0" smtClean="0"/>
+              <a:t> </a:t>
+            </a:r>
+            <a:r>
+              <a:rPr lang="en-US" b="1" dirty="0" err="1" smtClean="0"/>
+              <a:t>em</a:t>
+            </a:r>
+            <a:r>
+              <a:rPr lang="en-US" b="1" dirty="0" smtClean="0"/>
+              <a:t> </a:t>
+            </a:r>
+            <a:r>
+              <a:rPr lang="en-US" b="1" dirty="0" err="1" smtClean="0"/>
+              <a:t>xin</a:t>
+            </a:r>
+            <a:r>
+              <a:rPr lang="en-US" b="1" dirty="0" smtClean="0"/>
+              <a:t> demo </a:t>
+            </a:r>
+            <a:r>
+              <a:rPr lang="en-US" b="1" dirty="0" err="1" smtClean="0"/>
+              <a:t>quy</a:t>
+            </a:r>
+            <a:r>
+              <a:rPr lang="en-US" b="1" dirty="0" smtClean="0"/>
+              <a:t> </a:t>
+            </a:r>
+            <a:r>
+              <a:rPr lang="en-US" b="1" dirty="0" err="1" smtClean="0"/>
+              <a:t>trình</a:t>
+            </a:r>
+            <a:r>
+              <a:rPr lang="en-US" b="1" dirty="0" smtClean="0"/>
+              <a:t> </a:t>
+            </a:r>
+            <a:r>
+              <a:rPr lang="en-US" b="1" dirty="0" err="1" smtClean="0"/>
+              <a:t>hoạt</a:t>
+            </a:r>
+            <a:r>
+              <a:rPr lang="en-US" b="1" dirty="0" smtClean="0"/>
+              <a:t> </a:t>
+            </a:r>
+            <a:r>
+              <a:rPr lang="en-US" b="1" dirty="0" err="1" smtClean="0"/>
+              <a:t>động</a:t>
+            </a:r>
+            <a:r>
+              <a:rPr lang="en-US" b="1" dirty="0" smtClean="0"/>
+              <a:t> </a:t>
+            </a:r>
+            <a:r>
+              <a:rPr lang="en-US" b="1" dirty="0" err="1" smtClean="0"/>
+              <a:t>thực</a:t>
+            </a:r>
+            <a:r>
+              <a:rPr lang="en-US" b="1" dirty="0" smtClean="0"/>
+              <a:t> </a:t>
+            </a:r>
+            <a:r>
+              <a:rPr lang="en-US" b="1" dirty="0" err="1" smtClean="0"/>
+              <a:t>tế</a:t>
+            </a:r>
+            <a:r>
+              <a:rPr lang="en-US" b="1" dirty="0" smtClean="0"/>
+              <a:t> </a:t>
+            </a:r>
+            <a:r>
+              <a:rPr lang="en-US" b="1" dirty="0" err="1" smtClean="0"/>
+              <a:t>cũng</a:t>
+            </a:r>
+            <a:r>
+              <a:rPr lang="en-US" b="1" dirty="0" smtClean="0"/>
+              <a:t> </a:t>
+            </a:r>
+            <a:r>
+              <a:rPr lang="en-US" b="1" dirty="0" err="1" smtClean="0"/>
+              <a:t>như</a:t>
+            </a:r>
+            <a:r>
+              <a:rPr lang="en-US" b="1" dirty="0" smtClean="0"/>
+              <a:t> </a:t>
+            </a:r>
+            <a:r>
+              <a:rPr lang="en-US" b="1" dirty="0" err="1" smtClean="0"/>
+              <a:t>các</a:t>
+            </a:r>
+            <a:r>
+              <a:rPr lang="en-US" b="1" dirty="0" smtClean="0"/>
+              <a:t> </a:t>
+            </a:r>
+            <a:r>
+              <a:rPr lang="en-US" b="1" dirty="0" err="1" smtClean="0"/>
+              <a:t>chức</a:t>
+            </a:r>
+            <a:r>
+              <a:rPr lang="en-US" b="1" dirty="0" smtClean="0"/>
+              <a:t> </a:t>
+            </a:r>
+            <a:r>
+              <a:rPr lang="en-US" b="1" dirty="0" err="1" smtClean="0"/>
+              <a:t>năng</a:t>
+            </a:r>
+            <a:endParaRPr lang="en-US" b="1" dirty="0" smtClean="0"/>
+          </a:p>
+          <a:p>
+            <a:r>
+              <a:rPr lang="en-US" b="1" dirty="0" smtClean="0"/>
+              <a:t> </a:t>
+            </a:r>
+            <a:r>
+              <a:rPr lang="en-US" b="1" dirty="0" err="1" smtClean="0"/>
+              <a:t>của</a:t>
+            </a:r>
+            <a:r>
+              <a:rPr lang="en-US" b="1" dirty="0" smtClean="0"/>
+              <a:t> website </a:t>
+            </a:r>
+            <a:r>
+              <a:rPr lang="en-US" b="1" dirty="0" err="1" smtClean="0"/>
+              <a:t>thông</a:t>
+            </a:r>
+            <a:r>
+              <a:rPr lang="en-US" b="1" dirty="0" smtClean="0"/>
+              <a:t> qua </a:t>
+            </a:r>
+            <a:r>
+              <a:rPr lang="en-US" b="1" dirty="0" err="1" smtClean="0"/>
+              <a:t>hai</a:t>
+            </a:r>
+            <a:r>
+              <a:rPr lang="en-US" b="1" dirty="0" smtClean="0"/>
+              <a:t> </a:t>
+            </a:r>
+            <a:r>
+              <a:rPr lang="en-US" b="1" dirty="0" err="1" smtClean="0"/>
+              <a:t>trang</a:t>
+            </a:r>
+            <a:r>
+              <a:rPr lang="en-US" b="1" dirty="0" smtClean="0"/>
+              <a:t> </a:t>
+            </a:r>
+            <a:r>
+              <a:rPr lang="en-US" b="1" dirty="0" err="1" smtClean="0"/>
+              <a:t>quản</a:t>
+            </a:r>
+            <a:r>
+              <a:rPr lang="en-US" b="1" dirty="0" smtClean="0"/>
+              <a:t> </a:t>
+            </a:r>
+            <a:r>
+              <a:rPr lang="en-US" b="1" dirty="0" err="1" smtClean="0"/>
+              <a:t>trị</a:t>
+            </a:r>
+            <a:r>
+              <a:rPr lang="en-US" b="1" dirty="0" smtClean="0"/>
+              <a:t> </a:t>
+            </a:r>
+            <a:r>
+              <a:rPr lang="en-US" b="1" dirty="0" err="1" smtClean="0"/>
+              <a:t>và</a:t>
+            </a:r>
+            <a:r>
+              <a:rPr lang="en-US" b="1" dirty="0" smtClean="0"/>
+              <a:t> </a:t>
+            </a:r>
+            <a:r>
+              <a:rPr lang="en-US" b="1" dirty="0" err="1" smtClean="0"/>
+              <a:t>người</a:t>
+            </a:r>
+            <a:r>
+              <a:rPr lang="en-US" b="1" dirty="0" smtClean="0"/>
+              <a:t> </a:t>
+            </a:r>
+            <a:r>
+              <a:rPr lang="en-US" b="1" dirty="0" err="1" smtClean="0"/>
+              <a:t>dùng</a:t>
+            </a:r>
+            <a:endParaRPr lang="en-US" b="1" dirty="0"/>
+          </a:p>
+        </p:txBody>
+      </p:sp>
+    </p:spTree>
+    <p:extLst>
+      <p:ext uri="{BB962C8B-B14F-4D97-AF65-F5344CB8AC3E}">
+        <p14:creationId xmlns:p14="http://schemas.microsoft.com/office/powerpoint/2010/main" val="3382621988"/>
+      </p:ext>
+    </p:extLst>
+  </p:cSld>
+  <p:clrMapOvr>
+    <a:masterClrMapping/>
+  </p:clrMapOvr>
+  <p:timing>
+    <p:tnLst>
+      <p:par>
+        <p:cTn id="1" dur="indefinite" restart="never" nodeType="tmRoot">
+          <p:childTnLst>
+            <p:seq concurrent="1" nextAc="seek">
+              <p:cTn id="2" dur="indefinite" nodeType="mainSeq">
+                <p:childTnLst>
+                  <p:par>
+                    <p:cTn id="3" fill="hold">
+                      <p:stCondLst>
+                        <p:cond delay="indefinite"/>
+                      </p:stCondLst>
+                      <p:childTnLst>
+                        <p:par>
+                          <p:cTn id="4" fill="hold">
+                            <p:stCondLst>
+                              <p:cond delay="0"/>
+                            </p:stCondLst>
+                            <p:childTnLst>
+                              <p:par>
+                                <p:cTn id="5" presetID="14" presetClass="entr" presetSubtype="10" fill="hold" grpId="0" nodeType="clickEffect">
+                                  <p:stCondLst>
+                                    <p:cond delay="0"/>
+                                  </p:stCondLst>
+                                  <p:childTnLst>
+                                    <p:set>
+                                      <p:cBhvr>
+                                        <p:cTn id="6" dur="1" fill="hold">
+                                          <p:stCondLst>
+                                            <p:cond delay="0"/>
+                                          </p:stCondLst>
+                                        </p:cTn>
+                                        <p:tgtEl>
+                                          <p:spTgt spid="7"/>
+                                        </p:tgtEl>
+                                        <p:attrNameLst>
+                                          <p:attrName>style.visibility</p:attrName>
+                                        </p:attrNameLst>
+                                      </p:cBhvr>
+                                      <p:to>
+                                        <p:strVal val="visible"/>
+                                      </p:to>
+                                    </p:set>
+                                    <p:animEffect transition="in" filter="randombar(horizontal)">
+                                      <p:cBhvr>
+                                        <p:cTn id="7" dur="500"/>
+                                        <p:tgtEl>
+                                          <p:spTgt spid="7"/>
                                         </p:tgtEl>
                                       </p:cBhvr>
                                     </p:animEffect>
@@ -10840,7 +11477,7 @@
                             </p:stCondLst>
                             <p:childTnLst>
                               <p:par>
-                                <p:cTn id="15" presetID="14" presetClass="entr" presetSubtype="10" fill="hold" nodeType="clickEffect">
+                                <p:cTn id="15" presetID="14" presetClass="entr" presetSubtype="10" fill="hold" grpId="0" nodeType="clickEffect">
                                   <p:stCondLst>
                                     <p:cond delay="0"/>
                                   </p:stCondLst>
@@ -10853,7 +11490,7 @@
                                           </p:stCondLst>
                                         </p:cTn>
                                         <p:tgtEl>
-                                          <p:spTgt spid="8"/>
+                                          <p:spTgt spid="4"/>
                                         </p:tgtEl>
                                         <p:attrNameLst>
                                           <p:attrName>style.visibility</p:attrName>
@@ -10867,7 +11504,7 @@
                                       <p:cBhvr>
                                         <p:cTn id="17" dur="500"/>
                                         <p:tgtEl>
-                                          <p:spTgt spid="8"/>
+                                          <p:spTgt spid="4"/>
                                         </p:tgtEl>
                                       </p:cBhvr>
                                     </p:animEffect>
@@ -10903,13 +11540,14 @@
     </p:tnLst>
     <p:bldLst>
       <p:bldP spid="4" grpId="0"/>
+      <p:bldP spid="7" grpId="0"/>
       <p:bldP spid="5" grpId="0"/>
     </p:bldLst>
   </p:timing>
 </p:sld>
 </file>
 
-<file path=ppt/slides/slide18.xml><?xml version="1.0" encoding="utf-8"?>
+<file path=ppt/slides/slide19.xml><?xml version="1.0" encoding="utf-8"?>
 <p:sld xmlns:a="http://schemas.openxmlformats.org/drawingml/2006/main" xmlns:r="http://schemas.openxmlformats.org/officeDocument/2006/relationships" xmlns:p="http://schemas.openxmlformats.org/presentationml/2006/main">
   <p:cSld>
     <p:spTree>
@@ -10952,7 +11590,7 @@
             </a:pPr>
             <a:fld id="{00000000-1234-1234-1234-123412341234}" type="slidenum">
               <a:rPr lang="en" smtClean="0"/>
-              <a:t>18</a:t>
+              <a:t>19</a:t>
             </a:fld>
             <a:endParaRPr lang="en"/>
           </a:p>
@@ -10966,8 +11604,8 @@
         </p:nvSpPr>
         <p:spPr>
           <a:xfrm>
-            <a:off x="360219" y="141088"/>
-            <a:ext cx="8285018" cy="400110"/>
+            <a:off x="567943" y="588067"/>
+            <a:ext cx="8285018" cy="338554"/>
           </a:xfrm>
           <a:prstGeom prst="rect">
             <a:avLst/>
@@ -10981,7 +11619,7 @@
           <a:lstStyle/>
           <a:p>
             <a:r>
-              <a:rPr lang="en-US" sz="2000" b="1" dirty="0" err="1" smtClean="0">
+              <a:rPr lang="en-US" sz="1600" b="1" dirty="0" err="1" smtClean="0">
                 <a:solidFill>
                   <a:schemeClr val="accent1">
                     <a:lumMod val="75000"/>
@@ -10990,10 +11628,10 @@
                 <a:latin typeface="Roboto Slab" panose="020B0604020202020204" charset="0"/>
                 <a:ea typeface="Roboto Slab" panose="020B0604020202020204" charset="0"/>
               </a:rPr>
-              <a:t>Các</a:t>
-            </a:r>
-            <a:r>
-              <a:rPr lang="en-US" sz="2000" b="1" dirty="0" smtClean="0">
+              <a:t>Trang</a:t>
+            </a:r>
+            <a:r>
+              <a:rPr lang="en-US" sz="1600" b="1" dirty="0" smtClean="0">
                 <a:solidFill>
                   <a:schemeClr val="accent1">
                     <a:lumMod val="75000"/>
@@ -11005,7 +11643,7 @@
               <a:t> </a:t>
             </a:r>
             <a:r>
-              <a:rPr lang="en-US" sz="2000" b="1" dirty="0" err="1" smtClean="0">
+              <a:rPr lang="en-US" sz="1600" b="1" dirty="0" err="1" smtClean="0">
                 <a:solidFill>
                   <a:schemeClr val="accent1">
                     <a:lumMod val="75000"/>
@@ -11014,10 +11652,10 @@
                 <a:latin typeface="Roboto Slab" panose="020B0604020202020204" charset="0"/>
                 <a:ea typeface="Roboto Slab" panose="020B0604020202020204" charset="0"/>
               </a:rPr>
-              <a:t>bước</a:t>
-            </a:r>
-            <a:r>
-              <a:rPr lang="en-US" sz="2000" b="1" dirty="0" smtClean="0">
+              <a:t>người</a:t>
+            </a:r>
+            <a:r>
+              <a:rPr lang="en-US" sz="1600" b="1" dirty="0" smtClean="0">
                 <a:solidFill>
                   <a:schemeClr val="accent1">
                     <a:lumMod val="75000"/>
@@ -11026,9 +11664,21 @@
                 <a:latin typeface="Roboto Slab" panose="020B0604020202020204" charset="0"/>
                 <a:ea typeface="Roboto Slab" panose="020B0604020202020204" charset="0"/>
               </a:rPr>
-              <a:t>: </a:t>
-            </a:r>
-            <a:endParaRPr lang="en-US" sz="2000" b="1" dirty="0">
+              <a:t> </a:t>
+            </a:r>
+            <a:r>
+              <a:rPr lang="en-US" sz="1600" b="1" dirty="0" err="1" smtClean="0">
+                <a:solidFill>
+                  <a:schemeClr val="accent1">
+                    <a:lumMod val="75000"/>
+                  </a:schemeClr>
+                </a:solidFill>
+                <a:latin typeface="Roboto Slab" panose="020B0604020202020204" charset="0"/>
+                <a:ea typeface="Roboto Slab" panose="020B0604020202020204" charset="0"/>
+              </a:rPr>
+              <a:t>dùng</a:t>
+            </a:r>
+            <a:endParaRPr lang="en-US" sz="1600" b="1" dirty="0">
               <a:solidFill>
                 <a:schemeClr val="accent1">
                   <a:lumMod val="75000"/>
@@ -11040,60 +11690,9 @@
           </a:p>
         </p:txBody>
       </p:sp>
-      <p:sp>
-        <p:nvSpPr>
-          <p:cNvPr id="6" name="TextBox 5"/>
-          <p:cNvSpPr txBox="1"/>
-          <p:nvPr/>
-        </p:nvSpPr>
-        <p:spPr>
-          <a:xfrm>
-            <a:off x="491836" y="541198"/>
-            <a:ext cx="7529946" cy="738664"/>
-          </a:xfrm>
-          <a:prstGeom prst="rect">
-            <a:avLst/>
-          </a:prstGeom>
-          <a:noFill/>
-        </p:spPr>
-        <p:txBody>
-          <a:bodyPr wrap="square" rtlCol="0">
-            <a:spAutoFit/>
-          </a:bodyPr>
-          <a:lstStyle/>
-          <a:p>
-            <a:pPr marL="285750" indent="-285750">
-              <a:buFont typeface="Arial" panose="020B0604020202020204" pitchFamily="34" charset="0"/>
-              <a:buChar char="•"/>
-            </a:pPr>
-            <a:r>
-              <a:rPr lang="en-US" dirty="0" err="1" smtClean="0"/>
-              <a:t>Tạo</a:t>
-            </a:r>
-            <a:r>
-              <a:rPr lang="en-US" dirty="0" smtClean="0"/>
-              <a:t> CSDL </a:t>
-            </a:r>
-            <a:r>
-              <a:rPr lang="en-US" dirty="0" err="1" smtClean="0"/>
-              <a:t>bằng</a:t>
-            </a:r>
-            <a:r>
-              <a:rPr lang="en-US" dirty="0" smtClean="0"/>
-              <a:t> EF code-first</a:t>
-            </a:r>
-          </a:p>
-          <a:p>
-            <a:endParaRPr lang="en-US" dirty="0" smtClean="0"/>
-          </a:p>
-          <a:p>
-            <a:endParaRPr lang="en-US" dirty="0"/>
-          </a:p>
-        </p:txBody>
-      </p:sp>
       <p:pic>
         <p:nvPicPr>
-          <p:cNvPr id="7" name="Picture 6"/>
+          <p:cNvPr id="6" name="Picture 5"/>
           <p:cNvPicPr>
             <a:picLocks noChangeAspect="1"/>
           </p:cNvPicPr>
@@ -11107,381 +11706,18 @@
         </p:blipFill>
         <p:spPr>
           <a:xfrm>
-            <a:off x="865909" y="963519"/>
-            <a:ext cx="5195455" cy="1702784"/>
+            <a:off x="567943" y="992398"/>
+            <a:ext cx="7058983" cy="3234904"/>
           </a:xfrm>
           <a:prstGeom prst="rect">
             <a:avLst/>
           </a:prstGeom>
         </p:spPr>
       </p:pic>
-      <p:sp>
-        <p:nvSpPr>
-          <p:cNvPr id="8" name="TextBox 7"/>
-          <p:cNvSpPr txBox="1"/>
-          <p:nvPr/>
-        </p:nvSpPr>
-        <p:spPr>
-          <a:xfrm>
-            <a:off x="561109" y="2753243"/>
-            <a:ext cx="6102927" cy="523220"/>
-          </a:xfrm>
-          <a:prstGeom prst="rect">
-            <a:avLst/>
-          </a:prstGeom>
-          <a:noFill/>
-        </p:spPr>
-        <p:txBody>
-          <a:bodyPr wrap="square" rtlCol="0">
-            <a:spAutoFit/>
-          </a:bodyPr>
-          <a:lstStyle/>
-          <a:p>
-            <a:pPr marL="285750" indent="-285750">
-              <a:buFont typeface="Arial" panose="020B0604020202020204" pitchFamily="34" charset="0"/>
-              <a:buChar char="•"/>
-            </a:pPr>
-            <a:r>
-              <a:rPr lang="en-US" dirty="0" err="1" smtClean="0"/>
-              <a:t>Viết</a:t>
-            </a:r>
-            <a:r>
-              <a:rPr lang="en-US" dirty="0" smtClean="0"/>
-              <a:t> API</a:t>
-            </a:r>
-            <a:endParaRPr lang="en-US" dirty="0"/>
-          </a:p>
-          <a:p>
-            <a:endParaRPr lang="en-US" dirty="0"/>
-          </a:p>
-        </p:txBody>
-      </p:sp>
-      <p:sp>
-        <p:nvSpPr>
-          <p:cNvPr id="9" name="TextBox 8"/>
-          <p:cNvSpPr txBox="1"/>
-          <p:nvPr/>
-        </p:nvSpPr>
-        <p:spPr>
-          <a:xfrm>
-            <a:off x="561109" y="3101793"/>
-            <a:ext cx="8291946" cy="523220"/>
-          </a:xfrm>
-          <a:prstGeom prst="rect">
-            <a:avLst/>
-          </a:prstGeom>
-          <a:noFill/>
-        </p:spPr>
-        <p:txBody>
-          <a:bodyPr wrap="square" rtlCol="0">
-            <a:spAutoFit/>
-          </a:bodyPr>
-          <a:lstStyle/>
-          <a:p>
-            <a:pPr marL="285750" indent="-285750">
-              <a:buFont typeface="Arial" panose="020B0604020202020204" pitchFamily="34" charset="0"/>
-              <a:buChar char="•"/>
-            </a:pPr>
-            <a:r>
-              <a:rPr lang="en-US" dirty="0" err="1" smtClean="0"/>
-              <a:t>Chúng</a:t>
-            </a:r>
-            <a:r>
-              <a:rPr lang="en-US" dirty="0" smtClean="0"/>
-              <a:t> ta </a:t>
-            </a:r>
-            <a:r>
-              <a:rPr lang="en-US" dirty="0" err="1" smtClean="0"/>
-              <a:t>phải</a:t>
-            </a:r>
-            <a:r>
-              <a:rPr lang="en-US" dirty="0" smtClean="0"/>
-              <a:t> </a:t>
-            </a:r>
-            <a:r>
-              <a:rPr lang="en-US" dirty="0" err="1" smtClean="0"/>
-              <a:t>xác</a:t>
-            </a:r>
-            <a:r>
-              <a:rPr lang="en-US" dirty="0" smtClean="0"/>
-              <a:t> </a:t>
-            </a:r>
-            <a:r>
-              <a:rPr lang="en-US" dirty="0" err="1" smtClean="0"/>
-              <a:t>định</a:t>
-            </a:r>
-            <a:r>
-              <a:rPr lang="en-US" dirty="0" smtClean="0"/>
-              <a:t> </a:t>
-            </a:r>
-            <a:r>
-              <a:rPr lang="en-US" dirty="0" err="1" smtClean="0"/>
-              <a:t>kĩ</a:t>
-            </a:r>
-            <a:r>
-              <a:rPr lang="en-US" dirty="0" smtClean="0"/>
-              <a:t>, ở </a:t>
-            </a:r>
-            <a:r>
-              <a:rPr lang="en-US" dirty="0" err="1" smtClean="0"/>
-              <a:t>phía</a:t>
-            </a:r>
-            <a:r>
-              <a:rPr lang="en-US" dirty="0" smtClean="0"/>
-              <a:t> </a:t>
-            </a:r>
-            <a:r>
-              <a:rPr lang="en-US" dirty="0" err="1" smtClean="0"/>
-              <a:t>FrontEnd</a:t>
-            </a:r>
-            <a:r>
-              <a:rPr lang="en-US" dirty="0" smtClean="0"/>
-              <a:t> ta </a:t>
-            </a:r>
-            <a:r>
-              <a:rPr lang="en-US" dirty="0" err="1" smtClean="0"/>
-              <a:t>cần</a:t>
-            </a:r>
-            <a:r>
-              <a:rPr lang="en-US" dirty="0" smtClean="0"/>
-              <a:t> </a:t>
-            </a:r>
-            <a:r>
-              <a:rPr lang="en-US" dirty="0" err="1" smtClean="0"/>
-              <a:t>hiển</a:t>
-            </a:r>
-            <a:r>
-              <a:rPr lang="en-US" dirty="0" smtClean="0"/>
-              <a:t> </a:t>
-            </a:r>
-            <a:r>
-              <a:rPr lang="en-US" dirty="0" err="1" smtClean="0"/>
-              <a:t>những</a:t>
-            </a:r>
-            <a:r>
-              <a:rPr lang="en-US" dirty="0" smtClean="0"/>
-              <a:t> </a:t>
-            </a:r>
-            <a:r>
-              <a:rPr lang="en-US" dirty="0" err="1" smtClean="0"/>
-              <a:t>gì</a:t>
-            </a:r>
-            <a:r>
-              <a:rPr lang="en-US" dirty="0" smtClean="0"/>
-              <a:t>, </a:t>
-            </a:r>
-            <a:r>
-              <a:rPr lang="en-US" dirty="0" err="1" smtClean="0"/>
-              <a:t>từ</a:t>
-            </a:r>
-            <a:r>
-              <a:rPr lang="en-US" dirty="0" smtClean="0"/>
-              <a:t> </a:t>
-            </a:r>
-            <a:r>
-              <a:rPr lang="en-US" dirty="0" err="1" smtClean="0"/>
-              <a:t>đó</a:t>
-            </a:r>
-            <a:r>
-              <a:rPr lang="en-US" dirty="0" smtClean="0"/>
-              <a:t> </a:t>
-            </a:r>
-            <a:r>
-              <a:rPr lang="en-US" dirty="0" err="1" smtClean="0"/>
-              <a:t>phân</a:t>
-            </a:r>
-            <a:r>
-              <a:rPr lang="en-US" dirty="0" smtClean="0"/>
-              <a:t> </a:t>
-            </a:r>
-            <a:r>
-              <a:rPr lang="en-US" dirty="0" err="1" smtClean="0"/>
-              <a:t>tích</a:t>
-            </a:r>
-            <a:r>
-              <a:rPr lang="en-US" dirty="0" smtClean="0"/>
-              <a:t> </a:t>
-            </a:r>
-            <a:r>
-              <a:rPr lang="en-US" dirty="0" err="1" smtClean="0"/>
-              <a:t>ra</a:t>
-            </a:r>
-            <a:r>
-              <a:rPr lang="en-US" dirty="0" smtClean="0"/>
-              <a:t> </a:t>
-            </a:r>
-            <a:r>
-              <a:rPr lang="en-US" dirty="0" err="1" smtClean="0"/>
-              <a:t>để</a:t>
-            </a:r>
-            <a:r>
-              <a:rPr lang="en-US" dirty="0" smtClean="0"/>
-              <a:t> </a:t>
-            </a:r>
-            <a:r>
-              <a:rPr lang="en-US" dirty="0" err="1" smtClean="0"/>
-              <a:t>xác</a:t>
-            </a:r>
-            <a:r>
-              <a:rPr lang="en-US" dirty="0" smtClean="0"/>
-              <a:t> </a:t>
-            </a:r>
-            <a:r>
-              <a:rPr lang="en-US" dirty="0" err="1" smtClean="0"/>
-              <a:t>định</a:t>
-            </a:r>
-            <a:r>
-              <a:rPr lang="en-US" dirty="0"/>
-              <a:t> M</a:t>
-            </a:r>
-            <a:r>
-              <a:rPr lang="en-US" dirty="0" smtClean="0"/>
-              <a:t>odel Class </a:t>
-            </a:r>
-            <a:r>
-              <a:rPr lang="en-US" dirty="0" err="1" smtClean="0"/>
-              <a:t>tương</a:t>
-            </a:r>
-            <a:r>
-              <a:rPr lang="en-US" dirty="0" smtClean="0"/>
-              <a:t> </a:t>
-            </a:r>
-            <a:r>
-              <a:rPr lang="en-US" dirty="0" err="1" smtClean="0"/>
-              <a:t>ứng</a:t>
-            </a:r>
-            <a:r>
-              <a:rPr lang="en-US" dirty="0"/>
-              <a:t> </a:t>
-            </a:r>
-            <a:r>
-              <a:rPr lang="en-US" dirty="0" err="1" smtClean="0"/>
-              <a:t>phụ</a:t>
-            </a:r>
-            <a:r>
-              <a:rPr lang="en-US" dirty="0" smtClean="0"/>
-              <a:t> </a:t>
-            </a:r>
-            <a:r>
-              <a:rPr lang="en-US" dirty="0" err="1" smtClean="0"/>
-              <a:t>vụ</a:t>
-            </a:r>
-            <a:r>
-              <a:rPr lang="en-US" dirty="0" smtClean="0"/>
-              <a:t> </a:t>
-            </a:r>
-            <a:r>
-              <a:rPr lang="en-US" dirty="0" err="1" smtClean="0"/>
-              <a:t>cho</a:t>
-            </a:r>
-            <a:r>
-              <a:rPr lang="en-US" dirty="0" smtClean="0"/>
-              <a:t> </a:t>
-            </a:r>
-            <a:r>
-              <a:rPr lang="en-US" dirty="0" err="1" smtClean="0"/>
-              <a:t>việc</a:t>
-            </a:r>
-            <a:r>
-              <a:rPr lang="en-US" dirty="0" smtClean="0"/>
-              <a:t> </a:t>
-            </a:r>
-            <a:r>
-              <a:rPr lang="en-US" dirty="0" err="1" smtClean="0"/>
-              <a:t>tương</a:t>
-            </a:r>
-            <a:r>
-              <a:rPr lang="en-US" dirty="0" smtClean="0"/>
-              <a:t> </a:t>
-            </a:r>
-            <a:r>
-              <a:rPr lang="en-US" dirty="0" err="1" smtClean="0"/>
-              <a:t>tác</a:t>
-            </a:r>
-            <a:r>
-              <a:rPr lang="en-US" dirty="0" smtClean="0"/>
-              <a:t> </a:t>
-            </a:r>
-            <a:r>
-              <a:rPr lang="en-US" dirty="0" err="1" smtClean="0"/>
-              <a:t>với</a:t>
-            </a:r>
-            <a:r>
-              <a:rPr lang="en-US" dirty="0" smtClean="0"/>
-              <a:t> </a:t>
-            </a:r>
-            <a:r>
-              <a:rPr lang="en-US" dirty="0" err="1" smtClean="0"/>
-              <a:t>FrontEnd</a:t>
-            </a:r>
-            <a:r>
-              <a:rPr lang="en-US" dirty="0" smtClean="0"/>
-              <a:t>. </a:t>
-            </a:r>
-            <a:r>
-              <a:rPr lang="en-US" dirty="0" err="1" smtClean="0"/>
-              <a:t>Từ</a:t>
-            </a:r>
-            <a:r>
-              <a:rPr lang="en-US" dirty="0" smtClean="0"/>
-              <a:t> </a:t>
-            </a:r>
-            <a:r>
-              <a:rPr lang="en-US" dirty="0" err="1" smtClean="0"/>
-              <a:t>đó</a:t>
-            </a:r>
-            <a:r>
-              <a:rPr lang="en-US" dirty="0" smtClean="0"/>
-              <a:t> </a:t>
-            </a:r>
-            <a:r>
-              <a:rPr lang="en-US" dirty="0" err="1" smtClean="0"/>
-              <a:t>viết</a:t>
-            </a:r>
-            <a:r>
-              <a:rPr lang="en-US" dirty="0" smtClean="0"/>
-              <a:t> </a:t>
-            </a:r>
-            <a:r>
-              <a:rPr lang="en-US" dirty="0" err="1" smtClean="0"/>
-              <a:t>ra</a:t>
-            </a:r>
-            <a:r>
-              <a:rPr lang="en-US" dirty="0" smtClean="0"/>
-              <a:t> </a:t>
-            </a:r>
-            <a:r>
-              <a:rPr lang="en-US" dirty="0" err="1" smtClean="0"/>
-              <a:t>các</a:t>
-            </a:r>
-            <a:r>
-              <a:rPr lang="en-US" dirty="0" smtClean="0"/>
-              <a:t> API </a:t>
-            </a:r>
-            <a:r>
-              <a:rPr lang="en-US" dirty="0" err="1" smtClean="0"/>
-              <a:t>tương</a:t>
-            </a:r>
-            <a:r>
-              <a:rPr lang="en-US" dirty="0" smtClean="0"/>
-              <a:t> </a:t>
-            </a:r>
-            <a:r>
-              <a:rPr lang="en-US" dirty="0" err="1" smtClean="0"/>
-              <a:t>ứng</a:t>
-            </a:r>
-            <a:r>
-              <a:rPr lang="en-US" dirty="0" smtClean="0"/>
-              <a:t>.</a:t>
-            </a:r>
-            <a:endParaRPr lang="en-US" dirty="0"/>
-          </a:p>
-        </p:txBody>
-      </p:sp>
     </p:spTree>
     <p:extLst>
       <p:ext uri="{BB962C8B-B14F-4D97-AF65-F5344CB8AC3E}">
-        <p14:creationId xmlns:p14="http://schemas.microsoft.com/office/powerpoint/2010/main" val="634835286"/>
+        <p14:creationId xmlns:p14="http://schemas.microsoft.com/office/powerpoint/2010/main" val="1242947895"/>
       </p:ext>
     </p:extLst>
   </p:cSld>
@@ -11575,11 +11811,7 @@
                                           </p:stCondLst>
                                         </p:cTn>
                                         <p:tgtEl>
-                                          <p:spTgt spid="6">
-                                            <p:txEl>
-                                              <p:pRg st="0" end="0"/>
-                                            </p:txEl>
-                                          </p:spTgt>
+                                          <p:spTgt spid="6"/>
                                         </p:tgtEl>
                                         <p:attrNameLst>
                                           <p:attrName>style.visibility</p:attrName>
@@ -11593,170 +11825,7 @@
                                       <p:cBhvr>
                                         <p:cTn id="12" dur="500"/>
                                         <p:tgtEl>
-                                          <p:spTgt spid="6">
-                                            <p:txEl>
-                                              <p:pRg st="0" end="0"/>
-                                            </p:txEl>
-                                          </p:spTgt>
-                                        </p:tgtEl>
-                                      </p:cBhvr>
-                                    </p:animEffect>
-                                  </p:childTnLst>
-                                </p:cTn>
-                              </p:par>
-                            </p:childTnLst>
-                          </p:cTn>
-                        </p:par>
-                      </p:childTnLst>
-                    </p:cTn>
-                  </p:par>
-                  <p:par>
-                    <p:cTn id="13" fill="hold">
-                      <p:stCondLst>
-                        <p:cond delay="indefinite"/>
-                      </p:stCondLst>
-                      <p:childTnLst>
-                        <p:par>
-                          <p:cTn id="14" fill="hold">
-                            <p:stCondLst>
-                              <p:cond delay="0"/>
-                            </p:stCondLst>
-                            <p:childTnLst>
-                              <p:par>
-                                <p:cTn id="15" presetID="22" presetClass="entr" presetSubtype="4" fill="hold" nodeType="clickEffect">
-                                  <p:stCondLst>
-                                    <p:cond delay="0"/>
-                                  </p:stCondLst>
-                                  <p:childTnLst>
-                                    <p:set>
-                                      <p:cBhvr>
-                                        <p:cTn id="16" dur="1" fill="hold">
-                                          <p:stCondLst>
-                                            <p:cond delay="0"/>
-                                          </p:stCondLst>
-                                        </p:cTn>
-                                        <p:tgtEl>
-                                          <p:spTgt spid="7"/>
-                                        </p:tgtEl>
-                                        <p:attrNameLst>
-                                          <p:attrName>style.visibility</p:attrName>
-                                        </p:attrNameLst>
-                                      </p:cBhvr>
-                                      <p:to>
-                                        <p:strVal val="visible"/>
-                                      </p:to>
-                                    </p:set>
-                                    <p:animEffect transition="in" filter="wipe(down)">
-                                      <p:cBhvr>
-                                        <p:cTn id="17" dur="500"/>
-                                        <p:tgtEl>
-                                          <p:spTgt spid="7"/>
-                                        </p:tgtEl>
-                                      </p:cBhvr>
-                                    </p:animEffect>
-                                  </p:childTnLst>
-                                </p:cTn>
-                              </p:par>
-                            </p:childTnLst>
-                          </p:cTn>
-                        </p:par>
-                      </p:childTnLst>
-                    </p:cTn>
-                  </p:par>
-                  <p:par>
-                    <p:cTn id="18" fill="hold">
-                      <p:stCondLst>
-                        <p:cond delay="indefinite"/>
-                      </p:stCondLst>
-                      <p:childTnLst>
-                        <p:par>
-                          <p:cTn id="19" fill="hold">
-                            <p:stCondLst>
-                              <p:cond delay="0"/>
-                            </p:stCondLst>
-                            <p:childTnLst>
-                              <p:par>
-                                <p:cTn id="20" presetID="22" presetClass="entr" presetSubtype="4" fill="hold" grpId="0" nodeType="clickEffect">
-                                  <p:stCondLst>
-                                    <p:cond delay="0"/>
-                                  </p:stCondLst>
-                                  <p:childTnLst>
-                                    <p:set>
-                                      <p:cBhvr>
-                                        <p:cTn id="21" dur="1" fill="hold">
-                                          <p:stCondLst>
-                                            <p:cond delay="0"/>
-                                          </p:stCondLst>
-                                        </p:cTn>
-                                        <p:tgtEl>
-                                          <p:spTgt spid="8"/>
-                                        </p:tgtEl>
-                                        <p:attrNameLst>
-                                          <p:attrName>style.visibility</p:attrName>
-                                        </p:attrNameLst>
-                                      </p:cBhvr>
-                                      <p:to>
-                                        <p:strVal val="visible"/>
-                                      </p:to>
-                                    </p:set>
-                                    <p:animEffect transition="in" filter="wipe(down)">
-                                      <p:cBhvr>
-                                        <p:cTn id="22" dur="500"/>
-                                        <p:tgtEl>
-                                          <p:spTgt spid="8"/>
-                                        </p:tgtEl>
-                                      </p:cBhvr>
-                                    </p:animEffect>
-                                  </p:childTnLst>
-                                </p:cTn>
-                              </p:par>
-                            </p:childTnLst>
-                          </p:cTn>
-                        </p:par>
-                      </p:childTnLst>
-                    </p:cTn>
-                  </p:par>
-                  <p:par>
-                    <p:cTn id="23" fill="hold">
-                      <p:stCondLst>
-                        <p:cond delay="indefinite"/>
-                      </p:stCondLst>
-                      <p:childTnLst>
-                        <p:par>
-                          <p:cTn id="24" fill="hold">
-                            <p:stCondLst>
-                              <p:cond delay="0"/>
-                            </p:stCondLst>
-                            <p:childTnLst>
-                              <p:par>
-                                <p:cTn id="25" presetID="14" presetClass="entr" presetSubtype="10" fill="hold" grpId="0" nodeType="clickEffect">
-                                  <p:stCondLst>
-                                    <p:cond delay="0"/>
-                                  </p:stCondLst>
-                                  <p:childTnLst>
-                                    <p:set>
-                                      <p:cBhvr>
-                                        <p:cTn id="26" dur="1" fill="hold">
-                                          <p:stCondLst>
-                                            <p:cond delay="0"/>
-                                          </p:stCondLst>
-                                        </p:cTn>
-                                        <p:tgtEl>
-                                          <p:spTgt spid="9"/>
-                                        </p:tgtEl>
-                                        <p:attrNameLst>
-                                          <p:attrName>style.visibility</p:attrName>
-                                        </p:attrNameLst>
-                                      </p:cBhvr>
-                                      <p:to>
-                                        <p:strVal val="visible"/>
-                                      </p:to>
-                                    </p:set>
-                                    <p:animEffect transition="in" filter="randombar(horizontal)">
-                                      <p:cBhvr>
-                                        <p:cTn id="27" dur="500"/>
-                                        <p:tgtEl>
-                                          <p:spTgt spid="9"/>
+                                          <p:spTgt spid="6"/>
                                         </p:tgtEl>
                                       </p:cBhvr>
                                     </p:animEffect>
@@ -11792,813 +11861,7 @@
     </p:tnLst>
     <p:bldLst>
       <p:bldP spid="5" grpId="0"/>
-      <p:bldP spid="8" grpId="0"/>
-      <p:bldP spid="9" grpId="0"/>
     </p:bldLst>
-  </p:timing>
-</p:sld>
-</file>
-
-<file path=ppt/slides/slide19.xml><?xml version="1.0" encoding="utf-8"?>
-<p:sld xmlns:a="http://schemas.openxmlformats.org/drawingml/2006/main" xmlns:r="http://schemas.openxmlformats.org/officeDocument/2006/relationships" xmlns:p="http://schemas.openxmlformats.org/presentationml/2006/main">
-  <p:cSld>
-    <p:spTree>
-      <p:nvGrpSpPr>
-        <p:cNvPr id="1" name=""/>
-        <p:cNvGrpSpPr/>
-        <p:nvPr/>
-      </p:nvGrpSpPr>
-      <p:grpSpPr>
-        <a:xfrm>
-          <a:off x="0" y="0"/>
-          <a:ext cx="0" cy="0"/>
-          <a:chOff x="0" y="0"/>
-          <a:chExt cx="0" cy="0"/>
-        </a:xfrm>
-      </p:grpSpPr>
-      <p:sp>
-        <p:nvSpPr>
-          <p:cNvPr id="3" name="Slide Number Placeholder 2"/>
-          <p:cNvSpPr>
-            <a:spLocks noGrp="1"/>
-          </p:cNvSpPr>
-          <p:nvPr>
-            <p:ph type="sldNum" idx="12"/>
-          </p:nvPr>
-        </p:nvSpPr>
-        <p:spPr/>
-        <p:txBody>
-          <a:bodyPr/>
-          <a:lstStyle/>
-          <a:p>
-            <a:pPr marL="0" lvl="0" indent="0" algn="ctr" rtl="0">
-              <a:spcBef>
-                <a:spcPts val="0"/>
-              </a:spcBef>
-              <a:spcAft>
-                <a:spcPts val="0"/>
-              </a:spcAft>
-              <a:buNone/>
-            </a:pPr>
-            <a:fld id="{00000000-1234-1234-1234-123412341234}" type="slidenum">
-              <a:rPr lang="en" smtClean="0"/>
-              <a:t>19</a:t>
-            </a:fld>
-            <a:endParaRPr lang="en"/>
-          </a:p>
-        </p:txBody>
-      </p:sp>
-      <p:pic>
-        <p:nvPicPr>
-          <p:cNvPr id="4" name="Picture 3"/>
-          <p:cNvPicPr>
-            <a:picLocks noChangeAspect="1"/>
-          </p:cNvPicPr>
-          <p:nvPr/>
-        </p:nvPicPr>
-        <p:blipFill>
-          <a:blip r:embed="rId2"/>
-          <a:stretch>
-            <a:fillRect/>
-          </a:stretch>
-        </p:blipFill>
-        <p:spPr>
-          <a:xfrm>
-            <a:off x="457200" y="311726"/>
-            <a:ext cx="8437420" cy="1308089"/>
-          </a:xfrm>
-          <a:prstGeom prst="rect">
-            <a:avLst/>
-          </a:prstGeom>
-        </p:spPr>
-      </p:pic>
-      <p:sp>
-        <p:nvSpPr>
-          <p:cNvPr id="7" name="TextBox 6"/>
-          <p:cNvSpPr txBox="1"/>
-          <p:nvPr/>
-        </p:nvSpPr>
-        <p:spPr>
-          <a:xfrm>
-            <a:off x="457200" y="1960480"/>
-            <a:ext cx="3110346" cy="2400657"/>
-          </a:xfrm>
-          <a:prstGeom prst="rect">
-            <a:avLst/>
-          </a:prstGeom>
-          <a:noFill/>
-        </p:spPr>
-        <p:txBody>
-          <a:bodyPr wrap="square" rtlCol="0">
-            <a:spAutoFit/>
-          </a:bodyPr>
-          <a:lstStyle/>
-          <a:p>
-            <a:pPr marL="285750" indent="-285750">
-              <a:buFont typeface="Arial" panose="020B0604020202020204" pitchFamily="34" charset="0"/>
-              <a:buChar char="•"/>
-            </a:pPr>
-            <a:r>
-              <a:rPr lang="en-US" sz="1500" dirty="0" smtClean="0"/>
-              <a:t>Ở </a:t>
-            </a:r>
-            <a:r>
-              <a:rPr lang="en-US" sz="1500" dirty="0" err="1" smtClean="0"/>
-              <a:t>chức</a:t>
-            </a:r>
-            <a:r>
-              <a:rPr lang="en-US" sz="1500" dirty="0" smtClean="0"/>
-              <a:t> </a:t>
-            </a:r>
-            <a:r>
-              <a:rPr lang="en-US" sz="1500" dirty="0" err="1" smtClean="0"/>
-              <a:t>năng</a:t>
-            </a:r>
-            <a:r>
-              <a:rPr lang="en-US" sz="1500" dirty="0" smtClean="0"/>
-              <a:t> </a:t>
-            </a:r>
-            <a:r>
-              <a:rPr lang="en-US" sz="1500" dirty="0" err="1" smtClean="0"/>
-              <a:t>hiển</a:t>
-            </a:r>
-            <a:r>
-              <a:rPr lang="en-US" sz="1500" dirty="0" smtClean="0"/>
-              <a:t> </a:t>
-            </a:r>
-            <a:r>
-              <a:rPr lang="en-US" sz="1500" dirty="0" err="1" smtClean="0"/>
-              <a:t>thị</a:t>
-            </a:r>
-            <a:r>
-              <a:rPr lang="en-US" sz="1500" dirty="0" smtClean="0"/>
-              <a:t> </a:t>
-            </a:r>
-            <a:r>
-              <a:rPr lang="en-US" sz="1500" dirty="0" err="1" smtClean="0"/>
-              <a:t>sản</a:t>
-            </a:r>
-            <a:r>
-              <a:rPr lang="en-US" sz="1500" dirty="0" smtClean="0"/>
-              <a:t> </a:t>
-            </a:r>
-            <a:r>
-              <a:rPr lang="en-US" sz="1500" dirty="0" err="1" smtClean="0"/>
-              <a:t>phẩm</a:t>
-            </a:r>
-            <a:r>
-              <a:rPr lang="en-US" sz="1500" dirty="0" smtClean="0"/>
-              <a:t> ở </a:t>
-            </a:r>
-            <a:r>
-              <a:rPr lang="en-US" sz="1500" dirty="0" err="1" smtClean="0"/>
-              <a:t>FrontEnd</a:t>
-            </a:r>
-            <a:r>
-              <a:rPr lang="en-US" sz="1500" dirty="0" smtClean="0"/>
-              <a:t>, ta </a:t>
-            </a:r>
-            <a:r>
-              <a:rPr lang="en-US" sz="1500" dirty="0" err="1" smtClean="0"/>
-              <a:t>cần</a:t>
-            </a:r>
-            <a:r>
-              <a:rPr lang="en-US" sz="1500" dirty="0" smtClean="0"/>
-              <a:t> </a:t>
-            </a:r>
-            <a:r>
-              <a:rPr lang="en-US" sz="1500" dirty="0" err="1" smtClean="0"/>
-              <a:t>hiển</a:t>
-            </a:r>
-            <a:r>
-              <a:rPr lang="en-US" sz="1500" dirty="0" smtClean="0"/>
-              <a:t> </a:t>
-            </a:r>
-            <a:r>
-              <a:rPr lang="en-US" sz="1500" dirty="0" err="1" smtClean="0"/>
-              <a:t>thị</a:t>
-            </a:r>
-            <a:r>
-              <a:rPr lang="en-US" sz="1500" dirty="0" smtClean="0"/>
-              <a:t> </a:t>
-            </a:r>
-            <a:r>
-              <a:rPr lang="en-US" sz="1500" dirty="0" err="1" smtClean="0"/>
-              <a:t>các</a:t>
-            </a:r>
-            <a:r>
-              <a:rPr lang="en-US" sz="1500" dirty="0" smtClean="0"/>
-              <a:t> </a:t>
-            </a:r>
-            <a:r>
-              <a:rPr lang="en-US" sz="1500" dirty="0" err="1" smtClean="0"/>
-              <a:t>thuộc</a:t>
-            </a:r>
-            <a:r>
-              <a:rPr lang="en-US" sz="1500" dirty="0" smtClean="0"/>
-              <a:t> </a:t>
-            </a:r>
-            <a:r>
-              <a:rPr lang="en-US" sz="1500" dirty="0" err="1" smtClean="0"/>
-              <a:t>tính</a:t>
-            </a:r>
-            <a:r>
-              <a:rPr lang="en-US" sz="1500" dirty="0" smtClean="0"/>
-              <a:t> </a:t>
-            </a:r>
-            <a:r>
-              <a:rPr lang="en-US" sz="1500" dirty="0" err="1" smtClean="0"/>
-              <a:t>sản</a:t>
-            </a:r>
-            <a:r>
-              <a:rPr lang="en-US" sz="1500" dirty="0" smtClean="0"/>
-              <a:t> </a:t>
-            </a:r>
-            <a:r>
-              <a:rPr lang="en-US" sz="1500" dirty="0" err="1" smtClean="0"/>
-              <a:t>phẩm</a:t>
-            </a:r>
-            <a:r>
-              <a:rPr lang="en-US" sz="1500" dirty="0" smtClean="0"/>
-              <a:t>, </a:t>
-            </a:r>
-            <a:r>
-              <a:rPr lang="en-US" sz="1500" dirty="0" err="1" smtClean="0"/>
-              <a:t>tên</a:t>
-            </a:r>
-            <a:r>
-              <a:rPr lang="en-US" sz="1500" dirty="0" smtClean="0"/>
-              <a:t> </a:t>
-            </a:r>
-            <a:r>
-              <a:rPr lang="en-US" sz="1500" dirty="0" err="1" smtClean="0"/>
-              <a:t>loại</a:t>
-            </a:r>
-            <a:r>
-              <a:rPr lang="en-US" sz="1500" dirty="0"/>
-              <a:t> </a:t>
-            </a:r>
-            <a:r>
-              <a:rPr lang="en-US" sz="1500" dirty="0" err="1" smtClean="0"/>
-              <a:t>và</a:t>
-            </a:r>
-            <a:r>
-              <a:rPr lang="en-US" sz="1500" dirty="0" smtClean="0"/>
-              <a:t> </a:t>
-            </a:r>
-            <a:r>
-              <a:rPr lang="en-US" sz="1500" dirty="0" err="1" smtClean="0"/>
-              <a:t>tên</a:t>
-            </a:r>
-            <a:r>
-              <a:rPr lang="en-US" sz="1500" dirty="0" smtClean="0"/>
-              <a:t> </a:t>
-            </a:r>
-            <a:r>
-              <a:rPr lang="en-US" sz="1500" dirty="0" err="1" smtClean="0"/>
-              <a:t>nhãn</a:t>
-            </a:r>
-            <a:r>
-              <a:rPr lang="en-US" sz="1500" dirty="0" smtClean="0"/>
-              <a:t> </a:t>
-            </a:r>
-            <a:r>
-              <a:rPr lang="en-US" sz="1500" dirty="0" err="1" smtClean="0"/>
-              <a:t>hiệu</a:t>
-            </a:r>
-            <a:r>
-              <a:rPr lang="en-US" sz="1500" dirty="0" smtClean="0"/>
-              <a:t>.</a:t>
-            </a:r>
-          </a:p>
-          <a:p>
-            <a:pPr marL="285750" indent="-285750">
-              <a:buFont typeface="Arial" panose="020B0604020202020204" pitchFamily="34" charset="0"/>
-              <a:buChar char="•"/>
-            </a:pPr>
-            <a:r>
-              <a:rPr lang="en-US" sz="1500" dirty="0" smtClean="0"/>
-              <a:t> </a:t>
-            </a:r>
-            <a:r>
-              <a:rPr lang="en-US" sz="1500" dirty="0" err="1" smtClean="0"/>
-              <a:t>Tuy</a:t>
-            </a:r>
-            <a:r>
-              <a:rPr lang="en-US" sz="1500" dirty="0" smtClean="0"/>
-              <a:t> </a:t>
-            </a:r>
-            <a:r>
-              <a:rPr lang="en-US" sz="1500" dirty="0" err="1" smtClean="0"/>
-              <a:t>nhiên</a:t>
-            </a:r>
-            <a:r>
-              <a:rPr lang="en-US" sz="1500" dirty="0" smtClean="0"/>
-              <a:t>, model class </a:t>
-            </a:r>
-            <a:r>
-              <a:rPr lang="en-US" sz="1500" dirty="0" err="1" smtClean="0"/>
-              <a:t>sản</a:t>
-            </a:r>
-            <a:r>
-              <a:rPr lang="en-US" sz="1500" dirty="0" smtClean="0"/>
-              <a:t> </a:t>
-            </a:r>
-            <a:r>
-              <a:rPr lang="en-US" sz="1500" dirty="0" err="1" smtClean="0"/>
-              <a:t>phẩm</a:t>
-            </a:r>
-            <a:r>
-              <a:rPr lang="en-US" sz="1500" dirty="0" smtClean="0"/>
-              <a:t> </a:t>
-            </a:r>
-            <a:r>
-              <a:rPr lang="en-US" sz="1500" dirty="0" err="1" smtClean="0"/>
-              <a:t>cũng</a:t>
-            </a:r>
-            <a:r>
-              <a:rPr lang="en-US" sz="1500" dirty="0" smtClean="0"/>
-              <a:t> </a:t>
-            </a:r>
-            <a:r>
-              <a:rPr lang="en-US" sz="1500" dirty="0" err="1" smtClean="0"/>
-              <a:t>như</a:t>
-            </a:r>
-            <a:r>
-              <a:rPr lang="en-US" sz="1500" dirty="0" smtClean="0"/>
-              <a:t> </a:t>
-            </a:r>
-            <a:r>
-              <a:rPr lang="en-US" sz="1500" dirty="0" err="1" smtClean="0"/>
-              <a:t>bảng</a:t>
-            </a:r>
-            <a:r>
-              <a:rPr lang="en-US" sz="1500" dirty="0" smtClean="0"/>
-              <a:t> </a:t>
-            </a:r>
-            <a:r>
-              <a:rPr lang="en-US" sz="1500" dirty="0" err="1" smtClean="0"/>
-              <a:t>sản</a:t>
-            </a:r>
-            <a:r>
-              <a:rPr lang="en-US" sz="1500" dirty="0" smtClean="0"/>
-              <a:t> </a:t>
-            </a:r>
-            <a:r>
-              <a:rPr lang="en-US" sz="1500" dirty="0" err="1" smtClean="0"/>
-              <a:t>phẩm</a:t>
-            </a:r>
-            <a:r>
-              <a:rPr lang="en-US" sz="1500" dirty="0" smtClean="0"/>
-              <a:t> </a:t>
-            </a:r>
-            <a:r>
-              <a:rPr lang="en-US" sz="1500" dirty="0" err="1" smtClean="0"/>
-              <a:t>trong</a:t>
-            </a:r>
-            <a:r>
-              <a:rPr lang="en-US" sz="1500" dirty="0" smtClean="0"/>
-              <a:t> database </a:t>
-            </a:r>
-            <a:r>
-              <a:rPr lang="en-US" sz="1500" dirty="0" err="1" smtClean="0"/>
-              <a:t>không</a:t>
-            </a:r>
-            <a:r>
-              <a:rPr lang="en-US" sz="1500" dirty="0" smtClean="0"/>
-              <a:t> </a:t>
-            </a:r>
-            <a:r>
-              <a:rPr lang="en-US" sz="1500" dirty="0" err="1" smtClean="0"/>
-              <a:t>có</a:t>
-            </a:r>
-            <a:r>
-              <a:rPr lang="en-US" sz="1500" dirty="0" smtClean="0"/>
-              <a:t> </a:t>
-            </a:r>
-            <a:r>
-              <a:rPr lang="en-US" sz="1500" dirty="0" err="1" smtClean="0"/>
-              <a:t>thuộc</a:t>
-            </a:r>
-            <a:r>
-              <a:rPr lang="en-US" sz="1500" dirty="0" smtClean="0"/>
-              <a:t> </a:t>
-            </a:r>
-            <a:r>
-              <a:rPr lang="en-US" sz="1500" dirty="0" err="1" smtClean="0"/>
-              <a:t>tính</a:t>
-            </a:r>
-            <a:r>
-              <a:rPr lang="en-US" sz="1500" dirty="0" smtClean="0"/>
-              <a:t> </a:t>
-            </a:r>
-            <a:r>
-              <a:rPr lang="en-US" sz="1500" dirty="0" err="1"/>
-              <a:t>tên</a:t>
-            </a:r>
-            <a:r>
-              <a:rPr lang="en-US" sz="1500" dirty="0"/>
-              <a:t> </a:t>
-            </a:r>
-            <a:r>
-              <a:rPr lang="en-US" sz="1500" dirty="0" err="1"/>
-              <a:t>loại</a:t>
-            </a:r>
-            <a:r>
-              <a:rPr lang="en-US" sz="1500" dirty="0"/>
-              <a:t> </a:t>
-            </a:r>
-            <a:r>
-              <a:rPr lang="en-US" sz="1500" dirty="0" err="1"/>
-              <a:t>và</a:t>
-            </a:r>
-            <a:r>
-              <a:rPr lang="en-US" sz="1500" dirty="0"/>
-              <a:t> </a:t>
-            </a:r>
-            <a:r>
-              <a:rPr lang="en-US" sz="1500" dirty="0" err="1"/>
-              <a:t>tên</a:t>
-            </a:r>
-            <a:r>
-              <a:rPr lang="en-US" sz="1500" dirty="0"/>
-              <a:t> </a:t>
-            </a:r>
-            <a:r>
-              <a:rPr lang="en-US" sz="1500" dirty="0" err="1"/>
-              <a:t>nhãn</a:t>
-            </a:r>
-            <a:r>
-              <a:rPr lang="en-US" sz="1500" dirty="0"/>
-              <a:t> </a:t>
-            </a:r>
-            <a:r>
-              <a:rPr lang="en-US" sz="1500" dirty="0" err="1" smtClean="0"/>
-              <a:t>hiệu</a:t>
-            </a:r>
-            <a:r>
-              <a:rPr lang="en-US" sz="1500" dirty="0" smtClean="0"/>
-              <a:t> </a:t>
-            </a:r>
-            <a:r>
-              <a:rPr lang="en-US" sz="1500" dirty="0" err="1" smtClean="0"/>
-              <a:t>mà</a:t>
-            </a:r>
-            <a:r>
-              <a:rPr lang="en-US" sz="1500" dirty="0" smtClean="0"/>
-              <a:t> </a:t>
-            </a:r>
-            <a:r>
-              <a:rPr lang="en-US" sz="1500" dirty="0" err="1" smtClean="0"/>
-              <a:t>chỉ</a:t>
-            </a:r>
-            <a:r>
-              <a:rPr lang="en-US" sz="1500" dirty="0" smtClean="0"/>
-              <a:t> </a:t>
-            </a:r>
-            <a:r>
-              <a:rPr lang="en-US" sz="1500" dirty="0" err="1" smtClean="0"/>
-              <a:t>có</a:t>
-            </a:r>
-            <a:r>
-              <a:rPr lang="en-US" sz="1500" dirty="0" smtClean="0"/>
-              <a:t> </a:t>
-            </a:r>
-            <a:r>
-              <a:rPr lang="en-US" sz="1500" dirty="0" err="1" smtClean="0"/>
-              <a:t>thuộc</a:t>
-            </a:r>
-            <a:r>
-              <a:rPr lang="en-US" sz="1500" dirty="0" smtClean="0"/>
-              <a:t> </a:t>
-            </a:r>
-            <a:r>
-              <a:rPr lang="en-US" sz="1500" dirty="0" err="1" smtClean="0"/>
-              <a:t>tính</a:t>
-            </a:r>
-            <a:r>
-              <a:rPr lang="en-US" sz="1500" dirty="0" smtClean="0"/>
-              <a:t> “</a:t>
-            </a:r>
-            <a:r>
-              <a:rPr lang="en-US" sz="1500" dirty="0" err="1" smtClean="0"/>
-              <a:t>Id_NhanHieu</a:t>
-            </a:r>
-            <a:r>
-              <a:rPr lang="en-US" sz="1500" dirty="0" smtClean="0"/>
-              <a:t>” </a:t>
-            </a:r>
-            <a:r>
-              <a:rPr lang="en-US" sz="1500" dirty="0" err="1" smtClean="0"/>
-              <a:t>và</a:t>
-            </a:r>
-            <a:r>
-              <a:rPr lang="en-US" sz="1500" dirty="0" smtClean="0"/>
-              <a:t> “</a:t>
-            </a:r>
-            <a:r>
-              <a:rPr lang="en-US" sz="1500" dirty="0" err="1" smtClean="0"/>
-              <a:t>Id_Loai</a:t>
-            </a:r>
-            <a:r>
-              <a:rPr lang="en-US" sz="1500" dirty="0" smtClean="0"/>
-              <a:t>”.   </a:t>
-            </a:r>
-            <a:endParaRPr lang="en-US" sz="1500" dirty="0"/>
-          </a:p>
-        </p:txBody>
-      </p:sp>
-      <p:pic>
-        <p:nvPicPr>
-          <p:cNvPr id="8" name="Picture 7"/>
-          <p:cNvPicPr>
-            <a:picLocks noChangeAspect="1"/>
-          </p:cNvPicPr>
-          <p:nvPr/>
-        </p:nvPicPr>
-        <p:blipFill>
-          <a:blip r:embed="rId3"/>
-          <a:stretch>
-            <a:fillRect/>
-          </a:stretch>
-        </p:blipFill>
-        <p:spPr>
-          <a:xfrm>
-            <a:off x="4052456" y="1908688"/>
-            <a:ext cx="4890655" cy="2108445"/>
-          </a:xfrm>
-          <a:prstGeom prst="rect">
-            <a:avLst/>
-          </a:prstGeom>
-        </p:spPr>
-      </p:pic>
-    </p:spTree>
-    <p:extLst>
-      <p:ext uri="{BB962C8B-B14F-4D97-AF65-F5344CB8AC3E}">
-        <p14:creationId xmlns:p14="http://schemas.microsoft.com/office/powerpoint/2010/main" val="3207445584"/>
-      </p:ext>
-    </p:extLst>
-  </p:cSld>
-  <p:clrMapOvr>
-    <a:masterClrMapping/>
-  </p:clrMapOvr>
-  <p:timing>
-    <p:tnLst>
-      <p:par>
-        <p:cTn id="1" dur="indefinite" restart="never" nodeType="tmRoot">
-          <p:childTnLst>
-            <p:seq concurrent="1" nextAc="seek">
-              <p:cTn id="2" dur="indefinite" nodeType="mainSeq">
-                <p:childTnLst>
-                  <p:par>
-                    <p:cTn id="3" fill="hold">
-                      <p:stCondLst>
-                        <p:cond delay="indefinite"/>
-                      </p:stCondLst>
-                      <p:childTnLst>
-                        <p:par>
-                          <p:cTn id="4" fill="hold">
-                            <p:stCondLst>
-                              <p:cond delay="0"/>
-                            </p:stCondLst>
-                            <p:childTnLst>
-                              <p:par>
-                                <p:cTn id="5" presetID="14" presetClass="entr" presetSubtype="10" fill="hold" nodeType="clickEffect">
-                                  <p:stCondLst>
-                                    <p:cond delay="0"/>
-                                  </p:stCondLst>
-                                  <p:childTnLst>
-                                    <p:set>
-                                      <p:cBhvr>
-                                        <p:cTn id="6" dur="1" fill="hold">
-                                          <p:stCondLst>
-                                            <p:cond delay="0"/>
-                                          </p:stCondLst>
-                                        </p:cTn>
-                                        <p:tgtEl>
-                                          <p:spTgt spid="4"/>
-                                        </p:tgtEl>
-                                        <p:attrNameLst>
-                                          <p:attrName>style.visibility</p:attrName>
-                                        </p:attrNameLst>
-                                      </p:cBhvr>
-                                      <p:to>
-                                        <p:strVal val="visible"/>
-                                      </p:to>
-                                    </p:set>
-                                    <p:animEffect transition="in" filter="randombar(horizontal)">
-                                      <p:cBhvr>
-                                        <p:cTn id="7" dur="500"/>
-                                        <p:tgtEl>
-                                          <p:spTgt spid="4"/>
-                                        </p:tgtEl>
-                                      </p:cBhvr>
-                                    </p:animEffect>
-                                  </p:childTnLst>
-                                </p:cTn>
-                              </p:par>
-                            </p:childTnLst>
-                          </p:cTn>
-                        </p:par>
-                      </p:childTnLst>
-                    </p:cTn>
-                  </p:par>
-                  <p:par>
-                    <p:cTn id="8" fill="hold">
-                      <p:stCondLst>
-                        <p:cond delay="indefinite"/>
-                      </p:stCondLst>
-                      <p:childTnLst>
-                        <p:par>
-                          <p:cTn id="9" fill="hold">
-                            <p:stCondLst>
-                              <p:cond delay="0"/>
-                            </p:stCondLst>
-                            <p:childTnLst>
-                              <p:par>
-                                <p:cTn id="10" presetID="14" presetClass="entr" presetSubtype="10" fill="hold" nodeType="clickEffect">
-                                  <p:stCondLst>
-                                    <p:cond delay="0"/>
-                                  </p:stCondLst>
-                                  <p:childTnLst>
-                                    <p:set>
-                                      <p:cBhvr>
-                                        <p:cTn id="11" dur="1" fill="hold">
-                                          <p:stCondLst>
-                                            <p:cond delay="0"/>
-                                          </p:stCondLst>
-                                        </p:cTn>
-                                        <p:tgtEl>
-                                          <p:spTgt spid="7">
-                                            <p:txEl>
-                                              <p:pRg st="0" end="0"/>
-                                            </p:txEl>
-                                          </p:spTgt>
-                                        </p:tgtEl>
-                                        <p:attrNameLst>
-                                          <p:attrName>style.visibility</p:attrName>
-                                        </p:attrNameLst>
-                                      </p:cBhvr>
-                                      <p:to>
-                                        <p:strVal val="visible"/>
-                                      </p:to>
-                                    </p:set>
-                                    <p:animEffect transition="in" filter="randombar(horizontal)">
-                                      <p:cBhvr>
-                                        <p:cTn id="12" dur="500"/>
-                                        <p:tgtEl>
-                                          <p:spTgt spid="7">
-                                            <p:txEl>
-                                              <p:pRg st="0" end="0"/>
-                                            </p:txEl>
-                                          </p:spTgt>
-                                        </p:tgtEl>
-                                      </p:cBhvr>
-                                    </p:animEffect>
-                                  </p:childTnLst>
-                                </p:cTn>
-                              </p:par>
-                            </p:childTnLst>
-                          </p:cTn>
-                        </p:par>
-                      </p:childTnLst>
-                    </p:cTn>
-                  </p:par>
-                  <p:par>
-                    <p:cTn id="13" fill="hold">
-                      <p:stCondLst>
-                        <p:cond delay="indefinite"/>
-                      </p:stCondLst>
-                      <p:childTnLst>
-                        <p:par>
-                          <p:cTn id="14" fill="hold">
-                            <p:stCondLst>
-                              <p:cond delay="0"/>
-                            </p:stCondLst>
-                            <p:childTnLst>
-                              <p:par>
-                                <p:cTn id="15" presetID="14" presetClass="entr" presetSubtype="10" fill="hold" nodeType="clickEffect">
-                                  <p:stCondLst>
-                                    <p:cond delay="0"/>
-                                  </p:stCondLst>
-                                  <p:childTnLst>
-                                    <p:set>
-                                      <p:cBhvr>
-                                        <p:cTn id="16" dur="1" fill="hold">
-                                          <p:stCondLst>
-                                            <p:cond delay="0"/>
-                                          </p:stCondLst>
-                                        </p:cTn>
-                                        <p:tgtEl>
-                                          <p:spTgt spid="7">
-                                            <p:txEl>
-                                              <p:pRg st="1" end="1"/>
-                                            </p:txEl>
-                                          </p:spTgt>
-                                        </p:tgtEl>
-                                        <p:attrNameLst>
-                                          <p:attrName>style.visibility</p:attrName>
-                                        </p:attrNameLst>
-                                      </p:cBhvr>
-                                      <p:to>
-                                        <p:strVal val="visible"/>
-                                      </p:to>
-                                    </p:set>
-                                    <p:animEffect transition="in" filter="randombar(horizontal)">
-                                      <p:cBhvr>
-                                        <p:cTn id="17" dur="500"/>
-                                        <p:tgtEl>
-                                          <p:spTgt spid="7">
-                                            <p:txEl>
-                                              <p:pRg st="1" end="1"/>
-                                            </p:txEl>
-                                          </p:spTgt>
-                                        </p:tgtEl>
-                                      </p:cBhvr>
-                                    </p:animEffect>
-                                  </p:childTnLst>
-                                </p:cTn>
-                              </p:par>
-                            </p:childTnLst>
-                          </p:cTn>
-                        </p:par>
-                      </p:childTnLst>
-                    </p:cTn>
-                  </p:par>
-                  <p:par>
-                    <p:cTn id="18" fill="hold">
-                      <p:stCondLst>
-                        <p:cond delay="indefinite"/>
-                      </p:stCondLst>
-                      <p:childTnLst>
-                        <p:par>
-                          <p:cTn id="19" fill="hold">
-                            <p:stCondLst>
-                              <p:cond delay="0"/>
-                            </p:stCondLst>
-                            <p:childTnLst>
-                              <p:par>
-                                <p:cTn id="20" presetID="22" presetClass="entr" presetSubtype="4" fill="hold" nodeType="clickEffect">
-                                  <p:stCondLst>
-                                    <p:cond delay="0"/>
-                                  </p:stCondLst>
-                                  <p:childTnLst>
-                                    <p:set>
-                                      <p:cBhvr>
-                                        <p:cTn id="21" dur="1" fill="hold">
-                                          <p:stCondLst>
-                                            <p:cond delay="0"/>
-                                          </p:stCondLst>
-                                        </p:cTn>
-                                        <p:tgtEl>
-                                          <p:spTgt spid="8"/>
-                                        </p:tgtEl>
-                                        <p:attrNameLst>
-                                          <p:attrName>style.visibility</p:attrName>
-                                        </p:attrNameLst>
-                                      </p:cBhvr>
-                                      <p:to>
-                                        <p:strVal val="visible"/>
-                                      </p:to>
-                                    </p:set>
-                                    <p:animEffect transition="in" filter="wipe(down)">
-                                      <p:cBhvr>
-                                        <p:cTn id="22" dur="500"/>
-                                        <p:tgtEl>
-                                          <p:spTgt spid="8"/>
-                                        </p:tgtEl>
-                                      </p:cBhvr>
-                                    </p:animEffect>
-                                  </p:childTnLst>
-                                </p:cTn>
-                              </p:par>
-                            </p:childTnLst>
-                          </p:cTn>
-                        </p:par>
-                      </p:childTnLst>
-                    </p:cTn>
-                  </p:par>
-                </p:childTnLst>
-              </p:cTn>
-              <p:prevCondLst>
-                <p:cond evt="onPrev" delay="0">
-                  <p:tgtEl>
-                    <p:sldTgt/>
-                  </p:tgtEl>
-                </p:cond>
-              </p:prevCondLst>
-              <p:nextCondLst>
-                <p:cond evt="onNext" delay="0">
-                  <p:tgtEl>
-                    <p:sldTgt/>
-                  </p:tgtEl>
-                </p:cond>
-              </p:nextCondLst>
-            </p:seq>
-          </p:childTnLst>
-        </p:cTn>
-      </p:par>
-    </p:tnLst>
   </p:timing>
 </p:sld>
 </file>
@@ -15054,2943 +14317,6 @@
             <a:fld id="{00000000-1234-1234-1234-123412341234}" type="slidenum">
               <a:rPr lang="en" smtClean="0"/>
               <a:t>20</a:t>
-            </a:fld>
-            <a:endParaRPr lang="en"/>
-          </a:p>
-        </p:txBody>
-      </p:sp>
-      <p:sp>
-        <p:nvSpPr>
-          <p:cNvPr id="7" name="TextBox 6"/>
-          <p:cNvSpPr txBox="1"/>
-          <p:nvPr/>
-        </p:nvSpPr>
-        <p:spPr>
-          <a:xfrm>
-            <a:off x="512618" y="297873"/>
-            <a:ext cx="8285018" cy="307777"/>
-          </a:xfrm>
-          <a:prstGeom prst="rect">
-            <a:avLst/>
-          </a:prstGeom>
-          <a:noFill/>
-        </p:spPr>
-        <p:txBody>
-          <a:bodyPr wrap="square" rtlCol="0">
-            <a:spAutoFit/>
-          </a:bodyPr>
-          <a:lstStyle/>
-          <a:p>
-            <a:pPr marL="285750" indent="-285750">
-              <a:buFont typeface="Arial" panose="020B0604020202020204" pitchFamily="34" charset="0"/>
-              <a:buChar char="•"/>
-            </a:pPr>
-            <a:r>
-              <a:rPr lang="en-US" dirty="0" err="1" smtClean="0"/>
-              <a:t>Vì</a:t>
-            </a:r>
-            <a:r>
-              <a:rPr lang="en-US" dirty="0" smtClean="0"/>
-              <a:t> </a:t>
-            </a:r>
-            <a:r>
-              <a:rPr lang="en-US" dirty="0" err="1" smtClean="0"/>
-              <a:t>lý</a:t>
-            </a:r>
-            <a:r>
-              <a:rPr lang="en-US" dirty="0" smtClean="0"/>
-              <a:t> do </a:t>
-            </a:r>
-            <a:r>
-              <a:rPr lang="en-US" dirty="0" err="1" smtClean="0"/>
-              <a:t>nêu</a:t>
-            </a:r>
-            <a:r>
-              <a:rPr lang="en-US" dirty="0" smtClean="0"/>
-              <a:t> </a:t>
-            </a:r>
-            <a:r>
-              <a:rPr lang="en-US" dirty="0" err="1" smtClean="0"/>
-              <a:t>trên</a:t>
-            </a:r>
-            <a:r>
-              <a:rPr lang="en-US" dirty="0" smtClean="0"/>
-              <a:t>, ta </a:t>
-            </a:r>
-            <a:r>
-              <a:rPr lang="en-US" dirty="0" err="1" smtClean="0"/>
-              <a:t>cần</a:t>
-            </a:r>
-            <a:r>
-              <a:rPr lang="en-US" dirty="0" smtClean="0"/>
-              <a:t> </a:t>
-            </a:r>
-            <a:r>
-              <a:rPr lang="en-US" dirty="0" err="1" smtClean="0"/>
-              <a:t>tạo</a:t>
-            </a:r>
-            <a:r>
-              <a:rPr lang="en-US" dirty="0" smtClean="0"/>
-              <a:t> </a:t>
-            </a:r>
-            <a:r>
-              <a:rPr lang="en-US" dirty="0" err="1" smtClean="0"/>
-              <a:t>một</a:t>
-            </a:r>
-            <a:r>
-              <a:rPr lang="en-US" dirty="0" smtClean="0"/>
-              <a:t> class </a:t>
-            </a:r>
-            <a:r>
-              <a:rPr lang="en-US" dirty="0" err="1" smtClean="0"/>
-              <a:t>đáp</a:t>
-            </a:r>
-            <a:r>
-              <a:rPr lang="en-US" dirty="0" smtClean="0"/>
-              <a:t> </a:t>
-            </a:r>
-            <a:r>
-              <a:rPr lang="en-US" dirty="0" err="1" smtClean="0"/>
-              <a:t>ứng</a:t>
-            </a:r>
-            <a:r>
-              <a:rPr lang="en-US" dirty="0" smtClean="0"/>
-              <a:t> </a:t>
-            </a:r>
-            <a:r>
-              <a:rPr lang="en-US" dirty="0" err="1" smtClean="0"/>
-              <a:t>nhu</a:t>
-            </a:r>
-            <a:r>
-              <a:rPr lang="en-US" dirty="0" smtClean="0"/>
-              <a:t> </a:t>
-            </a:r>
-            <a:r>
-              <a:rPr lang="en-US" dirty="0" err="1" smtClean="0"/>
-              <a:t>cầu</a:t>
-            </a:r>
-            <a:r>
-              <a:rPr lang="en-US" dirty="0" smtClean="0"/>
-              <a:t> </a:t>
-            </a:r>
-            <a:r>
-              <a:rPr lang="en-US" dirty="0" err="1" smtClean="0"/>
-              <a:t>hiển</a:t>
-            </a:r>
-            <a:r>
-              <a:rPr lang="en-US" dirty="0" smtClean="0"/>
-              <a:t> </a:t>
-            </a:r>
-            <a:r>
-              <a:rPr lang="en-US" dirty="0" err="1" smtClean="0"/>
-              <a:t>thị</a:t>
-            </a:r>
-            <a:r>
-              <a:rPr lang="en-US" dirty="0" smtClean="0"/>
-              <a:t> </a:t>
-            </a:r>
-            <a:r>
-              <a:rPr lang="en-US" dirty="0" err="1" smtClean="0"/>
-              <a:t>mà</a:t>
-            </a:r>
-            <a:r>
-              <a:rPr lang="en-US" dirty="0" smtClean="0"/>
-              <a:t> </a:t>
-            </a:r>
-            <a:r>
-              <a:rPr lang="en-US" dirty="0" err="1" smtClean="0"/>
-              <a:t>FrontEnd</a:t>
-            </a:r>
-            <a:r>
-              <a:rPr lang="en-US" dirty="0" smtClean="0"/>
-              <a:t> </a:t>
-            </a:r>
-            <a:r>
-              <a:rPr lang="en-US" dirty="0" err="1" smtClean="0"/>
-              <a:t>cần</a:t>
-            </a:r>
-            <a:r>
-              <a:rPr lang="en-US" dirty="0" smtClean="0"/>
-              <a:t> </a:t>
-            </a:r>
-            <a:endParaRPr lang="en-US" dirty="0"/>
-          </a:p>
-        </p:txBody>
-      </p:sp>
-      <p:pic>
-        <p:nvPicPr>
-          <p:cNvPr id="8" name="Picture 7"/>
-          <p:cNvPicPr>
-            <a:picLocks noChangeAspect="1"/>
-          </p:cNvPicPr>
-          <p:nvPr/>
-        </p:nvPicPr>
-        <p:blipFill>
-          <a:blip r:embed="rId2"/>
-          <a:stretch>
-            <a:fillRect/>
-          </a:stretch>
-        </p:blipFill>
-        <p:spPr>
-          <a:xfrm>
-            <a:off x="4260273" y="1099353"/>
-            <a:ext cx="4355219" cy="2592884"/>
-          </a:xfrm>
-          <a:prstGeom prst="rect">
-            <a:avLst/>
-          </a:prstGeom>
-        </p:spPr>
-      </p:pic>
-      <p:sp>
-        <p:nvSpPr>
-          <p:cNvPr id="10" name="TextBox 9"/>
-          <p:cNvSpPr txBox="1"/>
-          <p:nvPr/>
-        </p:nvSpPr>
-        <p:spPr>
-          <a:xfrm>
-            <a:off x="512618" y="1032979"/>
-            <a:ext cx="3321021" cy="1169551"/>
-          </a:xfrm>
-          <a:prstGeom prst="rect">
-            <a:avLst/>
-          </a:prstGeom>
-          <a:noFill/>
-        </p:spPr>
-        <p:txBody>
-          <a:bodyPr wrap="square" rtlCol="0">
-            <a:spAutoFit/>
-          </a:bodyPr>
-          <a:lstStyle/>
-          <a:p>
-            <a:pPr marL="285750" indent="-285750">
-              <a:buFont typeface="Arial" panose="020B0604020202020204" pitchFamily="34" charset="0"/>
-              <a:buChar char="•"/>
-            </a:pPr>
-            <a:r>
-              <a:rPr lang="en-US" dirty="0" err="1" smtClean="0"/>
-              <a:t>Sau</a:t>
-            </a:r>
-            <a:r>
-              <a:rPr lang="en-US" dirty="0" smtClean="0"/>
-              <a:t> </a:t>
-            </a:r>
-            <a:r>
-              <a:rPr lang="en-US" dirty="0" err="1" smtClean="0"/>
-              <a:t>khi</a:t>
-            </a:r>
-            <a:r>
-              <a:rPr lang="en-US" dirty="0" smtClean="0"/>
-              <a:t> </a:t>
-            </a:r>
-            <a:r>
-              <a:rPr lang="en-US" dirty="0" err="1" smtClean="0"/>
-              <a:t>tạo</a:t>
-            </a:r>
-            <a:r>
-              <a:rPr lang="en-US" dirty="0" smtClean="0"/>
-              <a:t> class, ta </a:t>
-            </a:r>
-            <a:r>
-              <a:rPr lang="en-US" dirty="0" err="1" smtClean="0"/>
-              <a:t>tiến</a:t>
-            </a:r>
-            <a:r>
-              <a:rPr lang="en-US" dirty="0" smtClean="0"/>
-              <a:t> </a:t>
-            </a:r>
-            <a:r>
-              <a:rPr lang="en-US" dirty="0" err="1" smtClean="0"/>
-              <a:t>hành</a:t>
-            </a:r>
-            <a:r>
-              <a:rPr lang="en-US" dirty="0" smtClean="0"/>
-              <a:t> </a:t>
-            </a:r>
-            <a:r>
-              <a:rPr lang="en-US" dirty="0" err="1" smtClean="0"/>
-              <a:t>truy</a:t>
-            </a:r>
-            <a:r>
-              <a:rPr lang="en-US" dirty="0" smtClean="0"/>
-              <a:t> </a:t>
-            </a:r>
-            <a:r>
-              <a:rPr lang="en-US" dirty="0" err="1" smtClean="0"/>
-              <a:t>vấn</a:t>
-            </a:r>
-            <a:r>
-              <a:rPr lang="en-US" dirty="0" smtClean="0"/>
-              <a:t> </a:t>
-            </a:r>
-            <a:r>
-              <a:rPr lang="en-US" dirty="0" err="1" smtClean="0"/>
-              <a:t>để</a:t>
-            </a:r>
-            <a:r>
-              <a:rPr lang="en-US" dirty="0" smtClean="0"/>
-              <a:t> </a:t>
-            </a:r>
-            <a:r>
-              <a:rPr lang="en-US" dirty="0" err="1" smtClean="0"/>
-              <a:t>trả</a:t>
-            </a:r>
-            <a:r>
-              <a:rPr lang="en-US" dirty="0" smtClean="0"/>
-              <a:t> </a:t>
-            </a:r>
-            <a:r>
-              <a:rPr lang="en-US" dirty="0" err="1" smtClean="0"/>
-              <a:t>kết</a:t>
-            </a:r>
-            <a:r>
-              <a:rPr lang="en-US" dirty="0" smtClean="0"/>
-              <a:t> qua </a:t>
-            </a:r>
-            <a:r>
-              <a:rPr lang="en-US" dirty="0" err="1" smtClean="0"/>
-              <a:t>phù</a:t>
-            </a:r>
-            <a:r>
-              <a:rPr lang="en-US" dirty="0" smtClean="0"/>
-              <a:t> </a:t>
-            </a:r>
-            <a:r>
-              <a:rPr lang="en-US" dirty="0" err="1" smtClean="0"/>
-              <a:t>hợp</a:t>
-            </a:r>
-            <a:r>
-              <a:rPr lang="en-US" dirty="0" smtClean="0"/>
-              <a:t> </a:t>
-            </a:r>
-            <a:r>
-              <a:rPr lang="en-US" dirty="0" err="1" smtClean="0"/>
-              <a:t>về</a:t>
-            </a:r>
-            <a:r>
-              <a:rPr lang="en-US" dirty="0" smtClean="0"/>
-              <a:t> </a:t>
-            </a:r>
-            <a:r>
-              <a:rPr lang="en-US" dirty="0" err="1" smtClean="0"/>
-              <a:t>phía</a:t>
-            </a:r>
-            <a:r>
-              <a:rPr lang="en-US" dirty="0" smtClean="0"/>
-              <a:t> </a:t>
-            </a:r>
-            <a:r>
-              <a:rPr lang="en-US" dirty="0" err="1" smtClean="0"/>
-              <a:t>FrontEnd</a:t>
-            </a:r>
-            <a:r>
-              <a:rPr lang="en-US" dirty="0" smtClean="0"/>
-              <a:t>. </a:t>
-            </a:r>
-            <a:r>
-              <a:rPr lang="en-US" dirty="0" err="1" smtClean="0"/>
-              <a:t>Các</a:t>
-            </a:r>
-            <a:r>
-              <a:rPr lang="en-US" dirty="0" smtClean="0"/>
-              <a:t> </a:t>
-            </a:r>
-            <a:r>
-              <a:rPr lang="en-US" dirty="0" err="1" smtClean="0"/>
-              <a:t>chức</a:t>
-            </a:r>
-            <a:r>
-              <a:rPr lang="en-US" dirty="0" smtClean="0"/>
-              <a:t> </a:t>
-            </a:r>
-            <a:r>
-              <a:rPr lang="en-US" dirty="0" err="1" smtClean="0"/>
-              <a:t>năng</a:t>
-            </a:r>
-            <a:r>
-              <a:rPr lang="en-US" dirty="0" smtClean="0"/>
-              <a:t> </a:t>
-            </a:r>
-            <a:r>
-              <a:rPr lang="en-US" dirty="0" err="1" smtClean="0"/>
-              <a:t>khác</a:t>
-            </a:r>
-            <a:r>
-              <a:rPr lang="en-US" dirty="0" smtClean="0"/>
-              <a:t> </a:t>
-            </a:r>
-            <a:r>
-              <a:rPr lang="en-US" dirty="0" err="1" smtClean="0"/>
-              <a:t>cách</a:t>
-            </a:r>
-            <a:r>
-              <a:rPr lang="en-US" dirty="0" smtClean="0"/>
-              <a:t> </a:t>
-            </a:r>
-            <a:r>
-              <a:rPr lang="en-US" dirty="0" err="1" smtClean="0"/>
-              <a:t>làm</a:t>
-            </a:r>
-            <a:r>
-              <a:rPr lang="en-US" dirty="0" smtClean="0"/>
-              <a:t> </a:t>
-            </a:r>
-            <a:r>
-              <a:rPr lang="en-US" dirty="0" err="1" smtClean="0"/>
-              <a:t>tương</a:t>
-            </a:r>
-            <a:r>
-              <a:rPr lang="en-US" dirty="0" smtClean="0"/>
-              <a:t> </a:t>
-            </a:r>
-            <a:r>
-              <a:rPr lang="en-US" dirty="0" err="1" smtClean="0"/>
-              <a:t>tự</a:t>
-            </a:r>
-            <a:r>
-              <a:rPr lang="en-US" dirty="0" smtClean="0"/>
-              <a:t> </a:t>
-            </a:r>
-            <a:r>
-              <a:rPr lang="en-US" dirty="0" err="1" smtClean="0"/>
-              <a:t>như</a:t>
-            </a:r>
-            <a:r>
-              <a:rPr lang="en-US" dirty="0" smtClean="0"/>
-              <a:t> </a:t>
-            </a:r>
-            <a:r>
-              <a:rPr lang="en-US" dirty="0" err="1" smtClean="0"/>
-              <a:t>chức</a:t>
-            </a:r>
-            <a:r>
-              <a:rPr lang="en-US" dirty="0" smtClean="0"/>
-              <a:t> </a:t>
-            </a:r>
-            <a:r>
-              <a:rPr lang="en-US" dirty="0" err="1" smtClean="0"/>
-              <a:t>năng</a:t>
-            </a:r>
-            <a:r>
-              <a:rPr lang="en-US" dirty="0" smtClean="0"/>
-              <a:t> </a:t>
-            </a:r>
-            <a:r>
-              <a:rPr lang="en-US" dirty="0" err="1" smtClean="0"/>
-              <a:t>này</a:t>
-            </a:r>
-            <a:r>
-              <a:rPr lang="en-US" dirty="0" smtClean="0"/>
-              <a:t> </a:t>
-            </a:r>
-            <a:endParaRPr lang="en-US" dirty="0"/>
-          </a:p>
-        </p:txBody>
-      </p:sp>
-    </p:spTree>
-    <p:extLst>
-      <p:ext uri="{BB962C8B-B14F-4D97-AF65-F5344CB8AC3E}">
-        <p14:creationId xmlns:p14="http://schemas.microsoft.com/office/powerpoint/2010/main" val="2154220152"/>
-      </p:ext>
-    </p:extLst>
-  </p:cSld>
-  <p:clrMapOvr>
-    <a:masterClrMapping/>
-  </p:clrMapOvr>
-  <p:timing>
-    <p:tnLst>
-      <p:par>
-        <p:cTn id="1" dur="indefinite" restart="never" nodeType="tmRoot">
-          <p:childTnLst>
-            <p:seq concurrent="1" nextAc="seek">
-              <p:cTn id="2" dur="indefinite" nodeType="mainSeq">
-                <p:childTnLst>
-                  <p:par>
-                    <p:cTn id="3" fill="hold">
-                      <p:stCondLst>
-                        <p:cond delay="indefinite"/>
-                      </p:stCondLst>
-                      <p:childTnLst>
-                        <p:par>
-                          <p:cTn id="4" fill="hold">
-                            <p:stCondLst>
-                              <p:cond delay="0"/>
-                            </p:stCondLst>
-                            <p:childTnLst>
-                              <p:par>
-                                <p:cTn id="5" presetID="14" presetClass="entr" presetSubtype="10" fill="hold" grpId="0" nodeType="clickEffect">
-                                  <p:stCondLst>
-                                    <p:cond delay="0"/>
-                                  </p:stCondLst>
-                                  <p:childTnLst>
-                                    <p:set>
-                                      <p:cBhvr>
-                                        <p:cTn id="6" dur="1" fill="hold">
-                                          <p:stCondLst>
-                                            <p:cond delay="0"/>
-                                          </p:stCondLst>
-                                        </p:cTn>
-                                        <p:tgtEl>
-                                          <p:spTgt spid="7"/>
-                                        </p:tgtEl>
-                                        <p:attrNameLst>
-                                          <p:attrName>style.visibility</p:attrName>
-                                        </p:attrNameLst>
-                                      </p:cBhvr>
-                                      <p:to>
-                                        <p:strVal val="visible"/>
-                                      </p:to>
-                                    </p:set>
-                                    <p:animEffect transition="in" filter="randombar(horizontal)">
-                                      <p:cBhvr>
-                                        <p:cTn id="7" dur="500"/>
-                                        <p:tgtEl>
-                                          <p:spTgt spid="7"/>
-                                        </p:tgtEl>
-                                      </p:cBhvr>
-                                    </p:animEffect>
-                                  </p:childTnLst>
-                                </p:cTn>
-                              </p:par>
-                            </p:childTnLst>
-                          </p:cTn>
-                        </p:par>
-                      </p:childTnLst>
-                    </p:cTn>
-                  </p:par>
-                  <p:par>
-                    <p:cTn id="8" fill="hold">
-                      <p:stCondLst>
-                        <p:cond delay="indefinite"/>
-                      </p:stCondLst>
-                      <p:childTnLst>
-                        <p:par>
-                          <p:cTn id="9" fill="hold">
-                            <p:stCondLst>
-                              <p:cond delay="0"/>
-                            </p:stCondLst>
-                            <p:childTnLst>
-                              <p:par>
-                                <p:cTn id="10" presetID="10" presetClass="entr" presetSubtype="0" fill="hold" nodeType="clickEffect">
-                                  <p:stCondLst>
-                                    <p:cond delay="0"/>
-                                  </p:stCondLst>
-                                  <p:childTnLst>
-                                    <p:set>
-                                      <p:cBhvr>
-                                        <p:cTn id="11" dur="1" fill="hold">
-                                          <p:stCondLst>
-                                            <p:cond delay="0"/>
-                                          </p:stCondLst>
-                                        </p:cTn>
-                                        <p:tgtEl>
-                                          <p:spTgt spid="8"/>
-                                        </p:tgtEl>
-                                        <p:attrNameLst>
-                                          <p:attrName>style.visibility</p:attrName>
-                                        </p:attrNameLst>
-                                      </p:cBhvr>
-                                      <p:to>
-                                        <p:strVal val="visible"/>
-                                      </p:to>
-                                    </p:set>
-                                    <p:animEffect transition="in" filter="fade">
-                                      <p:cBhvr>
-                                        <p:cTn id="12" dur="500"/>
-                                        <p:tgtEl>
-                                          <p:spTgt spid="8"/>
-                                        </p:tgtEl>
-                                      </p:cBhvr>
-                                    </p:animEffect>
-                                  </p:childTnLst>
-                                </p:cTn>
-                              </p:par>
-                            </p:childTnLst>
-                          </p:cTn>
-                        </p:par>
-                      </p:childTnLst>
-                    </p:cTn>
-                  </p:par>
-                  <p:par>
-                    <p:cTn id="13" fill="hold">
-                      <p:stCondLst>
-                        <p:cond delay="indefinite"/>
-                      </p:stCondLst>
-                      <p:childTnLst>
-                        <p:par>
-                          <p:cTn id="14" fill="hold">
-                            <p:stCondLst>
-                              <p:cond delay="0"/>
-                            </p:stCondLst>
-                            <p:childTnLst>
-                              <p:par>
-                                <p:cTn id="15" presetID="14" presetClass="entr" presetSubtype="10" fill="hold" grpId="0" nodeType="clickEffect">
-                                  <p:stCondLst>
-                                    <p:cond delay="0"/>
-                                  </p:stCondLst>
-                                  <p:childTnLst>
-                                    <p:set>
-                                      <p:cBhvr>
-                                        <p:cTn id="16" dur="1" fill="hold">
-                                          <p:stCondLst>
-                                            <p:cond delay="0"/>
-                                          </p:stCondLst>
-                                        </p:cTn>
-                                        <p:tgtEl>
-                                          <p:spTgt spid="10"/>
-                                        </p:tgtEl>
-                                        <p:attrNameLst>
-                                          <p:attrName>style.visibility</p:attrName>
-                                        </p:attrNameLst>
-                                      </p:cBhvr>
-                                      <p:to>
-                                        <p:strVal val="visible"/>
-                                      </p:to>
-                                    </p:set>
-                                    <p:animEffect transition="in" filter="randombar(horizontal)">
-                                      <p:cBhvr>
-                                        <p:cTn id="17" dur="500"/>
-                                        <p:tgtEl>
-                                          <p:spTgt spid="10"/>
-                                        </p:tgtEl>
-                                      </p:cBhvr>
-                                    </p:animEffect>
-                                  </p:childTnLst>
-                                </p:cTn>
-                              </p:par>
-                            </p:childTnLst>
-                          </p:cTn>
-                        </p:par>
-                      </p:childTnLst>
-                    </p:cTn>
-                  </p:par>
-                </p:childTnLst>
-              </p:cTn>
-              <p:prevCondLst>
-                <p:cond evt="onPrev" delay="0">
-                  <p:tgtEl>
-                    <p:sldTgt/>
-                  </p:tgtEl>
-                </p:cond>
-              </p:prevCondLst>
-              <p:nextCondLst>
-                <p:cond evt="onNext" delay="0">
-                  <p:tgtEl>
-                    <p:sldTgt/>
-                  </p:tgtEl>
-                </p:cond>
-              </p:nextCondLst>
-            </p:seq>
-          </p:childTnLst>
-        </p:cTn>
-      </p:par>
-    </p:tnLst>
-    <p:bldLst>
-      <p:bldP spid="7" grpId="0"/>
-      <p:bldP spid="10" grpId="0"/>
-    </p:bldLst>
-  </p:timing>
-</p:sld>
-</file>
-
-<file path=ppt/slides/slide21.xml><?xml version="1.0" encoding="utf-8"?>
-<p:sld xmlns:a="http://schemas.openxmlformats.org/drawingml/2006/main" xmlns:r="http://schemas.openxmlformats.org/officeDocument/2006/relationships" xmlns:p="http://schemas.openxmlformats.org/presentationml/2006/main">
-  <p:cSld>
-    <p:spTree>
-      <p:nvGrpSpPr>
-        <p:cNvPr id="1" name=""/>
-        <p:cNvGrpSpPr/>
-        <p:nvPr/>
-      </p:nvGrpSpPr>
-      <p:grpSpPr>
-        <a:xfrm>
-          <a:off x="0" y="0"/>
-          <a:ext cx="0" cy="0"/>
-          <a:chOff x="0" y="0"/>
-          <a:chExt cx="0" cy="0"/>
-        </a:xfrm>
-      </p:grpSpPr>
-      <p:sp>
-        <p:nvSpPr>
-          <p:cNvPr id="3" name="Slide Number Placeholder 2"/>
-          <p:cNvSpPr>
-            <a:spLocks noGrp="1"/>
-          </p:cNvSpPr>
-          <p:nvPr>
-            <p:ph type="sldNum" idx="12"/>
-          </p:nvPr>
-        </p:nvSpPr>
-        <p:spPr/>
-        <p:txBody>
-          <a:bodyPr/>
-          <a:lstStyle/>
-          <a:p>
-            <a:pPr marL="0" lvl="0" indent="0" algn="ctr" rtl="0">
-              <a:spcBef>
-                <a:spcPts val="0"/>
-              </a:spcBef>
-              <a:spcAft>
-                <a:spcPts val="0"/>
-              </a:spcAft>
-              <a:buNone/>
-            </a:pPr>
-            <a:fld id="{00000000-1234-1234-1234-123412341234}" type="slidenum">
-              <a:rPr lang="en" smtClean="0"/>
-              <a:t>21</a:t>
-            </a:fld>
-            <a:endParaRPr lang="en"/>
-          </a:p>
-        </p:txBody>
-      </p:sp>
-      <p:pic>
-        <p:nvPicPr>
-          <p:cNvPr id="4" name="Picture 3"/>
-          <p:cNvPicPr>
-            <a:picLocks noChangeAspect="1"/>
-          </p:cNvPicPr>
-          <p:nvPr/>
-        </p:nvPicPr>
-        <p:blipFill>
-          <a:blip r:embed="rId2"/>
-          <a:stretch>
-            <a:fillRect/>
-          </a:stretch>
-        </p:blipFill>
-        <p:spPr>
-          <a:xfrm>
-            <a:off x="687494" y="450562"/>
-            <a:ext cx="7431270" cy="1008006"/>
-          </a:xfrm>
-          <a:prstGeom prst="rect">
-            <a:avLst/>
-          </a:prstGeom>
-        </p:spPr>
-      </p:pic>
-      <p:pic>
-        <p:nvPicPr>
-          <p:cNvPr id="5" name="Picture 4"/>
-          <p:cNvPicPr>
-            <a:picLocks noChangeAspect="1"/>
-          </p:cNvPicPr>
-          <p:nvPr/>
-        </p:nvPicPr>
-        <p:blipFill>
-          <a:blip r:embed="rId3"/>
-          <a:stretch>
-            <a:fillRect/>
-          </a:stretch>
-        </p:blipFill>
-        <p:spPr>
-          <a:xfrm>
-            <a:off x="621002" y="1953492"/>
-            <a:ext cx="7567034" cy="803464"/>
-          </a:xfrm>
-          <a:prstGeom prst="rect">
-            <a:avLst/>
-          </a:prstGeom>
-        </p:spPr>
-      </p:pic>
-      <p:pic>
-        <p:nvPicPr>
-          <p:cNvPr id="6" name="Picture 5"/>
-          <p:cNvPicPr>
-            <a:picLocks noChangeAspect="1"/>
-          </p:cNvPicPr>
-          <p:nvPr/>
-        </p:nvPicPr>
-        <p:blipFill>
-          <a:blip r:embed="rId4"/>
-          <a:stretch>
-            <a:fillRect/>
-          </a:stretch>
-        </p:blipFill>
-        <p:spPr>
-          <a:xfrm>
-            <a:off x="621002" y="3226552"/>
-            <a:ext cx="7567034" cy="828791"/>
-          </a:xfrm>
-          <a:prstGeom prst="rect">
-            <a:avLst/>
-          </a:prstGeom>
-        </p:spPr>
-      </p:pic>
-    </p:spTree>
-    <p:extLst>
-      <p:ext uri="{BB962C8B-B14F-4D97-AF65-F5344CB8AC3E}">
-        <p14:creationId xmlns:p14="http://schemas.microsoft.com/office/powerpoint/2010/main" val="742370235"/>
-      </p:ext>
-    </p:extLst>
-  </p:cSld>
-  <p:clrMapOvr>
-    <a:masterClrMapping/>
-  </p:clrMapOvr>
-  <p:timing>
-    <p:tnLst>
-      <p:par>
-        <p:cTn id="1" dur="indefinite" restart="never" nodeType="tmRoot">
-          <p:childTnLst>
-            <p:seq concurrent="1" nextAc="seek">
-              <p:cTn id="2" dur="indefinite" nodeType="mainSeq">
-                <p:childTnLst>
-                  <p:par>
-                    <p:cTn id="3" fill="hold">
-                      <p:stCondLst>
-                        <p:cond delay="indefinite"/>
-                      </p:stCondLst>
-                      <p:childTnLst>
-                        <p:par>
-                          <p:cTn id="4" fill="hold">
-                            <p:stCondLst>
-                              <p:cond delay="0"/>
-                            </p:stCondLst>
-                            <p:childTnLst>
-                              <p:par>
-                                <p:cTn id="5" presetID="14" presetClass="entr" presetSubtype="10" fill="hold" nodeType="clickEffect">
-                                  <p:stCondLst>
-                                    <p:cond delay="0"/>
-                                  </p:stCondLst>
-                                  <p:childTnLst>
-                                    <p:set>
-                                      <p:cBhvr>
-                                        <p:cTn id="6" dur="1" fill="hold">
-                                          <p:stCondLst>
-                                            <p:cond delay="0"/>
-                                          </p:stCondLst>
-                                        </p:cTn>
-                                        <p:tgtEl>
-                                          <p:spTgt spid="4"/>
-                                        </p:tgtEl>
-                                        <p:attrNameLst>
-                                          <p:attrName>style.visibility</p:attrName>
-                                        </p:attrNameLst>
-                                      </p:cBhvr>
-                                      <p:to>
-                                        <p:strVal val="visible"/>
-                                      </p:to>
-                                    </p:set>
-                                    <p:animEffect transition="in" filter="randombar(horizontal)">
-                                      <p:cBhvr>
-                                        <p:cTn id="7" dur="500"/>
-                                        <p:tgtEl>
-                                          <p:spTgt spid="4"/>
-                                        </p:tgtEl>
-                                      </p:cBhvr>
-                                    </p:animEffect>
-                                  </p:childTnLst>
-                                </p:cTn>
-                              </p:par>
-                            </p:childTnLst>
-                          </p:cTn>
-                        </p:par>
-                      </p:childTnLst>
-                    </p:cTn>
-                  </p:par>
-                  <p:par>
-                    <p:cTn id="8" fill="hold">
-                      <p:stCondLst>
-                        <p:cond delay="indefinite"/>
-                      </p:stCondLst>
-                      <p:childTnLst>
-                        <p:par>
-                          <p:cTn id="9" fill="hold">
-                            <p:stCondLst>
-                              <p:cond delay="0"/>
-                            </p:stCondLst>
-                            <p:childTnLst>
-                              <p:par>
-                                <p:cTn id="10" presetID="10" presetClass="entr" presetSubtype="0" fill="hold" nodeType="clickEffect">
-                                  <p:stCondLst>
-                                    <p:cond delay="0"/>
-                                  </p:stCondLst>
-                                  <p:childTnLst>
-                                    <p:set>
-                                      <p:cBhvr>
-                                        <p:cTn id="11" dur="1" fill="hold">
-                                          <p:stCondLst>
-                                            <p:cond delay="0"/>
-                                          </p:stCondLst>
-                                        </p:cTn>
-                                        <p:tgtEl>
-                                          <p:spTgt spid="5"/>
-                                        </p:tgtEl>
-                                        <p:attrNameLst>
-                                          <p:attrName>style.visibility</p:attrName>
-                                        </p:attrNameLst>
-                                      </p:cBhvr>
-                                      <p:to>
-                                        <p:strVal val="visible"/>
-                                      </p:to>
-                                    </p:set>
-                                    <p:animEffect transition="in" filter="fade">
-                                      <p:cBhvr>
-                                        <p:cTn id="12" dur="500"/>
-                                        <p:tgtEl>
-                                          <p:spTgt spid="5"/>
-                                        </p:tgtEl>
-                                      </p:cBhvr>
-                                    </p:animEffect>
-                                  </p:childTnLst>
-                                </p:cTn>
-                              </p:par>
-                            </p:childTnLst>
-                          </p:cTn>
-                        </p:par>
-                      </p:childTnLst>
-                    </p:cTn>
-                  </p:par>
-                  <p:par>
-                    <p:cTn id="13" fill="hold">
-                      <p:stCondLst>
-                        <p:cond delay="indefinite"/>
-                      </p:stCondLst>
-                      <p:childTnLst>
-                        <p:par>
-                          <p:cTn id="14" fill="hold">
-                            <p:stCondLst>
-                              <p:cond delay="0"/>
-                            </p:stCondLst>
-                            <p:childTnLst>
-                              <p:par>
-                                <p:cTn id="15" presetID="14" presetClass="entr" presetSubtype="10" fill="hold" nodeType="clickEffect">
-                                  <p:stCondLst>
-                                    <p:cond delay="0"/>
-                                  </p:stCondLst>
-                                  <p:childTnLst>
-                                    <p:set>
-                                      <p:cBhvr>
-                                        <p:cTn id="16" dur="1" fill="hold">
-                                          <p:stCondLst>
-                                            <p:cond delay="0"/>
-                                          </p:stCondLst>
-                                        </p:cTn>
-                                        <p:tgtEl>
-                                          <p:spTgt spid="6"/>
-                                        </p:tgtEl>
-                                        <p:attrNameLst>
-                                          <p:attrName>style.visibility</p:attrName>
-                                        </p:attrNameLst>
-                                      </p:cBhvr>
-                                      <p:to>
-                                        <p:strVal val="visible"/>
-                                      </p:to>
-                                    </p:set>
-                                    <p:animEffect transition="in" filter="randombar(horizontal)">
-                                      <p:cBhvr>
-                                        <p:cTn id="17" dur="500"/>
-                                        <p:tgtEl>
-                                          <p:spTgt spid="6"/>
-                                        </p:tgtEl>
-                                      </p:cBhvr>
-                                    </p:animEffect>
-                                  </p:childTnLst>
-                                </p:cTn>
-                              </p:par>
-                            </p:childTnLst>
-                          </p:cTn>
-                        </p:par>
-                      </p:childTnLst>
-                    </p:cTn>
-                  </p:par>
-                </p:childTnLst>
-              </p:cTn>
-              <p:prevCondLst>
-                <p:cond evt="onPrev" delay="0">
-                  <p:tgtEl>
-                    <p:sldTgt/>
-                  </p:tgtEl>
-                </p:cond>
-              </p:prevCondLst>
-              <p:nextCondLst>
-                <p:cond evt="onNext" delay="0">
-                  <p:tgtEl>
-                    <p:sldTgt/>
-                  </p:tgtEl>
-                </p:cond>
-              </p:nextCondLst>
-            </p:seq>
-          </p:childTnLst>
-        </p:cTn>
-      </p:par>
-    </p:tnLst>
-  </p:timing>
-</p:sld>
-</file>
-
-<file path=ppt/slides/slide22.xml><?xml version="1.0" encoding="utf-8"?>
-<p:sld xmlns:a="http://schemas.openxmlformats.org/drawingml/2006/main" xmlns:r="http://schemas.openxmlformats.org/officeDocument/2006/relationships" xmlns:p="http://schemas.openxmlformats.org/presentationml/2006/main">
-  <p:cSld>
-    <p:spTree>
-      <p:nvGrpSpPr>
-        <p:cNvPr id="1" name=""/>
-        <p:cNvGrpSpPr/>
-        <p:nvPr/>
-      </p:nvGrpSpPr>
-      <p:grpSpPr>
-        <a:xfrm>
-          <a:off x="0" y="0"/>
-          <a:ext cx="0" cy="0"/>
-          <a:chOff x="0" y="0"/>
-          <a:chExt cx="0" cy="0"/>
-        </a:xfrm>
-      </p:grpSpPr>
-      <p:sp>
-        <p:nvSpPr>
-          <p:cNvPr id="3" name="Slide Number Placeholder 2"/>
-          <p:cNvSpPr>
-            <a:spLocks noGrp="1"/>
-          </p:cNvSpPr>
-          <p:nvPr>
-            <p:ph type="sldNum" idx="12"/>
-          </p:nvPr>
-        </p:nvSpPr>
-        <p:spPr/>
-        <p:txBody>
-          <a:bodyPr/>
-          <a:lstStyle/>
-          <a:p>
-            <a:pPr marL="0" lvl="0" indent="0" algn="ctr" rtl="0">
-              <a:spcBef>
-                <a:spcPts val="0"/>
-              </a:spcBef>
-              <a:spcAft>
-                <a:spcPts val="0"/>
-              </a:spcAft>
-              <a:buNone/>
-            </a:pPr>
-            <a:fld id="{00000000-1234-1234-1234-123412341234}" type="slidenum">
-              <a:rPr lang="en" smtClean="0"/>
-              <a:t>22</a:t>
-            </a:fld>
-            <a:endParaRPr lang="en"/>
-          </a:p>
-        </p:txBody>
-      </p:sp>
-      <p:sp>
-        <p:nvSpPr>
-          <p:cNvPr id="4" name="TextBox 3"/>
-          <p:cNvSpPr txBox="1"/>
-          <p:nvPr/>
-        </p:nvSpPr>
-        <p:spPr>
-          <a:xfrm>
-            <a:off x="457200" y="191581"/>
-            <a:ext cx="8285018" cy="400110"/>
-          </a:xfrm>
-          <a:prstGeom prst="rect">
-            <a:avLst/>
-          </a:prstGeom>
-          <a:noFill/>
-        </p:spPr>
-        <p:txBody>
-          <a:bodyPr wrap="square" rtlCol="0">
-            <a:spAutoFit/>
-          </a:bodyPr>
-          <a:lstStyle/>
-          <a:p>
-            <a:r>
-              <a:rPr lang="en-US" sz="2000" b="1" dirty="0" smtClean="0">
-                <a:solidFill>
-                  <a:schemeClr val="accent1">
-                    <a:lumMod val="75000"/>
-                  </a:schemeClr>
-                </a:solidFill>
-                <a:latin typeface="Roboto Slab" panose="020B0604020202020204" charset="0"/>
-                <a:ea typeface="Roboto Slab" panose="020B0604020202020204" charset="0"/>
-              </a:rPr>
-              <a:t>Demo </a:t>
-            </a:r>
-            <a:r>
-              <a:rPr lang="en-US" sz="2000" b="1" dirty="0" err="1" smtClean="0">
-                <a:solidFill>
-                  <a:schemeClr val="accent1">
-                    <a:lumMod val="75000"/>
-                  </a:schemeClr>
-                </a:solidFill>
-                <a:latin typeface="Roboto Slab" panose="020B0604020202020204" charset="0"/>
-                <a:ea typeface="Roboto Slab" panose="020B0604020202020204" charset="0"/>
-              </a:rPr>
-              <a:t>kết</a:t>
-            </a:r>
-            <a:r>
-              <a:rPr lang="en-US" sz="2000" b="1" dirty="0" smtClean="0">
-                <a:solidFill>
-                  <a:schemeClr val="accent1">
-                    <a:lumMod val="75000"/>
-                  </a:schemeClr>
-                </a:solidFill>
-                <a:latin typeface="Roboto Slab" panose="020B0604020202020204" charset="0"/>
-                <a:ea typeface="Roboto Slab" panose="020B0604020202020204" charset="0"/>
-              </a:rPr>
-              <a:t> </a:t>
-            </a:r>
-            <a:r>
-              <a:rPr lang="en-US" sz="2000" b="1" dirty="0" err="1" smtClean="0">
-                <a:solidFill>
-                  <a:schemeClr val="accent1">
-                    <a:lumMod val="75000"/>
-                  </a:schemeClr>
-                </a:solidFill>
-                <a:latin typeface="Roboto Slab" panose="020B0604020202020204" charset="0"/>
-                <a:ea typeface="Roboto Slab" panose="020B0604020202020204" charset="0"/>
-              </a:rPr>
-              <a:t>quả</a:t>
-            </a:r>
-            <a:r>
-              <a:rPr lang="en-US" sz="2000" b="1" dirty="0" smtClean="0">
-                <a:solidFill>
-                  <a:schemeClr val="accent1">
-                    <a:lumMod val="75000"/>
-                  </a:schemeClr>
-                </a:solidFill>
-                <a:latin typeface="Roboto Slab" panose="020B0604020202020204" charset="0"/>
-                <a:ea typeface="Roboto Slab" panose="020B0604020202020204" charset="0"/>
-              </a:rPr>
-              <a:t> API: </a:t>
-            </a:r>
-            <a:endParaRPr lang="en-US" sz="2000" b="1" dirty="0">
-              <a:solidFill>
-                <a:schemeClr val="accent1">
-                  <a:lumMod val="75000"/>
-                </a:schemeClr>
-              </a:solidFill>
-              <a:latin typeface="Roboto Slab" panose="020B0604020202020204" charset="0"/>
-              <a:ea typeface="Roboto Slab" panose="020B0604020202020204" charset="0"/>
-            </a:endParaRPr>
-          </a:p>
-        </p:txBody>
-      </p:sp>
-      <p:sp>
-        <p:nvSpPr>
-          <p:cNvPr id="5" name="TextBox 4"/>
-          <p:cNvSpPr txBox="1"/>
-          <p:nvPr/>
-        </p:nvSpPr>
-        <p:spPr>
-          <a:xfrm>
-            <a:off x="595746" y="658091"/>
-            <a:ext cx="1600200" cy="523220"/>
-          </a:xfrm>
-          <a:prstGeom prst="rect">
-            <a:avLst/>
-          </a:prstGeom>
-          <a:noFill/>
-        </p:spPr>
-        <p:txBody>
-          <a:bodyPr wrap="square" rtlCol="0">
-            <a:spAutoFit/>
-          </a:bodyPr>
-          <a:lstStyle/>
-          <a:p>
-            <a:r>
-              <a:rPr lang="en-US" b="1" dirty="0" err="1" smtClean="0"/>
-              <a:t>Xem</a:t>
-            </a:r>
-            <a:r>
-              <a:rPr lang="en-US" b="1" dirty="0" smtClean="0"/>
-              <a:t> </a:t>
-            </a:r>
-            <a:r>
-              <a:rPr lang="en-US" b="1" dirty="0" err="1" smtClean="0"/>
-              <a:t>phiếu</a:t>
-            </a:r>
-            <a:r>
-              <a:rPr lang="en-US" b="1" dirty="0" smtClean="0"/>
-              <a:t> </a:t>
-            </a:r>
-            <a:r>
-              <a:rPr lang="en-US" b="1" dirty="0" err="1" smtClean="0"/>
-              <a:t>nhập</a:t>
-            </a:r>
-            <a:r>
-              <a:rPr lang="en-US" b="1" dirty="0" smtClean="0"/>
-              <a:t> </a:t>
-            </a:r>
-            <a:r>
-              <a:rPr lang="en-US" b="1" dirty="0" err="1" smtClean="0"/>
-              <a:t>có</a:t>
-            </a:r>
-            <a:r>
-              <a:rPr lang="en-US" b="1" dirty="0" smtClean="0"/>
-              <a:t> Id </a:t>
-            </a:r>
-            <a:r>
-              <a:rPr lang="en-US" b="1" dirty="0" err="1" smtClean="0"/>
-              <a:t>là</a:t>
-            </a:r>
-            <a:r>
-              <a:rPr lang="en-US" b="1" dirty="0" smtClean="0"/>
-              <a:t> 1:</a:t>
-            </a:r>
-            <a:endParaRPr lang="en-US" b="1" dirty="0"/>
-          </a:p>
-        </p:txBody>
-      </p:sp>
-      <p:pic>
-        <p:nvPicPr>
-          <p:cNvPr id="6" name="Picture 5"/>
-          <p:cNvPicPr/>
-          <p:nvPr/>
-        </p:nvPicPr>
-        <p:blipFill>
-          <a:blip r:embed="rId2"/>
-          <a:stretch>
-            <a:fillRect/>
-          </a:stretch>
-        </p:blipFill>
-        <p:spPr>
-          <a:xfrm>
-            <a:off x="2857760" y="696495"/>
-            <a:ext cx="5884458" cy="3948545"/>
-          </a:xfrm>
-          <a:prstGeom prst="rect">
-            <a:avLst/>
-          </a:prstGeom>
-        </p:spPr>
-      </p:pic>
-    </p:spTree>
-    <p:extLst>
-      <p:ext uri="{BB962C8B-B14F-4D97-AF65-F5344CB8AC3E}">
-        <p14:creationId xmlns:p14="http://schemas.microsoft.com/office/powerpoint/2010/main" val="1601771121"/>
-      </p:ext>
-    </p:extLst>
-  </p:cSld>
-  <p:clrMapOvr>
-    <a:masterClrMapping/>
-  </p:clrMapOvr>
-  <p:timing>
-    <p:tnLst>
-      <p:par>
-        <p:cTn id="1" dur="indefinite" restart="never" nodeType="tmRoot">
-          <p:childTnLst>
-            <p:seq concurrent="1" nextAc="seek">
-              <p:cTn id="2" dur="indefinite" nodeType="mainSeq">
-                <p:childTnLst>
-                  <p:par>
-                    <p:cTn id="3" fill="hold">
-                      <p:stCondLst>
-                        <p:cond delay="indefinite"/>
-                      </p:stCondLst>
-                      <p:childTnLst>
-                        <p:par>
-                          <p:cTn id="4" fill="hold">
-                            <p:stCondLst>
-                              <p:cond delay="0"/>
-                            </p:stCondLst>
-                            <p:childTnLst>
-                              <p:par>
-                                <p:cTn id="5" presetID="14" presetClass="entr" presetSubtype="10" fill="hold" grpId="0" nodeType="clickEffect">
-                                  <p:stCondLst>
-                                    <p:cond delay="0"/>
-                                  </p:stCondLst>
-                                  <p:childTnLst>
-                                    <p:set>
-                                      <p:cBhvr>
-                                        <p:cTn id="6" dur="1" fill="hold">
-                                          <p:stCondLst>
-                                            <p:cond delay="0"/>
-                                          </p:stCondLst>
-                                        </p:cTn>
-                                        <p:tgtEl>
-                                          <p:spTgt spid="4"/>
-                                        </p:tgtEl>
-                                        <p:attrNameLst>
-                                          <p:attrName>style.visibility</p:attrName>
-                                        </p:attrNameLst>
-                                      </p:cBhvr>
-                                      <p:to>
-                                        <p:strVal val="visible"/>
-                                      </p:to>
-                                    </p:set>
-                                    <p:animEffect transition="in" filter="randombar(horizontal)">
-                                      <p:cBhvr>
-                                        <p:cTn id="7" dur="500"/>
-                                        <p:tgtEl>
-                                          <p:spTgt spid="4"/>
-                                        </p:tgtEl>
-                                      </p:cBhvr>
-                                    </p:animEffect>
-                                  </p:childTnLst>
-                                </p:cTn>
-                              </p:par>
-                            </p:childTnLst>
-                          </p:cTn>
-                        </p:par>
-                      </p:childTnLst>
-                    </p:cTn>
-                  </p:par>
-                  <p:par>
-                    <p:cTn id="8" fill="hold">
-                      <p:stCondLst>
-                        <p:cond delay="indefinite"/>
-                      </p:stCondLst>
-                      <p:childTnLst>
-                        <p:par>
-                          <p:cTn id="9" fill="hold">
-                            <p:stCondLst>
-                              <p:cond delay="0"/>
-                            </p:stCondLst>
-                            <p:childTnLst>
-                              <p:par>
-                                <p:cTn id="10" presetID="14" presetClass="entr" presetSubtype="10" fill="hold" grpId="0" nodeType="clickEffect">
-                                  <p:stCondLst>
-                                    <p:cond delay="0"/>
-                                  </p:stCondLst>
-                                  <p:childTnLst>
-                                    <p:set>
-                                      <p:cBhvr>
-                                        <p:cTn id="11" dur="1" fill="hold">
-                                          <p:stCondLst>
-                                            <p:cond delay="0"/>
-                                          </p:stCondLst>
-                                        </p:cTn>
-                                        <p:tgtEl>
-                                          <p:spTgt spid="5"/>
-                                        </p:tgtEl>
-                                        <p:attrNameLst>
-                                          <p:attrName>style.visibility</p:attrName>
-                                        </p:attrNameLst>
-                                      </p:cBhvr>
-                                      <p:to>
-                                        <p:strVal val="visible"/>
-                                      </p:to>
-                                    </p:set>
-                                    <p:animEffect transition="in" filter="randombar(horizontal)">
-                                      <p:cBhvr>
-                                        <p:cTn id="12" dur="500"/>
-                                        <p:tgtEl>
-                                          <p:spTgt spid="5"/>
-                                        </p:tgtEl>
-                                      </p:cBhvr>
-                                    </p:animEffect>
-                                  </p:childTnLst>
-                                </p:cTn>
-                              </p:par>
-                            </p:childTnLst>
-                          </p:cTn>
-                        </p:par>
-                      </p:childTnLst>
-                    </p:cTn>
-                  </p:par>
-                  <p:par>
-                    <p:cTn id="13" fill="hold">
-                      <p:stCondLst>
-                        <p:cond delay="indefinite"/>
-                      </p:stCondLst>
-                      <p:childTnLst>
-                        <p:par>
-                          <p:cTn id="14" fill="hold">
-                            <p:stCondLst>
-                              <p:cond delay="0"/>
-                            </p:stCondLst>
-                            <p:childTnLst>
-                              <p:par>
-                                <p:cTn id="15" presetID="14" presetClass="entr" presetSubtype="10" fill="hold" nodeType="clickEffect">
-                                  <p:stCondLst>
-                                    <p:cond delay="0"/>
-                                  </p:stCondLst>
-                                  <p:childTnLst>
-                                    <p:set>
-                                      <p:cBhvr>
-                                        <p:cTn id="16" dur="1" fill="hold">
-                                          <p:stCondLst>
-                                            <p:cond delay="0"/>
-                                          </p:stCondLst>
-                                        </p:cTn>
-                                        <p:tgtEl>
-                                          <p:spTgt spid="6"/>
-                                        </p:tgtEl>
-                                        <p:attrNameLst>
-                                          <p:attrName>style.visibility</p:attrName>
-                                        </p:attrNameLst>
-                                      </p:cBhvr>
-                                      <p:to>
-                                        <p:strVal val="visible"/>
-                                      </p:to>
-                                    </p:set>
-                                    <p:animEffect transition="in" filter="randombar(horizontal)">
-                                      <p:cBhvr>
-                                        <p:cTn id="17" dur="500"/>
-                                        <p:tgtEl>
-                                          <p:spTgt spid="6"/>
-                                        </p:tgtEl>
-                                      </p:cBhvr>
-                                    </p:animEffect>
-                                  </p:childTnLst>
-                                </p:cTn>
-                              </p:par>
-                            </p:childTnLst>
-                          </p:cTn>
-                        </p:par>
-                      </p:childTnLst>
-                    </p:cTn>
-                  </p:par>
-                </p:childTnLst>
-              </p:cTn>
-              <p:prevCondLst>
-                <p:cond evt="onPrev" delay="0">
-                  <p:tgtEl>
-                    <p:sldTgt/>
-                  </p:tgtEl>
-                </p:cond>
-              </p:prevCondLst>
-              <p:nextCondLst>
-                <p:cond evt="onNext" delay="0">
-                  <p:tgtEl>
-                    <p:sldTgt/>
-                  </p:tgtEl>
-                </p:cond>
-              </p:nextCondLst>
-            </p:seq>
-          </p:childTnLst>
-        </p:cTn>
-      </p:par>
-    </p:tnLst>
-    <p:bldLst>
-      <p:bldP spid="4" grpId="0"/>
-      <p:bldP spid="5" grpId="0"/>
-    </p:bldLst>
-  </p:timing>
-</p:sld>
-</file>
-
-<file path=ppt/slides/slide23.xml><?xml version="1.0" encoding="utf-8"?>
-<p:sld xmlns:a="http://schemas.openxmlformats.org/drawingml/2006/main" xmlns:r="http://schemas.openxmlformats.org/officeDocument/2006/relationships" xmlns:p="http://schemas.openxmlformats.org/presentationml/2006/main">
-  <p:cSld>
-    <p:spTree>
-      <p:nvGrpSpPr>
-        <p:cNvPr id="1" name=""/>
-        <p:cNvGrpSpPr/>
-        <p:nvPr/>
-      </p:nvGrpSpPr>
-      <p:grpSpPr>
-        <a:xfrm>
-          <a:off x="0" y="0"/>
-          <a:ext cx="0" cy="0"/>
-          <a:chOff x="0" y="0"/>
-          <a:chExt cx="0" cy="0"/>
-        </a:xfrm>
-      </p:grpSpPr>
-      <p:sp>
-        <p:nvSpPr>
-          <p:cNvPr id="3" name="Slide Number Placeholder 2"/>
-          <p:cNvSpPr>
-            <a:spLocks noGrp="1"/>
-          </p:cNvSpPr>
-          <p:nvPr>
-            <p:ph type="sldNum" idx="12"/>
-          </p:nvPr>
-        </p:nvSpPr>
-        <p:spPr/>
-        <p:txBody>
-          <a:bodyPr/>
-          <a:lstStyle/>
-          <a:p>
-            <a:pPr marL="0" lvl="0" indent="0" algn="ctr" rtl="0">
-              <a:spcBef>
-                <a:spcPts val="0"/>
-              </a:spcBef>
-              <a:spcAft>
-                <a:spcPts val="0"/>
-              </a:spcAft>
-              <a:buNone/>
-            </a:pPr>
-            <a:fld id="{00000000-1234-1234-1234-123412341234}" type="slidenum">
-              <a:rPr lang="en" smtClean="0"/>
-              <a:t>23</a:t>
-            </a:fld>
-            <a:endParaRPr lang="en"/>
-          </a:p>
-        </p:txBody>
-      </p:sp>
-      <p:sp>
-        <p:nvSpPr>
-          <p:cNvPr id="6" name="TextBox 5"/>
-          <p:cNvSpPr txBox="1"/>
-          <p:nvPr/>
-        </p:nvSpPr>
-        <p:spPr>
-          <a:xfrm>
-            <a:off x="263236" y="112577"/>
-            <a:ext cx="8285018" cy="400110"/>
-          </a:xfrm>
-          <a:prstGeom prst="rect">
-            <a:avLst/>
-          </a:prstGeom>
-          <a:noFill/>
-        </p:spPr>
-        <p:txBody>
-          <a:bodyPr wrap="square" rtlCol="0">
-            <a:spAutoFit/>
-          </a:bodyPr>
-          <a:lstStyle/>
-          <a:p>
-            <a:r>
-              <a:rPr lang="en-US" sz="2000" b="1" dirty="0" smtClean="0">
-                <a:solidFill>
-                  <a:schemeClr val="accent1">
-                    <a:lumMod val="75000"/>
-                  </a:schemeClr>
-                </a:solidFill>
-                <a:latin typeface="Roboto Slab" panose="020B0604020202020204" charset="0"/>
-                <a:ea typeface="Roboto Slab" panose="020B0604020202020204" charset="0"/>
-              </a:rPr>
-              <a:t>4.2. HAI TRANG ADMIN VÀ CLIENT</a:t>
-            </a:r>
-            <a:endParaRPr lang="en-US" sz="2000" b="1" dirty="0">
-              <a:solidFill>
-                <a:schemeClr val="accent1">
-                  <a:lumMod val="75000"/>
-                </a:schemeClr>
-              </a:solidFill>
-              <a:latin typeface="Roboto Slab" panose="020B0604020202020204" charset="0"/>
-              <a:ea typeface="Roboto Slab" panose="020B0604020202020204" charset="0"/>
-            </a:endParaRPr>
-          </a:p>
-        </p:txBody>
-      </p:sp>
-      <p:pic>
-        <p:nvPicPr>
-          <p:cNvPr id="7" name="Picture 6"/>
-          <p:cNvPicPr/>
-          <p:nvPr/>
-        </p:nvPicPr>
-        <p:blipFill>
-          <a:blip r:embed="rId2">
-            <a:extLst>
-              <a:ext uri="{28A0092B-C50C-407E-A947-70E740481C1C}">
-                <a14:useLocalDpi xmlns:a14="http://schemas.microsoft.com/office/drawing/2010/main" val="0"/>
-              </a:ext>
-            </a:extLst>
-          </a:blip>
-          <a:stretch>
-            <a:fillRect/>
-          </a:stretch>
-        </p:blipFill>
-        <p:spPr>
-          <a:xfrm>
-            <a:off x="374073" y="893618"/>
-            <a:ext cx="3415145" cy="4128654"/>
-          </a:xfrm>
-          <a:prstGeom prst="rect">
-            <a:avLst/>
-          </a:prstGeom>
-        </p:spPr>
-      </p:pic>
-      <p:sp>
-        <p:nvSpPr>
-          <p:cNvPr id="2" name="TextBox 1"/>
-          <p:cNvSpPr txBox="1"/>
-          <p:nvPr/>
-        </p:nvSpPr>
-        <p:spPr>
-          <a:xfrm>
-            <a:off x="374074" y="509710"/>
-            <a:ext cx="3713018" cy="307777"/>
-          </a:xfrm>
-          <a:prstGeom prst="rect">
-            <a:avLst/>
-          </a:prstGeom>
-          <a:noFill/>
-        </p:spPr>
-        <p:txBody>
-          <a:bodyPr wrap="square" rtlCol="0">
-            <a:spAutoFit/>
-          </a:bodyPr>
-          <a:lstStyle/>
-          <a:p>
-            <a:r>
-              <a:rPr lang="en-US" b="1" u="sng" dirty="0" smtClean="0"/>
-              <a:t>CẤU TRÚC THƯ MỤC PROJECT ADMIN</a:t>
-            </a:r>
-            <a:endParaRPr lang="en-US" b="1" u="sng" dirty="0"/>
-          </a:p>
-        </p:txBody>
-      </p:sp>
-      <p:sp>
-        <p:nvSpPr>
-          <p:cNvPr id="9" name="TextBox 8"/>
-          <p:cNvSpPr txBox="1"/>
-          <p:nvPr/>
-        </p:nvSpPr>
-        <p:spPr>
-          <a:xfrm>
-            <a:off x="4717474" y="509709"/>
-            <a:ext cx="3713018" cy="307777"/>
-          </a:xfrm>
-          <a:prstGeom prst="rect">
-            <a:avLst/>
-          </a:prstGeom>
-          <a:noFill/>
-        </p:spPr>
-        <p:txBody>
-          <a:bodyPr wrap="square" rtlCol="0">
-            <a:spAutoFit/>
-          </a:bodyPr>
-          <a:lstStyle/>
-          <a:p>
-            <a:r>
-              <a:rPr lang="en-US" b="1" u="sng" dirty="0" smtClean="0"/>
-              <a:t>CẤU TRÚC THƯ MỤC PROJECT CLIENT</a:t>
-            </a:r>
-            <a:endParaRPr lang="en-US" b="1" u="sng" dirty="0"/>
-          </a:p>
-        </p:txBody>
-      </p:sp>
-      <p:pic>
-        <p:nvPicPr>
-          <p:cNvPr id="8" name="Picture 7"/>
-          <p:cNvPicPr/>
-          <p:nvPr/>
-        </p:nvPicPr>
-        <p:blipFill>
-          <a:blip r:embed="rId3"/>
-          <a:stretch>
-            <a:fillRect/>
-          </a:stretch>
-        </p:blipFill>
-        <p:spPr>
-          <a:xfrm>
-            <a:off x="4717473" y="889528"/>
-            <a:ext cx="3657599" cy="4057116"/>
-          </a:xfrm>
-          <a:prstGeom prst="rect">
-            <a:avLst/>
-          </a:prstGeom>
-        </p:spPr>
-      </p:pic>
-    </p:spTree>
-    <p:extLst>
-      <p:ext uri="{BB962C8B-B14F-4D97-AF65-F5344CB8AC3E}">
-        <p14:creationId xmlns:p14="http://schemas.microsoft.com/office/powerpoint/2010/main" val="1269981820"/>
-      </p:ext>
-    </p:extLst>
-  </p:cSld>
-  <p:clrMapOvr>
-    <a:masterClrMapping/>
-  </p:clrMapOvr>
-  <p:timing>
-    <p:tnLst>
-      <p:par>
-        <p:cTn id="1" dur="indefinite" restart="never" nodeType="tmRoot">
-          <p:childTnLst>
-            <p:seq concurrent="1" nextAc="seek">
-              <p:cTn id="2" dur="indefinite" nodeType="mainSeq">
-                <p:childTnLst>
-                  <p:par>
-                    <p:cTn id="3" fill="hold">
-                      <p:stCondLst>
-                        <p:cond delay="indefinite"/>
-                      </p:stCondLst>
-                      <p:childTnLst>
-                        <p:par>
-                          <p:cTn id="4" fill="hold">
-                            <p:stCondLst>
-                              <p:cond delay="0"/>
-                            </p:stCondLst>
-                            <p:childTnLst>
-                              <p:par>
-                                <p:cTn id="5" presetID="14" presetClass="entr" presetSubtype="10" fill="hold" grpId="0" nodeType="clickEffect">
-                                  <p:stCondLst>
-                                    <p:cond delay="0"/>
-                                  </p:stCondLst>
-                                  <p:childTnLst>
-                                    <p:set>
-                                      <p:cBhvr>
-                                        <p:cTn id="6" dur="1" fill="hold">
-                                          <p:stCondLst>
-                                            <p:cond delay="0"/>
-                                          </p:stCondLst>
-                                        </p:cTn>
-                                        <p:tgtEl>
-                                          <p:spTgt spid="6"/>
-                                        </p:tgtEl>
-                                        <p:attrNameLst>
-                                          <p:attrName>style.visibility</p:attrName>
-                                        </p:attrNameLst>
-                                      </p:cBhvr>
-                                      <p:to>
-                                        <p:strVal val="visible"/>
-                                      </p:to>
-                                    </p:set>
-                                    <p:animEffect transition="in" filter="randombar(horizontal)">
-                                      <p:cBhvr>
-                                        <p:cTn id="7" dur="500"/>
-                                        <p:tgtEl>
-                                          <p:spTgt spid="6"/>
-                                        </p:tgtEl>
-                                      </p:cBhvr>
-                                    </p:animEffect>
-                                  </p:childTnLst>
-                                </p:cTn>
-                              </p:par>
-                            </p:childTnLst>
-                          </p:cTn>
-                        </p:par>
-                      </p:childTnLst>
-                    </p:cTn>
-                  </p:par>
-                  <p:par>
-                    <p:cTn id="8" fill="hold">
-                      <p:stCondLst>
-                        <p:cond delay="indefinite"/>
-                      </p:stCondLst>
-                      <p:childTnLst>
-                        <p:par>
-                          <p:cTn id="9" fill="hold">
-                            <p:stCondLst>
-                              <p:cond delay="0"/>
-                            </p:stCondLst>
-                            <p:childTnLst>
-                              <p:par>
-                                <p:cTn id="10" presetID="14" presetClass="entr" presetSubtype="10" fill="hold" grpId="0" nodeType="clickEffect">
-                                  <p:stCondLst>
-                                    <p:cond delay="0"/>
-                                  </p:stCondLst>
-                                  <p:childTnLst>
-                                    <p:set>
-                                      <p:cBhvr>
-                                        <p:cTn id="11" dur="1" fill="hold">
-                                          <p:stCondLst>
-                                            <p:cond delay="0"/>
-                                          </p:stCondLst>
-                                        </p:cTn>
-                                        <p:tgtEl>
-                                          <p:spTgt spid="2"/>
-                                        </p:tgtEl>
-                                        <p:attrNameLst>
-                                          <p:attrName>style.visibility</p:attrName>
-                                        </p:attrNameLst>
-                                      </p:cBhvr>
-                                      <p:to>
-                                        <p:strVal val="visible"/>
-                                      </p:to>
-                                    </p:set>
-                                    <p:animEffect transition="in" filter="randombar(horizontal)">
-                                      <p:cBhvr>
-                                        <p:cTn id="12" dur="500"/>
-                                        <p:tgtEl>
-                                          <p:spTgt spid="2"/>
-                                        </p:tgtEl>
-                                      </p:cBhvr>
-                                    </p:animEffect>
-                                  </p:childTnLst>
-                                </p:cTn>
-                              </p:par>
-                            </p:childTnLst>
-                          </p:cTn>
-                        </p:par>
-                      </p:childTnLst>
-                    </p:cTn>
-                  </p:par>
-                  <p:par>
-                    <p:cTn id="13" fill="hold">
-                      <p:stCondLst>
-                        <p:cond delay="indefinite"/>
-                      </p:stCondLst>
-                      <p:childTnLst>
-                        <p:par>
-                          <p:cTn id="14" fill="hold">
-                            <p:stCondLst>
-                              <p:cond delay="0"/>
-                            </p:stCondLst>
-                            <p:childTnLst>
-                              <p:par>
-                                <p:cTn id="15" presetID="14" presetClass="entr" presetSubtype="10" fill="hold" nodeType="clickEffect">
-                                  <p:stCondLst>
-                                    <p:cond delay="0"/>
-                                  </p:stCondLst>
-                                  <p:childTnLst>
-                                    <p:set>
-                                      <p:cBhvr>
-                                        <p:cTn id="16" dur="1" fill="hold">
-                                          <p:stCondLst>
-                                            <p:cond delay="0"/>
-                                          </p:stCondLst>
-                                        </p:cTn>
-                                        <p:tgtEl>
-                                          <p:spTgt spid="7"/>
-                                        </p:tgtEl>
-                                        <p:attrNameLst>
-                                          <p:attrName>style.visibility</p:attrName>
-                                        </p:attrNameLst>
-                                      </p:cBhvr>
-                                      <p:to>
-                                        <p:strVal val="visible"/>
-                                      </p:to>
-                                    </p:set>
-                                    <p:animEffect transition="in" filter="randombar(horizontal)">
-                                      <p:cBhvr>
-                                        <p:cTn id="17" dur="500"/>
-                                        <p:tgtEl>
-                                          <p:spTgt spid="7"/>
-                                        </p:tgtEl>
-                                      </p:cBhvr>
-                                    </p:animEffect>
-                                  </p:childTnLst>
-                                </p:cTn>
-                              </p:par>
-                            </p:childTnLst>
-                          </p:cTn>
-                        </p:par>
-                      </p:childTnLst>
-                    </p:cTn>
-                  </p:par>
-                  <p:par>
-                    <p:cTn id="18" fill="hold">
-                      <p:stCondLst>
-                        <p:cond delay="indefinite"/>
-                      </p:stCondLst>
-                      <p:childTnLst>
-                        <p:par>
-                          <p:cTn id="19" fill="hold">
-                            <p:stCondLst>
-                              <p:cond delay="0"/>
-                            </p:stCondLst>
-                            <p:childTnLst>
-                              <p:par>
-                                <p:cTn id="20" presetID="14" presetClass="entr" presetSubtype="10" fill="hold" grpId="0" nodeType="clickEffect">
-                                  <p:stCondLst>
-                                    <p:cond delay="0"/>
-                                  </p:stCondLst>
-                                  <p:childTnLst>
-                                    <p:set>
-                                      <p:cBhvr>
-                                        <p:cTn id="21" dur="1" fill="hold">
-                                          <p:stCondLst>
-                                            <p:cond delay="0"/>
-                                          </p:stCondLst>
-                                        </p:cTn>
-                                        <p:tgtEl>
-                                          <p:spTgt spid="9"/>
-                                        </p:tgtEl>
-                                        <p:attrNameLst>
-                                          <p:attrName>style.visibility</p:attrName>
-                                        </p:attrNameLst>
-                                      </p:cBhvr>
-                                      <p:to>
-                                        <p:strVal val="visible"/>
-                                      </p:to>
-                                    </p:set>
-                                    <p:animEffect transition="in" filter="randombar(horizontal)">
-                                      <p:cBhvr>
-                                        <p:cTn id="22" dur="500"/>
-                                        <p:tgtEl>
-                                          <p:spTgt spid="9"/>
-                                        </p:tgtEl>
-                                      </p:cBhvr>
-                                    </p:animEffect>
-                                  </p:childTnLst>
-                                </p:cTn>
-                              </p:par>
-                            </p:childTnLst>
-                          </p:cTn>
-                        </p:par>
-                      </p:childTnLst>
-                    </p:cTn>
-                  </p:par>
-                  <p:par>
-                    <p:cTn id="23" fill="hold">
-                      <p:stCondLst>
-                        <p:cond delay="indefinite"/>
-                      </p:stCondLst>
-                      <p:childTnLst>
-                        <p:par>
-                          <p:cTn id="24" fill="hold">
-                            <p:stCondLst>
-                              <p:cond delay="0"/>
-                            </p:stCondLst>
-                            <p:childTnLst>
-                              <p:par>
-                                <p:cTn id="25" presetID="14" presetClass="entr" presetSubtype="10" fill="hold" nodeType="clickEffect">
-                                  <p:stCondLst>
-                                    <p:cond delay="0"/>
-                                  </p:stCondLst>
-                                  <p:childTnLst>
-                                    <p:set>
-                                      <p:cBhvr>
-                                        <p:cTn id="26" dur="1" fill="hold">
-                                          <p:stCondLst>
-                                            <p:cond delay="0"/>
-                                          </p:stCondLst>
-                                        </p:cTn>
-                                        <p:tgtEl>
-                                          <p:spTgt spid="8"/>
-                                        </p:tgtEl>
-                                        <p:attrNameLst>
-                                          <p:attrName>style.visibility</p:attrName>
-                                        </p:attrNameLst>
-                                      </p:cBhvr>
-                                      <p:to>
-                                        <p:strVal val="visible"/>
-                                      </p:to>
-                                    </p:set>
-                                    <p:animEffect transition="in" filter="randombar(horizontal)">
-                                      <p:cBhvr>
-                                        <p:cTn id="27" dur="500"/>
-                                        <p:tgtEl>
-                                          <p:spTgt spid="8"/>
-                                        </p:tgtEl>
-                                      </p:cBhvr>
-                                    </p:animEffect>
-                                  </p:childTnLst>
-                                </p:cTn>
-                              </p:par>
-                            </p:childTnLst>
-                          </p:cTn>
-                        </p:par>
-                      </p:childTnLst>
-                    </p:cTn>
-                  </p:par>
-                </p:childTnLst>
-              </p:cTn>
-              <p:prevCondLst>
-                <p:cond evt="onPrev" delay="0">
-                  <p:tgtEl>
-                    <p:sldTgt/>
-                  </p:tgtEl>
-                </p:cond>
-              </p:prevCondLst>
-              <p:nextCondLst>
-                <p:cond evt="onNext" delay="0">
-                  <p:tgtEl>
-                    <p:sldTgt/>
-                  </p:tgtEl>
-                </p:cond>
-              </p:nextCondLst>
-            </p:seq>
-          </p:childTnLst>
-        </p:cTn>
-      </p:par>
-    </p:tnLst>
-    <p:bldLst>
-      <p:bldP spid="6" grpId="0"/>
-      <p:bldP spid="2" grpId="0"/>
-      <p:bldP spid="9" grpId="0"/>
-    </p:bldLst>
-  </p:timing>
-</p:sld>
-</file>
-
-<file path=ppt/slides/slide24.xml><?xml version="1.0" encoding="utf-8"?>
-<p:sld xmlns:a="http://schemas.openxmlformats.org/drawingml/2006/main" xmlns:r="http://schemas.openxmlformats.org/officeDocument/2006/relationships" xmlns:p="http://schemas.openxmlformats.org/presentationml/2006/main">
-  <p:cSld>
-    <p:spTree>
-      <p:nvGrpSpPr>
-        <p:cNvPr id="1" name=""/>
-        <p:cNvGrpSpPr/>
-        <p:nvPr/>
-      </p:nvGrpSpPr>
-      <p:grpSpPr>
-        <a:xfrm>
-          <a:off x="0" y="0"/>
-          <a:ext cx="0" cy="0"/>
-          <a:chOff x="0" y="0"/>
-          <a:chExt cx="0" cy="0"/>
-        </a:xfrm>
-      </p:grpSpPr>
-      <p:sp>
-        <p:nvSpPr>
-          <p:cNvPr id="3" name="Slide Number Placeholder 2"/>
-          <p:cNvSpPr>
-            <a:spLocks noGrp="1"/>
-          </p:cNvSpPr>
-          <p:nvPr>
-            <p:ph type="sldNum" idx="12"/>
-          </p:nvPr>
-        </p:nvSpPr>
-        <p:spPr/>
-        <p:txBody>
-          <a:bodyPr/>
-          <a:lstStyle/>
-          <a:p>
-            <a:pPr marL="0" lvl="0" indent="0" algn="ctr" rtl="0">
-              <a:spcBef>
-                <a:spcPts val="0"/>
-              </a:spcBef>
-              <a:spcAft>
-                <a:spcPts val="0"/>
-              </a:spcAft>
-              <a:buNone/>
-            </a:pPr>
-            <a:fld id="{00000000-1234-1234-1234-123412341234}" type="slidenum">
-              <a:rPr lang="en" smtClean="0"/>
-              <a:t>24</a:t>
-            </a:fld>
-            <a:endParaRPr lang="en"/>
-          </a:p>
-        </p:txBody>
-      </p:sp>
-      <p:sp>
-        <p:nvSpPr>
-          <p:cNvPr id="4" name="TextBox 3"/>
-          <p:cNvSpPr txBox="1"/>
-          <p:nvPr/>
-        </p:nvSpPr>
-        <p:spPr>
-          <a:xfrm>
-            <a:off x="436418" y="910028"/>
-            <a:ext cx="2175163" cy="338554"/>
-          </a:xfrm>
-          <a:prstGeom prst="rect">
-            <a:avLst/>
-          </a:prstGeom>
-          <a:noFill/>
-        </p:spPr>
-        <p:txBody>
-          <a:bodyPr wrap="square" rtlCol="0">
-            <a:spAutoFit/>
-          </a:bodyPr>
-          <a:lstStyle/>
-          <a:p>
-            <a:r>
-              <a:rPr lang="en-US" sz="1600" b="1" dirty="0" err="1" smtClean="0">
-                <a:solidFill>
-                  <a:schemeClr val="accent1">
-                    <a:lumMod val="75000"/>
-                  </a:schemeClr>
-                </a:solidFill>
-                <a:latin typeface="Roboto Slab" panose="020B0604020202020204" charset="0"/>
-                <a:ea typeface="Roboto Slab" panose="020B0604020202020204" charset="0"/>
-              </a:rPr>
-              <a:t>Trang</a:t>
-            </a:r>
-            <a:r>
-              <a:rPr lang="en-US" sz="1600" b="1" dirty="0" smtClean="0">
-                <a:solidFill>
-                  <a:schemeClr val="accent1">
-                    <a:lumMod val="75000"/>
-                  </a:schemeClr>
-                </a:solidFill>
-                <a:latin typeface="Roboto Slab" panose="020B0604020202020204" charset="0"/>
-                <a:ea typeface="Roboto Slab" panose="020B0604020202020204" charset="0"/>
-              </a:rPr>
-              <a:t> </a:t>
-            </a:r>
-            <a:r>
-              <a:rPr lang="en-US" sz="1600" b="1" dirty="0" err="1" smtClean="0">
-                <a:solidFill>
-                  <a:schemeClr val="accent1">
-                    <a:lumMod val="75000"/>
-                  </a:schemeClr>
-                </a:solidFill>
-                <a:latin typeface="Roboto Slab" panose="020B0604020202020204" charset="0"/>
-                <a:ea typeface="Roboto Slab" panose="020B0604020202020204" charset="0"/>
-              </a:rPr>
-              <a:t>quản</a:t>
-            </a:r>
-            <a:r>
-              <a:rPr lang="en-US" sz="1600" b="1" dirty="0" smtClean="0">
-                <a:solidFill>
-                  <a:schemeClr val="accent1">
-                    <a:lumMod val="75000"/>
-                  </a:schemeClr>
-                </a:solidFill>
-                <a:latin typeface="Roboto Slab" panose="020B0604020202020204" charset="0"/>
-                <a:ea typeface="Roboto Slab" panose="020B0604020202020204" charset="0"/>
-              </a:rPr>
-              <a:t> </a:t>
-            </a:r>
-            <a:r>
-              <a:rPr lang="en-US" sz="1600" b="1" dirty="0" err="1" smtClean="0">
-                <a:solidFill>
-                  <a:schemeClr val="accent1">
-                    <a:lumMod val="75000"/>
-                  </a:schemeClr>
-                </a:solidFill>
-                <a:latin typeface="Roboto Slab" panose="020B0604020202020204" charset="0"/>
-                <a:ea typeface="Roboto Slab" panose="020B0604020202020204" charset="0"/>
-              </a:rPr>
-              <a:t>trị</a:t>
-            </a:r>
-            <a:endParaRPr lang="en-US" sz="1600" b="1" dirty="0">
-              <a:solidFill>
-                <a:schemeClr val="accent1">
-                  <a:lumMod val="75000"/>
-                </a:schemeClr>
-              </a:solidFill>
-              <a:latin typeface="Roboto Slab" panose="020B0604020202020204" charset="0"/>
-              <a:ea typeface="Roboto Slab" panose="020B0604020202020204" charset="0"/>
-            </a:endParaRPr>
-          </a:p>
-        </p:txBody>
-      </p:sp>
-      <p:pic>
-        <p:nvPicPr>
-          <p:cNvPr id="2" name="Picture 1"/>
-          <p:cNvPicPr>
-            <a:picLocks noChangeAspect="1"/>
-          </p:cNvPicPr>
-          <p:nvPr/>
-        </p:nvPicPr>
-        <p:blipFill>
-          <a:blip r:embed="rId2"/>
-          <a:stretch>
-            <a:fillRect/>
-          </a:stretch>
-        </p:blipFill>
-        <p:spPr>
-          <a:xfrm>
-            <a:off x="1064359" y="1253837"/>
-            <a:ext cx="7015281" cy="3381456"/>
-          </a:xfrm>
-          <a:prstGeom prst="rect">
-            <a:avLst/>
-          </a:prstGeom>
-        </p:spPr>
-      </p:pic>
-      <p:sp>
-        <p:nvSpPr>
-          <p:cNvPr id="7" name="TextBox 6"/>
-          <p:cNvSpPr txBox="1"/>
-          <p:nvPr/>
-        </p:nvSpPr>
-        <p:spPr>
-          <a:xfrm>
-            <a:off x="218211" y="44242"/>
-            <a:ext cx="8285018" cy="400110"/>
-          </a:xfrm>
-          <a:prstGeom prst="rect">
-            <a:avLst/>
-          </a:prstGeom>
-          <a:noFill/>
-        </p:spPr>
-        <p:txBody>
-          <a:bodyPr wrap="square" rtlCol="0">
-            <a:spAutoFit/>
-          </a:bodyPr>
-          <a:lstStyle/>
-          <a:p>
-            <a:r>
-              <a:rPr lang="en-US" sz="2000" b="1" dirty="0">
-                <a:solidFill>
-                  <a:schemeClr val="accent1">
-                    <a:lumMod val="75000"/>
-                  </a:schemeClr>
-                </a:solidFill>
-                <a:latin typeface="Roboto Slab" panose="020B0604020202020204" charset="0"/>
-                <a:ea typeface="Roboto Slab" panose="020B0604020202020204" charset="0"/>
-              </a:rPr>
-              <a:t>5</a:t>
-            </a:r>
-            <a:r>
-              <a:rPr lang="en-US" sz="2000" b="1" dirty="0" smtClean="0">
-                <a:solidFill>
-                  <a:schemeClr val="accent1">
-                    <a:lumMod val="75000"/>
-                  </a:schemeClr>
-                </a:solidFill>
-                <a:latin typeface="Roboto Slab" panose="020B0604020202020204" charset="0"/>
-                <a:ea typeface="Roboto Slab" panose="020B0604020202020204" charset="0"/>
-              </a:rPr>
-              <a:t>. DEMO CHƯƠNG TRÌNH THỰC TẾ</a:t>
-            </a:r>
-            <a:endParaRPr lang="en-US" sz="2000" b="1" dirty="0">
-              <a:solidFill>
-                <a:schemeClr val="accent1">
-                  <a:lumMod val="75000"/>
-                </a:schemeClr>
-              </a:solidFill>
-              <a:latin typeface="Roboto Slab" panose="020B0604020202020204" charset="0"/>
-              <a:ea typeface="Roboto Slab" panose="020B0604020202020204" charset="0"/>
-            </a:endParaRPr>
-          </a:p>
-        </p:txBody>
-      </p:sp>
-      <p:sp>
-        <p:nvSpPr>
-          <p:cNvPr id="5" name="TextBox 4"/>
-          <p:cNvSpPr txBox="1"/>
-          <p:nvPr/>
-        </p:nvSpPr>
-        <p:spPr>
-          <a:xfrm>
-            <a:off x="436510" y="444352"/>
-            <a:ext cx="8707490" cy="523220"/>
-          </a:xfrm>
-          <a:prstGeom prst="rect">
-            <a:avLst/>
-          </a:prstGeom>
-          <a:noFill/>
-        </p:spPr>
-        <p:txBody>
-          <a:bodyPr wrap="square" rtlCol="0">
-            <a:spAutoFit/>
-          </a:bodyPr>
-          <a:lstStyle/>
-          <a:p>
-            <a:r>
-              <a:rPr lang="en-US" b="1" dirty="0" err="1" smtClean="0"/>
-              <a:t>Sau</a:t>
-            </a:r>
-            <a:r>
-              <a:rPr lang="en-US" b="1" dirty="0" smtClean="0"/>
-              <a:t> </a:t>
-            </a:r>
-            <a:r>
-              <a:rPr lang="en-US" b="1" dirty="0" err="1" smtClean="0"/>
-              <a:t>đây</a:t>
-            </a:r>
-            <a:r>
-              <a:rPr lang="en-US" b="1" dirty="0" smtClean="0"/>
-              <a:t> </a:t>
-            </a:r>
-            <a:r>
-              <a:rPr lang="en-US" b="1" dirty="0" err="1" smtClean="0"/>
-              <a:t>nhóm</a:t>
-            </a:r>
-            <a:r>
-              <a:rPr lang="en-US" b="1" dirty="0" smtClean="0"/>
-              <a:t> </a:t>
-            </a:r>
-            <a:r>
-              <a:rPr lang="en-US" b="1" dirty="0" err="1" smtClean="0"/>
-              <a:t>em</a:t>
-            </a:r>
-            <a:r>
-              <a:rPr lang="en-US" b="1" dirty="0" smtClean="0"/>
-              <a:t> </a:t>
-            </a:r>
-            <a:r>
-              <a:rPr lang="en-US" b="1" dirty="0" err="1" smtClean="0"/>
-              <a:t>xin</a:t>
-            </a:r>
-            <a:r>
-              <a:rPr lang="en-US" b="1" dirty="0" smtClean="0"/>
-              <a:t> demo </a:t>
-            </a:r>
-            <a:r>
-              <a:rPr lang="en-US" b="1" dirty="0" err="1" smtClean="0"/>
-              <a:t>quy</a:t>
-            </a:r>
-            <a:r>
-              <a:rPr lang="en-US" b="1" dirty="0" smtClean="0"/>
-              <a:t> </a:t>
-            </a:r>
-            <a:r>
-              <a:rPr lang="en-US" b="1" dirty="0" err="1" smtClean="0"/>
-              <a:t>trình</a:t>
-            </a:r>
-            <a:r>
-              <a:rPr lang="en-US" b="1" dirty="0" smtClean="0"/>
-              <a:t> </a:t>
-            </a:r>
-            <a:r>
-              <a:rPr lang="en-US" b="1" dirty="0" err="1" smtClean="0"/>
-              <a:t>hoạt</a:t>
-            </a:r>
-            <a:r>
-              <a:rPr lang="en-US" b="1" dirty="0" smtClean="0"/>
-              <a:t> </a:t>
-            </a:r>
-            <a:r>
-              <a:rPr lang="en-US" b="1" dirty="0" err="1" smtClean="0"/>
-              <a:t>động</a:t>
-            </a:r>
-            <a:r>
-              <a:rPr lang="en-US" b="1" dirty="0" smtClean="0"/>
-              <a:t> </a:t>
-            </a:r>
-            <a:r>
-              <a:rPr lang="en-US" b="1" dirty="0" err="1" smtClean="0"/>
-              <a:t>thực</a:t>
-            </a:r>
-            <a:r>
-              <a:rPr lang="en-US" b="1" dirty="0" smtClean="0"/>
-              <a:t> </a:t>
-            </a:r>
-            <a:r>
-              <a:rPr lang="en-US" b="1" dirty="0" err="1" smtClean="0"/>
-              <a:t>tế</a:t>
-            </a:r>
-            <a:r>
-              <a:rPr lang="en-US" b="1" dirty="0" smtClean="0"/>
-              <a:t> </a:t>
-            </a:r>
-            <a:r>
-              <a:rPr lang="en-US" b="1" dirty="0" err="1" smtClean="0"/>
-              <a:t>cũng</a:t>
-            </a:r>
-            <a:r>
-              <a:rPr lang="en-US" b="1" dirty="0" smtClean="0"/>
-              <a:t> </a:t>
-            </a:r>
-            <a:r>
-              <a:rPr lang="en-US" b="1" dirty="0" err="1" smtClean="0"/>
-              <a:t>như</a:t>
-            </a:r>
-            <a:r>
-              <a:rPr lang="en-US" b="1" dirty="0" smtClean="0"/>
-              <a:t> </a:t>
-            </a:r>
-            <a:r>
-              <a:rPr lang="en-US" b="1" dirty="0" err="1" smtClean="0"/>
-              <a:t>các</a:t>
-            </a:r>
-            <a:r>
-              <a:rPr lang="en-US" b="1" dirty="0" smtClean="0"/>
-              <a:t> </a:t>
-            </a:r>
-            <a:r>
-              <a:rPr lang="en-US" b="1" dirty="0" err="1" smtClean="0"/>
-              <a:t>chức</a:t>
-            </a:r>
-            <a:r>
-              <a:rPr lang="en-US" b="1" dirty="0" smtClean="0"/>
-              <a:t> </a:t>
-            </a:r>
-            <a:r>
-              <a:rPr lang="en-US" b="1" dirty="0" err="1" smtClean="0"/>
-              <a:t>năng</a:t>
-            </a:r>
-            <a:endParaRPr lang="en-US" b="1" dirty="0" smtClean="0"/>
-          </a:p>
-          <a:p>
-            <a:r>
-              <a:rPr lang="en-US" b="1" dirty="0" smtClean="0"/>
-              <a:t> </a:t>
-            </a:r>
-            <a:r>
-              <a:rPr lang="en-US" b="1" dirty="0" err="1" smtClean="0"/>
-              <a:t>của</a:t>
-            </a:r>
-            <a:r>
-              <a:rPr lang="en-US" b="1" dirty="0" smtClean="0"/>
-              <a:t> website </a:t>
-            </a:r>
-            <a:r>
-              <a:rPr lang="en-US" b="1" dirty="0" err="1" smtClean="0"/>
-              <a:t>thông</a:t>
-            </a:r>
-            <a:r>
-              <a:rPr lang="en-US" b="1" dirty="0" smtClean="0"/>
-              <a:t> qua </a:t>
-            </a:r>
-            <a:r>
-              <a:rPr lang="en-US" b="1" dirty="0" err="1" smtClean="0"/>
-              <a:t>hai</a:t>
-            </a:r>
-            <a:r>
-              <a:rPr lang="en-US" b="1" dirty="0" smtClean="0"/>
-              <a:t> </a:t>
-            </a:r>
-            <a:r>
-              <a:rPr lang="en-US" b="1" dirty="0" err="1" smtClean="0"/>
-              <a:t>trang</a:t>
-            </a:r>
-            <a:r>
-              <a:rPr lang="en-US" b="1" dirty="0" smtClean="0"/>
-              <a:t> </a:t>
-            </a:r>
-            <a:r>
-              <a:rPr lang="en-US" b="1" dirty="0" err="1" smtClean="0"/>
-              <a:t>quản</a:t>
-            </a:r>
-            <a:r>
-              <a:rPr lang="en-US" b="1" dirty="0" smtClean="0"/>
-              <a:t> </a:t>
-            </a:r>
-            <a:r>
-              <a:rPr lang="en-US" b="1" dirty="0" err="1" smtClean="0"/>
-              <a:t>trị</a:t>
-            </a:r>
-            <a:r>
-              <a:rPr lang="en-US" b="1" dirty="0" smtClean="0"/>
-              <a:t> </a:t>
-            </a:r>
-            <a:r>
-              <a:rPr lang="en-US" b="1" dirty="0" err="1" smtClean="0"/>
-              <a:t>và</a:t>
-            </a:r>
-            <a:r>
-              <a:rPr lang="en-US" b="1" dirty="0" smtClean="0"/>
-              <a:t> </a:t>
-            </a:r>
-            <a:r>
-              <a:rPr lang="en-US" b="1" dirty="0" err="1" smtClean="0"/>
-              <a:t>người</a:t>
-            </a:r>
-            <a:r>
-              <a:rPr lang="en-US" b="1" dirty="0" smtClean="0"/>
-              <a:t> </a:t>
-            </a:r>
-            <a:r>
-              <a:rPr lang="en-US" b="1" dirty="0" err="1" smtClean="0"/>
-              <a:t>dùng</a:t>
-            </a:r>
-            <a:endParaRPr lang="en-US" b="1" dirty="0"/>
-          </a:p>
-        </p:txBody>
-      </p:sp>
-    </p:spTree>
-    <p:extLst>
-      <p:ext uri="{BB962C8B-B14F-4D97-AF65-F5344CB8AC3E}">
-        <p14:creationId xmlns:p14="http://schemas.microsoft.com/office/powerpoint/2010/main" val="3382621988"/>
-      </p:ext>
-    </p:extLst>
-  </p:cSld>
-  <p:clrMapOvr>
-    <a:masterClrMapping/>
-  </p:clrMapOvr>
-  <p:timing>
-    <p:tnLst>
-      <p:par>
-        <p:cTn id="1" dur="indefinite" restart="never" nodeType="tmRoot">
-          <p:childTnLst>
-            <p:seq concurrent="1" nextAc="seek">
-              <p:cTn id="2" dur="indefinite" nodeType="mainSeq">
-                <p:childTnLst>
-                  <p:par>
-                    <p:cTn id="3" fill="hold">
-                      <p:stCondLst>
-                        <p:cond delay="indefinite"/>
-                      </p:stCondLst>
-                      <p:childTnLst>
-                        <p:par>
-                          <p:cTn id="4" fill="hold">
-                            <p:stCondLst>
-                              <p:cond delay="0"/>
-                            </p:stCondLst>
-                            <p:childTnLst>
-                              <p:par>
-                                <p:cTn id="5" presetID="14" presetClass="entr" presetSubtype="10" fill="hold" grpId="0" nodeType="clickEffect">
-                                  <p:stCondLst>
-                                    <p:cond delay="0"/>
-                                  </p:stCondLst>
-                                  <p:childTnLst>
-                                    <p:set>
-                                      <p:cBhvr>
-                                        <p:cTn id="6" dur="1" fill="hold">
-                                          <p:stCondLst>
-                                            <p:cond delay="0"/>
-                                          </p:stCondLst>
-                                        </p:cTn>
-                                        <p:tgtEl>
-                                          <p:spTgt spid="7"/>
-                                        </p:tgtEl>
-                                        <p:attrNameLst>
-                                          <p:attrName>style.visibility</p:attrName>
-                                        </p:attrNameLst>
-                                      </p:cBhvr>
-                                      <p:to>
-                                        <p:strVal val="visible"/>
-                                      </p:to>
-                                    </p:set>
-                                    <p:animEffect transition="in" filter="randombar(horizontal)">
-                                      <p:cBhvr>
-                                        <p:cTn id="7" dur="500"/>
-                                        <p:tgtEl>
-                                          <p:spTgt spid="7"/>
-                                        </p:tgtEl>
-                                      </p:cBhvr>
-                                    </p:animEffect>
-                                  </p:childTnLst>
-                                </p:cTn>
-                              </p:par>
-                            </p:childTnLst>
-                          </p:cTn>
-                        </p:par>
-                      </p:childTnLst>
-                    </p:cTn>
-                  </p:par>
-                  <p:par>
-                    <p:cTn id="8" fill="hold">
-                      <p:stCondLst>
-                        <p:cond delay="indefinite"/>
-                      </p:stCondLst>
-                      <p:childTnLst>
-                        <p:par>
-                          <p:cTn id="9" fill="hold">
-                            <p:stCondLst>
-                              <p:cond delay="0"/>
-                            </p:stCondLst>
-                            <p:childTnLst>
-                              <p:par>
-                                <p:cTn id="10" presetID="14" presetClass="entr" presetSubtype="10" fill="hold" grpId="0" nodeType="clickEffect">
-                                  <p:stCondLst>
-                                    <p:cond delay="0"/>
-                                  </p:stCondLst>
-                                  <p:childTnLst>
-                                    <p:set>
-                                      <p:cBhvr>
-                                        <p:cTn id="11" dur="1" fill="hold">
-                                          <p:stCondLst>
-                                            <p:cond delay="0"/>
-                                          </p:stCondLst>
-                                        </p:cTn>
-                                        <p:tgtEl>
-                                          <p:spTgt spid="5"/>
-                                        </p:tgtEl>
-                                        <p:attrNameLst>
-                                          <p:attrName>style.visibility</p:attrName>
-                                        </p:attrNameLst>
-                                      </p:cBhvr>
-                                      <p:to>
-                                        <p:strVal val="visible"/>
-                                      </p:to>
-                                    </p:set>
-                                    <p:animEffect transition="in" filter="randombar(horizontal)">
-                                      <p:cBhvr>
-                                        <p:cTn id="12" dur="500"/>
-                                        <p:tgtEl>
-                                          <p:spTgt spid="5"/>
-                                        </p:tgtEl>
-                                      </p:cBhvr>
-                                    </p:animEffect>
-                                  </p:childTnLst>
-                                </p:cTn>
-                              </p:par>
-                            </p:childTnLst>
-                          </p:cTn>
-                        </p:par>
-                      </p:childTnLst>
-                    </p:cTn>
-                  </p:par>
-                  <p:par>
-                    <p:cTn id="13" fill="hold">
-                      <p:stCondLst>
-                        <p:cond delay="indefinite"/>
-                      </p:stCondLst>
-                      <p:childTnLst>
-                        <p:par>
-                          <p:cTn id="14" fill="hold">
-                            <p:stCondLst>
-                              <p:cond delay="0"/>
-                            </p:stCondLst>
-                            <p:childTnLst>
-                              <p:par>
-                                <p:cTn id="15" presetID="14" presetClass="entr" presetSubtype="10" fill="hold" grpId="0" nodeType="clickEffect">
-                                  <p:stCondLst>
-                                    <p:cond delay="0"/>
-                                  </p:stCondLst>
-                                  <p:childTnLst>
-                                    <p:set>
-                                      <p:cBhvr>
-                                        <p:cTn id="16" dur="1" fill="hold">
-                                          <p:stCondLst>
-                                            <p:cond delay="0"/>
-                                          </p:stCondLst>
-                                        </p:cTn>
-                                        <p:tgtEl>
-                                          <p:spTgt spid="4"/>
-                                        </p:tgtEl>
-                                        <p:attrNameLst>
-                                          <p:attrName>style.visibility</p:attrName>
-                                        </p:attrNameLst>
-                                      </p:cBhvr>
-                                      <p:to>
-                                        <p:strVal val="visible"/>
-                                      </p:to>
-                                    </p:set>
-                                    <p:animEffect transition="in" filter="randombar(horizontal)">
-                                      <p:cBhvr>
-                                        <p:cTn id="17" dur="500"/>
-                                        <p:tgtEl>
-                                          <p:spTgt spid="4"/>
-                                        </p:tgtEl>
-                                      </p:cBhvr>
-                                    </p:animEffect>
-                                  </p:childTnLst>
-                                </p:cTn>
-                              </p:par>
-                            </p:childTnLst>
-                          </p:cTn>
-                        </p:par>
-                      </p:childTnLst>
-                    </p:cTn>
-                  </p:par>
-                </p:childTnLst>
-              </p:cTn>
-              <p:prevCondLst>
-                <p:cond evt="onPrev" delay="0">
-                  <p:tgtEl>
-                    <p:sldTgt/>
-                  </p:tgtEl>
-                </p:cond>
-              </p:prevCondLst>
-              <p:nextCondLst>
-                <p:cond evt="onNext" delay="0">
-                  <p:tgtEl>
-                    <p:sldTgt/>
-                  </p:tgtEl>
-                </p:cond>
-              </p:nextCondLst>
-            </p:seq>
-          </p:childTnLst>
-        </p:cTn>
-      </p:par>
-    </p:tnLst>
-    <p:bldLst>
-      <p:bldP spid="4" grpId="0"/>
-      <p:bldP spid="7" grpId="0"/>
-      <p:bldP spid="5" grpId="0"/>
-    </p:bldLst>
-  </p:timing>
-</p:sld>
-</file>
-
-<file path=ppt/slides/slide25.xml><?xml version="1.0" encoding="utf-8"?>
-<p:sld xmlns:a="http://schemas.openxmlformats.org/drawingml/2006/main" xmlns:r="http://schemas.openxmlformats.org/officeDocument/2006/relationships" xmlns:p="http://schemas.openxmlformats.org/presentationml/2006/main">
-  <p:cSld>
-    <p:spTree>
-      <p:nvGrpSpPr>
-        <p:cNvPr id="1" name=""/>
-        <p:cNvGrpSpPr/>
-        <p:nvPr/>
-      </p:nvGrpSpPr>
-      <p:grpSpPr>
-        <a:xfrm>
-          <a:off x="0" y="0"/>
-          <a:ext cx="0" cy="0"/>
-          <a:chOff x="0" y="0"/>
-          <a:chExt cx="0" cy="0"/>
-        </a:xfrm>
-      </p:grpSpPr>
-      <p:sp>
-        <p:nvSpPr>
-          <p:cNvPr id="3" name="Slide Number Placeholder 2"/>
-          <p:cNvSpPr>
-            <a:spLocks noGrp="1"/>
-          </p:cNvSpPr>
-          <p:nvPr>
-            <p:ph type="sldNum" idx="12"/>
-          </p:nvPr>
-        </p:nvSpPr>
-        <p:spPr/>
-        <p:txBody>
-          <a:bodyPr/>
-          <a:lstStyle/>
-          <a:p>
-            <a:pPr marL="0" lvl="0" indent="0" algn="ctr" rtl="0">
-              <a:spcBef>
-                <a:spcPts val="0"/>
-              </a:spcBef>
-              <a:spcAft>
-                <a:spcPts val="0"/>
-              </a:spcAft>
-              <a:buNone/>
-            </a:pPr>
-            <a:fld id="{00000000-1234-1234-1234-123412341234}" type="slidenum">
-              <a:rPr lang="en" smtClean="0"/>
-              <a:t>25</a:t>
-            </a:fld>
-            <a:endParaRPr lang="en"/>
-          </a:p>
-        </p:txBody>
-      </p:sp>
-      <p:sp>
-        <p:nvSpPr>
-          <p:cNvPr id="5" name="TextBox 4"/>
-          <p:cNvSpPr txBox="1"/>
-          <p:nvPr/>
-        </p:nvSpPr>
-        <p:spPr>
-          <a:xfrm>
-            <a:off x="567943" y="588067"/>
-            <a:ext cx="8285018" cy="338554"/>
-          </a:xfrm>
-          <a:prstGeom prst="rect">
-            <a:avLst/>
-          </a:prstGeom>
-          <a:noFill/>
-        </p:spPr>
-        <p:txBody>
-          <a:bodyPr wrap="square" rtlCol="0">
-            <a:spAutoFit/>
-          </a:bodyPr>
-          <a:lstStyle/>
-          <a:p>
-            <a:r>
-              <a:rPr lang="en-US" sz="1600" b="1" dirty="0" err="1" smtClean="0">
-                <a:solidFill>
-                  <a:schemeClr val="accent1">
-                    <a:lumMod val="75000"/>
-                  </a:schemeClr>
-                </a:solidFill>
-                <a:latin typeface="Roboto Slab" panose="020B0604020202020204" charset="0"/>
-                <a:ea typeface="Roboto Slab" panose="020B0604020202020204" charset="0"/>
-              </a:rPr>
-              <a:t>Trang</a:t>
-            </a:r>
-            <a:r>
-              <a:rPr lang="en-US" sz="1600" b="1" dirty="0" smtClean="0">
-                <a:solidFill>
-                  <a:schemeClr val="accent1">
-                    <a:lumMod val="75000"/>
-                  </a:schemeClr>
-                </a:solidFill>
-                <a:latin typeface="Roboto Slab" panose="020B0604020202020204" charset="0"/>
-                <a:ea typeface="Roboto Slab" panose="020B0604020202020204" charset="0"/>
-              </a:rPr>
-              <a:t> </a:t>
-            </a:r>
-            <a:r>
-              <a:rPr lang="en-US" sz="1600" b="1" dirty="0" err="1" smtClean="0">
-                <a:solidFill>
-                  <a:schemeClr val="accent1">
-                    <a:lumMod val="75000"/>
-                  </a:schemeClr>
-                </a:solidFill>
-                <a:latin typeface="Roboto Slab" panose="020B0604020202020204" charset="0"/>
-                <a:ea typeface="Roboto Slab" panose="020B0604020202020204" charset="0"/>
-              </a:rPr>
-              <a:t>người</a:t>
-            </a:r>
-            <a:r>
-              <a:rPr lang="en-US" sz="1600" b="1" dirty="0" smtClean="0">
-                <a:solidFill>
-                  <a:schemeClr val="accent1">
-                    <a:lumMod val="75000"/>
-                  </a:schemeClr>
-                </a:solidFill>
-                <a:latin typeface="Roboto Slab" panose="020B0604020202020204" charset="0"/>
-                <a:ea typeface="Roboto Slab" panose="020B0604020202020204" charset="0"/>
-              </a:rPr>
-              <a:t> </a:t>
-            </a:r>
-            <a:r>
-              <a:rPr lang="en-US" sz="1600" b="1" dirty="0" err="1" smtClean="0">
-                <a:solidFill>
-                  <a:schemeClr val="accent1">
-                    <a:lumMod val="75000"/>
-                  </a:schemeClr>
-                </a:solidFill>
-                <a:latin typeface="Roboto Slab" panose="020B0604020202020204" charset="0"/>
-                <a:ea typeface="Roboto Slab" panose="020B0604020202020204" charset="0"/>
-              </a:rPr>
-              <a:t>dùng</a:t>
-            </a:r>
-            <a:endParaRPr lang="en-US" sz="1600" b="1" dirty="0">
-              <a:solidFill>
-                <a:schemeClr val="accent1">
-                  <a:lumMod val="75000"/>
-                </a:schemeClr>
-              </a:solidFill>
-              <a:latin typeface="Roboto Slab" panose="020B0604020202020204" charset="0"/>
-              <a:ea typeface="Roboto Slab" panose="020B0604020202020204" charset="0"/>
-            </a:endParaRPr>
-          </a:p>
-        </p:txBody>
-      </p:sp>
-      <p:pic>
-        <p:nvPicPr>
-          <p:cNvPr id="6" name="Picture 5"/>
-          <p:cNvPicPr>
-            <a:picLocks noChangeAspect="1"/>
-          </p:cNvPicPr>
-          <p:nvPr/>
-        </p:nvPicPr>
-        <p:blipFill>
-          <a:blip r:embed="rId2"/>
-          <a:stretch>
-            <a:fillRect/>
-          </a:stretch>
-        </p:blipFill>
-        <p:spPr>
-          <a:xfrm>
-            <a:off x="567943" y="992398"/>
-            <a:ext cx="7058983" cy="3234904"/>
-          </a:xfrm>
-          <a:prstGeom prst="rect">
-            <a:avLst/>
-          </a:prstGeom>
-        </p:spPr>
-      </p:pic>
-    </p:spTree>
-    <p:extLst>
-      <p:ext uri="{BB962C8B-B14F-4D97-AF65-F5344CB8AC3E}">
-        <p14:creationId xmlns:p14="http://schemas.microsoft.com/office/powerpoint/2010/main" val="1242947895"/>
-      </p:ext>
-    </p:extLst>
-  </p:cSld>
-  <p:clrMapOvr>
-    <a:masterClrMapping/>
-  </p:clrMapOvr>
-  <p:timing>
-    <p:tnLst>
-      <p:par>
-        <p:cTn id="1" dur="indefinite" restart="never" nodeType="tmRoot">
-          <p:childTnLst>
-            <p:seq concurrent="1" nextAc="seek">
-              <p:cTn id="2" dur="indefinite" nodeType="mainSeq">
-                <p:childTnLst>
-                  <p:par>
-                    <p:cTn id="3" fill="hold">
-                      <p:stCondLst>
-                        <p:cond delay="indefinite"/>
-                      </p:stCondLst>
-                      <p:childTnLst>
-                        <p:par>
-                          <p:cTn id="4" fill="hold">
-                            <p:stCondLst>
-                              <p:cond delay="0"/>
-                            </p:stCondLst>
-                            <p:childTnLst>
-                              <p:par>
-                                <p:cTn id="5" presetID="14" presetClass="entr" presetSubtype="10" fill="hold" grpId="0" nodeType="clickEffect">
-                                  <p:stCondLst>
-                                    <p:cond delay="0"/>
-                                  </p:stCondLst>
-                                  <p:childTnLst>
-                                    <p:set>
-                                      <p:cBhvr>
-                                        <p:cTn id="6" dur="1" fill="hold">
-                                          <p:stCondLst>
-                                            <p:cond delay="0"/>
-                                          </p:stCondLst>
-                                        </p:cTn>
-                                        <p:tgtEl>
-                                          <p:spTgt spid="5"/>
-                                        </p:tgtEl>
-                                        <p:attrNameLst>
-                                          <p:attrName>style.visibility</p:attrName>
-                                        </p:attrNameLst>
-                                      </p:cBhvr>
-                                      <p:to>
-                                        <p:strVal val="visible"/>
-                                      </p:to>
-                                    </p:set>
-                                    <p:animEffect transition="in" filter="randombar(horizontal)">
-                                      <p:cBhvr>
-                                        <p:cTn id="7" dur="500"/>
-                                        <p:tgtEl>
-                                          <p:spTgt spid="5"/>
-                                        </p:tgtEl>
-                                      </p:cBhvr>
-                                    </p:animEffect>
-                                  </p:childTnLst>
-                                </p:cTn>
-                              </p:par>
-                            </p:childTnLst>
-                          </p:cTn>
-                        </p:par>
-                      </p:childTnLst>
-                    </p:cTn>
-                  </p:par>
-                  <p:par>
-                    <p:cTn id="8" fill="hold">
-                      <p:stCondLst>
-                        <p:cond delay="indefinite"/>
-                      </p:stCondLst>
-                      <p:childTnLst>
-                        <p:par>
-                          <p:cTn id="9" fill="hold">
-                            <p:stCondLst>
-                              <p:cond delay="0"/>
-                            </p:stCondLst>
-                            <p:childTnLst>
-                              <p:par>
-                                <p:cTn id="10" presetID="14" presetClass="entr" presetSubtype="10" fill="hold" nodeType="clickEffect">
-                                  <p:stCondLst>
-                                    <p:cond delay="0"/>
-                                  </p:stCondLst>
-                                  <p:childTnLst>
-                                    <p:set>
-                                      <p:cBhvr>
-                                        <p:cTn id="11" dur="1" fill="hold">
-                                          <p:stCondLst>
-                                            <p:cond delay="0"/>
-                                          </p:stCondLst>
-                                        </p:cTn>
-                                        <p:tgtEl>
-                                          <p:spTgt spid="6"/>
-                                        </p:tgtEl>
-                                        <p:attrNameLst>
-                                          <p:attrName>style.visibility</p:attrName>
-                                        </p:attrNameLst>
-                                      </p:cBhvr>
-                                      <p:to>
-                                        <p:strVal val="visible"/>
-                                      </p:to>
-                                    </p:set>
-                                    <p:animEffect transition="in" filter="randombar(horizontal)">
-                                      <p:cBhvr>
-                                        <p:cTn id="12" dur="500"/>
-                                        <p:tgtEl>
-                                          <p:spTgt spid="6"/>
-                                        </p:tgtEl>
-                                      </p:cBhvr>
-                                    </p:animEffect>
-                                  </p:childTnLst>
-                                </p:cTn>
-                              </p:par>
-                            </p:childTnLst>
-                          </p:cTn>
-                        </p:par>
-                      </p:childTnLst>
-                    </p:cTn>
-                  </p:par>
-                </p:childTnLst>
-              </p:cTn>
-              <p:prevCondLst>
-                <p:cond evt="onPrev" delay="0">
-                  <p:tgtEl>
-                    <p:sldTgt/>
-                  </p:tgtEl>
-                </p:cond>
-              </p:prevCondLst>
-              <p:nextCondLst>
-                <p:cond evt="onNext" delay="0">
-                  <p:tgtEl>
-                    <p:sldTgt/>
-                  </p:tgtEl>
-                </p:cond>
-              </p:nextCondLst>
-            </p:seq>
-          </p:childTnLst>
-        </p:cTn>
-      </p:par>
-    </p:tnLst>
-    <p:bldLst>
-      <p:bldP spid="5" grpId="0"/>
-    </p:bldLst>
-  </p:timing>
-</p:sld>
-</file>
-
-<file path=ppt/slides/slide26.xml><?xml version="1.0" encoding="utf-8"?>
-<p:sld xmlns:a="http://schemas.openxmlformats.org/drawingml/2006/main" xmlns:r="http://schemas.openxmlformats.org/officeDocument/2006/relationships" xmlns:p="http://schemas.openxmlformats.org/presentationml/2006/main">
-  <p:cSld>
-    <p:spTree>
-      <p:nvGrpSpPr>
-        <p:cNvPr id="1" name=""/>
-        <p:cNvGrpSpPr/>
-        <p:nvPr/>
-      </p:nvGrpSpPr>
-      <p:grpSpPr>
-        <a:xfrm>
-          <a:off x="0" y="0"/>
-          <a:ext cx="0" cy="0"/>
-          <a:chOff x="0" y="0"/>
-          <a:chExt cx="0" cy="0"/>
-        </a:xfrm>
-      </p:grpSpPr>
-      <p:sp>
-        <p:nvSpPr>
-          <p:cNvPr id="3" name="Slide Number Placeholder 2"/>
-          <p:cNvSpPr>
-            <a:spLocks noGrp="1"/>
-          </p:cNvSpPr>
-          <p:nvPr>
-            <p:ph type="sldNum" idx="12"/>
-          </p:nvPr>
-        </p:nvSpPr>
-        <p:spPr/>
-        <p:txBody>
-          <a:bodyPr/>
-          <a:lstStyle/>
-          <a:p>
-            <a:pPr marL="0" lvl="0" indent="0" algn="ctr" rtl="0">
-              <a:spcBef>
-                <a:spcPts val="0"/>
-              </a:spcBef>
-              <a:spcAft>
-                <a:spcPts val="0"/>
-              </a:spcAft>
-              <a:buNone/>
-            </a:pPr>
-            <a:fld id="{00000000-1234-1234-1234-123412341234}" type="slidenum">
-              <a:rPr lang="en" smtClean="0"/>
-              <a:t>26</a:t>
             </a:fld>
             <a:endParaRPr lang="en" dirty="0"/>
           </a:p>
@@ -20879,7 +17205,7 @@
 </p:sld>
 </file>
 
-<file path=ppt/slides/slide27.xml><?xml version="1.0" encoding="utf-8"?>
+<file path=ppt/slides/slide21.xml><?xml version="1.0" encoding="utf-8"?>
 <p:sld xmlns:a="http://schemas.openxmlformats.org/drawingml/2006/main" xmlns:r="http://schemas.openxmlformats.org/officeDocument/2006/relationships" xmlns:p="http://schemas.openxmlformats.org/presentationml/2006/main">
   <p:cSld>
     <p:spTree>
@@ -20922,7 +17248,7 @@
             </a:pPr>
             <a:fld id="{00000000-1234-1234-1234-123412341234}" type="slidenum">
               <a:rPr lang="en" smtClean="0"/>
-              <a:t>27</a:t>
+              <a:t>21</a:t>
             </a:fld>
             <a:endParaRPr lang="en"/>
           </a:p>
@@ -22788,7 +19114,7 @@
 </p:sld>
 </file>
 
-<file path=ppt/slides/slide28.xml><?xml version="1.0" encoding="utf-8"?>
+<file path=ppt/slides/slide22.xml><?xml version="1.0" encoding="utf-8"?>
 <p:sld xmlns:a="http://schemas.openxmlformats.org/drawingml/2006/main" xmlns:r="http://schemas.openxmlformats.org/officeDocument/2006/relationships" xmlns:p="http://schemas.openxmlformats.org/presentationml/2006/main">
   <p:cSld>
     <p:spTree>
@@ -22831,7 +19157,7 @@
             </a:pPr>
             <a:fld id="{00000000-1234-1234-1234-123412341234}" type="slidenum">
               <a:rPr lang="en" smtClean="0"/>
-              <a:t>28</a:t>
+              <a:t>22</a:t>
             </a:fld>
             <a:endParaRPr lang="en"/>
           </a:p>
@@ -23676,7 +20002,7 @@
 </p:sld>
 </file>
 
-<file path=ppt/slides/slide29.xml><?xml version="1.0" encoding="utf-8"?>
+<file path=ppt/slides/slide23.xml><?xml version="1.0" encoding="utf-8"?>
 <p:sld xmlns:a="http://schemas.openxmlformats.org/drawingml/2006/main" xmlns:r="http://schemas.openxmlformats.org/officeDocument/2006/relationships" xmlns:p="http://schemas.openxmlformats.org/presentationml/2006/main">
   <p:cSld>
     <p:spTree>
@@ -23719,7 +20045,7 @@
             </a:pPr>
             <a:fld id="{00000000-1234-1234-1234-123412341234}" type="slidenum">
               <a:rPr lang="en" smtClean="0"/>
-              <a:t>29</a:t>
+              <a:t>23</a:t>
             </a:fld>
             <a:endParaRPr lang="en"/>
           </a:p>
@@ -25492,1952 +21818,7 @@
 </p:sld>
 </file>
 
-<file path=ppt/slides/slide3.xml><?xml version="1.0" encoding="utf-8"?>
-<p:sld xmlns:a="http://schemas.openxmlformats.org/drawingml/2006/main" xmlns:r="http://schemas.openxmlformats.org/officeDocument/2006/relationships" xmlns:p="http://schemas.openxmlformats.org/presentationml/2006/main">
-  <p:cSld>
-    <p:spTree>
-      <p:nvGrpSpPr>
-        <p:cNvPr id="1" name="Shape 342"/>
-        <p:cNvGrpSpPr/>
-        <p:nvPr/>
-      </p:nvGrpSpPr>
-      <p:grpSpPr>
-        <a:xfrm>
-          <a:off x="0" y="0"/>
-          <a:ext cx="0" cy="0"/>
-          <a:chOff x="0" y="0"/>
-          <a:chExt cx="0" cy="0"/>
-        </a:xfrm>
-      </p:grpSpPr>
-      <p:sp>
-        <p:nvSpPr>
-          <p:cNvPr id="24" name="Google Shape;70;p12"/>
-          <p:cNvSpPr txBox="1">
-            <a:spLocks/>
-          </p:cNvSpPr>
-          <p:nvPr/>
-        </p:nvSpPr>
-        <p:spPr>
-          <a:xfrm>
-            <a:off x="564477" y="159327"/>
-            <a:ext cx="4416232" cy="727363"/>
-          </a:xfrm>
-          <a:prstGeom prst="rect">
-            <a:avLst/>
-          </a:prstGeom>
-          <a:noFill/>
-          <a:ln>
-            <a:noFill/>
-          </a:ln>
-        </p:spPr>
-        <p:txBody>
-          <a:bodyPr spcFirstLastPara="1" wrap="square" lIns="91425" tIns="91425" rIns="91425" bIns="91425" anchor="ctr" anchorCtr="0">
-            <a:noAutofit/>
-          </a:bodyPr>
-          <a:lstStyle>
-            <a:defPPr marR="0" lvl="0" algn="l" rtl="0">
-              <a:lnSpc>
-                <a:spcPct val="100000"/>
-              </a:lnSpc>
-              <a:spcBef>
-                <a:spcPts val="0"/>
-              </a:spcBef>
-              <a:spcAft>
-                <a:spcPts val="0"/>
-              </a:spcAft>
-            </a:defPPr>
-            <a:lvl1pPr marR="0" lvl="0" algn="l" rtl="0">
-              <a:lnSpc>
-                <a:spcPct val="100000"/>
-              </a:lnSpc>
-              <a:spcBef>
-                <a:spcPts val="0"/>
-              </a:spcBef>
-              <a:spcAft>
-                <a:spcPts val="0"/>
-              </a:spcAft>
-              <a:buClr>
-                <a:schemeClr val="accent1"/>
-              </a:buClr>
-              <a:buSzPts val="4400"/>
-              <a:buFont typeface="Roboto Slab"/>
-              <a:buNone/>
-              <a:defRPr sz="4400" b="1" i="0" u="none" strike="noStrike" cap="none">
-                <a:solidFill>
-                  <a:schemeClr val="accent1"/>
-                </a:solidFill>
-                <a:latin typeface="Roboto Slab"/>
-                <a:ea typeface="Roboto Slab"/>
-                <a:cs typeface="Roboto Slab"/>
-                <a:sym typeface="Roboto Slab"/>
-              </a:defRPr>
-            </a:lvl1pPr>
-            <a:lvl2pPr marR="0" lvl="1" algn="l" rtl="0">
-              <a:lnSpc>
-                <a:spcPct val="100000"/>
-              </a:lnSpc>
-              <a:spcBef>
-                <a:spcPts val="0"/>
-              </a:spcBef>
-              <a:spcAft>
-                <a:spcPts val="0"/>
-              </a:spcAft>
-              <a:buClr>
-                <a:schemeClr val="accent1"/>
-              </a:buClr>
-              <a:buSzPts val="4400"/>
-              <a:buFont typeface="Roboto Slab"/>
-              <a:buNone/>
-              <a:defRPr sz="4400" b="1" i="0" u="none" strike="noStrike" cap="none">
-                <a:solidFill>
-                  <a:schemeClr val="accent1"/>
-                </a:solidFill>
-                <a:latin typeface="Roboto Slab"/>
-                <a:ea typeface="Roboto Slab"/>
-                <a:cs typeface="Roboto Slab"/>
-                <a:sym typeface="Roboto Slab"/>
-              </a:defRPr>
-            </a:lvl2pPr>
-            <a:lvl3pPr marR="0" lvl="2" algn="l" rtl="0">
-              <a:lnSpc>
-                <a:spcPct val="100000"/>
-              </a:lnSpc>
-              <a:spcBef>
-                <a:spcPts val="0"/>
-              </a:spcBef>
-              <a:spcAft>
-                <a:spcPts val="0"/>
-              </a:spcAft>
-              <a:buClr>
-                <a:schemeClr val="accent1"/>
-              </a:buClr>
-              <a:buSzPts val="4400"/>
-              <a:buFont typeface="Roboto Slab"/>
-              <a:buNone/>
-              <a:defRPr sz="4400" b="1" i="0" u="none" strike="noStrike" cap="none">
-                <a:solidFill>
-                  <a:schemeClr val="accent1"/>
-                </a:solidFill>
-                <a:latin typeface="Roboto Slab"/>
-                <a:ea typeface="Roboto Slab"/>
-                <a:cs typeface="Roboto Slab"/>
-                <a:sym typeface="Roboto Slab"/>
-              </a:defRPr>
-            </a:lvl3pPr>
-            <a:lvl4pPr marR="0" lvl="3" algn="l" rtl="0">
-              <a:lnSpc>
-                <a:spcPct val="100000"/>
-              </a:lnSpc>
-              <a:spcBef>
-                <a:spcPts val="0"/>
-              </a:spcBef>
-              <a:spcAft>
-                <a:spcPts val="0"/>
-              </a:spcAft>
-              <a:buClr>
-                <a:schemeClr val="accent1"/>
-              </a:buClr>
-              <a:buSzPts val="4400"/>
-              <a:buFont typeface="Roboto Slab"/>
-              <a:buNone/>
-              <a:defRPr sz="4400" b="1" i="0" u="none" strike="noStrike" cap="none">
-                <a:solidFill>
-                  <a:schemeClr val="accent1"/>
-                </a:solidFill>
-                <a:latin typeface="Roboto Slab"/>
-                <a:ea typeface="Roboto Slab"/>
-                <a:cs typeface="Roboto Slab"/>
-                <a:sym typeface="Roboto Slab"/>
-              </a:defRPr>
-            </a:lvl4pPr>
-            <a:lvl5pPr marR="0" lvl="4" algn="l" rtl="0">
-              <a:lnSpc>
-                <a:spcPct val="100000"/>
-              </a:lnSpc>
-              <a:spcBef>
-                <a:spcPts val="0"/>
-              </a:spcBef>
-              <a:spcAft>
-                <a:spcPts val="0"/>
-              </a:spcAft>
-              <a:buClr>
-                <a:schemeClr val="accent1"/>
-              </a:buClr>
-              <a:buSzPts val="4400"/>
-              <a:buFont typeface="Roboto Slab"/>
-              <a:buNone/>
-              <a:defRPr sz="4400" b="1" i="0" u="none" strike="noStrike" cap="none">
-                <a:solidFill>
-                  <a:schemeClr val="accent1"/>
-                </a:solidFill>
-                <a:latin typeface="Roboto Slab"/>
-                <a:ea typeface="Roboto Slab"/>
-                <a:cs typeface="Roboto Slab"/>
-                <a:sym typeface="Roboto Slab"/>
-              </a:defRPr>
-            </a:lvl5pPr>
-            <a:lvl6pPr marR="0" lvl="5" algn="l" rtl="0">
-              <a:lnSpc>
-                <a:spcPct val="100000"/>
-              </a:lnSpc>
-              <a:spcBef>
-                <a:spcPts val="0"/>
-              </a:spcBef>
-              <a:spcAft>
-                <a:spcPts val="0"/>
-              </a:spcAft>
-              <a:buClr>
-                <a:schemeClr val="accent1"/>
-              </a:buClr>
-              <a:buSzPts val="4400"/>
-              <a:buFont typeface="Roboto Slab"/>
-              <a:buNone/>
-              <a:defRPr sz="4400" b="1" i="0" u="none" strike="noStrike" cap="none">
-                <a:solidFill>
-                  <a:schemeClr val="accent1"/>
-                </a:solidFill>
-                <a:latin typeface="Roboto Slab"/>
-                <a:ea typeface="Roboto Slab"/>
-                <a:cs typeface="Roboto Slab"/>
-                <a:sym typeface="Roboto Slab"/>
-              </a:defRPr>
-            </a:lvl6pPr>
-            <a:lvl7pPr marR="0" lvl="6" algn="l" rtl="0">
-              <a:lnSpc>
-                <a:spcPct val="100000"/>
-              </a:lnSpc>
-              <a:spcBef>
-                <a:spcPts val="0"/>
-              </a:spcBef>
-              <a:spcAft>
-                <a:spcPts val="0"/>
-              </a:spcAft>
-              <a:buClr>
-                <a:schemeClr val="accent1"/>
-              </a:buClr>
-              <a:buSzPts val="4400"/>
-              <a:buFont typeface="Roboto Slab"/>
-              <a:buNone/>
-              <a:defRPr sz="4400" b="1" i="0" u="none" strike="noStrike" cap="none">
-                <a:solidFill>
-                  <a:schemeClr val="accent1"/>
-                </a:solidFill>
-                <a:latin typeface="Roboto Slab"/>
-                <a:ea typeface="Roboto Slab"/>
-                <a:cs typeface="Roboto Slab"/>
-                <a:sym typeface="Roboto Slab"/>
-              </a:defRPr>
-            </a:lvl7pPr>
-            <a:lvl8pPr marR="0" lvl="7" algn="l" rtl="0">
-              <a:lnSpc>
-                <a:spcPct val="100000"/>
-              </a:lnSpc>
-              <a:spcBef>
-                <a:spcPts val="0"/>
-              </a:spcBef>
-              <a:spcAft>
-                <a:spcPts val="0"/>
-              </a:spcAft>
-              <a:buClr>
-                <a:schemeClr val="accent1"/>
-              </a:buClr>
-              <a:buSzPts val="4400"/>
-              <a:buFont typeface="Roboto Slab"/>
-              <a:buNone/>
-              <a:defRPr sz="4400" b="1" i="0" u="none" strike="noStrike" cap="none">
-                <a:solidFill>
-                  <a:schemeClr val="accent1"/>
-                </a:solidFill>
-                <a:latin typeface="Roboto Slab"/>
-                <a:ea typeface="Roboto Slab"/>
-                <a:cs typeface="Roboto Slab"/>
-                <a:sym typeface="Roboto Slab"/>
-              </a:defRPr>
-            </a:lvl8pPr>
-            <a:lvl9pPr marR="0" lvl="8" algn="l" rtl="0">
-              <a:lnSpc>
-                <a:spcPct val="100000"/>
-              </a:lnSpc>
-              <a:spcBef>
-                <a:spcPts val="0"/>
-              </a:spcBef>
-              <a:spcAft>
-                <a:spcPts val="0"/>
-              </a:spcAft>
-              <a:buClr>
-                <a:schemeClr val="accent1"/>
-              </a:buClr>
-              <a:buSzPts val="4400"/>
-              <a:buFont typeface="Roboto Slab"/>
-              <a:buNone/>
-              <a:defRPr sz="4400" b="1" i="0" u="none" strike="noStrike" cap="none">
-                <a:solidFill>
-                  <a:schemeClr val="accent1"/>
-                </a:solidFill>
-                <a:latin typeface="Roboto Slab"/>
-                <a:ea typeface="Roboto Slab"/>
-                <a:cs typeface="Roboto Slab"/>
-                <a:sym typeface="Roboto Slab"/>
-              </a:defRPr>
-            </a:lvl9pPr>
-          </a:lstStyle>
-          <a:p>
-            <a:r>
-              <a:rPr lang="en-US" sz="2000" dirty="0" smtClean="0"/>
-              <a:t>1. TỔNG QUAN VỀ ĐỀ TÀI </a:t>
-            </a:r>
-            <a:endParaRPr lang="vi-VN" sz="2000" dirty="0"/>
-          </a:p>
-        </p:txBody>
-      </p:sp>
-      <p:sp>
-        <p:nvSpPr>
-          <p:cNvPr id="25" name="Google Shape;70;p12"/>
-          <p:cNvSpPr txBox="1">
-            <a:spLocks/>
-          </p:cNvSpPr>
-          <p:nvPr/>
-        </p:nvSpPr>
-        <p:spPr>
-          <a:xfrm>
-            <a:off x="789707" y="628916"/>
-            <a:ext cx="4191002" cy="465593"/>
-          </a:xfrm>
-          <a:prstGeom prst="rect">
-            <a:avLst/>
-          </a:prstGeom>
-          <a:noFill/>
-          <a:ln>
-            <a:noFill/>
-          </a:ln>
-        </p:spPr>
-        <p:txBody>
-          <a:bodyPr spcFirstLastPara="1" wrap="square" lIns="91425" tIns="91425" rIns="91425" bIns="91425" anchor="ctr" anchorCtr="0">
-            <a:noAutofit/>
-          </a:bodyPr>
-          <a:lstStyle>
-            <a:defPPr marR="0" lvl="0" algn="l" rtl="0">
-              <a:lnSpc>
-                <a:spcPct val="100000"/>
-              </a:lnSpc>
-              <a:spcBef>
-                <a:spcPts val="0"/>
-              </a:spcBef>
-              <a:spcAft>
-                <a:spcPts val="0"/>
-              </a:spcAft>
-            </a:defPPr>
-            <a:lvl1pPr marR="0" lvl="0" algn="l" rtl="0">
-              <a:lnSpc>
-                <a:spcPct val="100000"/>
-              </a:lnSpc>
-              <a:spcBef>
-                <a:spcPts val="0"/>
-              </a:spcBef>
-              <a:spcAft>
-                <a:spcPts val="0"/>
-              </a:spcAft>
-              <a:buClr>
-                <a:schemeClr val="accent1"/>
-              </a:buClr>
-              <a:buSzPts val="4400"/>
-              <a:buFont typeface="Roboto Slab"/>
-              <a:buNone/>
-              <a:defRPr sz="4400" b="1" i="0" u="none" strike="noStrike" cap="none">
-                <a:solidFill>
-                  <a:schemeClr val="accent1"/>
-                </a:solidFill>
-                <a:latin typeface="Roboto Slab"/>
-                <a:ea typeface="Roboto Slab"/>
-                <a:cs typeface="Roboto Slab"/>
-                <a:sym typeface="Roboto Slab"/>
-              </a:defRPr>
-            </a:lvl1pPr>
-            <a:lvl2pPr marR="0" lvl="1" algn="l" rtl="0">
-              <a:lnSpc>
-                <a:spcPct val="100000"/>
-              </a:lnSpc>
-              <a:spcBef>
-                <a:spcPts val="0"/>
-              </a:spcBef>
-              <a:spcAft>
-                <a:spcPts val="0"/>
-              </a:spcAft>
-              <a:buClr>
-                <a:schemeClr val="accent1"/>
-              </a:buClr>
-              <a:buSzPts val="4400"/>
-              <a:buFont typeface="Roboto Slab"/>
-              <a:buNone/>
-              <a:defRPr sz="4400" b="1" i="0" u="none" strike="noStrike" cap="none">
-                <a:solidFill>
-                  <a:schemeClr val="accent1"/>
-                </a:solidFill>
-                <a:latin typeface="Roboto Slab"/>
-                <a:ea typeface="Roboto Slab"/>
-                <a:cs typeface="Roboto Slab"/>
-                <a:sym typeface="Roboto Slab"/>
-              </a:defRPr>
-            </a:lvl2pPr>
-            <a:lvl3pPr marR="0" lvl="2" algn="l" rtl="0">
-              <a:lnSpc>
-                <a:spcPct val="100000"/>
-              </a:lnSpc>
-              <a:spcBef>
-                <a:spcPts val="0"/>
-              </a:spcBef>
-              <a:spcAft>
-                <a:spcPts val="0"/>
-              </a:spcAft>
-              <a:buClr>
-                <a:schemeClr val="accent1"/>
-              </a:buClr>
-              <a:buSzPts val="4400"/>
-              <a:buFont typeface="Roboto Slab"/>
-              <a:buNone/>
-              <a:defRPr sz="4400" b="1" i="0" u="none" strike="noStrike" cap="none">
-                <a:solidFill>
-                  <a:schemeClr val="accent1"/>
-                </a:solidFill>
-                <a:latin typeface="Roboto Slab"/>
-                <a:ea typeface="Roboto Slab"/>
-                <a:cs typeface="Roboto Slab"/>
-                <a:sym typeface="Roboto Slab"/>
-              </a:defRPr>
-            </a:lvl3pPr>
-            <a:lvl4pPr marR="0" lvl="3" algn="l" rtl="0">
-              <a:lnSpc>
-                <a:spcPct val="100000"/>
-              </a:lnSpc>
-              <a:spcBef>
-                <a:spcPts val="0"/>
-              </a:spcBef>
-              <a:spcAft>
-                <a:spcPts val="0"/>
-              </a:spcAft>
-              <a:buClr>
-                <a:schemeClr val="accent1"/>
-              </a:buClr>
-              <a:buSzPts val="4400"/>
-              <a:buFont typeface="Roboto Slab"/>
-              <a:buNone/>
-              <a:defRPr sz="4400" b="1" i="0" u="none" strike="noStrike" cap="none">
-                <a:solidFill>
-                  <a:schemeClr val="accent1"/>
-                </a:solidFill>
-                <a:latin typeface="Roboto Slab"/>
-                <a:ea typeface="Roboto Slab"/>
-                <a:cs typeface="Roboto Slab"/>
-                <a:sym typeface="Roboto Slab"/>
-              </a:defRPr>
-            </a:lvl4pPr>
-            <a:lvl5pPr marR="0" lvl="4" algn="l" rtl="0">
-              <a:lnSpc>
-                <a:spcPct val="100000"/>
-              </a:lnSpc>
-              <a:spcBef>
-                <a:spcPts val="0"/>
-              </a:spcBef>
-              <a:spcAft>
-                <a:spcPts val="0"/>
-              </a:spcAft>
-              <a:buClr>
-                <a:schemeClr val="accent1"/>
-              </a:buClr>
-              <a:buSzPts val="4400"/>
-              <a:buFont typeface="Roboto Slab"/>
-              <a:buNone/>
-              <a:defRPr sz="4400" b="1" i="0" u="none" strike="noStrike" cap="none">
-                <a:solidFill>
-                  <a:schemeClr val="accent1"/>
-                </a:solidFill>
-                <a:latin typeface="Roboto Slab"/>
-                <a:ea typeface="Roboto Slab"/>
-                <a:cs typeface="Roboto Slab"/>
-                <a:sym typeface="Roboto Slab"/>
-              </a:defRPr>
-            </a:lvl5pPr>
-            <a:lvl6pPr marR="0" lvl="5" algn="l" rtl="0">
-              <a:lnSpc>
-                <a:spcPct val="100000"/>
-              </a:lnSpc>
-              <a:spcBef>
-                <a:spcPts val="0"/>
-              </a:spcBef>
-              <a:spcAft>
-                <a:spcPts val="0"/>
-              </a:spcAft>
-              <a:buClr>
-                <a:schemeClr val="accent1"/>
-              </a:buClr>
-              <a:buSzPts val="4400"/>
-              <a:buFont typeface="Roboto Slab"/>
-              <a:buNone/>
-              <a:defRPr sz="4400" b="1" i="0" u="none" strike="noStrike" cap="none">
-                <a:solidFill>
-                  <a:schemeClr val="accent1"/>
-                </a:solidFill>
-                <a:latin typeface="Roboto Slab"/>
-                <a:ea typeface="Roboto Slab"/>
-                <a:cs typeface="Roboto Slab"/>
-                <a:sym typeface="Roboto Slab"/>
-              </a:defRPr>
-            </a:lvl6pPr>
-            <a:lvl7pPr marR="0" lvl="6" algn="l" rtl="0">
-              <a:lnSpc>
-                <a:spcPct val="100000"/>
-              </a:lnSpc>
-              <a:spcBef>
-                <a:spcPts val="0"/>
-              </a:spcBef>
-              <a:spcAft>
-                <a:spcPts val="0"/>
-              </a:spcAft>
-              <a:buClr>
-                <a:schemeClr val="accent1"/>
-              </a:buClr>
-              <a:buSzPts val="4400"/>
-              <a:buFont typeface="Roboto Slab"/>
-              <a:buNone/>
-              <a:defRPr sz="4400" b="1" i="0" u="none" strike="noStrike" cap="none">
-                <a:solidFill>
-                  <a:schemeClr val="accent1"/>
-                </a:solidFill>
-                <a:latin typeface="Roboto Slab"/>
-                <a:ea typeface="Roboto Slab"/>
-                <a:cs typeface="Roboto Slab"/>
-                <a:sym typeface="Roboto Slab"/>
-              </a:defRPr>
-            </a:lvl7pPr>
-            <a:lvl8pPr marR="0" lvl="7" algn="l" rtl="0">
-              <a:lnSpc>
-                <a:spcPct val="100000"/>
-              </a:lnSpc>
-              <a:spcBef>
-                <a:spcPts val="0"/>
-              </a:spcBef>
-              <a:spcAft>
-                <a:spcPts val="0"/>
-              </a:spcAft>
-              <a:buClr>
-                <a:schemeClr val="accent1"/>
-              </a:buClr>
-              <a:buSzPts val="4400"/>
-              <a:buFont typeface="Roboto Slab"/>
-              <a:buNone/>
-              <a:defRPr sz="4400" b="1" i="0" u="none" strike="noStrike" cap="none">
-                <a:solidFill>
-                  <a:schemeClr val="accent1"/>
-                </a:solidFill>
-                <a:latin typeface="Roboto Slab"/>
-                <a:ea typeface="Roboto Slab"/>
-                <a:cs typeface="Roboto Slab"/>
-                <a:sym typeface="Roboto Slab"/>
-              </a:defRPr>
-            </a:lvl8pPr>
-            <a:lvl9pPr marR="0" lvl="8" algn="l" rtl="0">
-              <a:lnSpc>
-                <a:spcPct val="100000"/>
-              </a:lnSpc>
-              <a:spcBef>
-                <a:spcPts val="0"/>
-              </a:spcBef>
-              <a:spcAft>
-                <a:spcPts val="0"/>
-              </a:spcAft>
-              <a:buClr>
-                <a:schemeClr val="accent1"/>
-              </a:buClr>
-              <a:buSzPts val="4400"/>
-              <a:buFont typeface="Roboto Slab"/>
-              <a:buNone/>
-              <a:defRPr sz="4400" b="1" i="0" u="none" strike="noStrike" cap="none">
-                <a:solidFill>
-                  <a:schemeClr val="accent1"/>
-                </a:solidFill>
-                <a:latin typeface="Roboto Slab"/>
-                <a:ea typeface="Roboto Slab"/>
-                <a:cs typeface="Roboto Slab"/>
-                <a:sym typeface="Roboto Slab"/>
-              </a:defRPr>
-            </a:lvl9pPr>
-          </a:lstStyle>
-          <a:p>
-            <a:r>
-              <a:rPr lang="en-US" sz="1800" dirty="0" smtClean="0"/>
-              <a:t>1.1. </a:t>
-            </a:r>
-            <a:r>
-              <a:rPr lang="en-US" sz="1800" dirty="0" err="1" smtClean="0"/>
-              <a:t>Giới</a:t>
-            </a:r>
-            <a:r>
-              <a:rPr lang="en-US" sz="1800" dirty="0" smtClean="0"/>
-              <a:t> </a:t>
-            </a:r>
-            <a:r>
-              <a:rPr lang="en-US" sz="1800" dirty="0" err="1" smtClean="0"/>
-              <a:t>tiệu</a:t>
-            </a:r>
-            <a:r>
-              <a:rPr lang="en-US" sz="1800" dirty="0" smtClean="0"/>
-              <a:t> </a:t>
-            </a:r>
-            <a:r>
-              <a:rPr lang="en-US" sz="1800" dirty="0" err="1" smtClean="0"/>
-              <a:t>mục</a:t>
-            </a:r>
-            <a:r>
-              <a:rPr lang="en-US" sz="1800" dirty="0" smtClean="0"/>
-              <a:t> </a:t>
-            </a:r>
-            <a:r>
-              <a:rPr lang="en-US" sz="1800" dirty="0" err="1" smtClean="0"/>
-              <a:t>tiêu</a:t>
-            </a:r>
-            <a:r>
-              <a:rPr lang="en-US" sz="1800" dirty="0" smtClean="0"/>
-              <a:t> </a:t>
-            </a:r>
-            <a:r>
-              <a:rPr lang="en-US" sz="1800" dirty="0" err="1" smtClean="0"/>
-              <a:t>đề</a:t>
-            </a:r>
-            <a:r>
-              <a:rPr lang="en-US" sz="1800" dirty="0" smtClean="0"/>
-              <a:t> </a:t>
-            </a:r>
-            <a:r>
-              <a:rPr lang="en-US" sz="1800" dirty="0" err="1" smtClean="0"/>
-              <a:t>tài</a:t>
-            </a:r>
-            <a:endParaRPr lang="vi-VN" sz="1800" dirty="0"/>
-          </a:p>
-        </p:txBody>
-      </p:sp>
-      <p:sp>
-        <p:nvSpPr>
-          <p:cNvPr id="3" name="TextBox 2"/>
-          <p:cNvSpPr txBox="1"/>
-          <p:nvPr/>
-        </p:nvSpPr>
-        <p:spPr>
-          <a:xfrm>
-            <a:off x="789707" y="1094509"/>
-            <a:ext cx="7813966" cy="307777"/>
-          </a:xfrm>
-          <a:prstGeom prst="rect">
-            <a:avLst/>
-          </a:prstGeom>
-          <a:noFill/>
-        </p:spPr>
-        <p:txBody>
-          <a:bodyPr wrap="square" rtlCol="0">
-            <a:spAutoFit/>
-          </a:bodyPr>
-          <a:lstStyle/>
-          <a:p>
-            <a:pPr marL="285750" indent="-285750">
-              <a:buFont typeface="Arial" panose="020B0604020202020204" pitchFamily="34" charset="0"/>
-              <a:buChar char="•"/>
-            </a:pPr>
-            <a:r>
-              <a:rPr lang="en-US" dirty="0" err="1" smtClean="0"/>
-              <a:t>Hệ</a:t>
-            </a:r>
-            <a:r>
-              <a:rPr lang="en-US" dirty="0" smtClean="0"/>
-              <a:t> </a:t>
-            </a:r>
-            <a:r>
-              <a:rPr lang="en-US" dirty="0" err="1" smtClean="0"/>
-              <a:t>thống</a:t>
-            </a:r>
-            <a:r>
-              <a:rPr lang="en-US" dirty="0" smtClean="0"/>
-              <a:t> </a:t>
-            </a:r>
-            <a:r>
-              <a:rPr lang="en-US" dirty="0"/>
-              <a:t>website </a:t>
-            </a:r>
-            <a:r>
-              <a:rPr lang="en-US" dirty="0" err="1"/>
-              <a:t>bán</a:t>
-            </a:r>
-            <a:r>
-              <a:rPr lang="en-US" dirty="0"/>
-              <a:t> </a:t>
-            </a:r>
-            <a:r>
-              <a:rPr lang="en-US" dirty="0" err="1"/>
-              <a:t>hàng</a:t>
-            </a:r>
-            <a:r>
-              <a:rPr lang="en-US" dirty="0"/>
-              <a:t> online </a:t>
-            </a:r>
-            <a:r>
-              <a:rPr lang="en-US" dirty="0" err="1"/>
-              <a:t>cho</a:t>
-            </a:r>
-            <a:r>
-              <a:rPr lang="en-US" dirty="0"/>
-              <a:t> </a:t>
-            </a:r>
-            <a:r>
-              <a:rPr lang="en-US" dirty="0" err="1"/>
-              <a:t>một</a:t>
-            </a:r>
-            <a:r>
-              <a:rPr lang="en-US" dirty="0"/>
-              <a:t> </a:t>
-            </a:r>
-            <a:r>
-              <a:rPr lang="en-US" dirty="0" err="1"/>
-              <a:t>cửa</a:t>
-            </a:r>
-            <a:r>
-              <a:rPr lang="en-US" dirty="0"/>
-              <a:t> </a:t>
-            </a:r>
-            <a:r>
-              <a:rPr lang="en-US" dirty="0" err="1"/>
-              <a:t>hàng</a:t>
-            </a:r>
-            <a:r>
-              <a:rPr lang="en-US" dirty="0"/>
-              <a:t> </a:t>
-            </a:r>
-            <a:r>
-              <a:rPr lang="en-US" dirty="0" err="1"/>
-              <a:t>bán</a:t>
-            </a:r>
-            <a:r>
-              <a:rPr lang="en-US" dirty="0"/>
-              <a:t> </a:t>
-            </a:r>
-            <a:r>
-              <a:rPr lang="en-US" dirty="0" err="1"/>
-              <a:t>quần</a:t>
-            </a:r>
-            <a:r>
-              <a:rPr lang="en-US" dirty="0"/>
-              <a:t> </a:t>
-            </a:r>
-            <a:r>
-              <a:rPr lang="en-US" dirty="0" err="1"/>
-              <a:t>áo</a:t>
-            </a:r>
-            <a:r>
-              <a:rPr lang="en-US" dirty="0"/>
-              <a:t> </a:t>
-            </a:r>
-            <a:r>
-              <a:rPr lang="en-US" dirty="0" err="1"/>
-              <a:t>có</a:t>
-            </a:r>
-            <a:r>
-              <a:rPr lang="en-US" dirty="0"/>
-              <a:t> </a:t>
-            </a:r>
-            <a:r>
-              <a:rPr lang="en-US" dirty="0" err="1"/>
-              <a:t>tên</a:t>
-            </a:r>
-            <a:r>
-              <a:rPr lang="en-US" dirty="0"/>
-              <a:t> </a:t>
-            </a:r>
-            <a:r>
-              <a:rPr lang="en-US" dirty="0" err="1"/>
-              <a:t>là</a:t>
-            </a:r>
-            <a:r>
-              <a:rPr lang="en-US" dirty="0"/>
-              <a:t> “</a:t>
-            </a:r>
-            <a:r>
-              <a:rPr lang="en-US" dirty="0" err="1"/>
-              <a:t>Coza</a:t>
-            </a:r>
-            <a:r>
-              <a:rPr lang="en-US" dirty="0"/>
-              <a:t> Store</a:t>
-            </a:r>
-            <a:r>
-              <a:rPr lang="en-US" dirty="0" smtClean="0"/>
-              <a:t>”</a:t>
-            </a:r>
-            <a:endParaRPr lang="en-US" dirty="0"/>
-          </a:p>
-        </p:txBody>
-      </p:sp>
-      <p:sp>
-        <p:nvSpPr>
-          <p:cNvPr id="2" name="Rectangle 1"/>
-          <p:cNvSpPr/>
-          <p:nvPr/>
-        </p:nvSpPr>
-        <p:spPr>
-          <a:xfrm>
-            <a:off x="789707" y="1463859"/>
-            <a:ext cx="4572000" cy="2400657"/>
-          </a:xfrm>
-          <a:prstGeom prst="rect">
-            <a:avLst/>
-          </a:prstGeom>
-        </p:spPr>
-        <p:txBody>
-          <a:bodyPr>
-            <a:spAutoFit/>
-          </a:bodyPr>
-          <a:lstStyle/>
-          <a:p>
-            <a:pPr lvl="0" algn="just">
-              <a:lnSpc>
-                <a:spcPct val="150000"/>
-              </a:lnSpc>
-              <a:tabLst>
-                <a:tab pos="5562600" algn="l"/>
-              </a:tabLst>
-            </a:pPr>
-            <a:r>
-              <a:rPr lang="en-US" sz="1600" b="1" dirty="0" err="1" smtClean="0">
-                <a:latin typeface="+mj-lt"/>
-                <a:ea typeface="Times New Roman" panose="02020603050405020304" pitchFamily="18" charset="0"/>
-                <a:cs typeface="Times New Roman" panose="02020603050405020304" pitchFamily="18" charset="0"/>
-              </a:rPr>
-              <a:t>Thông</a:t>
-            </a:r>
-            <a:r>
-              <a:rPr lang="en-US" sz="1600" b="1" dirty="0" smtClean="0">
-                <a:latin typeface="+mj-lt"/>
-                <a:ea typeface="Times New Roman" panose="02020603050405020304" pitchFamily="18" charset="0"/>
-                <a:cs typeface="Times New Roman" panose="02020603050405020304" pitchFamily="18" charset="0"/>
-              </a:rPr>
-              <a:t> tin </a:t>
-            </a:r>
-            <a:r>
-              <a:rPr lang="en-US" sz="1600" b="1" dirty="0" err="1" smtClean="0">
-                <a:latin typeface="+mj-lt"/>
-                <a:ea typeface="Times New Roman" panose="02020603050405020304" pitchFamily="18" charset="0"/>
-                <a:cs typeface="Times New Roman" panose="02020603050405020304" pitchFamily="18" charset="0"/>
-              </a:rPr>
-              <a:t>về</a:t>
-            </a:r>
-            <a:r>
-              <a:rPr lang="en-US" sz="1600" b="1" dirty="0" smtClean="0">
-                <a:latin typeface="+mj-lt"/>
-                <a:ea typeface="Times New Roman" panose="02020603050405020304" pitchFamily="18" charset="0"/>
-                <a:cs typeface="Times New Roman" panose="02020603050405020304" pitchFamily="18" charset="0"/>
-              </a:rPr>
-              <a:t> </a:t>
-            </a:r>
-            <a:r>
-              <a:rPr lang="en-US" sz="1600" b="1" dirty="0" err="1" smtClean="0">
-                <a:latin typeface="+mj-lt"/>
-                <a:ea typeface="Times New Roman" panose="02020603050405020304" pitchFamily="18" charset="0"/>
-                <a:cs typeface="Times New Roman" panose="02020603050405020304" pitchFamily="18" charset="0"/>
-              </a:rPr>
-              <a:t>cửa</a:t>
-            </a:r>
-            <a:r>
-              <a:rPr lang="en-US" sz="1600" b="1" dirty="0" smtClean="0">
-                <a:latin typeface="+mj-lt"/>
-                <a:ea typeface="Times New Roman" panose="02020603050405020304" pitchFamily="18" charset="0"/>
-                <a:cs typeface="Times New Roman" panose="02020603050405020304" pitchFamily="18" charset="0"/>
-              </a:rPr>
-              <a:t> </a:t>
-            </a:r>
-            <a:r>
-              <a:rPr lang="en-US" sz="1600" b="1" dirty="0" err="1" smtClean="0">
-                <a:latin typeface="+mj-lt"/>
-                <a:ea typeface="Times New Roman" panose="02020603050405020304" pitchFamily="18" charset="0"/>
-                <a:cs typeface="Times New Roman" panose="02020603050405020304" pitchFamily="18" charset="0"/>
-              </a:rPr>
-              <a:t>hàng</a:t>
-            </a:r>
-            <a:r>
-              <a:rPr lang="en-US" sz="1600" b="1" dirty="0" smtClean="0">
-                <a:latin typeface="+mj-lt"/>
-                <a:ea typeface="Times New Roman" panose="02020603050405020304" pitchFamily="18" charset="0"/>
-                <a:cs typeface="Times New Roman" panose="02020603050405020304" pitchFamily="18" charset="0"/>
-              </a:rPr>
-              <a:t>:</a:t>
-            </a:r>
-          </a:p>
-          <a:p>
-            <a:pPr marL="285750" lvl="0" indent="-285750" algn="just">
-              <a:lnSpc>
-                <a:spcPct val="150000"/>
-              </a:lnSpc>
-              <a:buFont typeface="Arial" panose="020B0604020202020204" pitchFamily="34" charset="0"/>
-              <a:buChar char="•"/>
-              <a:tabLst>
-                <a:tab pos="5562600" algn="l"/>
-              </a:tabLst>
-            </a:pPr>
-            <a:r>
-              <a:rPr lang="en-US" dirty="0" err="1" smtClean="0">
-                <a:latin typeface="+mj-lt"/>
-                <a:ea typeface="Times New Roman" panose="02020603050405020304" pitchFamily="18" charset="0"/>
-                <a:cs typeface="Times New Roman" panose="02020603050405020304" pitchFamily="18" charset="0"/>
-              </a:rPr>
-              <a:t>Địa</a:t>
-            </a:r>
-            <a:r>
-              <a:rPr lang="en-US" dirty="0" smtClean="0">
-                <a:latin typeface="+mj-lt"/>
-                <a:ea typeface="Times New Roman" panose="02020603050405020304" pitchFamily="18" charset="0"/>
-                <a:cs typeface="Times New Roman" panose="02020603050405020304" pitchFamily="18" charset="0"/>
-              </a:rPr>
-              <a:t> </a:t>
-            </a:r>
-            <a:r>
-              <a:rPr lang="en-US" dirty="0" err="1">
-                <a:latin typeface="+mj-lt"/>
-                <a:ea typeface="Times New Roman" panose="02020603050405020304" pitchFamily="18" charset="0"/>
-                <a:cs typeface="Times New Roman" panose="02020603050405020304" pitchFamily="18" charset="0"/>
-              </a:rPr>
-              <a:t>chỉ</a:t>
-            </a:r>
-            <a:r>
-              <a:rPr lang="en-US" dirty="0">
-                <a:latin typeface="+mj-lt"/>
-                <a:ea typeface="Times New Roman" panose="02020603050405020304" pitchFamily="18" charset="0"/>
-                <a:cs typeface="Times New Roman" panose="02020603050405020304" pitchFamily="18" charset="0"/>
-              </a:rPr>
-              <a:t>: 65/68/175, Ung </a:t>
-            </a:r>
-            <a:r>
-              <a:rPr lang="en-US" dirty="0" err="1">
-                <a:latin typeface="+mj-lt"/>
-                <a:ea typeface="Times New Roman" panose="02020603050405020304" pitchFamily="18" charset="0"/>
-                <a:cs typeface="Times New Roman" panose="02020603050405020304" pitchFamily="18" charset="0"/>
-              </a:rPr>
-              <a:t>Văn</a:t>
-            </a:r>
-            <a:r>
-              <a:rPr lang="en-US" dirty="0">
-                <a:latin typeface="+mj-lt"/>
-                <a:ea typeface="Times New Roman" panose="02020603050405020304" pitchFamily="18" charset="0"/>
-                <a:cs typeface="Times New Roman" panose="02020603050405020304" pitchFamily="18" charset="0"/>
-              </a:rPr>
-              <a:t> </a:t>
-            </a:r>
-            <a:r>
-              <a:rPr lang="en-US" dirty="0" err="1">
-                <a:latin typeface="+mj-lt"/>
-                <a:ea typeface="Times New Roman" panose="02020603050405020304" pitchFamily="18" charset="0"/>
-                <a:cs typeface="Times New Roman" panose="02020603050405020304" pitchFamily="18" charset="0"/>
-              </a:rPr>
-              <a:t>Khiêm</a:t>
-            </a:r>
-            <a:r>
-              <a:rPr lang="en-US" dirty="0">
-                <a:latin typeface="+mj-lt"/>
-                <a:ea typeface="Times New Roman" panose="02020603050405020304" pitchFamily="18" charset="0"/>
-                <a:cs typeface="Times New Roman" panose="02020603050405020304" pitchFamily="18" charset="0"/>
-              </a:rPr>
-              <a:t>, </a:t>
-            </a:r>
-            <a:r>
-              <a:rPr lang="en-US" dirty="0" err="1">
-                <a:latin typeface="+mj-lt"/>
-                <a:ea typeface="Times New Roman" panose="02020603050405020304" pitchFamily="18" charset="0"/>
-                <a:cs typeface="Times New Roman" panose="02020603050405020304" pitchFamily="18" charset="0"/>
-              </a:rPr>
-              <a:t>quận</a:t>
-            </a:r>
-            <a:r>
-              <a:rPr lang="en-US" dirty="0">
-                <a:latin typeface="+mj-lt"/>
-                <a:ea typeface="Times New Roman" panose="02020603050405020304" pitchFamily="18" charset="0"/>
-                <a:cs typeface="Times New Roman" panose="02020603050405020304" pitchFamily="18" charset="0"/>
-              </a:rPr>
-              <a:t> </a:t>
-            </a:r>
-            <a:r>
-              <a:rPr lang="en-US" dirty="0" err="1">
-                <a:latin typeface="+mj-lt"/>
-                <a:ea typeface="Times New Roman" panose="02020603050405020304" pitchFamily="18" charset="0"/>
-                <a:cs typeface="Times New Roman" panose="02020603050405020304" pitchFamily="18" charset="0"/>
-              </a:rPr>
-              <a:t>Bình</a:t>
-            </a:r>
-            <a:r>
-              <a:rPr lang="en-US" dirty="0">
-                <a:latin typeface="+mj-lt"/>
-                <a:ea typeface="Times New Roman" panose="02020603050405020304" pitchFamily="18" charset="0"/>
-                <a:cs typeface="Times New Roman" panose="02020603050405020304" pitchFamily="18" charset="0"/>
-              </a:rPr>
-              <a:t> </a:t>
-            </a:r>
-            <a:r>
-              <a:rPr lang="en-US" dirty="0" err="1">
-                <a:latin typeface="+mj-lt"/>
-                <a:ea typeface="Times New Roman" panose="02020603050405020304" pitchFamily="18" charset="0"/>
-                <a:cs typeface="Times New Roman" panose="02020603050405020304" pitchFamily="18" charset="0"/>
-              </a:rPr>
-              <a:t>Thạnh</a:t>
-            </a:r>
-            <a:r>
-              <a:rPr lang="en-US" dirty="0">
-                <a:latin typeface="+mj-lt"/>
-                <a:ea typeface="Times New Roman" panose="02020603050405020304" pitchFamily="18" charset="0"/>
-                <a:cs typeface="Times New Roman" panose="02020603050405020304" pitchFamily="18" charset="0"/>
-              </a:rPr>
-              <a:t>, TPHCM.</a:t>
-            </a:r>
-          </a:p>
-          <a:p>
-            <a:pPr marL="285750" lvl="0" indent="-285750" algn="just">
-              <a:lnSpc>
-                <a:spcPct val="150000"/>
-              </a:lnSpc>
-              <a:buFont typeface="Arial" panose="020B0604020202020204" pitchFamily="34" charset="0"/>
-              <a:buChar char="•"/>
-              <a:tabLst>
-                <a:tab pos="5562600" algn="l"/>
-              </a:tabLst>
-            </a:pPr>
-            <a:r>
-              <a:rPr lang="en-US" dirty="0" err="1" smtClean="0">
-                <a:latin typeface="+mj-lt"/>
-                <a:ea typeface="Times New Roman" panose="02020603050405020304" pitchFamily="18" charset="0"/>
-                <a:cs typeface="Times New Roman" panose="02020603050405020304" pitchFamily="18" charset="0"/>
-              </a:rPr>
-              <a:t>Kinh</a:t>
-            </a:r>
-            <a:r>
-              <a:rPr lang="en-US" dirty="0" smtClean="0">
-                <a:latin typeface="+mj-lt"/>
-                <a:ea typeface="Times New Roman" panose="02020603050405020304" pitchFamily="18" charset="0"/>
-                <a:cs typeface="Times New Roman" panose="02020603050405020304" pitchFamily="18" charset="0"/>
-              </a:rPr>
-              <a:t> </a:t>
-            </a:r>
-            <a:r>
-              <a:rPr lang="en-US" dirty="0" err="1">
-                <a:latin typeface="+mj-lt"/>
-                <a:ea typeface="Times New Roman" panose="02020603050405020304" pitchFamily="18" charset="0"/>
-                <a:cs typeface="Times New Roman" panose="02020603050405020304" pitchFamily="18" charset="0"/>
-              </a:rPr>
-              <a:t>doanh</a:t>
-            </a:r>
-            <a:r>
-              <a:rPr lang="en-US" dirty="0">
-                <a:latin typeface="+mj-lt"/>
-                <a:ea typeface="Times New Roman" panose="02020603050405020304" pitchFamily="18" charset="0"/>
-                <a:cs typeface="Times New Roman" panose="02020603050405020304" pitchFamily="18" charset="0"/>
-              </a:rPr>
-              <a:t> </a:t>
-            </a:r>
-            <a:r>
-              <a:rPr lang="en-US" dirty="0" err="1">
-                <a:latin typeface="+mj-lt"/>
-                <a:ea typeface="Times New Roman" panose="02020603050405020304" pitchFamily="18" charset="0"/>
-                <a:cs typeface="Times New Roman" panose="02020603050405020304" pitchFamily="18" charset="0"/>
-              </a:rPr>
-              <a:t>các</a:t>
-            </a:r>
-            <a:r>
-              <a:rPr lang="en-US" dirty="0">
-                <a:latin typeface="+mj-lt"/>
-                <a:ea typeface="Times New Roman" panose="02020603050405020304" pitchFamily="18" charset="0"/>
-                <a:cs typeface="Times New Roman" panose="02020603050405020304" pitchFamily="18" charset="0"/>
-              </a:rPr>
-              <a:t> </a:t>
-            </a:r>
-            <a:r>
-              <a:rPr lang="en-US" dirty="0" err="1">
-                <a:latin typeface="+mj-lt"/>
-                <a:ea typeface="Times New Roman" panose="02020603050405020304" pitchFamily="18" charset="0"/>
-                <a:cs typeface="Times New Roman" panose="02020603050405020304" pitchFamily="18" charset="0"/>
-              </a:rPr>
-              <a:t>mặt</a:t>
-            </a:r>
-            <a:r>
-              <a:rPr lang="en-US" dirty="0">
-                <a:latin typeface="+mj-lt"/>
-                <a:ea typeface="Times New Roman" panose="02020603050405020304" pitchFamily="18" charset="0"/>
-                <a:cs typeface="Times New Roman" panose="02020603050405020304" pitchFamily="18" charset="0"/>
-              </a:rPr>
-              <a:t> </a:t>
-            </a:r>
-            <a:r>
-              <a:rPr lang="en-US" dirty="0" err="1">
-                <a:latin typeface="+mj-lt"/>
-                <a:ea typeface="Times New Roman" panose="02020603050405020304" pitchFamily="18" charset="0"/>
-                <a:cs typeface="Times New Roman" panose="02020603050405020304" pitchFamily="18" charset="0"/>
-              </a:rPr>
-              <a:t>hàng</a:t>
-            </a:r>
-            <a:r>
-              <a:rPr lang="en-US" dirty="0">
-                <a:latin typeface="+mj-lt"/>
-                <a:ea typeface="Times New Roman" panose="02020603050405020304" pitchFamily="18" charset="0"/>
-                <a:cs typeface="Times New Roman" panose="02020603050405020304" pitchFamily="18" charset="0"/>
-              </a:rPr>
-              <a:t> </a:t>
-            </a:r>
-            <a:r>
-              <a:rPr lang="en-US" dirty="0" err="1">
-                <a:latin typeface="+mj-lt"/>
-                <a:ea typeface="Times New Roman" panose="02020603050405020304" pitchFamily="18" charset="0"/>
-                <a:cs typeface="Times New Roman" panose="02020603050405020304" pitchFamily="18" charset="0"/>
-              </a:rPr>
-              <a:t>thời</a:t>
-            </a:r>
-            <a:r>
-              <a:rPr lang="en-US" dirty="0">
-                <a:latin typeface="+mj-lt"/>
-                <a:ea typeface="Times New Roman" panose="02020603050405020304" pitchFamily="18" charset="0"/>
-                <a:cs typeface="Times New Roman" panose="02020603050405020304" pitchFamily="18" charset="0"/>
-              </a:rPr>
-              <a:t> </a:t>
-            </a:r>
-            <a:r>
-              <a:rPr lang="en-US" dirty="0" err="1">
-                <a:latin typeface="+mj-lt"/>
-                <a:ea typeface="Times New Roman" panose="02020603050405020304" pitchFamily="18" charset="0"/>
-                <a:cs typeface="Times New Roman" panose="02020603050405020304" pitchFamily="18" charset="0"/>
-              </a:rPr>
-              <a:t>trang</a:t>
-            </a:r>
-            <a:r>
-              <a:rPr lang="en-US" dirty="0">
-                <a:latin typeface="+mj-lt"/>
-                <a:ea typeface="Times New Roman" panose="02020603050405020304" pitchFamily="18" charset="0"/>
-                <a:cs typeface="Times New Roman" panose="02020603050405020304" pitchFamily="18" charset="0"/>
-              </a:rPr>
-              <a:t> </a:t>
-            </a:r>
-            <a:r>
-              <a:rPr lang="en-US" dirty="0" err="1">
-                <a:latin typeface="+mj-lt"/>
-                <a:ea typeface="Times New Roman" panose="02020603050405020304" pitchFamily="18" charset="0"/>
-                <a:cs typeface="Times New Roman" panose="02020603050405020304" pitchFamily="18" charset="0"/>
-              </a:rPr>
-              <a:t>chính</a:t>
-            </a:r>
-            <a:r>
-              <a:rPr lang="en-US" dirty="0">
-                <a:latin typeface="+mj-lt"/>
-                <a:ea typeface="Times New Roman" panose="02020603050405020304" pitchFamily="18" charset="0"/>
-                <a:cs typeface="Times New Roman" panose="02020603050405020304" pitchFamily="18" charset="0"/>
-              </a:rPr>
-              <a:t> </a:t>
-            </a:r>
-            <a:r>
-              <a:rPr lang="en-US" dirty="0" err="1">
-                <a:latin typeface="+mj-lt"/>
-                <a:ea typeface="Times New Roman" panose="02020603050405020304" pitchFamily="18" charset="0"/>
-                <a:cs typeface="Times New Roman" panose="02020603050405020304" pitchFamily="18" charset="0"/>
-              </a:rPr>
-              <a:t>như</a:t>
-            </a:r>
-            <a:r>
-              <a:rPr lang="en-US" dirty="0">
-                <a:latin typeface="+mj-lt"/>
-                <a:ea typeface="Times New Roman" panose="02020603050405020304" pitchFamily="18" charset="0"/>
-                <a:cs typeface="Times New Roman" panose="02020603050405020304" pitchFamily="18" charset="0"/>
-              </a:rPr>
-              <a:t> </a:t>
-            </a:r>
-            <a:r>
-              <a:rPr lang="en-US" dirty="0" err="1">
-                <a:latin typeface="+mj-lt"/>
-                <a:ea typeface="Times New Roman" panose="02020603050405020304" pitchFamily="18" charset="0"/>
-                <a:cs typeface="Times New Roman" panose="02020603050405020304" pitchFamily="18" charset="0"/>
-              </a:rPr>
-              <a:t>là</a:t>
-            </a:r>
-            <a:r>
-              <a:rPr lang="en-US" dirty="0">
-                <a:latin typeface="+mj-lt"/>
-                <a:ea typeface="Times New Roman" panose="02020603050405020304" pitchFamily="18" charset="0"/>
-                <a:cs typeface="Times New Roman" panose="02020603050405020304" pitchFamily="18" charset="0"/>
-              </a:rPr>
-              <a:t> </a:t>
-            </a:r>
-            <a:r>
-              <a:rPr lang="en-US" dirty="0" err="1">
-                <a:latin typeface="+mj-lt"/>
-                <a:ea typeface="Times New Roman" panose="02020603050405020304" pitchFamily="18" charset="0"/>
-                <a:cs typeface="Times New Roman" panose="02020603050405020304" pitchFamily="18" charset="0"/>
-              </a:rPr>
-              <a:t>các</a:t>
-            </a:r>
-            <a:r>
-              <a:rPr lang="en-US" dirty="0">
-                <a:latin typeface="+mj-lt"/>
-                <a:ea typeface="Times New Roman" panose="02020603050405020304" pitchFamily="18" charset="0"/>
-                <a:cs typeface="Times New Roman" panose="02020603050405020304" pitchFamily="18" charset="0"/>
-              </a:rPr>
-              <a:t> </a:t>
-            </a:r>
-            <a:r>
-              <a:rPr lang="en-US" dirty="0" err="1">
-                <a:latin typeface="+mj-lt"/>
-                <a:ea typeface="Times New Roman" panose="02020603050405020304" pitchFamily="18" charset="0"/>
-                <a:cs typeface="Times New Roman" panose="02020603050405020304" pitchFamily="18" charset="0"/>
-              </a:rPr>
-              <a:t>sản</a:t>
-            </a:r>
-            <a:r>
-              <a:rPr lang="en-US" dirty="0">
-                <a:latin typeface="+mj-lt"/>
-                <a:ea typeface="Times New Roman" panose="02020603050405020304" pitchFamily="18" charset="0"/>
-                <a:cs typeface="Times New Roman" panose="02020603050405020304" pitchFamily="18" charset="0"/>
-              </a:rPr>
-              <a:t> </a:t>
-            </a:r>
-            <a:r>
-              <a:rPr lang="en-US" dirty="0" err="1">
-                <a:latin typeface="+mj-lt"/>
-                <a:ea typeface="Times New Roman" panose="02020603050405020304" pitchFamily="18" charset="0"/>
-                <a:cs typeface="Times New Roman" panose="02020603050405020304" pitchFamily="18" charset="0"/>
-              </a:rPr>
-              <a:t>phẩm</a:t>
-            </a:r>
-            <a:r>
-              <a:rPr lang="en-US" dirty="0">
-                <a:latin typeface="+mj-lt"/>
-                <a:ea typeface="Times New Roman" panose="02020603050405020304" pitchFamily="18" charset="0"/>
-                <a:cs typeface="Times New Roman" panose="02020603050405020304" pitchFamily="18" charset="0"/>
-              </a:rPr>
-              <a:t> </a:t>
-            </a:r>
-            <a:r>
-              <a:rPr lang="en-US" dirty="0" err="1">
-                <a:latin typeface="+mj-lt"/>
-                <a:ea typeface="Times New Roman" panose="02020603050405020304" pitchFamily="18" charset="0"/>
-                <a:cs typeface="Times New Roman" panose="02020603050405020304" pitchFamily="18" charset="0"/>
-              </a:rPr>
-              <a:t>quần</a:t>
-            </a:r>
-            <a:r>
-              <a:rPr lang="en-US" dirty="0">
-                <a:latin typeface="+mj-lt"/>
-                <a:ea typeface="Times New Roman" panose="02020603050405020304" pitchFamily="18" charset="0"/>
-                <a:cs typeface="Times New Roman" panose="02020603050405020304" pitchFamily="18" charset="0"/>
-              </a:rPr>
-              <a:t> </a:t>
-            </a:r>
-            <a:r>
-              <a:rPr lang="en-US" dirty="0" err="1">
-                <a:latin typeface="+mj-lt"/>
-                <a:ea typeface="Times New Roman" panose="02020603050405020304" pitchFamily="18" charset="0"/>
-                <a:cs typeface="Times New Roman" panose="02020603050405020304" pitchFamily="18" charset="0"/>
-              </a:rPr>
-              <a:t>áo</a:t>
-            </a:r>
-            <a:r>
-              <a:rPr lang="en-US" dirty="0">
-                <a:latin typeface="+mj-lt"/>
-                <a:ea typeface="Times New Roman" panose="02020603050405020304" pitchFamily="18" charset="0"/>
-                <a:cs typeface="Times New Roman" panose="02020603050405020304" pitchFamily="18" charset="0"/>
-              </a:rPr>
-              <a:t>.</a:t>
-            </a:r>
-          </a:p>
-          <a:p>
-            <a:pPr marL="285750" lvl="0" indent="-285750" algn="just">
-              <a:lnSpc>
-                <a:spcPct val="150000"/>
-              </a:lnSpc>
-              <a:buFont typeface="Arial" panose="020B0604020202020204" pitchFamily="34" charset="0"/>
-              <a:buChar char="•"/>
-              <a:tabLst>
-                <a:tab pos="5562600" algn="l"/>
-              </a:tabLst>
-            </a:pPr>
-            <a:r>
-              <a:rPr lang="en-US" dirty="0" err="1">
-                <a:latin typeface="+mj-lt"/>
-                <a:ea typeface="Times New Roman" panose="02020603050405020304" pitchFamily="18" charset="0"/>
-                <a:cs typeface="Times New Roman" panose="02020603050405020304" pitchFamily="18" charset="0"/>
-              </a:rPr>
-              <a:t>Ngoài</a:t>
-            </a:r>
-            <a:r>
-              <a:rPr lang="en-US" dirty="0">
-                <a:latin typeface="+mj-lt"/>
-                <a:ea typeface="Times New Roman" panose="02020603050405020304" pitchFamily="18" charset="0"/>
-                <a:cs typeface="Times New Roman" panose="02020603050405020304" pitchFamily="18" charset="0"/>
-              </a:rPr>
-              <a:t> </a:t>
-            </a:r>
-            <a:r>
-              <a:rPr lang="en-US" dirty="0" err="1">
-                <a:latin typeface="+mj-lt"/>
-                <a:ea typeface="Times New Roman" panose="02020603050405020304" pitchFamily="18" charset="0"/>
-                <a:cs typeface="Times New Roman" panose="02020603050405020304" pitchFamily="18" charset="0"/>
-              </a:rPr>
-              <a:t>ra</a:t>
-            </a:r>
-            <a:r>
-              <a:rPr lang="en-US" dirty="0">
-                <a:latin typeface="+mj-lt"/>
-                <a:ea typeface="Times New Roman" panose="02020603050405020304" pitchFamily="18" charset="0"/>
-                <a:cs typeface="Times New Roman" panose="02020603050405020304" pitchFamily="18" charset="0"/>
-              </a:rPr>
-              <a:t> shop </a:t>
-            </a:r>
-            <a:r>
-              <a:rPr lang="en-US" dirty="0" err="1">
-                <a:latin typeface="+mj-lt"/>
-                <a:ea typeface="Times New Roman" panose="02020603050405020304" pitchFamily="18" charset="0"/>
-                <a:cs typeface="Times New Roman" panose="02020603050405020304" pitchFamily="18" charset="0"/>
-              </a:rPr>
-              <a:t>còn</a:t>
-            </a:r>
-            <a:r>
-              <a:rPr lang="en-US" dirty="0">
-                <a:latin typeface="+mj-lt"/>
-                <a:ea typeface="Times New Roman" panose="02020603050405020304" pitchFamily="18" charset="0"/>
-                <a:cs typeface="Times New Roman" panose="02020603050405020304" pitchFamily="18" charset="0"/>
-              </a:rPr>
-              <a:t> </a:t>
-            </a:r>
-            <a:r>
-              <a:rPr lang="en-US" dirty="0" err="1">
-                <a:latin typeface="+mj-lt"/>
-                <a:ea typeface="Times New Roman" panose="02020603050405020304" pitchFamily="18" charset="0"/>
-                <a:cs typeface="Times New Roman" panose="02020603050405020304" pitchFamily="18" charset="0"/>
-              </a:rPr>
-              <a:t>kinh</a:t>
-            </a:r>
-            <a:r>
-              <a:rPr lang="en-US" dirty="0">
-                <a:latin typeface="+mj-lt"/>
-                <a:ea typeface="Times New Roman" panose="02020603050405020304" pitchFamily="18" charset="0"/>
-                <a:cs typeface="Times New Roman" panose="02020603050405020304" pitchFamily="18" charset="0"/>
-              </a:rPr>
-              <a:t> </a:t>
-            </a:r>
-            <a:r>
-              <a:rPr lang="en-US" dirty="0" err="1">
-                <a:latin typeface="+mj-lt"/>
-                <a:ea typeface="Times New Roman" panose="02020603050405020304" pitchFamily="18" charset="0"/>
-                <a:cs typeface="Times New Roman" panose="02020603050405020304" pitchFamily="18" charset="0"/>
-              </a:rPr>
-              <a:t>doanh</a:t>
-            </a:r>
-            <a:r>
-              <a:rPr lang="en-US" dirty="0">
-                <a:latin typeface="+mj-lt"/>
-                <a:ea typeface="Times New Roman" panose="02020603050405020304" pitchFamily="18" charset="0"/>
-                <a:cs typeface="Times New Roman" panose="02020603050405020304" pitchFamily="18" charset="0"/>
-              </a:rPr>
-              <a:t> </a:t>
-            </a:r>
-            <a:r>
-              <a:rPr lang="en-US" dirty="0" err="1">
-                <a:latin typeface="+mj-lt"/>
-                <a:ea typeface="Times New Roman" panose="02020603050405020304" pitchFamily="18" charset="0"/>
-                <a:cs typeface="Times New Roman" panose="02020603050405020304" pitchFamily="18" charset="0"/>
-              </a:rPr>
-              <a:t>thêm</a:t>
-            </a:r>
-            <a:r>
-              <a:rPr lang="en-US" dirty="0">
-                <a:latin typeface="+mj-lt"/>
-                <a:ea typeface="Times New Roman" panose="02020603050405020304" pitchFamily="18" charset="0"/>
-                <a:cs typeface="Times New Roman" panose="02020603050405020304" pitchFamily="18" charset="0"/>
-              </a:rPr>
-              <a:t> </a:t>
-            </a:r>
-            <a:r>
-              <a:rPr lang="en-US" dirty="0" err="1">
-                <a:latin typeface="+mj-lt"/>
-                <a:ea typeface="Times New Roman" panose="02020603050405020304" pitchFamily="18" charset="0"/>
-                <a:cs typeface="Times New Roman" panose="02020603050405020304" pitchFamily="18" charset="0"/>
-              </a:rPr>
-              <a:t>về</a:t>
-            </a:r>
-            <a:r>
-              <a:rPr lang="en-US" dirty="0">
-                <a:latin typeface="+mj-lt"/>
-                <a:ea typeface="Times New Roman" panose="02020603050405020304" pitchFamily="18" charset="0"/>
-                <a:cs typeface="Times New Roman" panose="02020603050405020304" pitchFamily="18" charset="0"/>
-              </a:rPr>
-              <a:t> </a:t>
-            </a:r>
-            <a:r>
-              <a:rPr lang="en-US" dirty="0" err="1">
-                <a:latin typeface="+mj-lt"/>
-                <a:ea typeface="Times New Roman" panose="02020603050405020304" pitchFamily="18" charset="0"/>
-                <a:cs typeface="Times New Roman" panose="02020603050405020304" pitchFamily="18" charset="0"/>
-              </a:rPr>
-              <a:t>đồng</a:t>
-            </a:r>
-            <a:r>
-              <a:rPr lang="en-US" dirty="0">
-                <a:latin typeface="+mj-lt"/>
-                <a:ea typeface="Times New Roman" panose="02020603050405020304" pitchFamily="18" charset="0"/>
-                <a:cs typeface="Times New Roman" panose="02020603050405020304" pitchFamily="18" charset="0"/>
-              </a:rPr>
-              <a:t> </a:t>
-            </a:r>
-            <a:r>
-              <a:rPr lang="en-US" dirty="0" err="1">
-                <a:latin typeface="+mj-lt"/>
-                <a:ea typeface="Times New Roman" panose="02020603050405020304" pitchFamily="18" charset="0"/>
-                <a:cs typeface="Times New Roman" panose="02020603050405020304" pitchFamily="18" charset="0"/>
-              </a:rPr>
-              <a:t>hồ</a:t>
-            </a:r>
-            <a:r>
-              <a:rPr lang="en-US" dirty="0">
-                <a:latin typeface="+mj-lt"/>
-                <a:ea typeface="Times New Roman" panose="02020603050405020304" pitchFamily="18" charset="0"/>
-                <a:cs typeface="Times New Roman" panose="02020603050405020304" pitchFamily="18" charset="0"/>
-              </a:rPr>
-              <a:t>, </a:t>
-            </a:r>
-            <a:r>
-              <a:rPr lang="en-US" dirty="0" err="1">
-                <a:latin typeface="+mj-lt"/>
-                <a:ea typeface="Times New Roman" panose="02020603050405020304" pitchFamily="18" charset="0"/>
-                <a:cs typeface="Times New Roman" panose="02020603050405020304" pitchFamily="18" charset="0"/>
-              </a:rPr>
-              <a:t>giày</a:t>
-            </a:r>
-            <a:r>
-              <a:rPr lang="en-US" dirty="0">
-                <a:latin typeface="+mj-lt"/>
-                <a:ea typeface="Times New Roman" panose="02020603050405020304" pitchFamily="18" charset="0"/>
-                <a:cs typeface="Times New Roman" panose="02020603050405020304" pitchFamily="18" charset="0"/>
-              </a:rPr>
-              <a:t>, </a:t>
-            </a:r>
-            <a:r>
-              <a:rPr lang="en-US" dirty="0" err="1">
-                <a:latin typeface="+mj-lt"/>
-                <a:ea typeface="Times New Roman" panose="02020603050405020304" pitchFamily="18" charset="0"/>
-                <a:cs typeface="Times New Roman" panose="02020603050405020304" pitchFamily="18" charset="0"/>
-              </a:rPr>
-              <a:t>phụ</a:t>
-            </a:r>
-            <a:r>
-              <a:rPr lang="en-US" dirty="0">
-                <a:latin typeface="+mj-lt"/>
-                <a:ea typeface="Times New Roman" panose="02020603050405020304" pitchFamily="18" charset="0"/>
-                <a:cs typeface="Times New Roman" panose="02020603050405020304" pitchFamily="18" charset="0"/>
-              </a:rPr>
-              <a:t> </a:t>
-            </a:r>
-            <a:r>
-              <a:rPr lang="en-US" dirty="0" err="1">
-                <a:latin typeface="+mj-lt"/>
-                <a:ea typeface="Times New Roman" panose="02020603050405020304" pitchFamily="18" charset="0"/>
-                <a:cs typeface="Times New Roman" panose="02020603050405020304" pitchFamily="18" charset="0"/>
-              </a:rPr>
-              <a:t>kiện</a:t>
-            </a:r>
-            <a:r>
-              <a:rPr lang="en-US" dirty="0">
-                <a:latin typeface="+mj-lt"/>
-                <a:ea typeface="Times New Roman" panose="02020603050405020304" pitchFamily="18" charset="0"/>
-                <a:cs typeface="Times New Roman" panose="02020603050405020304" pitchFamily="18" charset="0"/>
-              </a:rPr>
-              <a:t>.</a:t>
-            </a:r>
-          </a:p>
-        </p:txBody>
-      </p:sp>
-    </p:spTree>
-  </p:cSld>
-  <p:clrMapOvr>
-    <a:masterClrMapping/>
-  </p:clrMapOvr>
-  <p:timing>
-    <p:tnLst>
-      <p:par>
-        <p:cTn id="1" dur="indefinite" restart="never" nodeType="tmRoot">
-          <p:childTnLst>
-            <p:seq concurrent="1" nextAc="seek">
-              <p:cTn id="2" dur="indefinite" nodeType="mainSeq">
-                <p:childTnLst>
-                  <p:par>
-                    <p:cTn id="3" fill="hold">
-                      <p:stCondLst>
-                        <p:cond delay="indefinite"/>
-                      </p:stCondLst>
-                      <p:childTnLst>
-                        <p:par>
-                          <p:cTn id="4" fill="hold">
-                            <p:stCondLst>
-                              <p:cond delay="0"/>
-                            </p:stCondLst>
-                            <p:childTnLst>
-                              <p:par>
-                                <p:cTn id="5" presetID="21" presetClass="entr" presetSubtype="1" fill="hold" grpId="0" nodeType="clickEffect">
-                                  <p:stCondLst>
-                                    <p:cond delay="0"/>
-                                  </p:stCondLst>
-                                  <p:childTnLst>
-                                    <p:set>
-                                      <p:cBhvr>
-                                        <p:cTn id="6" dur="1" fill="hold">
-                                          <p:stCondLst>
-                                            <p:cond delay="0"/>
-                                          </p:stCondLst>
-                                        </p:cTn>
-                                        <p:tgtEl>
-                                          <p:spTgt spid="24"/>
-                                        </p:tgtEl>
-                                        <p:attrNameLst>
-                                          <p:attrName>style.visibility</p:attrName>
-                                        </p:attrNameLst>
-                                      </p:cBhvr>
-                                      <p:to>
-                                        <p:strVal val="visible"/>
-                                      </p:to>
-                                    </p:set>
-                                    <p:animEffect transition="in" filter="wheel(1)">
-                                      <p:cBhvr>
-                                        <p:cTn id="7" dur="2000"/>
-                                        <p:tgtEl>
-                                          <p:spTgt spid="24"/>
-                                        </p:tgtEl>
-                                      </p:cBhvr>
-                                    </p:animEffect>
-                                  </p:childTnLst>
-                                </p:cTn>
-                              </p:par>
-                            </p:childTnLst>
-                          </p:cTn>
-                        </p:par>
-                      </p:childTnLst>
-                    </p:cTn>
-                  </p:par>
-                  <p:par>
-                    <p:cTn id="8" fill="hold">
-                      <p:stCondLst>
-                        <p:cond delay="indefinite"/>
-                      </p:stCondLst>
-                      <p:childTnLst>
-                        <p:par>
-                          <p:cTn id="9" fill="hold">
-                            <p:stCondLst>
-                              <p:cond delay="0"/>
-                            </p:stCondLst>
-                            <p:childTnLst>
-                              <p:par>
-                                <p:cTn id="10" presetID="14" presetClass="entr" presetSubtype="10" fill="hold" grpId="0" nodeType="clickEffect">
-                                  <p:stCondLst>
-                                    <p:cond delay="0"/>
-                                  </p:stCondLst>
-                                  <p:childTnLst>
-                                    <p:set>
-                                      <p:cBhvr>
-                                        <p:cTn id="11" dur="1" fill="hold">
-                                          <p:stCondLst>
-                                            <p:cond delay="0"/>
-                                          </p:stCondLst>
-                                        </p:cTn>
-                                        <p:tgtEl>
-                                          <p:spTgt spid="25"/>
-                                        </p:tgtEl>
-                                        <p:attrNameLst>
-                                          <p:attrName>style.visibility</p:attrName>
-                                        </p:attrNameLst>
-                                      </p:cBhvr>
-                                      <p:to>
-                                        <p:strVal val="visible"/>
-                                      </p:to>
-                                    </p:set>
-                                    <p:animEffect transition="in" filter="randombar(horizontal)">
-                                      <p:cBhvr>
-                                        <p:cTn id="12" dur="500"/>
-                                        <p:tgtEl>
-                                          <p:spTgt spid="25"/>
-                                        </p:tgtEl>
-                                      </p:cBhvr>
-                                    </p:animEffect>
-                                  </p:childTnLst>
-                                </p:cTn>
-                              </p:par>
-                            </p:childTnLst>
-                          </p:cTn>
-                        </p:par>
-                      </p:childTnLst>
-                    </p:cTn>
-                  </p:par>
-                  <p:par>
-                    <p:cTn id="13" fill="hold">
-                      <p:stCondLst>
-                        <p:cond delay="indefinite"/>
-                      </p:stCondLst>
-                      <p:childTnLst>
-                        <p:par>
-                          <p:cTn id="14" fill="hold">
-                            <p:stCondLst>
-                              <p:cond delay="0"/>
-                            </p:stCondLst>
-                            <p:childTnLst>
-                              <p:par>
-                                <p:cTn id="15" presetID="14" presetClass="entr" presetSubtype="10" fill="hold" grpId="0" nodeType="clickEffect">
-                                  <p:stCondLst>
-                                    <p:cond delay="0"/>
-                                  </p:stCondLst>
-                                  <p:childTnLst>
-                                    <p:set>
-                                      <p:cBhvr>
-                                        <p:cTn id="16" dur="1" fill="hold">
-                                          <p:stCondLst>
-                                            <p:cond delay="0"/>
-                                          </p:stCondLst>
-                                        </p:cTn>
-                                        <p:tgtEl>
-                                          <p:spTgt spid="3"/>
-                                        </p:tgtEl>
-                                        <p:attrNameLst>
-                                          <p:attrName>style.visibility</p:attrName>
-                                        </p:attrNameLst>
-                                      </p:cBhvr>
-                                      <p:to>
-                                        <p:strVal val="visible"/>
-                                      </p:to>
-                                    </p:set>
-                                    <p:animEffect transition="in" filter="randombar(horizontal)">
-                                      <p:cBhvr>
-                                        <p:cTn id="17" dur="500"/>
-                                        <p:tgtEl>
-                                          <p:spTgt spid="3"/>
-                                        </p:tgtEl>
-                                      </p:cBhvr>
-                                    </p:animEffect>
-                                  </p:childTnLst>
-                                </p:cTn>
-                              </p:par>
-                            </p:childTnLst>
-                          </p:cTn>
-                        </p:par>
-                      </p:childTnLst>
-                    </p:cTn>
-                  </p:par>
-                  <p:par>
-                    <p:cTn id="18" fill="hold">
-                      <p:stCondLst>
-                        <p:cond delay="indefinite"/>
-                      </p:stCondLst>
-                      <p:childTnLst>
-                        <p:par>
-                          <p:cTn id="19" fill="hold">
-                            <p:stCondLst>
-                              <p:cond delay="0"/>
-                            </p:stCondLst>
-                            <p:childTnLst>
-                              <p:par>
-                                <p:cTn id="20" presetID="14" presetClass="entr" presetSubtype="10" fill="hold" nodeType="clickEffect">
-                                  <p:stCondLst>
-                                    <p:cond delay="0"/>
-                                  </p:stCondLst>
-                                  <p:childTnLst>
-                                    <p:set>
-                                      <p:cBhvr>
-                                        <p:cTn id="21" dur="1" fill="hold">
-                                          <p:stCondLst>
-                                            <p:cond delay="0"/>
-                                          </p:stCondLst>
-                                        </p:cTn>
-                                        <p:tgtEl>
-                                          <p:spTgt spid="2">
-                                            <p:txEl>
-                                              <p:pRg st="0" end="0"/>
-                                            </p:txEl>
-                                          </p:spTgt>
-                                        </p:tgtEl>
-                                        <p:attrNameLst>
-                                          <p:attrName>style.visibility</p:attrName>
-                                        </p:attrNameLst>
-                                      </p:cBhvr>
-                                      <p:to>
-                                        <p:strVal val="visible"/>
-                                      </p:to>
-                                    </p:set>
-                                    <p:animEffect transition="in" filter="randombar(horizontal)">
-                                      <p:cBhvr>
-                                        <p:cTn id="22" dur="500"/>
-                                        <p:tgtEl>
-                                          <p:spTgt spid="2">
-                                            <p:txEl>
-                                              <p:pRg st="0" end="0"/>
-                                            </p:txEl>
-                                          </p:spTgt>
-                                        </p:tgtEl>
-                                      </p:cBhvr>
-                                    </p:animEffect>
-                                  </p:childTnLst>
-                                </p:cTn>
-                              </p:par>
-                            </p:childTnLst>
-                          </p:cTn>
-                        </p:par>
-                      </p:childTnLst>
-                    </p:cTn>
-                  </p:par>
-                  <p:par>
-                    <p:cTn id="23" fill="hold">
-                      <p:stCondLst>
-                        <p:cond delay="indefinite"/>
-                      </p:stCondLst>
-                      <p:childTnLst>
-                        <p:par>
-                          <p:cTn id="24" fill="hold">
-                            <p:stCondLst>
-                              <p:cond delay="0"/>
-                            </p:stCondLst>
-                            <p:childTnLst>
-                              <p:par>
-                                <p:cTn id="25" presetID="14" presetClass="entr" presetSubtype="10" fill="hold" nodeType="clickEffect">
-                                  <p:stCondLst>
-                                    <p:cond delay="0"/>
-                                  </p:stCondLst>
-                                  <p:childTnLst>
-                                    <p:set>
-                                      <p:cBhvr>
-                                        <p:cTn id="26" dur="1" fill="hold">
-                                          <p:stCondLst>
-                                            <p:cond delay="0"/>
-                                          </p:stCondLst>
-                                        </p:cTn>
-                                        <p:tgtEl>
-                                          <p:spTgt spid="2">
-                                            <p:txEl>
-                                              <p:pRg st="1" end="1"/>
-                                            </p:txEl>
-                                          </p:spTgt>
-                                        </p:tgtEl>
-                                        <p:attrNameLst>
-                                          <p:attrName>style.visibility</p:attrName>
-                                        </p:attrNameLst>
-                                      </p:cBhvr>
-                                      <p:to>
-                                        <p:strVal val="visible"/>
-                                      </p:to>
-                                    </p:set>
-                                    <p:animEffect transition="in" filter="randombar(horizontal)">
-                                      <p:cBhvr>
-                                        <p:cTn id="27" dur="500"/>
-                                        <p:tgtEl>
-                                          <p:spTgt spid="2">
-                                            <p:txEl>
-                                              <p:pRg st="1" end="1"/>
-                                            </p:txEl>
-                                          </p:spTgt>
-                                        </p:tgtEl>
-                                      </p:cBhvr>
-                                    </p:animEffect>
-                                  </p:childTnLst>
-                                </p:cTn>
-                              </p:par>
-                            </p:childTnLst>
-                          </p:cTn>
-                        </p:par>
-                      </p:childTnLst>
-                    </p:cTn>
-                  </p:par>
-                  <p:par>
-                    <p:cTn id="28" fill="hold">
-                      <p:stCondLst>
-                        <p:cond delay="indefinite"/>
-                      </p:stCondLst>
-                      <p:childTnLst>
-                        <p:par>
-                          <p:cTn id="29" fill="hold">
-                            <p:stCondLst>
-                              <p:cond delay="0"/>
-                            </p:stCondLst>
-                            <p:childTnLst>
-                              <p:par>
-                                <p:cTn id="30" presetID="14" presetClass="entr" presetSubtype="10" fill="hold" nodeType="clickEffect">
-                                  <p:stCondLst>
-                                    <p:cond delay="0"/>
-                                  </p:stCondLst>
-                                  <p:childTnLst>
-                                    <p:set>
-                                      <p:cBhvr>
-                                        <p:cTn id="31" dur="1" fill="hold">
-                                          <p:stCondLst>
-                                            <p:cond delay="0"/>
-                                          </p:stCondLst>
-                                        </p:cTn>
-                                        <p:tgtEl>
-                                          <p:spTgt spid="2">
-                                            <p:txEl>
-                                              <p:pRg st="2" end="2"/>
-                                            </p:txEl>
-                                          </p:spTgt>
-                                        </p:tgtEl>
-                                        <p:attrNameLst>
-                                          <p:attrName>style.visibility</p:attrName>
-                                        </p:attrNameLst>
-                                      </p:cBhvr>
-                                      <p:to>
-                                        <p:strVal val="visible"/>
-                                      </p:to>
-                                    </p:set>
-                                    <p:animEffect transition="in" filter="randombar(horizontal)">
-                                      <p:cBhvr>
-                                        <p:cTn id="32" dur="500"/>
-                                        <p:tgtEl>
-                                          <p:spTgt spid="2">
-                                            <p:txEl>
-                                              <p:pRg st="2" end="2"/>
-                                            </p:txEl>
-                                          </p:spTgt>
-                                        </p:tgtEl>
-                                      </p:cBhvr>
-                                    </p:animEffect>
-                                  </p:childTnLst>
-                                </p:cTn>
-                              </p:par>
-                            </p:childTnLst>
-                          </p:cTn>
-                        </p:par>
-                      </p:childTnLst>
-                    </p:cTn>
-                  </p:par>
-                  <p:par>
-                    <p:cTn id="33" fill="hold">
-                      <p:stCondLst>
-                        <p:cond delay="indefinite"/>
-                      </p:stCondLst>
-                      <p:childTnLst>
-                        <p:par>
-                          <p:cTn id="34" fill="hold">
-                            <p:stCondLst>
-                              <p:cond delay="0"/>
-                            </p:stCondLst>
-                            <p:childTnLst>
-                              <p:par>
-                                <p:cTn id="35" presetID="2" presetClass="entr" presetSubtype="4" fill="hold" nodeType="clickEffect">
-                                  <p:stCondLst>
-                                    <p:cond delay="0"/>
-                                  </p:stCondLst>
-                                  <p:childTnLst>
-                                    <p:set>
-                                      <p:cBhvr>
-                                        <p:cTn id="36" dur="1" fill="hold">
-                                          <p:stCondLst>
-                                            <p:cond delay="0"/>
-                                          </p:stCondLst>
-                                        </p:cTn>
-                                        <p:tgtEl>
-                                          <p:spTgt spid="2">
-                                            <p:txEl>
-                                              <p:pRg st="3" end="3"/>
-                                            </p:txEl>
-                                          </p:spTgt>
-                                        </p:tgtEl>
-                                        <p:attrNameLst>
-                                          <p:attrName>style.visibility</p:attrName>
-                                        </p:attrNameLst>
-                                      </p:cBhvr>
-                                      <p:to>
-                                        <p:strVal val="visible"/>
-                                      </p:to>
-                                    </p:set>
-                                    <p:anim calcmode="lin" valueType="num">
-                                      <p:cBhvr additive="base">
-                                        <p:cTn id="37" dur="500" fill="hold"/>
-                                        <p:tgtEl>
-                                          <p:spTgt spid="2">
-                                            <p:txEl>
-                                              <p:pRg st="3" end="3"/>
-                                            </p:txEl>
-                                          </p:spTgt>
-                                        </p:tgtEl>
-                                        <p:attrNameLst>
-                                          <p:attrName>ppt_x</p:attrName>
-                                        </p:attrNameLst>
-                                      </p:cBhvr>
-                                      <p:tavLst>
-                                        <p:tav tm="0">
-                                          <p:val>
-                                            <p:strVal val="#ppt_x"/>
-                                          </p:val>
-                                        </p:tav>
-                                        <p:tav tm="100000">
-                                          <p:val>
-                                            <p:strVal val="#ppt_x"/>
-                                          </p:val>
-                                        </p:tav>
-                                      </p:tavLst>
-                                    </p:anim>
-                                    <p:anim calcmode="lin" valueType="num">
-                                      <p:cBhvr additive="base">
-                                        <p:cTn id="38" dur="500" fill="hold"/>
-                                        <p:tgtEl>
-                                          <p:spTgt spid="2">
-                                            <p:txEl>
-                                              <p:pRg st="3" end="3"/>
-                                            </p:txEl>
-                                          </p:spTgt>
-                                        </p:tgtEl>
-                                        <p:attrNameLst>
-                                          <p:attrName>ppt_y</p:attrName>
-                                        </p:attrNameLst>
-                                      </p:cBhvr>
-                                      <p:tavLst>
-                                        <p:tav tm="0">
-                                          <p:val>
-                                            <p:strVal val="1+#ppt_h/2"/>
-                                          </p:val>
-                                        </p:tav>
-                                        <p:tav tm="100000">
-                                          <p:val>
-                                            <p:strVal val="#ppt_y"/>
-                                          </p:val>
-                                        </p:tav>
-                                      </p:tavLst>
-                                    </p:anim>
-                                  </p:childTnLst>
-                                </p:cTn>
-                              </p:par>
-                            </p:childTnLst>
-                          </p:cTn>
-                        </p:par>
-                      </p:childTnLst>
-                    </p:cTn>
-                  </p:par>
-                </p:childTnLst>
-              </p:cTn>
-              <p:prevCondLst>
-                <p:cond evt="onPrev" delay="0">
-                  <p:tgtEl>
-                    <p:sldTgt/>
-                  </p:tgtEl>
-                </p:cond>
-              </p:prevCondLst>
-              <p:nextCondLst>
-                <p:cond evt="onNext" delay="0">
-                  <p:tgtEl>
-                    <p:sldTgt/>
-                  </p:tgtEl>
-                </p:cond>
-              </p:nextCondLst>
-            </p:seq>
-          </p:childTnLst>
-        </p:cTn>
-      </p:par>
-    </p:tnLst>
-    <p:bldLst>
-      <p:bldP spid="24" grpId="0"/>
-      <p:bldP spid="25" grpId="0"/>
-      <p:bldP spid="3" grpId="0"/>
-    </p:bldLst>
-  </p:timing>
-</p:sld>
-</file>
-
-<file path=ppt/slides/slide30.xml><?xml version="1.0" encoding="utf-8"?>
+<file path=ppt/slides/slide24.xml><?xml version="1.0" encoding="utf-8"?>
 <p:sld xmlns:a="http://schemas.openxmlformats.org/drawingml/2006/main" xmlns:r="http://schemas.openxmlformats.org/officeDocument/2006/relationships" xmlns:p="http://schemas.openxmlformats.org/presentationml/2006/main">
   <p:cSld>
     <p:spTree>
@@ -27480,7 +21861,7 @@
             </a:pPr>
             <a:fld id="{00000000-1234-1234-1234-123412341234}" type="slidenum">
               <a:rPr lang="en" smtClean="0"/>
-              <a:t>30</a:t>
+              <a:t>24</a:t>
             </a:fld>
             <a:endParaRPr lang="en"/>
           </a:p>
@@ -29443,7 +23824,7 @@
 </p:sld>
 </file>
 
-<file path=ppt/slides/slide31.xml><?xml version="1.0" encoding="utf-8"?>
+<file path=ppt/slides/slide25.xml><?xml version="1.0" encoding="utf-8"?>
 <p:sld xmlns:a="http://schemas.openxmlformats.org/drawingml/2006/main" xmlns:r="http://schemas.openxmlformats.org/officeDocument/2006/relationships" xmlns:p="http://schemas.openxmlformats.org/presentationml/2006/main">
   <p:cSld>
     <p:spTree>
@@ -29486,7 +23867,7 @@
             </a:pPr>
             <a:fld id="{00000000-1234-1234-1234-123412341234}" type="slidenum">
               <a:rPr lang="en" smtClean="0"/>
-              <a:t>31</a:t>
+              <a:t>25</a:t>
             </a:fld>
             <a:endParaRPr lang="en" dirty="0"/>
           </a:p>
@@ -31876,7 +26257,7 @@
 </p:sld>
 </file>
 
-<file path=ppt/slides/slide32.xml><?xml version="1.0" encoding="utf-8"?>
+<file path=ppt/slides/slide26.xml><?xml version="1.0" encoding="utf-8"?>
 <p:sld xmlns:a="http://schemas.openxmlformats.org/drawingml/2006/main" xmlns:r="http://schemas.openxmlformats.org/officeDocument/2006/relationships" xmlns:p="http://schemas.openxmlformats.org/presentationml/2006/main">
   <p:cSld>
     <p:spTree>
@@ -31919,7 +26300,7 @@
             </a:pPr>
             <a:fld id="{00000000-1234-1234-1234-123412341234}" type="slidenum">
               <a:rPr lang="en" smtClean="0"/>
-              <a:t>32</a:t>
+              <a:t>26</a:t>
             </a:fld>
             <a:endParaRPr lang="en"/>
           </a:p>
@@ -32887,6 +27268,1766 @@
     </p:tnLst>
     <p:bldLst>
       <p:bldP spid="4" grpId="0"/>
+    </p:bldLst>
+  </p:timing>
+</p:sld>
+</file>
+
+<file path=ppt/slides/slide3.xml><?xml version="1.0" encoding="utf-8"?>
+<p:sld xmlns:a="http://schemas.openxmlformats.org/drawingml/2006/main" xmlns:r="http://schemas.openxmlformats.org/officeDocument/2006/relationships" xmlns:p="http://schemas.openxmlformats.org/presentationml/2006/main">
+  <p:cSld>
+    <p:spTree>
+      <p:nvGrpSpPr>
+        <p:cNvPr id="1" name="Shape 342"/>
+        <p:cNvGrpSpPr/>
+        <p:nvPr/>
+      </p:nvGrpSpPr>
+      <p:grpSpPr>
+        <a:xfrm>
+          <a:off x="0" y="0"/>
+          <a:ext cx="0" cy="0"/>
+          <a:chOff x="0" y="0"/>
+          <a:chExt cx="0" cy="0"/>
+        </a:xfrm>
+      </p:grpSpPr>
+      <p:sp>
+        <p:nvSpPr>
+          <p:cNvPr id="24" name="Google Shape;70;p12"/>
+          <p:cNvSpPr txBox="1">
+            <a:spLocks/>
+          </p:cNvSpPr>
+          <p:nvPr/>
+        </p:nvSpPr>
+        <p:spPr>
+          <a:xfrm>
+            <a:off x="564477" y="159327"/>
+            <a:ext cx="4416232" cy="727363"/>
+          </a:xfrm>
+          <a:prstGeom prst="rect">
+            <a:avLst/>
+          </a:prstGeom>
+          <a:noFill/>
+          <a:ln>
+            <a:noFill/>
+          </a:ln>
+        </p:spPr>
+        <p:txBody>
+          <a:bodyPr spcFirstLastPara="1" wrap="square" lIns="91425" tIns="91425" rIns="91425" bIns="91425" anchor="ctr" anchorCtr="0">
+            <a:noAutofit/>
+          </a:bodyPr>
+          <a:lstStyle>
+            <a:defPPr marR="0" lvl="0" algn="l" rtl="0">
+              <a:lnSpc>
+                <a:spcPct val="100000"/>
+              </a:lnSpc>
+              <a:spcBef>
+                <a:spcPts val="0"/>
+              </a:spcBef>
+              <a:spcAft>
+                <a:spcPts val="0"/>
+              </a:spcAft>
+            </a:defPPr>
+            <a:lvl1pPr marR="0" lvl="0" algn="l" rtl="0">
+              <a:lnSpc>
+                <a:spcPct val="100000"/>
+              </a:lnSpc>
+              <a:spcBef>
+                <a:spcPts val="0"/>
+              </a:spcBef>
+              <a:spcAft>
+                <a:spcPts val="0"/>
+              </a:spcAft>
+              <a:buClr>
+                <a:schemeClr val="accent1"/>
+              </a:buClr>
+              <a:buSzPts val="4400"/>
+              <a:buFont typeface="Roboto Slab"/>
+              <a:buNone/>
+              <a:defRPr sz="4400" b="1" i="0" u="none" strike="noStrike" cap="none">
+                <a:solidFill>
+                  <a:schemeClr val="accent1"/>
+                </a:solidFill>
+                <a:latin typeface="Roboto Slab"/>
+                <a:ea typeface="Roboto Slab"/>
+                <a:cs typeface="Roboto Slab"/>
+                <a:sym typeface="Roboto Slab"/>
+              </a:defRPr>
+            </a:lvl1pPr>
+            <a:lvl2pPr marR="0" lvl="1" algn="l" rtl="0">
+              <a:lnSpc>
+                <a:spcPct val="100000"/>
+              </a:lnSpc>
+              <a:spcBef>
+                <a:spcPts val="0"/>
+              </a:spcBef>
+              <a:spcAft>
+                <a:spcPts val="0"/>
+              </a:spcAft>
+              <a:buClr>
+                <a:schemeClr val="accent1"/>
+              </a:buClr>
+              <a:buSzPts val="4400"/>
+              <a:buFont typeface="Roboto Slab"/>
+              <a:buNone/>
+              <a:defRPr sz="4400" b="1" i="0" u="none" strike="noStrike" cap="none">
+                <a:solidFill>
+                  <a:schemeClr val="accent1"/>
+                </a:solidFill>
+                <a:latin typeface="Roboto Slab"/>
+                <a:ea typeface="Roboto Slab"/>
+                <a:cs typeface="Roboto Slab"/>
+                <a:sym typeface="Roboto Slab"/>
+              </a:defRPr>
+            </a:lvl2pPr>
+            <a:lvl3pPr marR="0" lvl="2" algn="l" rtl="0">
+              <a:lnSpc>
+                <a:spcPct val="100000"/>
+              </a:lnSpc>
+              <a:spcBef>
+                <a:spcPts val="0"/>
+              </a:spcBef>
+              <a:spcAft>
+                <a:spcPts val="0"/>
+              </a:spcAft>
+              <a:buClr>
+                <a:schemeClr val="accent1"/>
+              </a:buClr>
+              <a:buSzPts val="4400"/>
+              <a:buFont typeface="Roboto Slab"/>
+              <a:buNone/>
+              <a:defRPr sz="4400" b="1" i="0" u="none" strike="noStrike" cap="none">
+                <a:solidFill>
+                  <a:schemeClr val="accent1"/>
+                </a:solidFill>
+                <a:latin typeface="Roboto Slab"/>
+                <a:ea typeface="Roboto Slab"/>
+                <a:cs typeface="Roboto Slab"/>
+                <a:sym typeface="Roboto Slab"/>
+              </a:defRPr>
+            </a:lvl3pPr>
+            <a:lvl4pPr marR="0" lvl="3" algn="l" rtl="0">
+              <a:lnSpc>
+                <a:spcPct val="100000"/>
+              </a:lnSpc>
+              <a:spcBef>
+                <a:spcPts val="0"/>
+              </a:spcBef>
+              <a:spcAft>
+                <a:spcPts val="0"/>
+              </a:spcAft>
+              <a:buClr>
+                <a:schemeClr val="accent1"/>
+              </a:buClr>
+              <a:buSzPts val="4400"/>
+              <a:buFont typeface="Roboto Slab"/>
+              <a:buNone/>
+              <a:defRPr sz="4400" b="1" i="0" u="none" strike="noStrike" cap="none">
+                <a:solidFill>
+                  <a:schemeClr val="accent1"/>
+                </a:solidFill>
+                <a:latin typeface="Roboto Slab"/>
+                <a:ea typeface="Roboto Slab"/>
+                <a:cs typeface="Roboto Slab"/>
+                <a:sym typeface="Roboto Slab"/>
+              </a:defRPr>
+            </a:lvl4pPr>
+            <a:lvl5pPr marR="0" lvl="4" algn="l" rtl="0">
+              <a:lnSpc>
+                <a:spcPct val="100000"/>
+              </a:lnSpc>
+              <a:spcBef>
+                <a:spcPts val="0"/>
+              </a:spcBef>
+              <a:spcAft>
+                <a:spcPts val="0"/>
+              </a:spcAft>
+              <a:buClr>
+                <a:schemeClr val="accent1"/>
+              </a:buClr>
+              <a:buSzPts val="4400"/>
+              <a:buFont typeface="Roboto Slab"/>
+              <a:buNone/>
+              <a:defRPr sz="4400" b="1" i="0" u="none" strike="noStrike" cap="none">
+                <a:solidFill>
+                  <a:schemeClr val="accent1"/>
+                </a:solidFill>
+                <a:latin typeface="Roboto Slab"/>
+                <a:ea typeface="Roboto Slab"/>
+                <a:cs typeface="Roboto Slab"/>
+                <a:sym typeface="Roboto Slab"/>
+              </a:defRPr>
+            </a:lvl5pPr>
+            <a:lvl6pPr marR="0" lvl="5" algn="l" rtl="0">
+              <a:lnSpc>
+                <a:spcPct val="100000"/>
+              </a:lnSpc>
+              <a:spcBef>
+                <a:spcPts val="0"/>
+              </a:spcBef>
+              <a:spcAft>
+                <a:spcPts val="0"/>
+              </a:spcAft>
+              <a:buClr>
+                <a:schemeClr val="accent1"/>
+              </a:buClr>
+              <a:buSzPts val="4400"/>
+              <a:buFont typeface="Roboto Slab"/>
+              <a:buNone/>
+              <a:defRPr sz="4400" b="1" i="0" u="none" strike="noStrike" cap="none">
+                <a:solidFill>
+                  <a:schemeClr val="accent1"/>
+                </a:solidFill>
+                <a:latin typeface="Roboto Slab"/>
+                <a:ea typeface="Roboto Slab"/>
+                <a:cs typeface="Roboto Slab"/>
+                <a:sym typeface="Roboto Slab"/>
+              </a:defRPr>
+            </a:lvl6pPr>
+            <a:lvl7pPr marR="0" lvl="6" algn="l" rtl="0">
+              <a:lnSpc>
+                <a:spcPct val="100000"/>
+              </a:lnSpc>
+              <a:spcBef>
+                <a:spcPts val="0"/>
+              </a:spcBef>
+              <a:spcAft>
+                <a:spcPts val="0"/>
+              </a:spcAft>
+              <a:buClr>
+                <a:schemeClr val="accent1"/>
+              </a:buClr>
+              <a:buSzPts val="4400"/>
+              <a:buFont typeface="Roboto Slab"/>
+              <a:buNone/>
+              <a:defRPr sz="4400" b="1" i="0" u="none" strike="noStrike" cap="none">
+                <a:solidFill>
+                  <a:schemeClr val="accent1"/>
+                </a:solidFill>
+                <a:latin typeface="Roboto Slab"/>
+                <a:ea typeface="Roboto Slab"/>
+                <a:cs typeface="Roboto Slab"/>
+                <a:sym typeface="Roboto Slab"/>
+              </a:defRPr>
+            </a:lvl7pPr>
+            <a:lvl8pPr marR="0" lvl="7" algn="l" rtl="0">
+              <a:lnSpc>
+                <a:spcPct val="100000"/>
+              </a:lnSpc>
+              <a:spcBef>
+                <a:spcPts val="0"/>
+              </a:spcBef>
+              <a:spcAft>
+                <a:spcPts val="0"/>
+              </a:spcAft>
+              <a:buClr>
+                <a:schemeClr val="accent1"/>
+              </a:buClr>
+              <a:buSzPts val="4400"/>
+              <a:buFont typeface="Roboto Slab"/>
+              <a:buNone/>
+              <a:defRPr sz="4400" b="1" i="0" u="none" strike="noStrike" cap="none">
+                <a:solidFill>
+                  <a:schemeClr val="accent1"/>
+                </a:solidFill>
+                <a:latin typeface="Roboto Slab"/>
+                <a:ea typeface="Roboto Slab"/>
+                <a:cs typeface="Roboto Slab"/>
+                <a:sym typeface="Roboto Slab"/>
+              </a:defRPr>
+            </a:lvl8pPr>
+            <a:lvl9pPr marR="0" lvl="8" algn="l" rtl="0">
+              <a:lnSpc>
+                <a:spcPct val="100000"/>
+              </a:lnSpc>
+              <a:spcBef>
+                <a:spcPts val="0"/>
+              </a:spcBef>
+              <a:spcAft>
+                <a:spcPts val="0"/>
+              </a:spcAft>
+              <a:buClr>
+                <a:schemeClr val="accent1"/>
+              </a:buClr>
+              <a:buSzPts val="4400"/>
+              <a:buFont typeface="Roboto Slab"/>
+              <a:buNone/>
+              <a:defRPr sz="4400" b="1" i="0" u="none" strike="noStrike" cap="none">
+                <a:solidFill>
+                  <a:schemeClr val="accent1"/>
+                </a:solidFill>
+                <a:latin typeface="Roboto Slab"/>
+                <a:ea typeface="Roboto Slab"/>
+                <a:cs typeface="Roboto Slab"/>
+                <a:sym typeface="Roboto Slab"/>
+              </a:defRPr>
+            </a:lvl9pPr>
+          </a:lstStyle>
+          <a:p>
+            <a:r>
+              <a:rPr lang="en-US" sz="2000" dirty="0" smtClean="0"/>
+              <a:t>1. TỔNG QUAN VỀ ĐỀ TÀI </a:t>
+            </a:r>
+            <a:endParaRPr lang="vi-VN" sz="2000" dirty="0"/>
+          </a:p>
+        </p:txBody>
+      </p:sp>
+      <p:sp>
+        <p:nvSpPr>
+          <p:cNvPr id="25" name="Google Shape;70;p12"/>
+          <p:cNvSpPr txBox="1">
+            <a:spLocks/>
+          </p:cNvSpPr>
+          <p:nvPr/>
+        </p:nvSpPr>
+        <p:spPr>
+          <a:xfrm>
+            <a:off x="789707" y="628916"/>
+            <a:ext cx="4191002" cy="465593"/>
+          </a:xfrm>
+          <a:prstGeom prst="rect">
+            <a:avLst/>
+          </a:prstGeom>
+          <a:noFill/>
+          <a:ln>
+            <a:noFill/>
+          </a:ln>
+        </p:spPr>
+        <p:txBody>
+          <a:bodyPr spcFirstLastPara="1" wrap="square" lIns="91425" tIns="91425" rIns="91425" bIns="91425" anchor="ctr" anchorCtr="0">
+            <a:noAutofit/>
+          </a:bodyPr>
+          <a:lstStyle>
+            <a:defPPr marR="0" lvl="0" algn="l" rtl="0">
+              <a:lnSpc>
+                <a:spcPct val="100000"/>
+              </a:lnSpc>
+              <a:spcBef>
+                <a:spcPts val="0"/>
+              </a:spcBef>
+              <a:spcAft>
+                <a:spcPts val="0"/>
+              </a:spcAft>
+            </a:defPPr>
+            <a:lvl1pPr marR="0" lvl="0" algn="l" rtl="0">
+              <a:lnSpc>
+                <a:spcPct val="100000"/>
+              </a:lnSpc>
+              <a:spcBef>
+                <a:spcPts val="0"/>
+              </a:spcBef>
+              <a:spcAft>
+                <a:spcPts val="0"/>
+              </a:spcAft>
+              <a:buClr>
+                <a:schemeClr val="accent1"/>
+              </a:buClr>
+              <a:buSzPts val="4400"/>
+              <a:buFont typeface="Roboto Slab"/>
+              <a:buNone/>
+              <a:defRPr sz="4400" b="1" i="0" u="none" strike="noStrike" cap="none">
+                <a:solidFill>
+                  <a:schemeClr val="accent1"/>
+                </a:solidFill>
+                <a:latin typeface="Roboto Slab"/>
+                <a:ea typeface="Roboto Slab"/>
+                <a:cs typeface="Roboto Slab"/>
+                <a:sym typeface="Roboto Slab"/>
+              </a:defRPr>
+            </a:lvl1pPr>
+            <a:lvl2pPr marR="0" lvl="1" algn="l" rtl="0">
+              <a:lnSpc>
+                <a:spcPct val="100000"/>
+              </a:lnSpc>
+              <a:spcBef>
+                <a:spcPts val="0"/>
+              </a:spcBef>
+              <a:spcAft>
+                <a:spcPts val="0"/>
+              </a:spcAft>
+              <a:buClr>
+                <a:schemeClr val="accent1"/>
+              </a:buClr>
+              <a:buSzPts val="4400"/>
+              <a:buFont typeface="Roboto Slab"/>
+              <a:buNone/>
+              <a:defRPr sz="4400" b="1" i="0" u="none" strike="noStrike" cap="none">
+                <a:solidFill>
+                  <a:schemeClr val="accent1"/>
+                </a:solidFill>
+                <a:latin typeface="Roboto Slab"/>
+                <a:ea typeface="Roboto Slab"/>
+                <a:cs typeface="Roboto Slab"/>
+                <a:sym typeface="Roboto Slab"/>
+              </a:defRPr>
+            </a:lvl2pPr>
+            <a:lvl3pPr marR="0" lvl="2" algn="l" rtl="0">
+              <a:lnSpc>
+                <a:spcPct val="100000"/>
+              </a:lnSpc>
+              <a:spcBef>
+                <a:spcPts val="0"/>
+              </a:spcBef>
+              <a:spcAft>
+                <a:spcPts val="0"/>
+              </a:spcAft>
+              <a:buClr>
+                <a:schemeClr val="accent1"/>
+              </a:buClr>
+              <a:buSzPts val="4400"/>
+              <a:buFont typeface="Roboto Slab"/>
+              <a:buNone/>
+              <a:defRPr sz="4400" b="1" i="0" u="none" strike="noStrike" cap="none">
+                <a:solidFill>
+                  <a:schemeClr val="accent1"/>
+                </a:solidFill>
+                <a:latin typeface="Roboto Slab"/>
+                <a:ea typeface="Roboto Slab"/>
+                <a:cs typeface="Roboto Slab"/>
+                <a:sym typeface="Roboto Slab"/>
+              </a:defRPr>
+            </a:lvl3pPr>
+            <a:lvl4pPr marR="0" lvl="3" algn="l" rtl="0">
+              <a:lnSpc>
+                <a:spcPct val="100000"/>
+              </a:lnSpc>
+              <a:spcBef>
+                <a:spcPts val="0"/>
+              </a:spcBef>
+              <a:spcAft>
+                <a:spcPts val="0"/>
+              </a:spcAft>
+              <a:buClr>
+                <a:schemeClr val="accent1"/>
+              </a:buClr>
+              <a:buSzPts val="4400"/>
+              <a:buFont typeface="Roboto Slab"/>
+              <a:buNone/>
+              <a:defRPr sz="4400" b="1" i="0" u="none" strike="noStrike" cap="none">
+                <a:solidFill>
+                  <a:schemeClr val="accent1"/>
+                </a:solidFill>
+                <a:latin typeface="Roboto Slab"/>
+                <a:ea typeface="Roboto Slab"/>
+                <a:cs typeface="Roboto Slab"/>
+                <a:sym typeface="Roboto Slab"/>
+              </a:defRPr>
+            </a:lvl4pPr>
+            <a:lvl5pPr marR="0" lvl="4" algn="l" rtl="0">
+              <a:lnSpc>
+                <a:spcPct val="100000"/>
+              </a:lnSpc>
+              <a:spcBef>
+                <a:spcPts val="0"/>
+              </a:spcBef>
+              <a:spcAft>
+                <a:spcPts val="0"/>
+              </a:spcAft>
+              <a:buClr>
+                <a:schemeClr val="accent1"/>
+              </a:buClr>
+              <a:buSzPts val="4400"/>
+              <a:buFont typeface="Roboto Slab"/>
+              <a:buNone/>
+              <a:defRPr sz="4400" b="1" i="0" u="none" strike="noStrike" cap="none">
+                <a:solidFill>
+                  <a:schemeClr val="accent1"/>
+                </a:solidFill>
+                <a:latin typeface="Roboto Slab"/>
+                <a:ea typeface="Roboto Slab"/>
+                <a:cs typeface="Roboto Slab"/>
+                <a:sym typeface="Roboto Slab"/>
+              </a:defRPr>
+            </a:lvl5pPr>
+            <a:lvl6pPr marR="0" lvl="5" algn="l" rtl="0">
+              <a:lnSpc>
+                <a:spcPct val="100000"/>
+              </a:lnSpc>
+              <a:spcBef>
+                <a:spcPts val="0"/>
+              </a:spcBef>
+              <a:spcAft>
+                <a:spcPts val="0"/>
+              </a:spcAft>
+              <a:buClr>
+                <a:schemeClr val="accent1"/>
+              </a:buClr>
+              <a:buSzPts val="4400"/>
+              <a:buFont typeface="Roboto Slab"/>
+              <a:buNone/>
+              <a:defRPr sz="4400" b="1" i="0" u="none" strike="noStrike" cap="none">
+                <a:solidFill>
+                  <a:schemeClr val="accent1"/>
+                </a:solidFill>
+                <a:latin typeface="Roboto Slab"/>
+                <a:ea typeface="Roboto Slab"/>
+                <a:cs typeface="Roboto Slab"/>
+                <a:sym typeface="Roboto Slab"/>
+              </a:defRPr>
+            </a:lvl6pPr>
+            <a:lvl7pPr marR="0" lvl="6" algn="l" rtl="0">
+              <a:lnSpc>
+                <a:spcPct val="100000"/>
+              </a:lnSpc>
+              <a:spcBef>
+                <a:spcPts val="0"/>
+              </a:spcBef>
+              <a:spcAft>
+                <a:spcPts val="0"/>
+              </a:spcAft>
+              <a:buClr>
+                <a:schemeClr val="accent1"/>
+              </a:buClr>
+              <a:buSzPts val="4400"/>
+              <a:buFont typeface="Roboto Slab"/>
+              <a:buNone/>
+              <a:defRPr sz="4400" b="1" i="0" u="none" strike="noStrike" cap="none">
+                <a:solidFill>
+                  <a:schemeClr val="accent1"/>
+                </a:solidFill>
+                <a:latin typeface="Roboto Slab"/>
+                <a:ea typeface="Roboto Slab"/>
+                <a:cs typeface="Roboto Slab"/>
+                <a:sym typeface="Roboto Slab"/>
+              </a:defRPr>
+            </a:lvl7pPr>
+            <a:lvl8pPr marR="0" lvl="7" algn="l" rtl="0">
+              <a:lnSpc>
+                <a:spcPct val="100000"/>
+              </a:lnSpc>
+              <a:spcBef>
+                <a:spcPts val="0"/>
+              </a:spcBef>
+              <a:spcAft>
+                <a:spcPts val="0"/>
+              </a:spcAft>
+              <a:buClr>
+                <a:schemeClr val="accent1"/>
+              </a:buClr>
+              <a:buSzPts val="4400"/>
+              <a:buFont typeface="Roboto Slab"/>
+              <a:buNone/>
+              <a:defRPr sz="4400" b="1" i="0" u="none" strike="noStrike" cap="none">
+                <a:solidFill>
+                  <a:schemeClr val="accent1"/>
+                </a:solidFill>
+                <a:latin typeface="Roboto Slab"/>
+                <a:ea typeface="Roboto Slab"/>
+                <a:cs typeface="Roboto Slab"/>
+                <a:sym typeface="Roboto Slab"/>
+              </a:defRPr>
+            </a:lvl8pPr>
+            <a:lvl9pPr marR="0" lvl="8" algn="l" rtl="0">
+              <a:lnSpc>
+                <a:spcPct val="100000"/>
+              </a:lnSpc>
+              <a:spcBef>
+                <a:spcPts val="0"/>
+              </a:spcBef>
+              <a:spcAft>
+                <a:spcPts val="0"/>
+              </a:spcAft>
+              <a:buClr>
+                <a:schemeClr val="accent1"/>
+              </a:buClr>
+              <a:buSzPts val="4400"/>
+              <a:buFont typeface="Roboto Slab"/>
+              <a:buNone/>
+              <a:defRPr sz="4400" b="1" i="0" u="none" strike="noStrike" cap="none">
+                <a:solidFill>
+                  <a:schemeClr val="accent1"/>
+                </a:solidFill>
+                <a:latin typeface="Roboto Slab"/>
+                <a:ea typeface="Roboto Slab"/>
+                <a:cs typeface="Roboto Slab"/>
+                <a:sym typeface="Roboto Slab"/>
+              </a:defRPr>
+            </a:lvl9pPr>
+          </a:lstStyle>
+          <a:p>
+            <a:r>
+              <a:rPr lang="en-US" sz="1800" dirty="0" smtClean="0"/>
+              <a:t>1.1. </a:t>
+            </a:r>
+            <a:r>
+              <a:rPr lang="en-US" sz="1800" dirty="0" err="1" smtClean="0"/>
+              <a:t>Giới</a:t>
+            </a:r>
+            <a:r>
+              <a:rPr lang="en-US" sz="1800" dirty="0" smtClean="0"/>
+              <a:t> </a:t>
+            </a:r>
+            <a:r>
+              <a:rPr lang="en-US" sz="1800" dirty="0" err="1" smtClean="0"/>
+              <a:t>tiệu</a:t>
+            </a:r>
+            <a:r>
+              <a:rPr lang="en-US" sz="1800" dirty="0" smtClean="0"/>
+              <a:t> </a:t>
+            </a:r>
+            <a:r>
+              <a:rPr lang="en-US" sz="1800" dirty="0" err="1" smtClean="0"/>
+              <a:t>mục</a:t>
+            </a:r>
+            <a:r>
+              <a:rPr lang="en-US" sz="1800" dirty="0" smtClean="0"/>
+              <a:t> </a:t>
+            </a:r>
+            <a:r>
+              <a:rPr lang="en-US" sz="1800" dirty="0" err="1" smtClean="0"/>
+              <a:t>tiêu</a:t>
+            </a:r>
+            <a:r>
+              <a:rPr lang="en-US" sz="1800" dirty="0" smtClean="0"/>
+              <a:t> </a:t>
+            </a:r>
+            <a:r>
+              <a:rPr lang="en-US" sz="1800" dirty="0" err="1" smtClean="0"/>
+              <a:t>đề</a:t>
+            </a:r>
+            <a:r>
+              <a:rPr lang="en-US" sz="1800" dirty="0" smtClean="0"/>
+              <a:t> </a:t>
+            </a:r>
+            <a:r>
+              <a:rPr lang="en-US" sz="1800" dirty="0" err="1" smtClean="0"/>
+              <a:t>tài</a:t>
+            </a:r>
+            <a:endParaRPr lang="vi-VN" sz="1800" dirty="0"/>
+          </a:p>
+        </p:txBody>
+      </p:sp>
+      <p:sp>
+        <p:nvSpPr>
+          <p:cNvPr id="3" name="TextBox 2"/>
+          <p:cNvSpPr txBox="1"/>
+          <p:nvPr/>
+        </p:nvSpPr>
+        <p:spPr>
+          <a:xfrm>
+            <a:off x="789707" y="1094509"/>
+            <a:ext cx="7813966" cy="307777"/>
+          </a:xfrm>
+          <a:prstGeom prst="rect">
+            <a:avLst/>
+          </a:prstGeom>
+          <a:noFill/>
+        </p:spPr>
+        <p:txBody>
+          <a:bodyPr wrap="square" rtlCol="0">
+            <a:spAutoFit/>
+          </a:bodyPr>
+          <a:lstStyle/>
+          <a:p>
+            <a:pPr marL="285750" indent="-285750">
+              <a:buFont typeface="Arial" panose="020B0604020202020204" pitchFamily="34" charset="0"/>
+              <a:buChar char="•"/>
+            </a:pPr>
+            <a:r>
+              <a:rPr lang="en-US" dirty="0" err="1" smtClean="0"/>
+              <a:t>Hệ</a:t>
+            </a:r>
+            <a:r>
+              <a:rPr lang="en-US" dirty="0" smtClean="0"/>
+              <a:t> </a:t>
+            </a:r>
+            <a:r>
+              <a:rPr lang="en-US" dirty="0" err="1" smtClean="0"/>
+              <a:t>thống</a:t>
+            </a:r>
+            <a:r>
+              <a:rPr lang="en-US" dirty="0" smtClean="0"/>
+              <a:t> </a:t>
+            </a:r>
+            <a:r>
+              <a:rPr lang="en-US" dirty="0"/>
+              <a:t>website </a:t>
+            </a:r>
+            <a:r>
+              <a:rPr lang="en-US" dirty="0" err="1"/>
+              <a:t>bán</a:t>
+            </a:r>
+            <a:r>
+              <a:rPr lang="en-US" dirty="0"/>
+              <a:t> </a:t>
+            </a:r>
+            <a:r>
+              <a:rPr lang="en-US" dirty="0" err="1"/>
+              <a:t>hàng</a:t>
+            </a:r>
+            <a:r>
+              <a:rPr lang="en-US" dirty="0"/>
+              <a:t> online </a:t>
+            </a:r>
+            <a:r>
+              <a:rPr lang="en-US" dirty="0" err="1"/>
+              <a:t>cho</a:t>
+            </a:r>
+            <a:r>
+              <a:rPr lang="en-US" dirty="0"/>
+              <a:t> </a:t>
+            </a:r>
+            <a:r>
+              <a:rPr lang="en-US" dirty="0" err="1"/>
+              <a:t>một</a:t>
+            </a:r>
+            <a:r>
+              <a:rPr lang="en-US" dirty="0"/>
+              <a:t> </a:t>
+            </a:r>
+            <a:r>
+              <a:rPr lang="en-US" dirty="0" err="1"/>
+              <a:t>cửa</a:t>
+            </a:r>
+            <a:r>
+              <a:rPr lang="en-US" dirty="0"/>
+              <a:t> </a:t>
+            </a:r>
+            <a:r>
+              <a:rPr lang="en-US" dirty="0" err="1"/>
+              <a:t>hàng</a:t>
+            </a:r>
+            <a:r>
+              <a:rPr lang="en-US" dirty="0"/>
+              <a:t> </a:t>
+            </a:r>
+            <a:r>
+              <a:rPr lang="en-US" dirty="0" err="1"/>
+              <a:t>bán</a:t>
+            </a:r>
+            <a:r>
+              <a:rPr lang="en-US" dirty="0"/>
+              <a:t> </a:t>
+            </a:r>
+            <a:r>
+              <a:rPr lang="en-US" dirty="0" err="1"/>
+              <a:t>quần</a:t>
+            </a:r>
+            <a:r>
+              <a:rPr lang="en-US" dirty="0"/>
+              <a:t> </a:t>
+            </a:r>
+            <a:r>
+              <a:rPr lang="en-US" dirty="0" err="1"/>
+              <a:t>áo</a:t>
+            </a:r>
+            <a:r>
+              <a:rPr lang="en-US" dirty="0"/>
+              <a:t> </a:t>
+            </a:r>
+            <a:r>
+              <a:rPr lang="en-US" dirty="0" err="1"/>
+              <a:t>có</a:t>
+            </a:r>
+            <a:r>
+              <a:rPr lang="en-US" dirty="0"/>
+              <a:t> </a:t>
+            </a:r>
+            <a:r>
+              <a:rPr lang="en-US" dirty="0" err="1"/>
+              <a:t>tên</a:t>
+            </a:r>
+            <a:r>
+              <a:rPr lang="en-US" dirty="0"/>
+              <a:t> </a:t>
+            </a:r>
+            <a:r>
+              <a:rPr lang="en-US" dirty="0" err="1"/>
+              <a:t>là</a:t>
+            </a:r>
+            <a:r>
+              <a:rPr lang="en-US" dirty="0"/>
+              <a:t> “</a:t>
+            </a:r>
+            <a:r>
+              <a:rPr lang="en-US" dirty="0" err="1"/>
+              <a:t>Coza</a:t>
+            </a:r>
+            <a:r>
+              <a:rPr lang="en-US" dirty="0"/>
+              <a:t> Store</a:t>
+            </a:r>
+            <a:r>
+              <a:rPr lang="en-US" dirty="0" smtClean="0"/>
+              <a:t>”</a:t>
+            </a:r>
+            <a:endParaRPr lang="en-US" dirty="0"/>
+          </a:p>
+        </p:txBody>
+      </p:sp>
+      <p:sp>
+        <p:nvSpPr>
+          <p:cNvPr id="2" name="Rectangle 1"/>
+          <p:cNvSpPr/>
+          <p:nvPr/>
+        </p:nvSpPr>
+        <p:spPr>
+          <a:xfrm>
+            <a:off x="789707" y="1463859"/>
+            <a:ext cx="4572000" cy="1754326"/>
+          </a:xfrm>
+          <a:prstGeom prst="rect">
+            <a:avLst/>
+          </a:prstGeom>
+        </p:spPr>
+        <p:txBody>
+          <a:bodyPr>
+            <a:spAutoFit/>
+          </a:bodyPr>
+          <a:lstStyle/>
+          <a:p>
+            <a:pPr lvl="0" algn="just">
+              <a:lnSpc>
+                <a:spcPct val="150000"/>
+              </a:lnSpc>
+              <a:tabLst>
+                <a:tab pos="5562600" algn="l"/>
+              </a:tabLst>
+            </a:pPr>
+            <a:r>
+              <a:rPr lang="en-US" sz="1600" b="1" dirty="0" err="1" smtClean="0">
+                <a:latin typeface="+mj-lt"/>
+                <a:ea typeface="Times New Roman" panose="02020603050405020304" pitchFamily="18" charset="0"/>
+                <a:cs typeface="Times New Roman" panose="02020603050405020304" pitchFamily="18" charset="0"/>
+              </a:rPr>
+              <a:t>Thông</a:t>
+            </a:r>
+            <a:r>
+              <a:rPr lang="en-US" sz="1600" b="1" dirty="0" smtClean="0">
+                <a:latin typeface="+mj-lt"/>
+                <a:ea typeface="Times New Roman" panose="02020603050405020304" pitchFamily="18" charset="0"/>
+                <a:cs typeface="Times New Roman" panose="02020603050405020304" pitchFamily="18" charset="0"/>
+              </a:rPr>
+              <a:t> tin </a:t>
+            </a:r>
+            <a:r>
+              <a:rPr lang="en-US" sz="1600" b="1" dirty="0" err="1" smtClean="0">
+                <a:latin typeface="+mj-lt"/>
+                <a:ea typeface="Times New Roman" panose="02020603050405020304" pitchFamily="18" charset="0"/>
+                <a:cs typeface="Times New Roman" panose="02020603050405020304" pitchFamily="18" charset="0"/>
+              </a:rPr>
+              <a:t>về</a:t>
+            </a:r>
+            <a:r>
+              <a:rPr lang="en-US" sz="1600" b="1" dirty="0" smtClean="0">
+                <a:latin typeface="+mj-lt"/>
+                <a:ea typeface="Times New Roman" panose="02020603050405020304" pitchFamily="18" charset="0"/>
+                <a:cs typeface="Times New Roman" panose="02020603050405020304" pitchFamily="18" charset="0"/>
+              </a:rPr>
+              <a:t> </a:t>
+            </a:r>
+            <a:r>
+              <a:rPr lang="en-US" sz="1600" b="1" dirty="0" err="1" smtClean="0">
+                <a:latin typeface="+mj-lt"/>
+                <a:ea typeface="Times New Roman" panose="02020603050405020304" pitchFamily="18" charset="0"/>
+                <a:cs typeface="Times New Roman" panose="02020603050405020304" pitchFamily="18" charset="0"/>
+              </a:rPr>
+              <a:t>cửa</a:t>
+            </a:r>
+            <a:r>
+              <a:rPr lang="en-US" sz="1600" b="1" dirty="0" smtClean="0">
+                <a:latin typeface="+mj-lt"/>
+                <a:ea typeface="Times New Roman" panose="02020603050405020304" pitchFamily="18" charset="0"/>
+                <a:cs typeface="Times New Roman" panose="02020603050405020304" pitchFamily="18" charset="0"/>
+              </a:rPr>
+              <a:t> </a:t>
+            </a:r>
+            <a:r>
+              <a:rPr lang="en-US" sz="1600" b="1" dirty="0" err="1" smtClean="0">
+                <a:latin typeface="+mj-lt"/>
+                <a:ea typeface="Times New Roman" panose="02020603050405020304" pitchFamily="18" charset="0"/>
+                <a:cs typeface="Times New Roman" panose="02020603050405020304" pitchFamily="18" charset="0"/>
+              </a:rPr>
+              <a:t>hàng</a:t>
+            </a:r>
+            <a:r>
+              <a:rPr lang="en-US" sz="1600" b="1" dirty="0" smtClean="0">
+                <a:latin typeface="+mj-lt"/>
+                <a:ea typeface="Times New Roman" panose="02020603050405020304" pitchFamily="18" charset="0"/>
+                <a:cs typeface="Times New Roman" panose="02020603050405020304" pitchFamily="18" charset="0"/>
+              </a:rPr>
+              <a:t>:</a:t>
+            </a:r>
+          </a:p>
+          <a:p>
+            <a:pPr marL="285750" lvl="0" indent="-285750" algn="just">
+              <a:lnSpc>
+                <a:spcPct val="150000"/>
+              </a:lnSpc>
+              <a:buFont typeface="Arial" panose="020B0604020202020204" pitchFamily="34" charset="0"/>
+              <a:buChar char="•"/>
+              <a:tabLst>
+                <a:tab pos="5562600" algn="l"/>
+              </a:tabLst>
+            </a:pPr>
+            <a:r>
+              <a:rPr lang="en-US" dirty="0" err="1" smtClean="0">
+                <a:latin typeface="+mj-lt"/>
+                <a:ea typeface="Times New Roman" panose="02020603050405020304" pitchFamily="18" charset="0"/>
+                <a:cs typeface="Times New Roman" panose="02020603050405020304" pitchFamily="18" charset="0"/>
+              </a:rPr>
+              <a:t>Kinh</a:t>
+            </a:r>
+            <a:r>
+              <a:rPr lang="en-US" dirty="0" smtClean="0">
+                <a:latin typeface="+mj-lt"/>
+                <a:ea typeface="Times New Roman" panose="02020603050405020304" pitchFamily="18" charset="0"/>
+                <a:cs typeface="Times New Roman" panose="02020603050405020304" pitchFamily="18" charset="0"/>
+              </a:rPr>
+              <a:t> </a:t>
+            </a:r>
+            <a:r>
+              <a:rPr lang="en-US" dirty="0" err="1">
+                <a:latin typeface="+mj-lt"/>
+                <a:ea typeface="Times New Roman" panose="02020603050405020304" pitchFamily="18" charset="0"/>
+                <a:cs typeface="Times New Roman" panose="02020603050405020304" pitchFamily="18" charset="0"/>
+              </a:rPr>
+              <a:t>doanh</a:t>
+            </a:r>
+            <a:r>
+              <a:rPr lang="en-US" dirty="0">
+                <a:latin typeface="+mj-lt"/>
+                <a:ea typeface="Times New Roman" panose="02020603050405020304" pitchFamily="18" charset="0"/>
+                <a:cs typeface="Times New Roman" panose="02020603050405020304" pitchFamily="18" charset="0"/>
+              </a:rPr>
+              <a:t> </a:t>
+            </a:r>
+            <a:r>
+              <a:rPr lang="en-US" dirty="0" err="1">
+                <a:latin typeface="+mj-lt"/>
+                <a:ea typeface="Times New Roman" panose="02020603050405020304" pitchFamily="18" charset="0"/>
+                <a:cs typeface="Times New Roman" panose="02020603050405020304" pitchFamily="18" charset="0"/>
+              </a:rPr>
+              <a:t>các</a:t>
+            </a:r>
+            <a:r>
+              <a:rPr lang="en-US" dirty="0">
+                <a:latin typeface="+mj-lt"/>
+                <a:ea typeface="Times New Roman" panose="02020603050405020304" pitchFamily="18" charset="0"/>
+                <a:cs typeface="Times New Roman" panose="02020603050405020304" pitchFamily="18" charset="0"/>
+              </a:rPr>
+              <a:t> </a:t>
+            </a:r>
+            <a:r>
+              <a:rPr lang="en-US" dirty="0" err="1">
+                <a:latin typeface="+mj-lt"/>
+                <a:ea typeface="Times New Roman" panose="02020603050405020304" pitchFamily="18" charset="0"/>
+                <a:cs typeface="Times New Roman" panose="02020603050405020304" pitchFamily="18" charset="0"/>
+              </a:rPr>
+              <a:t>mặt</a:t>
+            </a:r>
+            <a:r>
+              <a:rPr lang="en-US" dirty="0">
+                <a:latin typeface="+mj-lt"/>
+                <a:ea typeface="Times New Roman" panose="02020603050405020304" pitchFamily="18" charset="0"/>
+                <a:cs typeface="Times New Roman" panose="02020603050405020304" pitchFamily="18" charset="0"/>
+              </a:rPr>
+              <a:t> </a:t>
+            </a:r>
+            <a:r>
+              <a:rPr lang="en-US" dirty="0" err="1">
+                <a:latin typeface="+mj-lt"/>
+                <a:ea typeface="Times New Roman" panose="02020603050405020304" pitchFamily="18" charset="0"/>
+                <a:cs typeface="Times New Roman" panose="02020603050405020304" pitchFamily="18" charset="0"/>
+              </a:rPr>
+              <a:t>hàng</a:t>
+            </a:r>
+            <a:r>
+              <a:rPr lang="en-US" dirty="0">
+                <a:latin typeface="+mj-lt"/>
+                <a:ea typeface="Times New Roman" panose="02020603050405020304" pitchFamily="18" charset="0"/>
+                <a:cs typeface="Times New Roman" panose="02020603050405020304" pitchFamily="18" charset="0"/>
+              </a:rPr>
+              <a:t> </a:t>
+            </a:r>
+            <a:r>
+              <a:rPr lang="en-US" dirty="0" err="1">
+                <a:latin typeface="+mj-lt"/>
+                <a:ea typeface="Times New Roman" panose="02020603050405020304" pitchFamily="18" charset="0"/>
+                <a:cs typeface="Times New Roman" panose="02020603050405020304" pitchFamily="18" charset="0"/>
+              </a:rPr>
+              <a:t>thời</a:t>
+            </a:r>
+            <a:r>
+              <a:rPr lang="en-US" dirty="0">
+                <a:latin typeface="+mj-lt"/>
+                <a:ea typeface="Times New Roman" panose="02020603050405020304" pitchFamily="18" charset="0"/>
+                <a:cs typeface="Times New Roman" panose="02020603050405020304" pitchFamily="18" charset="0"/>
+              </a:rPr>
+              <a:t> </a:t>
+            </a:r>
+            <a:r>
+              <a:rPr lang="en-US" dirty="0" err="1">
+                <a:latin typeface="+mj-lt"/>
+                <a:ea typeface="Times New Roman" panose="02020603050405020304" pitchFamily="18" charset="0"/>
+                <a:cs typeface="Times New Roman" panose="02020603050405020304" pitchFamily="18" charset="0"/>
+              </a:rPr>
+              <a:t>trang</a:t>
+            </a:r>
+            <a:r>
+              <a:rPr lang="en-US" dirty="0">
+                <a:latin typeface="+mj-lt"/>
+                <a:ea typeface="Times New Roman" panose="02020603050405020304" pitchFamily="18" charset="0"/>
+                <a:cs typeface="Times New Roman" panose="02020603050405020304" pitchFamily="18" charset="0"/>
+              </a:rPr>
+              <a:t> </a:t>
+            </a:r>
+            <a:r>
+              <a:rPr lang="en-US" dirty="0" err="1">
+                <a:latin typeface="+mj-lt"/>
+                <a:ea typeface="Times New Roman" panose="02020603050405020304" pitchFamily="18" charset="0"/>
+                <a:cs typeface="Times New Roman" panose="02020603050405020304" pitchFamily="18" charset="0"/>
+              </a:rPr>
+              <a:t>chính</a:t>
+            </a:r>
+            <a:r>
+              <a:rPr lang="en-US" dirty="0">
+                <a:latin typeface="+mj-lt"/>
+                <a:ea typeface="Times New Roman" panose="02020603050405020304" pitchFamily="18" charset="0"/>
+                <a:cs typeface="Times New Roman" panose="02020603050405020304" pitchFamily="18" charset="0"/>
+              </a:rPr>
+              <a:t> </a:t>
+            </a:r>
+            <a:r>
+              <a:rPr lang="en-US" dirty="0" err="1">
+                <a:latin typeface="+mj-lt"/>
+                <a:ea typeface="Times New Roman" panose="02020603050405020304" pitchFamily="18" charset="0"/>
+                <a:cs typeface="Times New Roman" panose="02020603050405020304" pitchFamily="18" charset="0"/>
+              </a:rPr>
+              <a:t>như</a:t>
+            </a:r>
+            <a:r>
+              <a:rPr lang="en-US" dirty="0">
+                <a:latin typeface="+mj-lt"/>
+                <a:ea typeface="Times New Roman" panose="02020603050405020304" pitchFamily="18" charset="0"/>
+                <a:cs typeface="Times New Roman" panose="02020603050405020304" pitchFamily="18" charset="0"/>
+              </a:rPr>
+              <a:t> </a:t>
+            </a:r>
+            <a:r>
+              <a:rPr lang="en-US" dirty="0" err="1">
+                <a:latin typeface="+mj-lt"/>
+                <a:ea typeface="Times New Roman" panose="02020603050405020304" pitchFamily="18" charset="0"/>
+                <a:cs typeface="Times New Roman" panose="02020603050405020304" pitchFamily="18" charset="0"/>
+              </a:rPr>
+              <a:t>là</a:t>
+            </a:r>
+            <a:r>
+              <a:rPr lang="en-US" dirty="0">
+                <a:latin typeface="+mj-lt"/>
+                <a:ea typeface="Times New Roman" panose="02020603050405020304" pitchFamily="18" charset="0"/>
+                <a:cs typeface="Times New Roman" panose="02020603050405020304" pitchFamily="18" charset="0"/>
+              </a:rPr>
+              <a:t> </a:t>
+            </a:r>
+            <a:r>
+              <a:rPr lang="en-US" dirty="0" err="1">
+                <a:latin typeface="+mj-lt"/>
+                <a:ea typeface="Times New Roman" panose="02020603050405020304" pitchFamily="18" charset="0"/>
+                <a:cs typeface="Times New Roman" panose="02020603050405020304" pitchFamily="18" charset="0"/>
+              </a:rPr>
+              <a:t>các</a:t>
+            </a:r>
+            <a:r>
+              <a:rPr lang="en-US" dirty="0">
+                <a:latin typeface="+mj-lt"/>
+                <a:ea typeface="Times New Roman" panose="02020603050405020304" pitchFamily="18" charset="0"/>
+                <a:cs typeface="Times New Roman" panose="02020603050405020304" pitchFamily="18" charset="0"/>
+              </a:rPr>
+              <a:t> </a:t>
+            </a:r>
+            <a:r>
+              <a:rPr lang="en-US" dirty="0" err="1">
+                <a:latin typeface="+mj-lt"/>
+                <a:ea typeface="Times New Roman" panose="02020603050405020304" pitchFamily="18" charset="0"/>
+                <a:cs typeface="Times New Roman" panose="02020603050405020304" pitchFamily="18" charset="0"/>
+              </a:rPr>
+              <a:t>sản</a:t>
+            </a:r>
+            <a:r>
+              <a:rPr lang="en-US" dirty="0">
+                <a:latin typeface="+mj-lt"/>
+                <a:ea typeface="Times New Roman" panose="02020603050405020304" pitchFamily="18" charset="0"/>
+                <a:cs typeface="Times New Roman" panose="02020603050405020304" pitchFamily="18" charset="0"/>
+              </a:rPr>
+              <a:t> </a:t>
+            </a:r>
+            <a:r>
+              <a:rPr lang="en-US" dirty="0" err="1">
+                <a:latin typeface="+mj-lt"/>
+                <a:ea typeface="Times New Roman" panose="02020603050405020304" pitchFamily="18" charset="0"/>
+                <a:cs typeface="Times New Roman" panose="02020603050405020304" pitchFamily="18" charset="0"/>
+              </a:rPr>
+              <a:t>phẩm</a:t>
+            </a:r>
+            <a:r>
+              <a:rPr lang="en-US" dirty="0">
+                <a:latin typeface="+mj-lt"/>
+                <a:ea typeface="Times New Roman" panose="02020603050405020304" pitchFamily="18" charset="0"/>
+                <a:cs typeface="Times New Roman" panose="02020603050405020304" pitchFamily="18" charset="0"/>
+              </a:rPr>
+              <a:t> </a:t>
+            </a:r>
+            <a:r>
+              <a:rPr lang="en-US" dirty="0" err="1">
+                <a:latin typeface="+mj-lt"/>
+                <a:ea typeface="Times New Roman" panose="02020603050405020304" pitchFamily="18" charset="0"/>
+                <a:cs typeface="Times New Roman" panose="02020603050405020304" pitchFamily="18" charset="0"/>
+              </a:rPr>
+              <a:t>quần</a:t>
+            </a:r>
+            <a:r>
+              <a:rPr lang="en-US" dirty="0">
+                <a:latin typeface="+mj-lt"/>
+                <a:ea typeface="Times New Roman" panose="02020603050405020304" pitchFamily="18" charset="0"/>
+                <a:cs typeface="Times New Roman" panose="02020603050405020304" pitchFamily="18" charset="0"/>
+              </a:rPr>
+              <a:t> </a:t>
+            </a:r>
+            <a:r>
+              <a:rPr lang="en-US" dirty="0" err="1">
+                <a:latin typeface="+mj-lt"/>
+                <a:ea typeface="Times New Roman" panose="02020603050405020304" pitchFamily="18" charset="0"/>
+                <a:cs typeface="Times New Roman" panose="02020603050405020304" pitchFamily="18" charset="0"/>
+              </a:rPr>
+              <a:t>áo</a:t>
+            </a:r>
+            <a:r>
+              <a:rPr lang="en-US" dirty="0">
+                <a:latin typeface="+mj-lt"/>
+                <a:ea typeface="Times New Roman" panose="02020603050405020304" pitchFamily="18" charset="0"/>
+                <a:cs typeface="Times New Roman" panose="02020603050405020304" pitchFamily="18" charset="0"/>
+              </a:rPr>
+              <a:t>.</a:t>
+            </a:r>
+          </a:p>
+          <a:p>
+            <a:pPr marL="285750" lvl="0" indent="-285750" algn="just">
+              <a:lnSpc>
+                <a:spcPct val="150000"/>
+              </a:lnSpc>
+              <a:buFont typeface="Arial" panose="020B0604020202020204" pitchFamily="34" charset="0"/>
+              <a:buChar char="•"/>
+              <a:tabLst>
+                <a:tab pos="5562600" algn="l"/>
+              </a:tabLst>
+            </a:pPr>
+            <a:r>
+              <a:rPr lang="en-US" dirty="0" err="1">
+                <a:latin typeface="+mj-lt"/>
+                <a:ea typeface="Times New Roman" panose="02020603050405020304" pitchFamily="18" charset="0"/>
+                <a:cs typeface="Times New Roman" panose="02020603050405020304" pitchFamily="18" charset="0"/>
+              </a:rPr>
+              <a:t>Ngoài</a:t>
+            </a:r>
+            <a:r>
+              <a:rPr lang="en-US" dirty="0">
+                <a:latin typeface="+mj-lt"/>
+                <a:ea typeface="Times New Roman" panose="02020603050405020304" pitchFamily="18" charset="0"/>
+                <a:cs typeface="Times New Roman" panose="02020603050405020304" pitchFamily="18" charset="0"/>
+              </a:rPr>
+              <a:t> </a:t>
+            </a:r>
+            <a:r>
+              <a:rPr lang="en-US" dirty="0" err="1">
+                <a:latin typeface="+mj-lt"/>
+                <a:ea typeface="Times New Roman" panose="02020603050405020304" pitchFamily="18" charset="0"/>
+                <a:cs typeface="Times New Roman" panose="02020603050405020304" pitchFamily="18" charset="0"/>
+              </a:rPr>
+              <a:t>ra</a:t>
+            </a:r>
+            <a:r>
+              <a:rPr lang="en-US" dirty="0">
+                <a:latin typeface="+mj-lt"/>
+                <a:ea typeface="Times New Roman" panose="02020603050405020304" pitchFamily="18" charset="0"/>
+                <a:cs typeface="Times New Roman" panose="02020603050405020304" pitchFamily="18" charset="0"/>
+              </a:rPr>
+              <a:t> shop </a:t>
+            </a:r>
+            <a:r>
+              <a:rPr lang="en-US" dirty="0" err="1">
+                <a:latin typeface="+mj-lt"/>
+                <a:ea typeface="Times New Roman" panose="02020603050405020304" pitchFamily="18" charset="0"/>
+                <a:cs typeface="Times New Roman" panose="02020603050405020304" pitchFamily="18" charset="0"/>
+              </a:rPr>
+              <a:t>còn</a:t>
+            </a:r>
+            <a:r>
+              <a:rPr lang="en-US" dirty="0">
+                <a:latin typeface="+mj-lt"/>
+                <a:ea typeface="Times New Roman" panose="02020603050405020304" pitchFamily="18" charset="0"/>
+                <a:cs typeface="Times New Roman" panose="02020603050405020304" pitchFamily="18" charset="0"/>
+              </a:rPr>
+              <a:t> </a:t>
+            </a:r>
+            <a:r>
+              <a:rPr lang="en-US" dirty="0" err="1">
+                <a:latin typeface="+mj-lt"/>
+                <a:ea typeface="Times New Roman" panose="02020603050405020304" pitchFamily="18" charset="0"/>
+                <a:cs typeface="Times New Roman" panose="02020603050405020304" pitchFamily="18" charset="0"/>
+              </a:rPr>
+              <a:t>kinh</a:t>
+            </a:r>
+            <a:r>
+              <a:rPr lang="en-US" dirty="0">
+                <a:latin typeface="+mj-lt"/>
+                <a:ea typeface="Times New Roman" panose="02020603050405020304" pitchFamily="18" charset="0"/>
+                <a:cs typeface="Times New Roman" panose="02020603050405020304" pitchFamily="18" charset="0"/>
+              </a:rPr>
+              <a:t> </a:t>
+            </a:r>
+            <a:r>
+              <a:rPr lang="en-US" dirty="0" err="1">
+                <a:latin typeface="+mj-lt"/>
+                <a:ea typeface="Times New Roman" panose="02020603050405020304" pitchFamily="18" charset="0"/>
+                <a:cs typeface="Times New Roman" panose="02020603050405020304" pitchFamily="18" charset="0"/>
+              </a:rPr>
+              <a:t>doanh</a:t>
+            </a:r>
+            <a:r>
+              <a:rPr lang="en-US" dirty="0">
+                <a:latin typeface="+mj-lt"/>
+                <a:ea typeface="Times New Roman" panose="02020603050405020304" pitchFamily="18" charset="0"/>
+                <a:cs typeface="Times New Roman" panose="02020603050405020304" pitchFamily="18" charset="0"/>
+              </a:rPr>
+              <a:t> </a:t>
+            </a:r>
+            <a:r>
+              <a:rPr lang="en-US" dirty="0" err="1">
+                <a:latin typeface="+mj-lt"/>
+                <a:ea typeface="Times New Roman" panose="02020603050405020304" pitchFamily="18" charset="0"/>
+                <a:cs typeface="Times New Roman" panose="02020603050405020304" pitchFamily="18" charset="0"/>
+              </a:rPr>
+              <a:t>thêm</a:t>
+            </a:r>
+            <a:r>
+              <a:rPr lang="en-US" dirty="0">
+                <a:latin typeface="+mj-lt"/>
+                <a:ea typeface="Times New Roman" panose="02020603050405020304" pitchFamily="18" charset="0"/>
+                <a:cs typeface="Times New Roman" panose="02020603050405020304" pitchFamily="18" charset="0"/>
+              </a:rPr>
+              <a:t> </a:t>
+            </a:r>
+            <a:r>
+              <a:rPr lang="en-US" dirty="0" err="1">
+                <a:latin typeface="+mj-lt"/>
+                <a:ea typeface="Times New Roman" panose="02020603050405020304" pitchFamily="18" charset="0"/>
+                <a:cs typeface="Times New Roman" panose="02020603050405020304" pitchFamily="18" charset="0"/>
+              </a:rPr>
+              <a:t>về</a:t>
+            </a:r>
+            <a:r>
+              <a:rPr lang="en-US" dirty="0">
+                <a:latin typeface="+mj-lt"/>
+                <a:ea typeface="Times New Roman" panose="02020603050405020304" pitchFamily="18" charset="0"/>
+                <a:cs typeface="Times New Roman" panose="02020603050405020304" pitchFamily="18" charset="0"/>
+              </a:rPr>
+              <a:t> </a:t>
+            </a:r>
+            <a:r>
+              <a:rPr lang="en-US" dirty="0" err="1">
+                <a:latin typeface="+mj-lt"/>
+                <a:ea typeface="Times New Roman" panose="02020603050405020304" pitchFamily="18" charset="0"/>
+                <a:cs typeface="Times New Roman" panose="02020603050405020304" pitchFamily="18" charset="0"/>
+              </a:rPr>
+              <a:t>đồng</a:t>
+            </a:r>
+            <a:r>
+              <a:rPr lang="en-US" dirty="0">
+                <a:latin typeface="+mj-lt"/>
+                <a:ea typeface="Times New Roman" panose="02020603050405020304" pitchFamily="18" charset="0"/>
+                <a:cs typeface="Times New Roman" panose="02020603050405020304" pitchFamily="18" charset="0"/>
+              </a:rPr>
+              <a:t> </a:t>
+            </a:r>
+            <a:r>
+              <a:rPr lang="en-US" dirty="0" err="1">
+                <a:latin typeface="+mj-lt"/>
+                <a:ea typeface="Times New Roman" panose="02020603050405020304" pitchFamily="18" charset="0"/>
+                <a:cs typeface="Times New Roman" panose="02020603050405020304" pitchFamily="18" charset="0"/>
+              </a:rPr>
+              <a:t>hồ</a:t>
+            </a:r>
+            <a:r>
+              <a:rPr lang="en-US" dirty="0">
+                <a:latin typeface="+mj-lt"/>
+                <a:ea typeface="Times New Roman" panose="02020603050405020304" pitchFamily="18" charset="0"/>
+                <a:cs typeface="Times New Roman" panose="02020603050405020304" pitchFamily="18" charset="0"/>
+              </a:rPr>
+              <a:t>, </a:t>
+            </a:r>
+            <a:r>
+              <a:rPr lang="en-US" dirty="0" err="1">
+                <a:latin typeface="+mj-lt"/>
+                <a:ea typeface="Times New Roman" panose="02020603050405020304" pitchFamily="18" charset="0"/>
+                <a:cs typeface="Times New Roman" panose="02020603050405020304" pitchFamily="18" charset="0"/>
+              </a:rPr>
+              <a:t>giày</a:t>
+            </a:r>
+            <a:r>
+              <a:rPr lang="en-US" dirty="0">
+                <a:latin typeface="+mj-lt"/>
+                <a:ea typeface="Times New Roman" panose="02020603050405020304" pitchFamily="18" charset="0"/>
+                <a:cs typeface="Times New Roman" panose="02020603050405020304" pitchFamily="18" charset="0"/>
+              </a:rPr>
+              <a:t>, </a:t>
+            </a:r>
+            <a:r>
+              <a:rPr lang="en-US" dirty="0" err="1">
+                <a:latin typeface="+mj-lt"/>
+                <a:ea typeface="Times New Roman" panose="02020603050405020304" pitchFamily="18" charset="0"/>
+                <a:cs typeface="Times New Roman" panose="02020603050405020304" pitchFamily="18" charset="0"/>
+              </a:rPr>
+              <a:t>phụ</a:t>
+            </a:r>
+            <a:r>
+              <a:rPr lang="en-US" dirty="0">
+                <a:latin typeface="+mj-lt"/>
+                <a:ea typeface="Times New Roman" panose="02020603050405020304" pitchFamily="18" charset="0"/>
+                <a:cs typeface="Times New Roman" panose="02020603050405020304" pitchFamily="18" charset="0"/>
+              </a:rPr>
+              <a:t> </a:t>
+            </a:r>
+            <a:r>
+              <a:rPr lang="en-US" dirty="0" err="1">
+                <a:latin typeface="+mj-lt"/>
+                <a:ea typeface="Times New Roman" panose="02020603050405020304" pitchFamily="18" charset="0"/>
+                <a:cs typeface="Times New Roman" panose="02020603050405020304" pitchFamily="18" charset="0"/>
+              </a:rPr>
+              <a:t>kiện</a:t>
+            </a:r>
+            <a:r>
+              <a:rPr lang="en-US" dirty="0">
+                <a:latin typeface="+mj-lt"/>
+                <a:ea typeface="Times New Roman" panose="02020603050405020304" pitchFamily="18" charset="0"/>
+                <a:cs typeface="Times New Roman" panose="02020603050405020304" pitchFamily="18" charset="0"/>
+              </a:rPr>
+              <a:t>.</a:t>
+            </a:r>
+          </a:p>
+        </p:txBody>
+      </p:sp>
+    </p:spTree>
+  </p:cSld>
+  <p:clrMapOvr>
+    <a:masterClrMapping/>
+  </p:clrMapOvr>
+  <p:timing>
+    <p:tnLst>
+      <p:par>
+        <p:cTn id="1" dur="indefinite" restart="never" nodeType="tmRoot">
+          <p:childTnLst>
+            <p:seq concurrent="1" nextAc="seek">
+              <p:cTn id="2" dur="indefinite" nodeType="mainSeq">
+                <p:childTnLst>
+                  <p:par>
+                    <p:cTn id="3" fill="hold">
+                      <p:stCondLst>
+                        <p:cond delay="indefinite"/>
+                      </p:stCondLst>
+                      <p:childTnLst>
+                        <p:par>
+                          <p:cTn id="4" fill="hold">
+                            <p:stCondLst>
+                              <p:cond delay="0"/>
+                            </p:stCondLst>
+                            <p:childTnLst>
+                              <p:par>
+                                <p:cTn id="5" presetID="21" presetClass="entr" presetSubtype="1" fill="hold" grpId="0" nodeType="clickEffect">
+                                  <p:stCondLst>
+                                    <p:cond delay="0"/>
+                                  </p:stCondLst>
+                                  <p:childTnLst>
+                                    <p:set>
+                                      <p:cBhvr>
+                                        <p:cTn id="6" dur="1" fill="hold">
+                                          <p:stCondLst>
+                                            <p:cond delay="0"/>
+                                          </p:stCondLst>
+                                        </p:cTn>
+                                        <p:tgtEl>
+                                          <p:spTgt spid="24"/>
+                                        </p:tgtEl>
+                                        <p:attrNameLst>
+                                          <p:attrName>style.visibility</p:attrName>
+                                        </p:attrNameLst>
+                                      </p:cBhvr>
+                                      <p:to>
+                                        <p:strVal val="visible"/>
+                                      </p:to>
+                                    </p:set>
+                                    <p:animEffect transition="in" filter="wheel(1)">
+                                      <p:cBhvr>
+                                        <p:cTn id="7" dur="2000"/>
+                                        <p:tgtEl>
+                                          <p:spTgt spid="24"/>
+                                        </p:tgtEl>
+                                      </p:cBhvr>
+                                    </p:animEffect>
+                                  </p:childTnLst>
+                                </p:cTn>
+                              </p:par>
+                            </p:childTnLst>
+                          </p:cTn>
+                        </p:par>
+                      </p:childTnLst>
+                    </p:cTn>
+                  </p:par>
+                  <p:par>
+                    <p:cTn id="8" fill="hold">
+                      <p:stCondLst>
+                        <p:cond delay="indefinite"/>
+                      </p:stCondLst>
+                      <p:childTnLst>
+                        <p:par>
+                          <p:cTn id="9" fill="hold">
+                            <p:stCondLst>
+                              <p:cond delay="0"/>
+                            </p:stCondLst>
+                            <p:childTnLst>
+                              <p:par>
+                                <p:cTn id="10" presetID="14" presetClass="entr" presetSubtype="10" fill="hold" grpId="0" nodeType="clickEffect">
+                                  <p:stCondLst>
+                                    <p:cond delay="0"/>
+                                  </p:stCondLst>
+                                  <p:childTnLst>
+                                    <p:set>
+                                      <p:cBhvr>
+                                        <p:cTn id="11" dur="1" fill="hold">
+                                          <p:stCondLst>
+                                            <p:cond delay="0"/>
+                                          </p:stCondLst>
+                                        </p:cTn>
+                                        <p:tgtEl>
+                                          <p:spTgt spid="25"/>
+                                        </p:tgtEl>
+                                        <p:attrNameLst>
+                                          <p:attrName>style.visibility</p:attrName>
+                                        </p:attrNameLst>
+                                      </p:cBhvr>
+                                      <p:to>
+                                        <p:strVal val="visible"/>
+                                      </p:to>
+                                    </p:set>
+                                    <p:animEffect transition="in" filter="randombar(horizontal)">
+                                      <p:cBhvr>
+                                        <p:cTn id="12" dur="500"/>
+                                        <p:tgtEl>
+                                          <p:spTgt spid="25"/>
+                                        </p:tgtEl>
+                                      </p:cBhvr>
+                                    </p:animEffect>
+                                  </p:childTnLst>
+                                </p:cTn>
+                              </p:par>
+                            </p:childTnLst>
+                          </p:cTn>
+                        </p:par>
+                      </p:childTnLst>
+                    </p:cTn>
+                  </p:par>
+                  <p:par>
+                    <p:cTn id="13" fill="hold">
+                      <p:stCondLst>
+                        <p:cond delay="indefinite"/>
+                      </p:stCondLst>
+                      <p:childTnLst>
+                        <p:par>
+                          <p:cTn id="14" fill="hold">
+                            <p:stCondLst>
+                              <p:cond delay="0"/>
+                            </p:stCondLst>
+                            <p:childTnLst>
+                              <p:par>
+                                <p:cTn id="15" presetID="14" presetClass="entr" presetSubtype="10" fill="hold" grpId="0" nodeType="clickEffect">
+                                  <p:stCondLst>
+                                    <p:cond delay="0"/>
+                                  </p:stCondLst>
+                                  <p:childTnLst>
+                                    <p:set>
+                                      <p:cBhvr>
+                                        <p:cTn id="16" dur="1" fill="hold">
+                                          <p:stCondLst>
+                                            <p:cond delay="0"/>
+                                          </p:stCondLst>
+                                        </p:cTn>
+                                        <p:tgtEl>
+                                          <p:spTgt spid="3"/>
+                                        </p:tgtEl>
+                                        <p:attrNameLst>
+                                          <p:attrName>style.visibility</p:attrName>
+                                        </p:attrNameLst>
+                                      </p:cBhvr>
+                                      <p:to>
+                                        <p:strVal val="visible"/>
+                                      </p:to>
+                                    </p:set>
+                                    <p:animEffect transition="in" filter="randombar(horizontal)">
+                                      <p:cBhvr>
+                                        <p:cTn id="17" dur="500"/>
+                                        <p:tgtEl>
+                                          <p:spTgt spid="3"/>
+                                        </p:tgtEl>
+                                      </p:cBhvr>
+                                    </p:animEffect>
+                                  </p:childTnLst>
+                                </p:cTn>
+                              </p:par>
+                            </p:childTnLst>
+                          </p:cTn>
+                        </p:par>
+                      </p:childTnLst>
+                    </p:cTn>
+                  </p:par>
+                  <p:par>
+                    <p:cTn id="18" fill="hold">
+                      <p:stCondLst>
+                        <p:cond delay="indefinite"/>
+                      </p:stCondLst>
+                      <p:childTnLst>
+                        <p:par>
+                          <p:cTn id="19" fill="hold">
+                            <p:stCondLst>
+                              <p:cond delay="0"/>
+                            </p:stCondLst>
+                            <p:childTnLst>
+                              <p:par>
+                                <p:cTn id="20" presetID="14" presetClass="entr" presetSubtype="10" fill="hold" nodeType="clickEffect">
+                                  <p:stCondLst>
+                                    <p:cond delay="0"/>
+                                  </p:stCondLst>
+                                  <p:childTnLst>
+                                    <p:set>
+                                      <p:cBhvr>
+                                        <p:cTn id="21" dur="1" fill="hold">
+                                          <p:stCondLst>
+                                            <p:cond delay="0"/>
+                                          </p:stCondLst>
+                                        </p:cTn>
+                                        <p:tgtEl>
+                                          <p:spTgt spid="2">
+                                            <p:txEl>
+                                              <p:pRg st="0" end="0"/>
+                                            </p:txEl>
+                                          </p:spTgt>
+                                        </p:tgtEl>
+                                        <p:attrNameLst>
+                                          <p:attrName>style.visibility</p:attrName>
+                                        </p:attrNameLst>
+                                      </p:cBhvr>
+                                      <p:to>
+                                        <p:strVal val="visible"/>
+                                      </p:to>
+                                    </p:set>
+                                    <p:animEffect transition="in" filter="randombar(horizontal)">
+                                      <p:cBhvr>
+                                        <p:cTn id="22" dur="500"/>
+                                        <p:tgtEl>
+                                          <p:spTgt spid="2">
+                                            <p:txEl>
+                                              <p:pRg st="0" end="0"/>
+                                            </p:txEl>
+                                          </p:spTgt>
+                                        </p:tgtEl>
+                                      </p:cBhvr>
+                                    </p:animEffect>
+                                  </p:childTnLst>
+                                </p:cTn>
+                              </p:par>
+                            </p:childTnLst>
+                          </p:cTn>
+                        </p:par>
+                      </p:childTnLst>
+                    </p:cTn>
+                  </p:par>
+                  <p:par>
+                    <p:cTn id="23" fill="hold">
+                      <p:stCondLst>
+                        <p:cond delay="indefinite"/>
+                      </p:stCondLst>
+                      <p:childTnLst>
+                        <p:par>
+                          <p:cTn id="24" fill="hold">
+                            <p:stCondLst>
+                              <p:cond delay="0"/>
+                            </p:stCondLst>
+                            <p:childTnLst>
+                              <p:par>
+                                <p:cTn id="25" presetID="14" presetClass="entr" presetSubtype="10" fill="hold" nodeType="clickEffect">
+                                  <p:stCondLst>
+                                    <p:cond delay="0"/>
+                                  </p:stCondLst>
+                                  <p:childTnLst>
+                                    <p:set>
+                                      <p:cBhvr>
+                                        <p:cTn id="26" dur="1" fill="hold">
+                                          <p:stCondLst>
+                                            <p:cond delay="0"/>
+                                          </p:stCondLst>
+                                        </p:cTn>
+                                        <p:tgtEl>
+                                          <p:spTgt spid="2">
+                                            <p:txEl>
+                                              <p:pRg st="1" end="1"/>
+                                            </p:txEl>
+                                          </p:spTgt>
+                                        </p:tgtEl>
+                                        <p:attrNameLst>
+                                          <p:attrName>style.visibility</p:attrName>
+                                        </p:attrNameLst>
+                                      </p:cBhvr>
+                                      <p:to>
+                                        <p:strVal val="visible"/>
+                                      </p:to>
+                                    </p:set>
+                                    <p:animEffect transition="in" filter="randombar(horizontal)">
+                                      <p:cBhvr>
+                                        <p:cTn id="27" dur="500"/>
+                                        <p:tgtEl>
+                                          <p:spTgt spid="2">
+                                            <p:txEl>
+                                              <p:pRg st="1" end="1"/>
+                                            </p:txEl>
+                                          </p:spTgt>
+                                        </p:tgtEl>
+                                      </p:cBhvr>
+                                    </p:animEffect>
+                                  </p:childTnLst>
+                                </p:cTn>
+                              </p:par>
+                            </p:childTnLst>
+                          </p:cTn>
+                        </p:par>
+                      </p:childTnLst>
+                    </p:cTn>
+                  </p:par>
+                  <p:par>
+                    <p:cTn id="28" fill="hold">
+                      <p:stCondLst>
+                        <p:cond delay="indefinite"/>
+                      </p:stCondLst>
+                      <p:childTnLst>
+                        <p:par>
+                          <p:cTn id="29" fill="hold">
+                            <p:stCondLst>
+                              <p:cond delay="0"/>
+                            </p:stCondLst>
+                            <p:childTnLst>
+                              <p:par>
+                                <p:cTn id="30" presetID="2" presetClass="entr" presetSubtype="4" fill="hold" nodeType="clickEffect">
+                                  <p:stCondLst>
+                                    <p:cond delay="0"/>
+                                  </p:stCondLst>
+                                  <p:childTnLst>
+                                    <p:set>
+                                      <p:cBhvr>
+                                        <p:cTn id="31" dur="1" fill="hold">
+                                          <p:stCondLst>
+                                            <p:cond delay="0"/>
+                                          </p:stCondLst>
+                                        </p:cTn>
+                                        <p:tgtEl>
+                                          <p:spTgt spid="2">
+                                            <p:txEl>
+                                              <p:pRg st="2" end="2"/>
+                                            </p:txEl>
+                                          </p:spTgt>
+                                        </p:tgtEl>
+                                        <p:attrNameLst>
+                                          <p:attrName>style.visibility</p:attrName>
+                                        </p:attrNameLst>
+                                      </p:cBhvr>
+                                      <p:to>
+                                        <p:strVal val="visible"/>
+                                      </p:to>
+                                    </p:set>
+                                    <p:anim calcmode="lin" valueType="num">
+                                      <p:cBhvr additive="base">
+                                        <p:cTn id="32" dur="500" fill="hold"/>
+                                        <p:tgtEl>
+                                          <p:spTgt spid="2">
+                                            <p:txEl>
+                                              <p:pRg st="2" end="2"/>
+                                            </p:txEl>
+                                          </p:spTgt>
+                                        </p:tgtEl>
+                                        <p:attrNameLst>
+                                          <p:attrName>ppt_x</p:attrName>
+                                        </p:attrNameLst>
+                                      </p:cBhvr>
+                                      <p:tavLst>
+                                        <p:tav tm="0">
+                                          <p:val>
+                                            <p:strVal val="#ppt_x"/>
+                                          </p:val>
+                                        </p:tav>
+                                        <p:tav tm="100000">
+                                          <p:val>
+                                            <p:strVal val="#ppt_x"/>
+                                          </p:val>
+                                        </p:tav>
+                                      </p:tavLst>
+                                    </p:anim>
+                                    <p:anim calcmode="lin" valueType="num">
+                                      <p:cBhvr additive="base">
+                                        <p:cTn id="33" dur="500" fill="hold"/>
+                                        <p:tgtEl>
+                                          <p:spTgt spid="2">
+                                            <p:txEl>
+                                              <p:pRg st="2" end="2"/>
+                                            </p:txEl>
+                                          </p:spTgt>
+                                        </p:tgtEl>
+                                        <p:attrNameLst>
+                                          <p:attrName>ppt_y</p:attrName>
+                                        </p:attrNameLst>
+                                      </p:cBhvr>
+                                      <p:tavLst>
+                                        <p:tav tm="0">
+                                          <p:val>
+                                            <p:strVal val="1+#ppt_h/2"/>
+                                          </p:val>
+                                        </p:tav>
+                                        <p:tav tm="100000">
+                                          <p:val>
+                                            <p:strVal val="#ppt_y"/>
+                                          </p:val>
+                                        </p:tav>
+                                      </p:tavLst>
+                                    </p:anim>
+                                  </p:childTnLst>
+                                </p:cTn>
+                              </p:par>
+                            </p:childTnLst>
+                          </p:cTn>
+                        </p:par>
+                      </p:childTnLst>
+                    </p:cTn>
+                  </p:par>
+                </p:childTnLst>
+              </p:cTn>
+              <p:prevCondLst>
+                <p:cond evt="onPrev" delay="0">
+                  <p:tgtEl>
+                    <p:sldTgt/>
+                  </p:tgtEl>
+                </p:cond>
+              </p:prevCondLst>
+              <p:nextCondLst>
+                <p:cond evt="onNext" delay="0">
+                  <p:tgtEl>
+                    <p:sldTgt/>
+                  </p:tgtEl>
+                </p:cond>
+              </p:nextCondLst>
+            </p:seq>
+          </p:childTnLst>
+        </p:cTn>
+      </p:par>
+    </p:tnLst>
+    <p:bldLst>
+      <p:bldP spid="24" grpId="0"/>
+      <p:bldP spid="25" grpId="0"/>
+      <p:bldP spid="3" grpId="0"/>
     </p:bldLst>
   </p:timing>
 </p:sld>
